--- a/LectureSlides/04_SamplingAndSimulation.pptx
+++ b/LectureSlides/04_SamplingAndSimulation.pptx
@@ -5,7 +5,7 @@
     <p:sldMasterId id="2147483648" r:id="rId1"/>
   </p:sldMasterIdLst>
   <p:sldIdLst>
-    <p:sldId id="256" r:id="rId2"/>
+    <p:sldId id="306" r:id="rId2"/>
     <p:sldId id="257" r:id="rId3"/>
     <p:sldId id="258" r:id="rId4"/>
     <p:sldId id="259" r:id="rId5"/>
@@ -347,7 +347,7 @@
           <a:p>
             <a:fld id="{241EB5C9-1307-BA42-ABA2-0BC069CD8E7F}" type="datetimeFigureOut">
               <a:rPr lang="en-US" smtClean="0"/>
-              <a:t>8/13/2024</a:t>
+              <a:t>9/7/2024</a:t>
             </a:fld>
             <a:endParaRPr lang="en-US"/>
           </a:p>
@@ -515,7 +515,7 @@
           <a:p>
             <a:fld id="{241EB5C9-1307-BA42-ABA2-0BC069CD8E7F}" type="datetimeFigureOut">
               <a:rPr lang="en-US" smtClean="0"/>
-              <a:t>8/13/2024</a:t>
+              <a:t>9/7/2024</a:t>
             </a:fld>
             <a:endParaRPr lang="en-US"/>
           </a:p>
@@ -693,7 +693,7 @@
           <a:p>
             <a:fld id="{241EB5C9-1307-BA42-ABA2-0BC069CD8E7F}" type="datetimeFigureOut">
               <a:rPr lang="en-US" smtClean="0"/>
-              <a:t>8/13/2024</a:t>
+              <a:t>9/7/2024</a:t>
             </a:fld>
             <a:endParaRPr lang="en-US"/>
           </a:p>
@@ -861,7 +861,7 @@
           <a:p>
             <a:fld id="{241EB5C9-1307-BA42-ABA2-0BC069CD8E7F}" type="datetimeFigureOut">
               <a:rPr lang="en-US" smtClean="0"/>
-              <a:t>8/13/2024</a:t>
+              <a:t>9/7/2024</a:t>
             </a:fld>
             <a:endParaRPr lang="en-US"/>
           </a:p>
@@ -1106,7 +1106,7 @@
           <a:p>
             <a:fld id="{241EB5C9-1307-BA42-ABA2-0BC069CD8E7F}" type="datetimeFigureOut">
               <a:rPr lang="en-US" smtClean="0"/>
-              <a:t>8/13/2024</a:t>
+              <a:t>9/7/2024</a:t>
             </a:fld>
             <a:endParaRPr lang="en-US"/>
           </a:p>
@@ -1391,7 +1391,7 @@
           <a:p>
             <a:fld id="{241EB5C9-1307-BA42-ABA2-0BC069CD8E7F}" type="datetimeFigureOut">
               <a:rPr lang="en-US" smtClean="0"/>
-              <a:t>8/13/2024</a:t>
+              <a:t>9/7/2024</a:t>
             </a:fld>
             <a:endParaRPr lang="en-US"/>
           </a:p>
@@ -1810,7 +1810,7 @@
           <a:p>
             <a:fld id="{241EB5C9-1307-BA42-ABA2-0BC069CD8E7F}" type="datetimeFigureOut">
               <a:rPr lang="en-US" smtClean="0"/>
-              <a:t>8/13/2024</a:t>
+              <a:t>9/7/2024</a:t>
             </a:fld>
             <a:endParaRPr lang="en-US"/>
           </a:p>
@@ -1927,7 +1927,7 @@
           <a:p>
             <a:fld id="{241EB5C9-1307-BA42-ABA2-0BC069CD8E7F}" type="datetimeFigureOut">
               <a:rPr lang="en-US" smtClean="0"/>
-              <a:t>8/13/2024</a:t>
+              <a:t>9/7/2024</a:t>
             </a:fld>
             <a:endParaRPr lang="en-US"/>
           </a:p>
@@ -2022,7 +2022,7 @@
           <a:p>
             <a:fld id="{241EB5C9-1307-BA42-ABA2-0BC069CD8E7F}" type="datetimeFigureOut">
               <a:rPr lang="en-US" smtClean="0"/>
-              <a:t>8/13/2024</a:t>
+              <a:t>9/7/2024</a:t>
             </a:fld>
             <a:endParaRPr lang="en-US"/>
           </a:p>
@@ -2297,7 +2297,7 @@
           <a:p>
             <a:fld id="{241EB5C9-1307-BA42-ABA2-0BC069CD8E7F}" type="datetimeFigureOut">
               <a:rPr lang="en-US" smtClean="0"/>
-              <a:t>8/13/2024</a:t>
+              <a:t>9/7/2024</a:t>
             </a:fld>
             <a:endParaRPr lang="en-US"/>
           </a:p>
@@ -2549,7 +2549,7 @@
           <a:p>
             <a:fld id="{241EB5C9-1307-BA42-ABA2-0BC069CD8E7F}" type="datetimeFigureOut">
               <a:rPr lang="en-US" smtClean="0"/>
-              <a:t>8/13/2024</a:t>
+              <a:t>9/7/2024</a:t>
             </a:fld>
             <a:endParaRPr lang="en-US"/>
           </a:p>
@@ -2760,7 +2760,7 @@
           <a:p>
             <a:fld id="{241EB5C9-1307-BA42-ABA2-0BC069CD8E7F}" type="datetimeFigureOut">
               <a:rPr lang="en-US" smtClean="0"/>
-              <a:t>8/13/2024</a:t>
+              <a:t>9/7/2024</a:t>
             </a:fld>
             <a:endParaRPr lang="en-US"/>
           </a:p>
@@ -3147,8 +3147,8 @@
         </p:nvSpPr>
         <p:spPr>
           <a:xfrm>
-            <a:off x="685800" y="1597819"/>
-            <a:ext cx="7772400" cy="1102519"/>
+            <a:off x="685800" y="517003"/>
+            <a:ext cx="7772400" cy="1515861"/>
           </a:xfrm>
         </p:spPr>
         <p:txBody>
@@ -3159,8 +3159,10 @@
               <a:buNone/>
             </a:pPr>
             <a:r>
+              <a:rPr lang="en-US" b="1" dirty="0"/>
               <a:t>Sampling and Simulation</a:t>
             </a:r>
+            <a:endParaRPr b="1" dirty="0"/>
           </a:p>
         </p:txBody>
       </p:sp>
@@ -3176,20 +3178,27 @@
         </p:nvSpPr>
         <p:spPr>
           <a:xfrm>
-            <a:off x="1371600" y="2914650"/>
-            <a:ext cx="6400800" cy="1314450"/>
+            <a:off x="1371600" y="1878957"/>
+            <a:ext cx="6400800" cy="563301"/>
           </a:xfrm>
         </p:spPr>
         <p:txBody>
-          <a:bodyPr/>
+          <a:bodyPr>
+            <a:normAutofit fontScale="32500" lnSpcReduction="20000"/>
+          </a:bodyPr>
           <a:lstStyle/>
           <a:p>
             <a:pPr marL="0" lvl="0" indent="0">
               <a:buNone/>
             </a:pPr>
-            <a:br/>
-            <a:br/>
-            <a:r>
+            <a:br>
+              <a:rPr dirty="0"/>
+            </a:br>
+            <a:br>
+              <a:rPr dirty="0"/>
+            </a:br>
+            <a:r>
+              <a:rPr sz="5900" b="1" dirty="0"/>
               <a:t>Steve Elston</a:t>
             </a:r>
           </a:p>
@@ -3214,7 +3223,94 @@
               <a:buNone/>
             </a:pPr>
             <a:r>
-              <a:t>09/22/2022</a:t>
+              <a:t>09/04/2023</a:t>
+            </a:r>
+          </a:p>
+        </p:txBody>
+      </p:sp>
+      <p:pic>
+        <p:nvPicPr>
+          <p:cNvPr id="5" name="Picture 2" descr="Image result for harvard extension school logo">
+            <a:extLst>
+              <a:ext uri="{FF2B5EF4-FFF2-40B4-BE49-F238E27FC236}">
+                <a16:creationId xmlns:a16="http://schemas.microsoft.com/office/drawing/2014/main" id="{4589CD93-89FF-3DF6-420D-DE6D671B6DD7}"/>
+              </a:ext>
+            </a:extLst>
+          </p:cNvPr>
+          <p:cNvPicPr>
+            <a:picLocks noChangeAspect="1" noChangeArrowheads="1"/>
+          </p:cNvPicPr>
+          <p:nvPr/>
+        </p:nvPicPr>
+        <p:blipFill>
+          <a:blip r:embed="rId2">
+            <a:extLst>
+              <a:ext uri="{28A0092B-C50C-407E-A947-70E740481C1C}">
+                <a14:useLocalDpi xmlns:a14="http://schemas.microsoft.com/office/drawing/2010/main" val="0"/>
+              </a:ext>
+            </a:extLst>
+          </a:blip>
+          <a:srcRect/>
+          <a:stretch>
+            <a:fillRect/>
+          </a:stretch>
+        </p:blipFill>
+        <p:spPr bwMode="auto">
+          <a:xfrm>
+            <a:off x="3291067" y="3659436"/>
+            <a:ext cx="2345803" cy="965131"/>
+          </a:xfrm>
+          <a:prstGeom prst="rect">
+            <a:avLst/>
+          </a:prstGeom>
+          <a:noFill/>
+          <a:extLst>
+            <a:ext uri="{909E8E84-426E-40DD-AFC4-6F175D3DCCD1}">
+              <a14:hiddenFill xmlns:a14="http://schemas.microsoft.com/office/drawing/2010/main">
+                <a:solidFill>
+                  <a:srgbClr val="FFFFFF"/>
+                </a:solidFill>
+              </a14:hiddenFill>
+            </a:ext>
+          </a:extLst>
+        </p:spPr>
+      </p:pic>
+      <p:sp>
+        <p:nvSpPr>
+          <p:cNvPr id="6" name="TextBox 5">
+            <a:extLst>
+              <a:ext uri="{FF2B5EF4-FFF2-40B4-BE49-F238E27FC236}">
+                <a16:creationId xmlns:a16="http://schemas.microsoft.com/office/drawing/2014/main" id="{E74191BF-5D24-EFDF-F46A-91EA7CBF856B}"/>
+              </a:ext>
+            </a:extLst>
+          </p:cNvPr>
+          <p:cNvSpPr txBox="1"/>
+          <p:nvPr/>
+        </p:nvSpPr>
+        <p:spPr>
+          <a:xfrm>
+            <a:off x="1805276" y="4705706"/>
+            <a:ext cx="5744633" cy="369332"/>
+          </a:xfrm>
+          <a:prstGeom prst="rect">
+            <a:avLst/>
+          </a:prstGeom>
+          <a:noFill/>
+        </p:spPr>
+        <p:txBody>
+          <a:bodyPr wrap="square" rtlCol="0">
+            <a:spAutoFit/>
+          </a:bodyPr>
+          <a:lstStyle/>
+          <a:p>
+            <a:pPr algn="ctr"/>
+            <a:r>
+              <a:rPr lang="en-US" sz="1100" dirty="0"/>
+              <a:t>Copyright 2018, 2019, 2020, 2021, 2022, 2023 2024, Stephen F Elston. All rights reserved</a:t>
+            </a:r>
+            <a:r>
+              <a:rPr lang="en-US" dirty="0"/>
+              <a:t>.</a:t>
             </a:r>
           </a:p>
         </p:txBody>
@@ -3532,8 +3628,8 @@
           </a:p>
         </p:txBody>
       </p:sp>
-      <mc:AlternateContent xmlns:mc="http://schemas.openxmlformats.org/markup-compatibility/2006">
-        <mc:Choice xmlns:a14="http://schemas.microsoft.com/office/drawing/2010/main" Requires="a14">
+      <mc:AlternateContent xmlns:mc="http://schemas.openxmlformats.org/markup-compatibility/2006" xmlns:a14="http://schemas.microsoft.com/office/drawing/2010/main">
+        <mc:Choice Requires="a14">
           <p:sp>
             <p:nvSpPr>
               <p:cNvPr id="3" name="Content Placeholder 2"/>
@@ -3781,7 +3877,7 @@
             </p:txBody>
           </p:sp>
         </mc:Choice>
-        <mc:Fallback>
+        <mc:Fallback xmlns="">
           <p:sp>
             <p:nvSpPr>
               <p:cNvPr id="3" name="Content Placeholder 2"/>
@@ -4135,8 +4231,8 @@
           </a:p>
         </p:txBody>
       </p:sp>
-      <mc:AlternateContent xmlns:mc="http://schemas.openxmlformats.org/markup-compatibility/2006">
-        <mc:Choice xmlns:a14="http://schemas.microsoft.com/office/drawing/2010/main" Requires="a14">
+      <mc:AlternateContent xmlns:mc="http://schemas.openxmlformats.org/markup-compatibility/2006" xmlns:a14="http://schemas.microsoft.com/office/drawing/2010/main">
+        <mc:Choice Requires="a14">
           <p:sp>
             <p:nvSpPr>
               <p:cNvPr id="3" name="Content Placeholder 2"/>
@@ -4505,7 +4601,7 @@
             </p:txBody>
           </p:sp>
         </mc:Choice>
-        <mc:Fallback>
+        <mc:Fallback xmlns="">
           <p:sp>
             <p:nvSpPr>
               <p:cNvPr id="3" name="Content Placeholder 2"/>
@@ -4853,8 +4949,8 @@
           </a:p>
         </p:txBody>
       </p:sp>
-      <mc:AlternateContent xmlns:mc="http://schemas.openxmlformats.org/markup-compatibility/2006">
-        <mc:Choice xmlns:a14="http://schemas.microsoft.com/office/drawing/2010/main" Requires="a14">
+      <mc:AlternateContent xmlns:mc="http://schemas.openxmlformats.org/markup-compatibility/2006" xmlns:a14="http://schemas.microsoft.com/office/drawing/2010/main">
+        <mc:Choice Requires="a14">
           <p:sp>
             <p:nvSpPr>
               <p:cNvPr id="4" name="Text Placeholder 3"/>
@@ -4967,7 +5063,7 @@
             </p:txBody>
           </p:sp>
         </mc:Choice>
-        <mc:Fallback>
+        <mc:Fallback xmlns="">
           <p:sp>
             <p:nvSpPr>
               <p:cNvPr id="4" name="Text Placeholder 3"/>
@@ -5244,8 +5340,8 @@
           </a:p>
         </p:txBody>
       </p:sp>
-      <mc:AlternateContent xmlns:mc="http://schemas.openxmlformats.org/markup-compatibility/2006">
-        <mc:Choice xmlns:a14="http://schemas.microsoft.com/office/drawing/2010/main" Requires="a14">
+      <mc:AlternateContent xmlns:mc="http://schemas.openxmlformats.org/markup-compatibility/2006" xmlns:a14="http://schemas.microsoft.com/office/drawing/2010/main">
+        <mc:Choice Requires="a14">
           <p:sp>
             <p:nvSpPr>
               <p:cNvPr id="3" name="Content Placeholder 2"/>
@@ -5533,7 +5629,7 @@
             </p:txBody>
           </p:sp>
         </mc:Choice>
-        <mc:Fallback>
+        <mc:Fallback xmlns="">
           <p:sp>
             <p:nvSpPr>
               <p:cNvPr id="3" name="Content Placeholder 2"/>
@@ -5616,8 +5712,8 @@
           </a:p>
         </p:txBody>
       </p:sp>
-      <mc:AlternateContent xmlns:mc="http://schemas.openxmlformats.org/markup-compatibility/2006">
-        <mc:Choice xmlns:a14="http://schemas.microsoft.com/office/drawing/2010/main" Requires="a14">
+      <mc:AlternateContent xmlns:mc="http://schemas.openxmlformats.org/markup-compatibility/2006" xmlns:a14="http://schemas.microsoft.com/office/drawing/2010/main">
+        <mc:Choice Requires="a14">
           <p:sp>
             <p:nvSpPr>
               <p:cNvPr id="3" name="Content Placeholder 2"/>
@@ -5768,7 +5864,7 @@
             </p:txBody>
           </p:sp>
         </mc:Choice>
-        <mc:Fallback>
+        <mc:Fallback xmlns="">
           <p:sp>
             <p:nvSpPr>
               <p:cNvPr id="3" name="Content Placeholder 2"/>
@@ -5851,8 +5947,8 @@
           </a:p>
         </p:txBody>
       </p:sp>
-      <mc:AlternateContent xmlns:mc="http://schemas.openxmlformats.org/markup-compatibility/2006" xmlns:a14="http://schemas.microsoft.com/office/drawing/2010/main">
-        <mc:Choice Requires="a14">
+      <mc:AlternateContent xmlns:mc="http://schemas.openxmlformats.org/markup-compatibility/2006">
+        <mc:Choice xmlns:a14="http://schemas.microsoft.com/office/drawing/2010/main" Requires="a14">
           <p:sp>
             <p:nvSpPr>
               <p:cNvPr id="3" name="Content Placeholder 2"/>
@@ -5872,6 +5968,7 @@
               <a:p>
                 <a:pPr lvl="0"/>
                 <a:r>
+                  <a:rPr lang="en-US" dirty="0"/>
                   <a:t>Axioms of probability; for discrete distribution</a:t>
                 </a:r>
               </a:p>
@@ -5886,19 +5983,19 @@
                     </m:oMathParaPr>
                     <m:oMath xmlns:m="http://schemas.openxmlformats.org/officeDocument/2006/math">
                       <m:r>
-                        <a:rPr>
+                        <a:rPr lang="en-US">
                           <a:latin typeface="Cambria Math" panose="02040503050406030204" pitchFamily="18" charset="0"/>
                         </a:rPr>
                         <m:t>0</m:t>
                       </m:r>
                       <m:r>
-                        <a:rPr>
+                        <a:rPr lang="en-US">
                           <a:latin typeface="Cambria Math" panose="02040503050406030204" pitchFamily="18" charset="0"/>
                         </a:rPr>
                         <m:t>≤</m:t>
                       </m:r>
                       <m:r>
-                        <a:rPr>
+                        <a:rPr lang="en-US">
                           <a:latin typeface="Cambria Math" panose="02040503050406030204" pitchFamily="18" charset="0"/>
                         </a:rPr>
                         <m:t>𝑃</m:t>
@@ -5906,14 +6003,14 @@
                       <m:d>
                         <m:dPr>
                           <m:ctrlPr>
-                            <a:rPr i="1">
+                            <a:rPr lang="ar-AE" i="1">
                               <a:latin typeface="Cambria Math" panose="02040503050406030204" pitchFamily="18" charset="0"/>
                             </a:rPr>
                           </m:ctrlPr>
                         </m:dPr>
                         <m:e>
                           <m:r>
-                            <a:rPr>
+                            <a:rPr lang="ar-AE">
                               <a:latin typeface="Cambria Math" panose="02040503050406030204" pitchFamily="18" charset="0"/>
                             </a:rPr>
                             <m:t>𝐴</m:t>
@@ -5921,13 +6018,13 @@
                         </m:e>
                       </m:d>
                       <m:r>
-                        <a:rPr>
+                        <a:rPr lang="ar-AE">
                           <a:latin typeface="Cambria Math" panose="02040503050406030204" pitchFamily="18" charset="0"/>
                         </a:rPr>
                         <m:t>≤</m:t>
                       </m:r>
                       <m:r>
-                        <a:rPr>
+                        <a:rPr lang="ar-AE">
                           <a:latin typeface="Cambria Math" panose="02040503050406030204" pitchFamily="18" charset="0"/>
                         </a:rPr>
                         <m:t>1</m:t>
@@ -5935,7 +6032,7 @@
                     </m:oMath>
                   </m:oMathPara>
                 </a14:m>
-                <a:endParaRPr/>
+                <a:endParaRPr lang="ar-AE" dirty="0"/>
               </a:p>
               <a:p>
                 <a:pPr marL="0" lvl="0" indent="0">
@@ -5948,7 +6045,7 @@
                     </m:oMathParaPr>
                     <m:oMath xmlns:m="http://schemas.openxmlformats.org/officeDocument/2006/math">
                       <m:r>
-                        <a:rPr>
+                        <a:rPr lang="ar-AE">
                           <a:latin typeface="Cambria Math" panose="02040503050406030204" pitchFamily="18" charset="0"/>
                         </a:rPr>
                         <m:t>𝑃</m:t>
@@ -5956,14 +6053,14 @@
                       <m:d>
                         <m:dPr>
                           <m:ctrlPr>
-                            <a:rPr i="1">
+                            <a:rPr lang="ar-AE" i="1">
                               <a:latin typeface="Cambria Math" panose="02040503050406030204" pitchFamily="18" charset="0"/>
                             </a:rPr>
                           </m:ctrlPr>
                         </m:dPr>
                         <m:e>
                           <m:r>
-                            <a:rPr>
+                            <a:rPr lang="ar-AE">
                               <a:latin typeface="Cambria Math" panose="02040503050406030204" pitchFamily="18" charset="0"/>
                             </a:rPr>
                             <m:t>𝑆</m:t>
@@ -5971,7 +6068,7 @@
                         </m:e>
                       </m:d>
                       <m:r>
-                        <a:rPr>
+                        <a:rPr lang="ar-AE">
                           <a:latin typeface="Cambria Math" panose="02040503050406030204" pitchFamily="18" charset="0"/>
                         </a:rPr>
                         <m:t>=</m:t>
@@ -5981,7 +6078,7 @@
                           <m:chr m:val="∑"/>
                           <m:limLoc m:val="undOvr"/>
                           <m:ctrlPr>
-                            <a:rPr i="1">
+                            <a:rPr lang="ar-AE" i="1">
                               <a:latin typeface="Cambria Math" panose="02040503050406030204" pitchFamily="18" charset="0"/>
                             </a:rPr>
                           </m:ctrlPr>
@@ -5990,14 +6087,14 @@
                           <m:sSub>
                             <m:sSubPr>
                               <m:ctrlPr>
-                                <a:rPr i="1">
+                                <a:rPr lang="ar-AE" i="1">
                                   <a:latin typeface="Cambria Math" panose="02040503050406030204" pitchFamily="18" charset="0"/>
                                 </a:rPr>
                               </m:ctrlPr>
                             </m:sSubPr>
                             <m:e>
                               <m:r>
-                                <a:rPr>
+                                <a:rPr lang="ar-AE">
                                   <a:latin typeface="Cambria Math" panose="02040503050406030204" pitchFamily="18" charset="0"/>
                                 </a:rPr>
                                 <m:t>𝑎</m:t>
@@ -6005,7 +6102,7 @@
                             </m:e>
                             <m:sub>
                               <m:r>
-                                <a:rPr>
+                                <a:rPr lang="ar-AE">
                                   <a:latin typeface="Cambria Math" panose="02040503050406030204" pitchFamily="18" charset="0"/>
                                 </a:rPr>
                                 <m:t>𝑖</m:t>
@@ -6013,13 +6110,13 @@
                             </m:sub>
                           </m:sSub>
                           <m:r>
-                            <a:rPr>
+                            <a:rPr lang="ar-AE">
                               <a:latin typeface="Cambria Math" panose="02040503050406030204" pitchFamily="18" charset="0"/>
                             </a:rPr>
                             <m:t>∈</m:t>
                           </m:r>
                           <m:r>
-                            <a:rPr>
+                            <a:rPr lang="ar-AE">
                               <a:latin typeface="Cambria Math" panose="02040503050406030204" pitchFamily="18" charset="0"/>
                             </a:rPr>
                             <m:t>𝐴</m:t>
@@ -6027,7 +6124,7 @@
                         </m:sub>
                         <m:sup>
                           <m:r>
-                            <a:rPr>
+                            <a:rPr lang="ar-AE">
                               <a:latin typeface="Cambria Math" panose="02040503050406030204" pitchFamily="18" charset="0"/>
                             </a:rPr>
                             <m:t>​</m:t>
@@ -6035,7 +6132,7 @@
                         </m:sup>
                         <m:e>
                           <m:r>
-                            <a:rPr>
+                            <a:rPr lang="ar-AE">
                               <a:latin typeface="Cambria Math" panose="02040503050406030204" pitchFamily="18" charset="0"/>
                             </a:rPr>
                             <m:t>𝑃</m:t>
@@ -6045,7 +6142,7 @@
                       <m:d>
                         <m:dPr>
                           <m:ctrlPr>
-                            <a:rPr i="1">
+                            <a:rPr lang="ar-AE" i="1">
                               <a:latin typeface="Cambria Math" panose="02040503050406030204" pitchFamily="18" charset="0"/>
                             </a:rPr>
                           </m:ctrlPr>
@@ -6054,14 +6151,14 @@
                           <m:sSub>
                             <m:sSubPr>
                               <m:ctrlPr>
-                                <a:rPr i="1">
+                                <a:rPr lang="ar-AE" i="1">
                                   <a:latin typeface="Cambria Math" panose="02040503050406030204" pitchFamily="18" charset="0"/>
                                 </a:rPr>
                               </m:ctrlPr>
                             </m:sSubPr>
                             <m:e>
                               <m:r>
-                                <a:rPr>
+                                <a:rPr lang="ar-AE">
                                   <a:latin typeface="Cambria Math" panose="02040503050406030204" pitchFamily="18" charset="0"/>
                                 </a:rPr>
                                 <m:t>𝑎</m:t>
@@ -6069,7 +6166,7 @@
                             </m:e>
                             <m:sub>
                               <m:r>
-                                <a:rPr>
+                                <a:rPr lang="ar-AE">
                                   <a:latin typeface="Cambria Math" panose="02040503050406030204" pitchFamily="18" charset="0"/>
                                 </a:rPr>
                                 <m:t>𝑖</m:t>
@@ -6079,13 +6176,13 @@
                         </m:e>
                       </m:d>
                       <m:r>
-                        <a:rPr>
+                        <a:rPr lang="ar-AE">
                           <a:latin typeface="Cambria Math" panose="02040503050406030204" pitchFamily="18" charset="0"/>
                         </a:rPr>
                         <m:t>=</m:t>
                       </m:r>
                       <m:r>
-                        <a:rPr>
+                        <a:rPr lang="ar-AE">
                           <a:latin typeface="Cambria Math" panose="02040503050406030204" pitchFamily="18" charset="0"/>
                         </a:rPr>
                         <m:t>1</m:t>
@@ -6093,19 +6190,160 @@
                     </m:oMath>
                   </m:oMathPara>
                 </a14:m>
-                <a:endParaRPr/>
+                <a:endParaRPr lang="ar-AE" dirty="0"/>
               </a:p>
               <a:p>
                 <a:pPr marL="0" lvl="0" indent="0">
                   <a:buNone/>
                 </a:pPr>
-                <a:r>
-                  <a:t>$$P(A\ \cup B) = P(A) + P(B)\\ if\ A \perp B$$</a:t>
-                </a:r>
+                <a14:m>
+                  <m:oMathPara xmlns:m="http://schemas.openxmlformats.org/officeDocument/2006/math">
+                    <m:oMathParaPr>
+                      <m:jc m:val="centerGroup"/>
+                    </m:oMathParaPr>
+                    <m:oMath xmlns:m="http://schemas.openxmlformats.org/officeDocument/2006/math">
+                      <m:r>
+                        <a:rPr lang="en-US" b="0" i="1" smtClean="0">
+                          <a:latin typeface="Cambria Math" panose="02040503050406030204" pitchFamily="18" charset="0"/>
+                        </a:rPr>
+                        <m:t>𝑃</m:t>
+                      </m:r>
+                      <m:d>
+                        <m:dPr>
+                          <m:ctrlPr>
+                            <a:rPr lang="en-US" b="0" i="1" smtClean="0">
+                              <a:latin typeface="Cambria Math" panose="02040503050406030204" pitchFamily="18" charset="0"/>
+                            </a:rPr>
+                          </m:ctrlPr>
+                        </m:dPr>
+                        <m:e>
+                          <m:r>
+                            <a:rPr lang="en-US" b="0" i="1" smtClean="0">
+                              <a:latin typeface="Cambria Math" panose="02040503050406030204" pitchFamily="18" charset="0"/>
+                            </a:rPr>
+                            <m:t>𝐴</m:t>
+                          </m:r>
+                          <m:r>
+                            <a:rPr lang="en-US" b="0" i="1" smtClean="0">
+                              <a:latin typeface="Cambria Math" panose="02040503050406030204" pitchFamily="18" charset="0"/>
+                              <a:ea typeface="Cambria Math" panose="02040503050406030204" pitchFamily="18" charset="0"/>
+                            </a:rPr>
+                            <m:t>∪</m:t>
+                          </m:r>
+                          <m:r>
+                            <a:rPr lang="en-US" b="0" i="1" smtClean="0">
+                              <a:latin typeface="Cambria Math" panose="02040503050406030204" pitchFamily="18" charset="0"/>
+                              <a:ea typeface="Cambria Math" panose="02040503050406030204" pitchFamily="18" charset="0"/>
+                            </a:rPr>
+                            <m:t>𝐵</m:t>
+                          </m:r>
+                        </m:e>
+                      </m:d>
+                      <m:r>
+                        <a:rPr lang="en-US" b="0" i="1" smtClean="0">
+                          <a:latin typeface="Cambria Math" panose="02040503050406030204" pitchFamily="18" charset="0"/>
+                        </a:rPr>
+                        <m:t>=</m:t>
+                      </m:r>
+                      <m:r>
+                        <a:rPr lang="en-US" b="0" i="1" smtClean="0">
+                          <a:latin typeface="Cambria Math" panose="02040503050406030204" pitchFamily="18" charset="0"/>
+                        </a:rPr>
+                        <m:t>𝑃</m:t>
+                      </m:r>
+                      <m:d>
+                        <m:dPr>
+                          <m:ctrlPr>
+                            <a:rPr lang="en-US" b="0" i="1" smtClean="0">
+                              <a:latin typeface="Cambria Math" panose="02040503050406030204" pitchFamily="18" charset="0"/>
+                            </a:rPr>
+                          </m:ctrlPr>
+                        </m:dPr>
+                        <m:e>
+                          <m:r>
+                            <a:rPr lang="en-US" b="0" i="1" smtClean="0">
+                              <a:latin typeface="Cambria Math" panose="02040503050406030204" pitchFamily="18" charset="0"/>
+                            </a:rPr>
+                            <m:t>𝐴</m:t>
+                          </m:r>
+                        </m:e>
+                      </m:d>
+                      <m:r>
+                        <a:rPr lang="en-US" b="0" i="1" smtClean="0">
+                          <a:latin typeface="Cambria Math" panose="02040503050406030204" pitchFamily="18" charset="0"/>
+                        </a:rPr>
+                        <m:t>+</m:t>
+                      </m:r>
+                      <m:r>
+                        <a:rPr lang="en-US" b="0" i="1" smtClean="0">
+                          <a:latin typeface="Cambria Math" panose="02040503050406030204" pitchFamily="18" charset="0"/>
+                        </a:rPr>
+                        <m:t>𝑃</m:t>
+                      </m:r>
+                      <m:d>
+                        <m:dPr>
+                          <m:ctrlPr>
+                            <a:rPr lang="en-US" b="0" i="1" smtClean="0">
+                              <a:latin typeface="Cambria Math" panose="02040503050406030204" pitchFamily="18" charset="0"/>
+                            </a:rPr>
+                          </m:ctrlPr>
+                        </m:dPr>
+                        <m:e>
+                          <m:r>
+                            <a:rPr lang="en-US" b="0" i="1" smtClean="0">
+                              <a:latin typeface="Cambria Math" panose="02040503050406030204" pitchFamily="18" charset="0"/>
+                            </a:rPr>
+                            <m:t>𝐵</m:t>
+                          </m:r>
+                        </m:e>
+                      </m:d>
+                      <m:r>
+                        <a:rPr lang="en-US" b="0" i="1" smtClean="0">
+                          <a:latin typeface="Cambria Math" panose="02040503050406030204" pitchFamily="18" charset="0"/>
+                        </a:rPr>
+                        <m:t> </m:t>
+                      </m:r>
+                      <m:r>
+                        <a:rPr lang="en-US" b="0" i="1" smtClean="0">
+                          <a:latin typeface="Cambria Math" panose="02040503050406030204" pitchFamily="18" charset="0"/>
+                        </a:rPr>
+                        <m:t>𝑖𝑓</m:t>
+                      </m:r>
+                      <m:r>
+                        <a:rPr lang="en-US" b="0" i="1" smtClean="0">
+                          <a:latin typeface="Cambria Math" panose="02040503050406030204" pitchFamily="18" charset="0"/>
+                        </a:rPr>
+                        <m:t> </m:t>
+                      </m:r>
+                      <m:r>
+                        <a:rPr lang="en-US" b="0" i="1" smtClean="0">
+                          <a:latin typeface="Cambria Math" panose="02040503050406030204" pitchFamily="18" charset="0"/>
+                        </a:rPr>
+                        <m:t>𝐴</m:t>
+                      </m:r>
+                      <m:r>
+                        <a:rPr lang="en-US" b="0" i="1" smtClean="0">
+                          <a:latin typeface="Cambria Math" panose="02040503050406030204" pitchFamily="18" charset="0"/>
+                          <a:ea typeface="Cambria Math" panose="02040503050406030204" pitchFamily="18" charset="0"/>
+                        </a:rPr>
+                        <m:t>⊥</m:t>
+                      </m:r>
+                      <m:r>
+                        <a:rPr lang="en-US" b="0" i="1" smtClean="0">
+                          <a:latin typeface="Cambria Math" panose="02040503050406030204" pitchFamily="18" charset="0"/>
+                          <a:ea typeface="Cambria Math" panose="02040503050406030204" pitchFamily="18" charset="0"/>
+                        </a:rPr>
+                        <m:t>𝐵</m:t>
+                      </m:r>
+                    </m:oMath>
+                  </m:oMathPara>
+                </a14:m>
+                <a:endParaRPr lang="en-US" dirty="0"/>
               </a:p>
               <a:p>
                 <a:pPr lvl="0"/>
                 <a:r>
+                  <a:rPr lang="en-US" dirty="0"/>
                   <a:t>Expectation</a:t>
                 </a:r>
               </a:p>
@@ -6123,7 +6361,7 @@
                         <m:rPr>
                           <m:sty m:val="p"/>
                         </m:rPr>
-                        <a:rPr>
+                        <a:rPr lang="en-US">
                           <a:latin typeface="Cambria Math" panose="02040503050406030204" pitchFamily="18" charset="0"/>
                         </a:rPr>
                         <m:t>E</m:t>
@@ -6133,14 +6371,14 @@
                           <m:begChr m:val="["/>
                           <m:endChr m:val="]"/>
                           <m:ctrlPr>
-                            <a:rPr i="1">
+                            <a:rPr lang="ar-AE" i="1">
                               <a:latin typeface="Cambria Math" panose="02040503050406030204" pitchFamily="18" charset="0"/>
                             </a:rPr>
                           </m:ctrlPr>
                         </m:dPr>
                         <m:e>
                           <m:r>
-                            <a:rPr>
+                            <a:rPr lang="ar-AE">
                               <a:latin typeface="Cambria Math" panose="02040503050406030204" pitchFamily="18" charset="0"/>
                             </a:rPr>
                             <m:t>𝐗</m:t>
@@ -6148,7 +6386,7 @@
                         </m:e>
                       </m:d>
                       <m:r>
-                        <a:rPr>
+                        <a:rPr lang="ar-AE">
                           <a:latin typeface="Cambria Math" panose="02040503050406030204" pitchFamily="18" charset="0"/>
                         </a:rPr>
                         <m:t>=</m:t>
@@ -6158,26 +6396,26 @@
                           <m:chr m:val="∑"/>
                           <m:limLoc m:val="undOvr"/>
                           <m:ctrlPr>
-                            <a:rPr i="1">
+                            <a:rPr lang="ar-AE" i="1">
                               <a:latin typeface="Cambria Math" panose="02040503050406030204" pitchFamily="18" charset="0"/>
                             </a:rPr>
                           </m:ctrlPr>
                         </m:naryPr>
                         <m:sub>
                           <m:r>
-                            <a:rPr>
+                            <a:rPr lang="ar-AE">
                               <a:latin typeface="Cambria Math" panose="02040503050406030204" pitchFamily="18" charset="0"/>
                             </a:rPr>
                             <m:t>𝑖</m:t>
                           </m:r>
                           <m:r>
-                            <a:rPr>
+                            <a:rPr lang="ar-AE">
                               <a:latin typeface="Cambria Math" panose="02040503050406030204" pitchFamily="18" charset="0"/>
                             </a:rPr>
                             <m:t>=</m:t>
                           </m:r>
                           <m:r>
-                            <a:rPr>
+                            <a:rPr lang="ar-AE">
                               <a:latin typeface="Cambria Math" panose="02040503050406030204" pitchFamily="18" charset="0"/>
                             </a:rPr>
                             <m:t>1</m:t>
@@ -6185,7 +6423,7 @@
                         </m:sub>
                         <m:sup>
                           <m:r>
-                            <a:rPr>
+                            <a:rPr lang="ar-AE">
                               <a:latin typeface="Cambria Math" panose="02040503050406030204" pitchFamily="18" charset="0"/>
                             </a:rPr>
                             <m:t>𝑛</m:t>
@@ -6195,14 +6433,14 @@
                           <m:sSub>
                             <m:sSubPr>
                               <m:ctrlPr>
-                                <a:rPr i="1">
+                                <a:rPr lang="ar-AE" i="1">
                                   <a:latin typeface="Cambria Math" panose="02040503050406030204" pitchFamily="18" charset="0"/>
                                 </a:rPr>
                               </m:ctrlPr>
                             </m:sSubPr>
                             <m:e>
                               <m:r>
-                                <a:rPr>
+                                <a:rPr lang="ar-AE">
                                   <a:latin typeface="Cambria Math" panose="02040503050406030204" pitchFamily="18" charset="0"/>
                                 </a:rPr>
                                 <m:t>𝑥</m:t>
@@ -6210,7 +6448,7 @@
                             </m:e>
                             <m:sub>
                               <m:r>
-                                <a:rPr>
+                                <a:rPr lang="ar-AE">
                                   <a:latin typeface="Cambria Math" panose="02040503050406030204" pitchFamily="18" charset="0"/>
                                 </a:rPr>
                                 <m:t>𝑖</m:t>
@@ -6220,13 +6458,13 @@
                         </m:e>
                       </m:nary>
                       <m:r>
-                        <a:rPr>
+                        <a:rPr lang="ar-AE">
                           <a:latin typeface="Cambria Math" panose="02040503050406030204" pitchFamily="18" charset="0"/>
                         </a:rPr>
                         <m:t> </m:t>
                       </m:r>
                       <m:r>
-                        <a:rPr>
+                        <a:rPr lang="ar-AE">
                           <a:latin typeface="Cambria Math" panose="02040503050406030204" pitchFamily="18" charset="0"/>
                         </a:rPr>
                         <m:t>𝑝</m:t>
@@ -6234,7 +6472,7 @@
                       <m:d>
                         <m:dPr>
                           <m:ctrlPr>
-                            <a:rPr i="1">
+                            <a:rPr lang="ar-AE" i="1">
                               <a:latin typeface="Cambria Math" panose="02040503050406030204" pitchFamily="18" charset="0"/>
                             </a:rPr>
                           </m:ctrlPr>
@@ -6243,14 +6481,14 @@
                           <m:sSub>
                             <m:sSubPr>
                               <m:ctrlPr>
-                                <a:rPr i="1">
+                                <a:rPr lang="ar-AE" i="1">
                                   <a:latin typeface="Cambria Math" panose="02040503050406030204" pitchFamily="18" charset="0"/>
                                 </a:rPr>
                               </m:ctrlPr>
                             </m:sSubPr>
                             <m:e>
                               <m:r>
-                                <a:rPr>
+                                <a:rPr lang="ar-AE">
                                   <a:latin typeface="Cambria Math" panose="02040503050406030204" pitchFamily="18" charset="0"/>
                                 </a:rPr>
                                 <m:t>𝑥</m:t>
@@ -6258,7 +6496,7 @@
                             </m:e>
                             <m:sub>
                               <m:r>
-                                <a:rPr>
+                                <a:rPr lang="ar-AE">
                                   <a:latin typeface="Cambria Math" panose="02040503050406030204" pitchFamily="18" charset="0"/>
                                 </a:rPr>
                                 <m:t>𝑖</m:t>
@@ -6270,12 +6508,12 @@
                     </m:oMath>
                   </m:oMathPara>
                 </a14:m>
-                <a:endParaRPr/>
+                <a:endParaRPr dirty="0"/>
               </a:p>
             </p:txBody>
           </p:sp>
         </mc:Choice>
-        <mc:Fallback xmlns="">
+        <mc:Fallback>
           <p:sp>
             <p:nvSpPr>
               <p:cNvPr id="3" name="Content Placeholder 2"/>
@@ -6290,7 +6528,7 @@
               <a:blipFill>
                 <a:blip r:embed="rId2"/>
                 <a:stretch>
-                  <a:fillRect l="-963" t="-1257"/>
+                  <a:fillRect l="-815" t="-1257"/>
                 </a:stretch>
               </a:blipFill>
             </p:spPr>
@@ -6560,8 +6798,8 @@
           </a:prstGeom>
         </p:spPr>
       </p:pic>
-      <mc:AlternateContent xmlns:mc="http://schemas.openxmlformats.org/markup-compatibility/2006">
-        <mc:Choice xmlns:a14="http://schemas.microsoft.com/office/drawing/2010/main" Requires="a14">
+      <mc:AlternateContent xmlns:mc="http://schemas.openxmlformats.org/markup-compatibility/2006" xmlns:a14="http://schemas.microsoft.com/office/drawing/2010/main">
+        <mc:Choice Requires="a14">
           <p:sp>
             <p:nvSpPr>
               <p:cNvPr id="7" name="Content Placeholder 2">
@@ -6628,13 +6866,7 @@
                       <a:rPr>
                         <a:latin typeface="Cambria Math" panose="02040503050406030204" pitchFamily="18" charset="0"/>
                       </a:rPr>
-                      <m:t>=</m:t>
-                    </m:r>
-                    <m:r>
-                      <a:rPr>
-                        <a:latin typeface="Cambria Math" panose="02040503050406030204" pitchFamily="18" charset="0"/>
-                      </a:rPr>
-                      <m:t>50</m:t>
+                      <m:t>=50</m:t>
                     </m:r>
                   </m:oMath>
                 </a14:m>
@@ -6676,7 +6908,7 @@
             </p:txBody>
           </p:sp>
         </mc:Choice>
-        <mc:Fallback>
+        <mc:Fallback xmlns="">
           <p:sp>
             <p:nvSpPr>
               <p:cNvPr id="7" name="Content Placeholder 2">
@@ -6771,8 +7003,8 @@
           </a:p>
         </p:txBody>
       </p:sp>
-      <mc:AlternateContent xmlns:mc="http://schemas.openxmlformats.org/markup-compatibility/2006">
-        <mc:Choice xmlns:a14="http://schemas.microsoft.com/office/drawing/2010/main" Requires="a14">
+      <mc:AlternateContent xmlns:mc="http://schemas.openxmlformats.org/markup-compatibility/2006" xmlns:a14="http://schemas.microsoft.com/office/drawing/2010/main">
+        <mc:Choice Requires="a14">
           <p:sp>
             <p:nvSpPr>
               <p:cNvPr id="3" name="Content Placeholder 2"/>
@@ -6953,7 +7185,7 @@
             </p:txBody>
           </p:sp>
         </mc:Choice>
-        <mc:Fallback>
+        <mc:Fallback xmlns="">
           <p:sp>
             <p:nvSpPr>
               <p:cNvPr id="3" name="Content Placeholder 2"/>
@@ -7042,8 +7274,8 @@
           </a:p>
         </p:txBody>
       </p:sp>
-      <mc:AlternateContent xmlns:mc="http://schemas.openxmlformats.org/markup-compatibility/2006">
-        <mc:Choice xmlns:a14="http://schemas.microsoft.com/office/drawing/2010/main" Requires="a14">
+      <mc:AlternateContent xmlns:mc="http://schemas.openxmlformats.org/markup-compatibility/2006" xmlns:a14="http://schemas.microsoft.com/office/drawing/2010/main">
+        <mc:Choice Requires="a14">
           <p:sp>
             <p:nvSpPr>
               <p:cNvPr id="3" name="Content Placeholder 2"/>
@@ -7188,31 +7420,7 @@
                         <a:rPr>
                           <a:latin typeface="Cambria Math" panose="02040503050406030204" pitchFamily="18" charset="0"/>
                         </a:rPr>
-                        <m:t>±</m:t>
-                      </m:r>
-                      <m:r>
-                        <a:rPr>
-                          <a:latin typeface="Cambria Math" panose="02040503050406030204" pitchFamily="18" charset="0"/>
-                        </a:rPr>
-                        <m:t>1</m:t>
-                      </m:r>
-                      <m:r>
-                        <a:rPr>
-                          <a:latin typeface="Cambria Math" panose="02040503050406030204" pitchFamily="18" charset="0"/>
-                        </a:rPr>
-                        <m:t>.</m:t>
-                      </m:r>
-                      <m:r>
-                        <a:rPr>
-                          <a:latin typeface="Cambria Math" panose="02040503050406030204" pitchFamily="18" charset="0"/>
-                        </a:rPr>
-                        <m:t>96</m:t>
-                      </m:r>
-                      <m:r>
-                        <a:rPr>
-                          <a:latin typeface="Cambria Math" panose="02040503050406030204" pitchFamily="18" charset="0"/>
-                        </a:rPr>
-                        <m:t> </m:t>
+                        <m:t>±1.96 </m:t>
                       </m:r>
                       <m:r>
                         <a:rPr>
@@ -7228,7 +7436,7 @@
             </p:txBody>
           </p:sp>
         </mc:Choice>
-        <mc:Fallback>
+        <mc:Fallback xmlns="">
           <p:sp>
             <p:nvSpPr>
               <p:cNvPr id="3" name="Content Placeholder 2"/>
@@ -7574,8 +7782,8 @@
           </a:p>
         </p:txBody>
       </p:sp>
-      <mc:AlternateContent xmlns:mc="http://schemas.openxmlformats.org/markup-compatibility/2006">
-        <mc:Choice xmlns:a14="http://schemas.microsoft.com/office/drawing/2010/main" Requires="a14">
+      <mc:AlternateContent xmlns:mc="http://schemas.openxmlformats.org/markup-compatibility/2006" xmlns:a14="http://schemas.microsoft.com/office/drawing/2010/main">
+        <mc:Choice Requires="a14">
           <p:sp>
             <p:nvSpPr>
               <p:cNvPr id="3" name="Content Placeholder 2"/>
@@ -7653,7 +7861,7 @@
             </p:txBody>
           </p:sp>
         </mc:Choice>
-        <mc:Fallback>
+        <mc:Fallback xmlns="">
           <p:sp>
             <p:nvSpPr>
               <p:cNvPr id="3" name="Content Placeholder 2"/>
@@ -7882,8 +8090,8 @@
           </a:p>
         </p:txBody>
       </p:sp>
-      <mc:AlternateContent xmlns:mc="http://schemas.openxmlformats.org/markup-compatibility/2006">
-        <mc:Choice xmlns:a14="http://schemas.microsoft.com/office/drawing/2010/main" Requires="a14">
+      <mc:AlternateContent xmlns:mc="http://schemas.openxmlformats.org/markup-compatibility/2006" xmlns:a14="http://schemas.microsoft.com/office/drawing/2010/main">
+        <mc:Choice Requires="a14">
           <p:sp>
             <p:nvSpPr>
               <p:cNvPr id="4" name="Text Placeholder 3"/>
@@ -8076,7 +8284,7 @@
             </p:txBody>
           </p:sp>
         </mc:Choice>
-        <mc:Fallback>
+        <mc:Fallback xmlns="">
           <p:sp>
             <p:nvSpPr>
               <p:cNvPr id="4" name="Text Placeholder 3"/>
@@ -8201,8 +8409,8 @@
           </a:p>
         </p:txBody>
       </p:sp>
-      <mc:AlternateContent xmlns:mc="http://schemas.openxmlformats.org/markup-compatibility/2006">
-        <mc:Choice xmlns:a14="http://schemas.microsoft.com/office/drawing/2010/main" Requires="a14">
+      <mc:AlternateContent xmlns:mc="http://schemas.openxmlformats.org/markup-compatibility/2006" xmlns:a14="http://schemas.microsoft.com/office/drawing/2010/main">
+        <mc:Choice Requires="a14">
           <p:sp>
             <p:nvSpPr>
               <p:cNvPr id="4" name="Text Placeholder 3"/>
@@ -8310,7 +8518,7 @@
             </p:txBody>
           </p:sp>
         </mc:Choice>
-        <mc:Fallback>
+        <mc:Fallback xmlns="">
           <p:sp>
             <p:nvSpPr>
               <p:cNvPr id="4" name="Text Placeholder 3"/>
@@ -8427,8 +8635,8 @@
           </a:p>
         </p:txBody>
       </p:sp>
-      <mc:AlternateContent xmlns:mc="http://schemas.openxmlformats.org/markup-compatibility/2006">
-        <mc:Choice xmlns:a14="http://schemas.microsoft.com/office/drawing/2010/main" Requires="a14">
+      <mc:AlternateContent xmlns:mc="http://schemas.openxmlformats.org/markup-compatibility/2006" xmlns:a14="http://schemas.microsoft.com/office/drawing/2010/main">
+        <mc:Choice Requires="a14">
           <p:sp>
             <p:nvSpPr>
               <p:cNvPr id="3" name="Content Placeholder 2"/>
@@ -9209,7 +9417,7 @@
             </p:txBody>
           </p:sp>
         </mc:Choice>
-        <mc:Fallback>
+        <mc:Fallback xmlns="">
           <p:sp>
             <p:nvSpPr>
               <p:cNvPr id="3" name="Content Placeholder 2"/>
@@ -10634,8 +10842,8 @@
           </a:p>
         </p:txBody>
       </p:sp>
-      <mc:AlternateContent xmlns:mc="http://schemas.openxmlformats.org/markup-compatibility/2006">
-        <mc:Choice xmlns:a14="http://schemas.microsoft.com/office/drawing/2010/main" Requires="a14">
+      <mc:AlternateContent xmlns:mc="http://schemas.openxmlformats.org/markup-compatibility/2006" xmlns:a14="http://schemas.microsoft.com/office/drawing/2010/main">
+        <mc:Choice Requires="a14">
           <p:sp>
             <p:nvSpPr>
               <p:cNvPr id="3" name="Content Placeholder 2"/>
@@ -10904,7 +11112,7 @@
             </p:txBody>
           </p:sp>
         </mc:Choice>
-        <mc:Fallback>
+        <mc:Fallback xmlns="">
           <p:sp>
             <p:nvSpPr>
               <p:cNvPr id="3" name="Content Placeholder 2"/>
@@ -11966,8 +12174,8 @@
           </a:p>
         </p:txBody>
       </p:sp>
-      <mc:AlternateContent xmlns:mc="http://schemas.openxmlformats.org/markup-compatibility/2006">
-        <mc:Choice xmlns:a14="http://schemas.microsoft.com/office/drawing/2010/main" Requires="a14">
+      <mc:AlternateContent xmlns:mc="http://schemas.openxmlformats.org/markup-compatibility/2006" xmlns:a14="http://schemas.microsoft.com/office/drawing/2010/main">
+        <mc:Choice Requires="a14">
           <p:sp>
             <p:nvSpPr>
               <p:cNvPr id="3" name="Content Placeholder 2"/>
@@ -12417,13 +12625,7 @@
                         <a:rPr>
                           <a:latin typeface="Cambria Math" panose="02040503050406030204" pitchFamily="18" charset="0"/>
                         </a:rPr>
-                        <m:t>2</m:t>
-                      </m:r>
-                      <m:r>
-                        <a:rPr>
-                          <a:latin typeface="Cambria Math" panose="02040503050406030204" pitchFamily="18" charset="0"/>
-                        </a:rPr>
-                        <m:t>,…,</m:t>
+                        <m:t>2,…,</m:t>
                       </m:r>
                       <m:r>
                         <a:rPr>
@@ -12717,7 +12919,7 @@
             </p:txBody>
           </p:sp>
         </mc:Choice>
-        <mc:Fallback>
+        <mc:Fallback xmlns="">
           <p:sp>
             <p:nvSpPr>
               <p:cNvPr id="3" name="Content Placeholder 2"/>

--- a/LectureSlides/04_SamplingAndSimulation.pptx
+++ b/LectureSlides/04_SamplingAndSimulation.pptx
@@ -347,7 +347,7 @@
           <a:p>
             <a:fld id="{241EB5C9-1307-BA42-ABA2-0BC069CD8E7F}" type="datetimeFigureOut">
               <a:rPr lang="en-US" smtClean="0"/>
-              <a:t>9/7/2024</a:t>
+              <a:t>9/8/2024</a:t>
             </a:fld>
             <a:endParaRPr lang="en-US"/>
           </a:p>
@@ -515,7 +515,7 @@
           <a:p>
             <a:fld id="{241EB5C9-1307-BA42-ABA2-0BC069CD8E7F}" type="datetimeFigureOut">
               <a:rPr lang="en-US" smtClean="0"/>
-              <a:t>9/7/2024</a:t>
+              <a:t>9/8/2024</a:t>
             </a:fld>
             <a:endParaRPr lang="en-US"/>
           </a:p>
@@ -693,7 +693,7 @@
           <a:p>
             <a:fld id="{241EB5C9-1307-BA42-ABA2-0BC069CD8E7F}" type="datetimeFigureOut">
               <a:rPr lang="en-US" smtClean="0"/>
-              <a:t>9/7/2024</a:t>
+              <a:t>9/8/2024</a:t>
             </a:fld>
             <a:endParaRPr lang="en-US"/>
           </a:p>
@@ -861,7 +861,7 @@
           <a:p>
             <a:fld id="{241EB5C9-1307-BA42-ABA2-0BC069CD8E7F}" type="datetimeFigureOut">
               <a:rPr lang="en-US" smtClean="0"/>
-              <a:t>9/7/2024</a:t>
+              <a:t>9/8/2024</a:t>
             </a:fld>
             <a:endParaRPr lang="en-US"/>
           </a:p>
@@ -1106,7 +1106,7 @@
           <a:p>
             <a:fld id="{241EB5C9-1307-BA42-ABA2-0BC069CD8E7F}" type="datetimeFigureOut">
               <a:rPr lang="en-US" smtClean="0"/>
-              <a:t>9/7/2024</a:t>
+              <a:t>9/8/2024</a:t>
             </a:fld>
             <a:endParaRPr lang="en-US"/>
           </a:p>
@@ -1391,7 +1391,7 @@
           <a:p>
             <a:fld id="{241EB5C9-1307-BA42-ABA2-0BC069CD8E7F}" type="datetimeFigureOut">
               <a:rPr lang="en-US" smtClean="0"/>
-              <a:t>9/7/2024</a:t>
+              <a:t>9/8/2024</a:t>
             </a:fld>
             <a:endParaRPr lang="en-US"/>
           </a:p>
@@ -1810,7 +1810,7 @@
           <a:p>
             <a:fld id="{241EB5C9-1307-BA42-ABA2-0BC069CD8E7F}" type="datetimeFigureOut">
               <a:rPr lang="en-US" smtClean="0"/>
-              <a:t>9/7/2024</a:t>
+              <a:t>9/8/2024</a:t>
             </a:fld>
             <a:endParaRPr lang="en-US"/>
           </a:p>
@@ -1927,7 +1927,7 @@
           <a:p>
             <a:fld id="{241EB5C9-1307-BA42-ABA2-0BC069CD8E7F}" type="datetimeFigureOut">
               <a:rPr lang="en-US" smtClean="0"/>
-              <a:t>9/7/2024</a:t>
+              <a:t>9/8/2024</a:t>
             </a:fld>
             <a:endParaRPr lang="en-US"/>
           </a:p>
@@ -2022,7 +2022,7 @@
           <a:p>
             <a:fld id="{241EB5C9-1307-BA42-ABA2-0BC069CD8E7F}" type="datetimeFigureOut">
               <a:rPr lang="en-US" smtClean="0"/>
-              <a:t>9/7/2024</a:t>
+              <a:t>9/8/2024</a:t>
             </a:fld>
             <a:endParaRPr lang="en-US"/>
           </a:p>
@@ -2297,7 +2297,7 @@
           <a:p>
             <a:fld id="{241EB5C9-1307-BA42-ABA2-0BC069CD8E7F}" type="datetimeFigureOut">
               <a:rPr lang="en-US" smtClean="0"/>
-              <a:t>9/7/2024</a:t>
+              <a:t>9/8/2024</a:t>
             </a:fld>
             <a:endParaRPr lang="en-US"/>
           </a:p>
@@ -2549,7 +2549,7 @@
           <a:p>
             <a:fld id="{241EB5C9-1307-BA42-ABA2-0BC069CD8E7F}" type="datetimeFigureOut">
               <a:rPr lang="en-US" smtClean="0"/>
-              <a:t>9/7/2024</a:t>
+              <a:t>9/8/2024</a:t>
             </a:fld>
             <a:endParaRPr lang="en-US"/>
           </a:p>
@@ -2760,7 +2760,7 @@
           <a:p>
             <a:fld id="{241EB5C9-1307-BA42-ABA2-0BC069CD8E7F}" type="datetimeFigureOut">
               <a:rPr lang="en-US" smtClean="0"/>
-              <a:t>9/7/2024</a:t>
+              <a:t>9/8/2024</a:t>
             </a:fld>
             <a:endParaRPr lang="en-US"/>
           </a:p>
@@ -5707,7 +5707,20 @@
               <a:buNone/>
             </a:pPr>
             <a:r>
-              <a:t>importance of CLT</a:t>
+              <a:rPr lang="en-US" dirty="0"/>
+              <a:t>I</a:t>
+            </a:r>
+            <a:r>
+              <a:rPr dirty="0"/>
+              <a:t>mportance of</a:t>
+            </a:r>
+            <a:r>
+              <a:rPr lang="en-US" dirty="0"/>
+              <a:t> the</a:t>
+            </a:r>
+            <a:r>
+              <a:rPr dirty="0"/>
+              <a:t> CLT</a:t>
             </a:r>
           </a:p>
         </p:txBody>
@@ -5947,8 +5960,8 @@
           </a:p>
         </p:txBody>
       </p:sp>
-      <mc:AlternateContent xmlns:mc="http://schemas.openxmlformats.org/markup-compatibility/2006">
-        <mc:Choice xmlns:a14="http://schemas.microsoft.com/office/drawing/2010/main" Requires="a14">
+      <mc:AlternateContent xmlns:mc="http://schemas.openxmlformats.org/markup-compatibility/2006" xmlns:a14="http://schemas.microsoft.com/office/drawing/2010/main">
+        <mc:Choice Requires="a14">
           <p:sp>
             <p:nvSpPr>
               <p:cNvPr id="3" name="Content Placeholder 2"/>
@@ -6513,7 +6526,7 @@
             </p:txBody>
           </p:sp>
         </mc:Choice>
-        <mc:Fallback>
+        <mc:Fallback xmlns="">
           <p:sp>
             <p:nvSpPr>
               <p:cNvPr id="3" name="Content Placeholder 2"/>
@@ -6866,7 +6879,13 @@
                       <a:rPr>
                         <a:latin typeface="Cambria Math" panose="02040503050406030204" pitchFamily="18" charset="0"/>
                       </a:rPr>
-                      <m:t>=50</m:t>
+                      <m:t>=</m:t>
+                    </m:r>
+                    <m:r>
+                      <a:rPr>
+                        <a:latin typeface="Cambria Math" panose="02040503050406030204" pitchFamily="18" charset="0"/>
+                      </a:rPr>
+                      <m:t>50</m:t>
                     </m:r>
                   </m:oMath>
                 </a14:m>
@@ -7003,8 +7022,8 @@
           </a:p>
         </p:txBody>
       </p:sp>
-      <mc:AlternateContent xmlns:mc="http://schemas.openxmlformats.org/markup-compatibility/2006" xmlns:a14="http://schemas.microsoft.com/office/drawing/2010/main">
-        <mc:Choice Requires="a14">
+      <mc:AlternateContent xmlns:mc="http://schemas.openxmlformats.org/markup-compatibility/2006">
+        <mc:Choice xmlns:a14="http://schemas.microsoft.com/office/drawing/2010/main" Requires="a14">
           <p:sp>
             <p:nvSpPr>
               <p:cNvPr id="3" name="Content Placeholder 2"/>
@@ -7031,54 +7050,54 @@
                   <a:buNone/>
                 </a:pPr>
                 <a:r>
-                  <a:rPr dirty="0"/>
+                  <a:rPr lang="en-US" dirty="0"/>
                   <a:t>As we sampled from a Normal distribution, the sample means converges to the population mean</a:t>
                 </a:r>
               </a:p>
               <a:p>
                 <a:pPr lvl="0"/>
                 <a:r>
-                  <a:rPr dirty="0"/>
+                  <a:rPr lang="en-US" dirty="0"/>
                   <a:t>What can we say about the expected error of the mean estimate as the number of samples increases?</a:t>
                 </a:r>
               </a:p>
               <a:p>
                 <a:pPr lvl="1"/>
                 <a:r>
-                  <a:rPr dirty="0"/>
+                  <a:rPr lang="en-US" dirty="0"/>
                   <a:t>Population has standard deviation </a:t>
                 </a:r>
                 <a14:m>
                   <m:oMath xmlns:m="http://schemas.openxmlformats.org/officeDocument/2006/math">
                     <m:r>
-                      <a:rPr>
+                      <a:rPr lang="en-US">
                         <a:latin typeface="Cambria Math" panose="02040503050406030204" pitchFamily="18" charset="0"/>
                       </a:rPr>
                       <m:t>𝜎</m:t>
                     </m:r>
                   </m:oMath>
                 </a14:m>
-                <a:endParaRPr dirty="0"/>
+                <a:endParaRPr lang="en-US" dirty="0"/>
               </a:p>
               <a:p>
                 <a:pPr lvl="1"/>
                 <a:r>
-                  <a:rPr dirty="0"/>
+                  <a:rPr lang="en-US" dirty="0"/>
                   <a:t>This measure is known as the </a:t>
                 </a:r>
                 <a:r>
-                  <a:rPr b="1" dirty="0"/>
+                  <a:rPr lang="en-US" b="1" dirty="0"/>
                   <a:t>standard error</a:t>
                 </a:r>
                 <a:r>
-                  <a:rPr dirty="0"/>
+                  <a:rPr lang="en-US" dirty="0"/>
                   <a:t> of the sample mean</a:t>
                 </a:r>
               </a:p>
               <a:p>
                 <a:pPr lvl="1"/>
                 <a:r>
-                  <a:rPr dirty="0"/>
+                  <a:rPr lang="en-US" dirty="0"/>
                   <a:t>By the CLT the standard error is defined:</a:t>
                 </a:r>
               </a:p>
@@ -7093,13 +7112,13 @@
                     </m:oMathParaPr>
                     <m:oMath xmlns:m="http://schemas.openxmlformats.org/officeDocument/2006/math">
                       <m:r>
-                        <a:rPr>
+                        <a:rPr lang="en-US">
                           <a:latin typeface="Cambria Math" panose="02040503050406030204" pitchFamily="18" charset="0"/>
                         </a:rPr>
                         <m:t>𝑠𝑒</m:t>
                       </m:r>
                       <m:r>
-                        <a:rPr>
+                        <a:rPr lang="en-US">
                           <a:latin typeface="Cambria Math" panose="02040503050406030204" pitchFamily="18" charset="0"/>
                         </a:rPr>
                         <m:t>=±</m:t>
@@ -7107,14 +7126,14 @@
                       <m:f>
                         <m:fPr>
                           <m:ctrlPr>
-                            <a:rPr i="1">
+                            <a:rPr lang="ar-AE" i="1">
                               <a:latin typeface="Cambria Math" panose="02040503050406030204" pitchFamily="18" charset="0"/>
                             </a:rPr>
                           </m:ctrlPr>
                         </m:fPr>
                         <m:num>
                           <m:r>
-                            <a:rPr>
+                            <a:rPr lang="ar-AE">
                               <a:latin typeface="Cambria Math" panose="02040503050406030204" pitchFamily="18" charset="0"/>
                             </a:rPr>
                             <m:t>𝜎</m:t>
@@ -7124,24 +7143,34 @@
                           <m:rad>
                             <m:radPr>
                               <m:ctrlPr>
-                                <a:rPr i="1">
+                                <a:rPr lang="ar-AE" i="1">
                                   <a:latin typeface="Cambria Math" panose="02040503050406030204" pitchFamily="18" charset="0"/>
                                 </a:rPr>
                               </m:ctrlPr>
                             </m:radPr>
-                            <m:deg/>
+                            <m:deg>
+                              <m:r>
+                                <m:rPr>
+                                  <m:brk m:alnAt="7"/>
+                                </m:rPr>
+                                <a:rPr lang="ar-AE" b="0" i="1" smtClean="0">
+                                  <a:latin typeface="Cambria Math" panose="02040503050406030204" pitchFamily="18" charset="0"/>
+                                </a:rPr>
+                                <m:t> </m:t>
+                              </m:r>
+                            </m:deg>
                             <m:e>
                               <m:d>
                                 <m:dPr>
                                   <m:ctrlPr>
-                                    <a:rPr i="1">
+                                    <a:rPr lang="ar-AE" i="1">
                                       <a:latin typeface="Cambria Math" panose="02040503050406030204" pitchFamily="18" charset="0"/>
                                     </a:rPr>
                                   </m:ctrlPr>
                                 </m:dPr>
                                 <m:e>
                                   <m:r>
-                                    <a:rPr>
+                                    <a:rPr lang="ar-AE">
                                       <a:latin typeface="Cambria Math" panose="02040503050406030204" pitchFamily="18" charset="0"/>
                                     </a:rPr>
                                     <m:t>𝑛</m:t>
@@ -7155,37 +7184,38 @@
                     </m:oMath>
                   </m:oMathPara>
                 </a14:m>
-                <a:endParaRPr dirty="0"/>
+                <a:endParaRPr lang="ar-AE" dirty="0"/>
               </a:p>
               <a:p>
                 <a:pPr lvl="0"/>
                 <a:r>
-                  <a:rPr dirty="0"/>
+                  <a:rPr lang="en-US" dirty="0"/>
                   <a:t>Standard error decreases as the square root of </a:t>
                 </a:r>
                 <a14:m>
                   <m:oMath xmlns:m="http://schemas.openxmlformats.org/officeDocument/2006/math">
                     <m:r>
-                      <a:rPr>
+                      <a:rPr lang="en-US">
                         <a:latin typeface="Cambria Math" panose="02040503050406030204" pitchFamily="18" charset="0"/>
                       </a:rPr>
                       <m:t>𝑛</m:t>
                     </m:r>
                   </m:oMath>
                 </a14:m>
-                <a:endParaRPr dirty="0"/>
+                <a:endParaRPr lang="en-US" dirty="0"/>
               </a:p>
               <a:p>
                 <a:pPr lvl="0"/>
                 <a:r>
-                  <a:rPr dirty="0"/>
+                  <a:rPr lang="en-US" dirty="0"/>
                   <a:t>Example, if you wish to halve the error, you will need to sample four times as many values.</a:t>
                 </a:r>
+                <a:endParaRPr dirty="0"/>
               </a:p>
             </p:txBody>
           </p:sp>
         </mc:Choice>
-        <mc:Fallback xmlns="">
+        <mc:Fallback>
           <p:sp>
             <p:nvSpPr>
               <p:cNvPr id="3" name="Content Placeholder 2"/>
@@ -7420,7 +7450,31 @@
                         <a:rPr>
                           <a:latin typeface="Cambria Math" panose="02040503050406030204" pitchFamily="18" charset="0"/>
                         </a:rPr>
-                        <m:t>±1.96 </m:t>
+                        <m:t>±</m:t>
+                      </m:r>
+                      <m:r>
+                        <a:rPr>
+                          <a:latin typeface="Cambria Math" panose="02040503050406030204" pitchFamily="18" charset="0"/>
+                        </a:rPr>
+                        <m:t>1</m:t>
+                      </m:r>
+                      <m:r>
+                        <a:rPr>
+                          <a:latin typeface="Cambria Math" panose="02040503050406030204" pitchFamily="18" charset="0"/>
+                        </a:rPr>
+                        <m:t>.</m:t>
+                      </m:r>
+                      <m:r>
+                        <a:rPr>
+                          <a:latin typeface="Cambria Math" panose="02040503050406030204" pitchFamily="18" charset="0"/>
+                        </a:rPr>
+                        <m:t>96</m:t>
+                      </m:r>
+                      <m:r>
+                        <a:rPr>
+                          <a:latin typeface="Cambria Math" panose="02040503050406030204" pitchFamily="18" charset="0"/>
+                        </a:rPr>
+                        <m:t> </m:t>
                       </m:r>
                       <m:r>
                         <a:rPr>
@@ -8737,43 +8791,7 @@
                           <a:rPr>
                             <a:latin typeface="Cambria Math" panose="02040503050406030204" pitchFamily="18" charset="0"/>
                           </a:rPr>
-                          <m:t>0</m:t>
-                        </m:r>
-                        <m:r>
-                          <a:rPr>
-                            <a:latin typeface="Cambria Math" panose="02040503050406030204" pitchFamily="18" charset="0"/>
-                          </a:rPr>
-                          <m:t>,</m:t>
-                        </m:r>
-                        <m:r>
-                          <a:rPr>
-                            <a:latin typeface="Cambria Math" panose="02040503050406030204" pitchFamily="18" charset="0"/>
-                          </a:rPr>
-                          <m:t>0</m:t>
-                        </m:r>
-                        <m:r>
-                          <a:rPr>
-                            <a:latin typeface="Cambria Math" panose="02040503050406030204" pitchFamily="18" charset="0"/>
-                          </a:rPr>
-                          <m:t>,…,</m:t>
-                        </m:r>
-                        <m:r>
-                          <a:rPr>
-                            <a:latin typeface="Cambria Math" panose="02040503050406030204" pitchFamily="18" charset="0"/>
-                          </a:rPr>
-                          <m:t>1</m:t>
-                        </m:r>
-                        <m:r>
-                          <a:rPr>
-                            <a:latin typeface="Cambria Math" panose="02040503050406030204" pitchFamily="18" charset="0"/>
-                          </a:rPr>
-                          <m:t>,…,</m:t>
-                        </m:r>
-                        <m:r>
-                          <a:rPr>
-                            <a:latin typeface="Cambria Math" panose="02040503050406030204" pitchFamily="18" charset="0"/>
-                          </a:rPr>
-                          <m:t>0</m:t>
+                          <m:t>0,0,…,1,…,0</m:t>
                         </m:r>
                       </m:e>
                     </m:d>
@@ -12625,7 +12643,13 @@
                         <a:rPr>
                           <a:latin typeface="Cambria Math" panose="02040503050406030204" pitchFamily="18" charset="0"/>
                         </a:rPr>
-                        <m:t>2,…,</m:t>
+                        <m:t>2</m:t>
+                      </m:r>
+                      <m:r>
+                        <a:rPr>
+                          <a:latin typeface="Cambria Math" panose="02040503050406030204" pitchFamily="18" charset="0"/>
+                        </a:rPr>
+                        <m:t>,…,</m:t>
                       </m:r>
                       <m:r>
                         <a:rPr>

--- a/LectureSlides/04_SamplingAndSimulation.pptx
+++ b/LectureSlides/04_SamplingAndSimulation.pptx
@@ -347,7 +347,7 @@
           <a:p>
             <a:fld id="{241EB5C9-1307-BA42-ABA2-0BC069CD8E7F}" type="datetimeFigureOut">
               <a:rPr lang="en-US" smtClean="0"/>
-              <a:t>9/8/2024</a:t>
+              <a:t>9/9/2024</a:t>
             </a:fld>
             <a:endParaRPr lang="en-US"/>
           </a:p>
@@ -515,7 +515,7 @@
           <a:p>
             <a:fld id="{241EB5C9-1307-BA42-ABA2-0BC069CD8E7F}" type="datetimeFigureOut">
               <a:rPr lang="en-US" smtClean="0"/>
-              <a:t>9/8/2024</a:t>
+              <a:t>9/9/2024</a:t>
             </a:fld>
             <a:endParaRPr lang="en-US"/>
           </a:p>
@@ -693,7 +693,7 @@
           <a:p>
             <a:fld id="{241EB5C9-1307-BA42-ABA2-0BC069CD8E7F}" type="datetimeFigureOut">
               <a:rPr lang="en-US" smtClean="0"/>
-              <a:t>9/8/2024</a:t>
+              <a:t>9/9/2024</a:t>
             </a:fld>
             <a:endParaRPr lang="en-US"/>
           </a:p>
@@ -861,7 +861,7 @@
           <a:p>
             <a:fld id="{241EB5C9-1307-BA42-ABA2-0BC069CD8E7F}" type="datetimeFigureOut">
               <a:rPr lang="en-US" smtClean="0"/>
-              <a:t>9/8/2024</a:t>
+              <a:t>9/9/2024</a:t>
             </a:fld>
             <a:endParaRPr lang="en-US"/>
           </a:p>
@@ -1106,7 +1106,7 @@
           <a:p>
             <a:fld id="{241EB5C9-1307-BA42-ABA2-0BC069CD8E7F}" type="datetimeFigureOut">
               <a:rPr lang="en-US" smtClean="0"/>
-              <a:t>9/8/2024</a:t>
+              <a:t>9/9/2024</a:t>
             </a:fld>
             <a:endParaRPr lang="en-US"/>
           </a:p>
@@ -1391,7 +1391,7 @@
           <a:p>
             <a:fld id="{241EB5C9-1307-BA42-ABA2-0BC069CD8E7F}" type="datetimeFigureOut">
               <a:rPr lang="en-US" smtClean="0"/>
-              <a:t>9/8/2024</a:t>
+              <a:t>9/9/2024</a:t>
             </a:fld>
             <a:endParaRPr lang="en-US"/>
           </a:p>
@@ -1810,7 +1810,7 @@
           <a:p>
             <a:fld id="{241EB5C9-1307-BA42-ABA2-0BC069CD8E7F}" type="datetimeFigureOut">
               <a:rPr lang="en-US" smtClean="0"/>
-              <a:t>9/8/2024</a:t>
+              <a:t>9/9/2024</a:t>
             </a:fld>
             <a:endParaRPr lang="en-US"/>
           </a:p>
@@ -1927,7 +1927,7 @@
           <a:p>
             <a:fld id="{241EB5C9-1307-BA42-ABA2-0BC069CD8E7F}" type="datetimeFigureOut">
               <a:rPr lang="en-US" smtClean="0"/>
-              <a:t>9/8/2024</a:t>
+              <a:t>9/9/2024</a:t>
             </a:fld>
             <a:endParaRPr lang="en-US"/>
           </a:p>
@@ -2022,7 +2022,7 @@
           <a:p>
             <a:fld id="{241EB5C9-1307-BA42-ABA2-0BC069CD8E7F}" type="datetimeFigureOut">
               <a:rPr lang="en-US" smtClean="0"/>
-              <a:t>9/8/2024</a:t>
+              <a:t>9/9/2024</a:t>
             </a:fld>
             <a:endParaRPr lang="en-US"/>
           </a:p>
@@ -2297,7 +2297,7 @@
           <a:p>
             <a:fld id="{241EB5C9-1307-BA42-ABA2-0BC069CD8E7F}" type="datetimeFigureOut">
               <a:rPr lang="en-US" smtClean="0"/>
-              <a:t>9/8/2024</a:t>
+              <a:t>9/9/2024</a:t>
             </a:fld>
             <a:endParaRPr lang="en-US"/>
           </a:p>
@@ -2549,7 +2549,7 @@
           <a:p>
             <a:fld id="{241EB5C9-1307-BA42-ABA2-0BC069CD8E7F}" type="datetimeFigureOut">
               <a:rPr lang="en-US" smtClean="0"/>
-              <a:t>9/8/2024</a:t>
+              <a:t>9/9/2024</a:t>
             </a:fld>
             <a:endParaRPr lang="en-US"/>
           </a:p>
@@ -2760,7 +2760,7 @@
           <a:p>
             <a:fld id="{241EB5C9-1307-BA42-ABA2-0BC069CD8E7F}" type="datetimeFigureOut">
               <a:rPr lang="en-US" smtClean="0"/>
-              <a:t>9/8/2024</a:t>
+              <a:t>9/9/2024</a:t>
             </a:fld>
             <a:endParaRPr lang="en-US"/>
           </a:p>
@@ -6879,13 +6879,7 @@
                       <a:rPr>
                         <a:latin typeface="Cambria Math" panose="02040503050406030204" pitchFamily="18" charset="0"/>
                       </a:rPr>
-                      <m:t>=</m:t>
-                    </m:r>
-                    <m:r>
-                      <a:rPr>
-                        <a:latin typeface="Cambria Math" panose="02040503050406030204" pitchFamily="18" charset="0"/>
-                      </a:rPr>
-                      <m:t>50</m:t>
+                      <m:t>=50</m:t>
                     </m:r>
                   </m:oMath>
                 </a14:m>
@@ -7022,8 +7016,8 @@
           </a:p>
         </p:txBody>
       </p:sp>
-      <mc:AlternateContent xmlns:mc="http://schemas.openxmlformats.org/markup-compatibility/2006">
-        <mc:Choice xmlns:a14="http://schemas.microsoft.com/office/drawing/2010/main" Requires="a14">
+      <mc:AlternateContent xmlns:mc="http://schemas.openxmlformats.org/markup-compatibility/2006" xmlns:a14="http://schemas.microsoft.com/office/drawing/2010/main">
+        <mc:Choice Requires="a14">
           <p:sp>
             <p:nvSpPr>
               <p:cNvPr id="3" name="Content Placeholder 2"/>
@@ -7215,7 +7209,7 @@
             </p:txBody>
           </p:sp>
         </mc:Choice>
-        <mc:Fallback>
+        <mc:Fallback xmlns="">
           <p:sp>
             <p:nvSpPr>
               <p:cNvPr id="3" name="Content Placeholder 2"/>
@@ -8791,7 +8785,43 @@
                           <a:rPr>
                             <a:latin typeface="Cambria Math" panose="02040503050406030204" pitchFamily="18" charset="0"/>
                           </a:rPr>
-                          <m:t>0,0,…,1,…,0</m:t>
+                          <m:t>0</m:t>
+                        </m:r>
+                        <m:r>
+                          <a:rPr>
+                            <a:latin typeface="Cambria Math" panose="02040503050406030204" pitchFamily="18" charset="0"/>
+                          </a:rPr>
+                          <m:t>,</m:t>
+                        </m:r>
+                        <m:r>
+                          <a:rPr>
+                            <a:latin typeface="Cambria Math" panose="02040503050406030204" pitchFamily="18" charset="0"/>
+                          </a:rPr>
+                          <m:t>0</m:t>
+                        </m:r>
+                        <m:r>
+                          <a:rPr>
+                            <a:latin typeface="Cambria Math" panose="02040503050406030204" pitchFamily="18" charset="0"/>
+                          </a:rPr>
+                          <m:t>,…,</m:t>
+                        </m:r>
+                        <m:r>
+                          <a:rPr>
+                            <a:latin typeface="Cambria Math" panose="02040503050406030204" pitchFamily="18" charset="0"/>
+                          </a:rPr>
+                          <m:t>1</m:t>
+                        </m:r>
+                        <m:r>
+                          <a:rPr>
+                            <a:latin typeface="Cambria Math" panose="02040503050406030204" pitchFamily="18" charset="0"/>
+                          </a:rPr>
+                          <m:t>,…,</m:t>
+                        </m:r>
+                        <m:r>
+                          <a:rPr>
+                            <a:latin typeface="Cambria Math" panose="02040503050406030204" pitchFamily="18" charset="0"/>
+                          </a:rPr>
+                          <m:t>0</m:t>
                         </m:r>
                       </m:e>
                     </m:d>
@@ -9559,27 +9589,18 @@
             </a:r>
           </a:p>
           <a:p>
-            <a:pPr marL="342900" lvl="0" indent="-342900">
-              <a:buAutoNum type="arabicPeriod"/>
-            </a:pPr>
             <a:r>
               <a:rPr dirty="0"/>
               <a:t>Pooling opinion by county and income group, where income groups and counties have significant differences in population</a:t>
             </a:r>
           </a:p>
           <a:p>
-            <a:pPr marL="342900" lvl="0" indent="-342900">
-              <a:buAutoNum type="arabicPeriod"/>
-            </a:pPr>
             <a:r>
               <a:rPr dirty="0"/>
               <a:t>Testing a drug which may have different effectiveness by sex and ethnic group</a:t>
             </a:r>
           </a:p>
           <a:p>
-            <a:pPr marL="342900" lvl="0" indent="-342900">
-              <a:buAutoNum type="arabicPeriod"/>
-            </a:pPr>
             <a:r>
               <a:rPr dirty="0"/>
               <a:t>Spectral characteristics of stars by type</a:t>
@@ -10102,7 +10123,10 @@
             <a:endParaRPr lang="en-US" dirty="0"/>
           </a:p>
           <a:p>
-            <a:pPr lvl="1"/>
+            <a:pPr marL="800100" lvl="1" indent="-457200">
+              <a:buFont typeface="+mj-lt"/>
+              <a:buAutoNum type="arabicPeriod"/>
+            </a:pPr>
             <a:r>
               <a:rPr dirty="0"/>
               <a:t>Define the clusters for the population</a:t>
@@ -10110,7 +10134,10 @@
             <a:endParaRPr lang="en-US" dirty="0"/>
           </a:p>
           <a:p>
-            <a:pPr lvl="1"/>
+            <a:pPr marL="800100" lvl="1" indent="-457200">
+              <a:buFont typeface="+mj-lt"/>
+              <a:buAutoNum type="arabicPeriod"/>
+            </a:pPr>
             <a:r>
               <a:rPr dirty="0"/>
               <a:t>Randomly select the required number of clusters</a:t>
@@ -10118,7 +10145,10 @@
             <a:endParaRPr lang="en-US" dirty="0"/>
           </a:p>
           <a:p>
-            <a:pPr lvl="1"/>
+            <a:pPr marL="800100" lvl="1" indent="-457200">
+              <a:buFont typeface="+mj-lt"/>
+              <a:buAutoNum type="arabicPeriod"/>
+            </a:pPr>
             <a:r>
               <a:rPr dirty="0"/>
               <a:t>Sample from selected clusters</a:t>
@@ -10126,7 +10156,10 @@
             <a:endParaRPr lang="en-US" dirty="0"/>
           </a:p>
           <a:p>
-            <a:pPr lvl="1"/>
+            <a:pPr marL="800100" lvl="1" indent="-457200">
+              <a:buFont typeface="+mj-lt"/>
+              <a:buAutoNum type="arabicPeriod"/>
+            </a:pPr>
             <a:r>
               <a:rPr dirty="0"/>
               <a:t>Optionally, stratify the sample within each cluster</a:t>
@@ -10658,31 +10691,44 @@
               <a:buNone/>
             </a:pPr>
             <a:r>
+              <a:rPr dirty="0"/>
               <a:t>There are many practical aspects of sampling.</a:t>
             </a:r>
           </a:p>
           <a:p>
             <a:pPr lvl="0"/>
             <a:r>
+              <a:rPr dirty="0"/>
               <a:t>Random sampling is essential to the underlying assumptions of statistical inference</a:t>
             </a:r>
           </a:p>
           <a:p>
             <a:pPr lvl="0"/>
             <a:r>
+              <a:rPr dirty="0"/>
               <a:t>Whenever you are planning to sample data, make sure you have a clear sampling plan</a:t>
             </a:r>
           </a:p>
           <a:p>
             <a:pPr lvl="0"/>
             <a:r>
-              <a:t>Know the number of clusters, strata, samples in advance</a:t>
+              <a:rPr dirty="0"/>
+              <a:t>Know the number of clusters, strata, </a:t>
+            </a:r>
+            <a:r>
+              <a:rPr lang="en-US" dirty="0"/>
+              <a:t>and </a:t>
+            </a:r>
+            <a:r>
+              <a:rPr dirty="0"/>
+              <a:t>samples in advance</a:t>
             </a:r>
           </a:p>
           <a:p>
             <a:pPr lvl="0"/>
             <a:r>
-              <a:t>Don’t just stop sampling when your desired result is achieved: e.g. error measure!</a:t>
+              <a:rPr dirty="0"/>
+              <a:t>Don’t just stop sampling when your desired result is achieved!</a:t>
             </a:r>
           </a:p>
         </p:txBody>
@@ -10731,6 +10777,7 @@
               <a:buNone/>
             </a:pPr>
             <a:r>
+              <a:rPr dirty="0"/>
               <a:t>Introduction to Simulation</a:t>
             </a:r>
           </a:p>
@@ -10754,7 +10801,7 @@
         </p:spPr>
         <p:txBody>
           <a:bodyPr>
-            <a:normAutofit fontScale="92500" lnSpcReduction="10000"/>
+            <a:normAutofit fontScale="92500" lnSpcReduction="20000"/>
           </a:bodyPr>
           <a:lstStyle/>
           <a:p>
@@ -10762,22 +10809,62 @@
               <a:buNone/>
             </a:pPr>
             <a:r>
-              <a:rPr dirty="0"/>
-              <a:t>Simulation enables data scientists to study the behavior of stochastic processes with complex probability distributions</a:t>
+              <a:rPr lang="en-US" b="1" dirty="0">
+                <a:hlinkClick r:id="rId2"/>
+              </a:rPr>
+              <a:t>Monte Carlo s</a:t>
+            </a:r>
+            <a:r>
+              <a:rPr b="1" dirty="0">
+                <a:hlinkClick r:id="rId2"/>
+              </a:rPr>
+              <a:t>imulation</a:t>
+            </a:r>
+            <a:r>
+              <a:rPr lang="en-US" b="1" dirty="0">
+                <a:hlinkClick r:id="rId2"/>
+              </a:rPr>
+              <a:t>s</a:t>
+            </a:r>
+            <a:r>
+              <a:rPr b="1" dirty="0">
+                <a:hlinkClick r:id="rId2"/>
+              </a:rPr>
+              <a:t> </a:t>
+            </a:r>
+            <a:r>
+              <a:rPr dirty="0"/>
+              <a:t>enable data scientists to study the behavior of stochastic processes with complex probability distributions</a:t>
             </a:r>
           </a:p>
           <a:p>
             <a:pPr lvl="0"/>
             <a:r>
               <a:rPr dirty="0"/>
-              <a:t>Most real-world processes have complex behavior, resulting in complex distributions of output values</a:t>
+              <a:t>M</a:t>
+            </a:r>
+            <a:r>
+              <a:rPr lang="en-US" dirty="0"/>
+              <a:t>any</a:t>
+            </a:r>
+            <a:r>
+              <a:rPr dirty="0"/>
+              <a:t> real-world processes have complex distributions of </a:t>
+            </a:r>
+            <a:r>
+              <a:rPr lang="en-US" dirty="0"/>
+              <a:t>observed</a:t>
+            </a:r>
+            <a:r>
+              <a:rPr dirty="0"/>
+              <a:t> values</a:t>
             </a:r>
           </a:p>
           <a:p>
             <a:pPr lvl="1"/>
             <a:r>
               <a:rPr dirty="0"/>
-              <a:t>Simulation is a practical approach to understanding these complex processes</a:t>
+              <a:t>Simulation is a practical approach to understanding complex processes</a:t>
             </a:r>
           </a:p>
           <a:p>
@@ -10808,6 +10895,20 @@
               <a:rPr dirty="0"/>
               <a:t> In these cases, simulation provides a powerful and flexible computational technique to understand behavior</a:t>
             </a:r>
+            <a:endParaRPr lang="en-US" dirty="0"/>
+          </a:p>
+          <a:p>
+            <a:r>
+              <a:rPr lang="en-US" dirty="0"/>
+              <a:t>Complex Monte Carlo simulations are a key component of </a:t>
+            </a:r>
+            <a:r>
+              <a:rPr lang="en-US" b="1" dirty="0">
+                <a:hlinkClick r:id="rId3"/>
+              </a:rPr>
+              <a:t>Digital twin models</a:t>
+            </a:r>
+            <a:endParaRPr dirty="0"/>
           </a:p>
         </p:txBody>
       </p:sp>
@@ -11231,50 +11332,124 @@
         </p:spPr>
         <p:txBody>
           <a:bodyPr>
-            <a:normAutofit fontScale="92500" lnSpcReduction="10000"/>
+            <a:normAutofit fontScale="92500" lnSpcReduction="20000"/>
           </a:bodyPr>
           <a:lstStyle/>
           <a:p>
+            <a:pPr marL="0" lvl="0" indent="0">
+              <a:buNone/>
+            </a:pPr>
+            <a:r>
+              <a:rPr dirty="0"/>
+              <a:t>As cheap computational power has become ubiquitous, </a:t>
+            </a:r>
+            <a:r>
+              <a:rPr lang="en-US" dirty="0"/>
+              <a:t>Monte Carlo </a:t>
+            </a:r>
+            <a:r>
+              <a:rPr dirty="0"/>
+              <a:t>simulation has become a widely used technique</a:t>
+            </a:r>
+          </a:p>
+          <a:p>
             <a:pPr lvl="0"/>
             <a:r>
               <a:rPr dirty="0"/>
-              <a:t>As cheap computational power has become ubiquitous, simulation has become a widely used technique</a:t>
+              <a:t>Simulations compute a large number of cases, or realizations</a:t>
+            </a:r>
+          </a:p>
+          <a:p>
+            <a:pPr lvl="1"/>
+            <a:r>
+              <a:rPr dirty="0"/>
+              <a:t>The computing cost of each realization must be low in any practical simulation</a:t>
+            </a:r>
+          </a:p>
+          <a:p>
+            <a:pPr lvl="1"/>
+            <a:r>
+              <a:rPr dirty="0"/>
+              <a:t>Realizations are drawn </a:t>
+            </a:r>
+            <a:r>
+              <a:rPr lang="en-US" dirty="0"/>
+              <a:t>by </a:t>
+            </a:r>
+            <a:r>
+              <a:rPr lang="en-US" b="1" dirty="0"/>
+              <a:t>Monte Carlo sample</a:t>
+            </a:r>
+            <a:r>
+              <a:rPr b="1" dirty="0"/>
+              <a:t> probability distributions </a:t>
+            </a:r>
+            <a:r>
+              <a:rPr dirty="0"/>
+              <a:t>of the process model</a:t>
             </a:r>
           </a:p>
           <a:p>
             <a:pPr lvl="0"/>
             <a:r>
               <a:rPr dirty="0"/>
-              <a:t>Simulations compute a large number of cases, or realizations</a:t>
+              <a:t>In many cases, realizations are computed </a:t>
+            </a:r>
+            <a:r>
+              <a:rPr lang="en-US" dirty="0"/>
+              <a:t>by sampling </a:t>
+            </a:r>
+            <a:r>
+              <a:rPr dirty="0"/>
+              <a:t>conditional probability distributions</a:t>
             </a:r>
           </a:p>
           <a:p>
             <a:pPr lvl="1"/>
             <a:r>
               <a:rPr dirty="0"/>
-              <a:t>The computing cost of each realization must be low in any practical simulation</a:t>
-            </a:r>
-          </a:p>
-          <a:p>
-            <a:pPr lvl="1"/>
-            <a:r>
-              <a:rPr dirty="0"/>
-              <a:t>Realizations are drawn from complex probability distributions of the process model</a:t>
-            </a:r>
-          </a:p>
-          <a:p>
-            <a:pPr lvl="0"/>
-            <a:r>
-              <a:rPr dirty="0"/>
-              <a:t>In many cases, realizations are computed using conditional probability distributions</a:t>
-            </a:r>
-          </a:p>
-          <a:p>
-            <a:pPr lvl="1"/>
-            <a:r>
-              <a:rPr dirty="0"/>
               <a:t>The final or posterior distribution of the process is comprised of these realizations</a:t>
             </a:r>
+            <a:endParaRPr lang="en-US" dirty="0"/>
+          </a:p>
+          <a:p>
+            <a:pPr marL="0" indent="0">
+              <a:buNone/>
+            </a:pPr>
+            <a:r>
+              <a:rPr lang="en-US" sz="1900" dirty="0">
+                <a:solidFill>
+                  <a:schemeClr val="accent6">
+                    <a:lumMod val="50000"/>
+                  </a:schemeClr>
+                </a:solidFill>
+              </a:rPr>
+              <a:t>You can find a short tutorial on Monte Carlo simulation </a:t>
+            </a:r>
+            <a:r>
+              <a:rPr lang="en-US" sz="1900" dirty="0">
+                <a:solidFill>
+                  <a:schemeClr val="accent6">
+                    <a:lumMod val="50000"/>
+                  </a:schemeClr>
+                </a:solidFill>
+                <a:hlinkClick r:id="rId2">
+                  <a:extLst>
+                    <a:ext uri="{A12FA001-AC4F-418D-AE19-62706E023703}">
+                      <ahyp:hlinkClr xmlns:ahyp="http://schemas.microsoft.com/office/drawing/2018/hyperlinkcolor" val="tx"/>
+                    </a:ext>
+                  </a:extLst>
+                </a:hlinkClick>
+              </a:rPr>
+              <a:t>here</a:t>
+            </a:r>
+            <a:endParaRPr lang="en-US" sz="1900" dirty="0">
+              <a:solidFill>
+                <a:schemeClr val="accent6">
+                  <a:lumMod val="50000"/>
+                </a:schemeClr>
+              </a:solidFill>
+            </a:endParaRPr>
           </a:p>
         </p:txBody>
       </p:sp>
@@ -11362,7 +11537,7 @@
             <a:pPr lvl="0"/>
             <a:r>
               <a:rPr dirty="0"/>
-              <a:t>The graph is a </a:t>
+              <a:t>The graph </a:t>
             </a:r>
             <a:r>
               <a:rPr lang="en-US" dirty="0"/>
@@ -11370,7 +11545,54 @@
             </a:r>
             <a:r>
               <a:rPr dirty="0"/>
-              <a:t>showing which variables are independent and which are conditionally dependent on others with the shapes used representing the type of nodes</a:t>
+              <a:t>show</a:t>
+            </a:r>
+            <a:r>
+              <a:rPr lang="en-US" dirty="0"/>
+              <a:t>s</a:t>
+            </a:r>
+            <a:r>
+              <a:rPr dirty="0"/>
+              <a:t> independent</a:t>
+            </a:r>
+            <a:r>
+              <a:rPr lang="en-US" dirty="0"/>
+              <a:t> and</a:t>
+            </a:r>
+            <a:r>
+              <a:rPr dirty="0"/>
+              <a:t> conditionally dependent </a:t>
+            </a:r>
+            <a:r>
+              <a:rPr lang="en-US" dirty="0"/>
+              <a:t>variables</a:t>
+            </a:r>
+          </a:p>
+          <a:p>
+            <a:pPr lvl="0"/>
+            <a:r>
+              <a:rPr lang="en-US" dirty="0"/>
+              <a:t>S</a:t>
+            </a:r>
+            <a:r>
+              <a:rPr dirty="0"/>
+              <a:t>hapes represent </a:t>
+            </a:r>
+            <a:r>
+              <a:rPr lang="en-US" dirty="0"/>
+              <a:t>different </a:t>
+            </a:r>
+            <a:r>
+              <a:rPr dirty="0"/>
+              <a:t>type</a:t>
+            </a:r>
+            <a:r>
+              <a:rPr lang="en-US" dirty="0"/>
+              <a:t>s</a:t>
+            </a:r>
+            <a:r>
+              <a:rPr dirty="0"/>
+              <a:t> of nodes</a:t>
             </a:r>
           </a:p>
           <a:p>
@@ -11490,7 +11712,7 @@
         </p:spPr>
         <p:txBody>
           <a:bodyPr>
-            <a:normAutofit fontScale="92500" lnSpcReduction="20000"/>
+            <a:normAutofit fontScale="92500"/>
           </a:bodyPr>
           <a:lstStyle/>
           <a:p>
@@ -11498,13 +11720,18 @@
               <a:buNone/>
             </a:pPr>
             <a:r>
-              <a:rPr dirty="0"/>
-              <a:t>When creating a simulation with multiple conditionally dependent variables it is useful to draw a directed graph; a </a:t>
+              <a:rPr lang="en-US" dirty="0"/>
+              <a:t>A </a:t>
             </a:r>
             <a:r>
               <a:rPr b="1" dirty="0"/>
               <a:t>directed acyclic graphical model or DAG</a:t>
             </a:r>
+            <a:r>
+              <a:rPr lang="en-US" dirty="0"/>
+              <a:t> is an intuitive representation of a Monte Carlo simulation model</a:t>
+            </a:r>
+            <a:endParaRPr b="1" dirty="0"/>
           </a:p>
           <a:p>
             <a:pPr lvl="0"/>
@@ -11514,7 +11741,7 @@
             </a:r>
             <a:r>
               <a:rPr dirty="0"/>
-              <a:t> of the variables are shown as </a:t>
+              <a:t> are shown as </a:t>
             </a:r>
             <a:r>
               <a:rPr b="1" dirty="0"/>
@@ -11525,7 +11752,15 @@
             <a:pPr lvl="1"/>
             <a:r>
               <a:rPr dirty="0"/>
-              <a:t>Distributions have parameters which must be estimated</a:t>
+              <a:t>Distributions have </a:t>
+            </a:r>
+            <a:r>
+              <a:rPr b="1" dirty="0"/>
+              <a:t>parameters</a:t>
+            </a:r>
+            <a:r>
+              <a:rPr dirty="0"/>
+              <a:t> which must be estimated</a:t>
             </a:r>
           </a:p>
           <a:p>
@@ -11536,7 +11771,23 @@
             </a:r>
             <a:r>
               <a:rPr dirty="0"/>
-              <a:t> are deterministic and are shown as </a:t>
+              <a:t> are </a:t>
+            </a:r>
+            <a:r>
+              <a:rPr b="1" dirty="0"/>
+              <a:t>deterministic </a:t>
+            </a:r>
+            <a:r>
+              <a:rPr dirty="0"/>
+              <a:t>and</a:t>
+            </a:r>
+            <a:r>
+              <a:rPr lang="en-US" dirty="0"/>
+              <a:t> </a:t>
+            </a:r>
+            <a:r>
+              <a:rPr dirty="0"/>
+              <a:t>shown as </a:t>
             </a:r>
             <a:r>
               <a:rPr b="1" dirty="0"/>
@@ -11547,13 +11798,6 @@
             <a:pPr lvl="1"/>
             <a:r>
               <a:rPr dirty="0"/>
-              <a:t>Decisions are determined by variables</a:t>
-            </a:r>
-          </a:p>
-          <a:p>
-            <a:pPr lvl="1"/>
-            <a:r>
-              <a:rPr dirty="0"/>
               <a:t>Setting decision variables can be performed either manually or automatically</a:t>
             </a:r>
           </a:p>
@@ -11565,7 +11809,15 @@
             </a:r>
             <a:r>
               <a:rPr dirty="0"/>
-              <a:t>, profit in this case, are shown as </a:t>
+              <a:t>, </a:t>
+            </a:r>
+            <a:r>
+              <a:rPr lang="en-US" dirty="0"/>
+              <a:t>e.g. </a:t>
+            </a:r>
+            <a:r>
+              <a:rPr dirty="0"/>
+              <a:t>profit in this case, are shown as </a:t>
             </a:r>
             <a:r>
               <a:rPr b="1" dirty="0"/>
@@ -11591,7 +11843,11 @@
             <a:pPr lvl="1"/>
             <a:r>
               <a:rPr dirty="0"/>
-              <a:t>Utility calculations are deterministic given the input values</a:t>
+              <a:t>Utility calculations are </a:t>
+            </a:r>
+            <a:r>
+              <a:rPr b="1" dirty="0"/>
+              <a:t>deterministic</a:t>
             </a:r>
           </a:p>
         </p:txBody>
@@ -11827,7 +12083,11 @@
             <a:pPr lvl="0"/>
             <a:r>
               <a:rPr dirty="0"/>
-              <a:t>Nodes with no dependency are independent distributions</a:t>
+              <a:t>Nodes with no dependency are </a:t>
+            </a:r>
+            <a:r>
+              <a:rPr b="1" dirty="0"/>
+              <a:t>independent distributions</a:t>
             </a:r>
           </a:p>
           <a:p>
@@ -11852,7 +12112,15 @@
             </a:r>
             <a:r>
               <a:rPr dirty="0"/>
-              <a:t> distributions are conditional on their </a:t>
+              <a:t> distributions are </a:t>
+            </a:r>
+            <a:r>
+              <a:rPr b="1" dirty="0"/>
+              <a:t>conditional</a:t>
+            </a:r>
+            <a:r>
+              <a:rPr dirty="0"/>
+              <a:t> on their </a:t>
             </a:r>
             <a:r>
               <a:rPr b="1" dirty="0"/>
@@ -11881,7 +12149,15 @@
             </a:r>
             <a:r>
               <a:rPr dirty="0"/>
-              <a:t> deterministically change the model parameters</a:t>
+              <a:t> </a:t>
+            </a:r>
+            <a:r>
+              <a:rPr b="1" dirty="0"/>
+              <a:t>deterministically</a:t>
+            </a:r>
+            <a:r>
+              <a:rPr dirty="0"/>
+              <a:t> change the model parameters</a:t>
             </a:r>
           </a:p>
           <a:p>
@@ -11891,8 +12167,28 @@
               <a:t>Utility node</a:t>
             </a:r>
             <a:r>
-              <a:rPr dirty="0"/>
-              <a:t> uses a fixed deterministic formula to compute the value for each realization of the simulation</a:t>
+              <a:rPr lang="en-US" b="1" dirty="0"/>
+              <a:t>s</a:t>
+            </a:r>
+            <a:r>
+              <a:rPr dirty="0"/>
+              <a:t> use a fixed </a:t>
+            </a:r>
+            <a:r>
+              <a:rPr b="1" dirty="0"/>
+              <a:t>deterministic</a:t>
+            </a:r>
+            <a:r>
+              <a:rPr dirty="0"/>
+              <a:t> </a:t>
+            </a:r>
+            <a:r>
+              <a:rPr b="1" dirty="0"/>
+              <a:t>formula</a:t>
+            </a:r>
+            <a:r>
+              <a:rPr dirty="0"/>
+              <a:t> to compute the value for each realization of the simulation</a:t>
             </a:r>
           </a:p>
         </p:txBody>
@@ -11989,19 +12285,47 @@
             <a:pPr lvl="0"/>
             <a:r>
               <a:rPr dirty="0"/>
-              <a:t>Test your overall simulation each time you add a new functional component - </a:t>
-            </a:r>
-            <a:r>
-              <a:rPr b="1" dirty="0"/>
+              <a:t>Test your overall simulation each time you add a new functional component </a:t>
+            </a:r>
+            <a:r>
+              <a:rPr dirty="0">
+                <a:solidFill>
+                  <a:srgbClr val="C00000"/>
+                </a:solidFill>
+              </a:rPr>
+              <a:t>- </a:t>
+            </a:r>
+            <a:r>
+              <a:rPr b="1" dirty="0">
+                <a:solidFill>
+                  <a:srgbClr val="C00000"/>
+                </a:solidFill>
+              </a:rPr>
               <a:t>avoid big bang integration!</a:t>
             </a:r>
-            <a:endParaRPr dirty="0"/>
+            <a:endParaRPr dirty="0">
+              <a:solidFill>
+                <a:srgbClr val="C00000"/>
+              </a:solidFill>
+            </a:endParaRPr>
           </a:p>
           <a:p>
             <a:pPr lvl="0"/>
             <a:r>
-              <a:rPr dirty="0"/>
-              <a:t>Simulations are inherently stochastic, set a seed before you begin tests so they are repeatable</a:t>
+              <a:rPr lang="en-US" dirty="0"/>
+              <a:t>Monte Carlo s</a:t>
+            </a:r>
+            <a:r>
+              <a:rPr dirty="0"/>
+              <a:t>imulations are inherently stochastic, set a seed </a:t>
+            </a:r>
+            <a:r>
+              <a:rPr lang="en-US" dirty="0"/>
+              <a:t>so tests are </a:t>
+            </a:r>
+            <a:r>
+              <a:rPr dirty="0"/>
+              <a:t>repeatable</a:t>
             </a:r>
           </a:p>
         </p:txBody>
@@ -12138,7 +12462,23 @@
             <a:pPr lvl="0"/>
             <a:r>
               <a:rPr dirty="0"/>
-              <a:t>Sampling from distribution is the building block of simulation</a:t>
+              <a:t>Sampling from distribution</a:t>
+            </a:r>
+            <a:r>
+              <a:rPr lang="en-US" dirty="0"/>
+              <a:t>s</a:t>
+            </a:r>
+            <a:r>
+              <a:rPr dirty="0"/>
+              <a:t> is the building block of </a:t>
+            </a:r>
+            <a:r>
+              <a:rPr lang="en-US" dirty="0"/>
+              <a:t>Monte Carlo </a:t>
+            </a:r>
+            <a:r>
+              <a:rPr dirty="0"/>
+              <a:t>simulation</a:t>
             </a:r>
           </a:p>
         </p:txBody>
@@ -12643,13 +12983,7 @@
                         <a:rPr>
                           <a:latin typeface="Cambria Math" panose="02040503050406030204" pitchFamily="18" charset="0"/>
                         </a:rPr>
-                        <m:t>2</m:t>
-                      </m:r>
-                      <m:r>
-                        <a:rPr>
-                          <a:latin typeface="Cambria Math" panose="02040503050406030204" pitchFamily="18" charset="0"/>
-                        </a:rPr>
-                        <m:t>,…,</m:t>
+                        <m:t>2,…,</m:t>
                       </m:r>
                       <m:r>
                         <a:rPr>

--- a/LectureSlides/04_SamplingAndSimulation.pptx
+++ b/LectureSlides/04_SamplingAndSimulation.pptx
@@ -6,51 +6,50 @@
   </p:sldMasterIdLst>
   <p:sldIdLst>
     <p:sldId id="306" r:id="rId2"/>
-    <p:sldId id="257" r:id="rId3"/>
-    <p:sldId id="258" r:id="rId4"/>
-    <p:sldId id="259" r:id="rId5"/>
-    <p:sldId id="260" r:id="rId6"/>
-    <p:sldId id="261" r:id="rId7"/>
-    <p:sldId id="302" r:id="rId8"/>
-    <p:sldId id="262" r:id="rId9"/>
-    <p:sldId id="264" r:id="rId10"/>
-    <p:sldId id="265" r:id="rId11"/>
-    <p:sldId id="303" r:id="rId12"/>
-    <p:sldId id="266" r:id="rId13"/>
-    <p:sldId id="267" r:id="rId14"/>
-    <p:sldId id="268" r:id="rId15"/>
-    <p:sldId id="269" r:id="rId16"/>
-    <p:sldId id="270" r:id="rId17"/>
-    <p:sldId id="271" r:id="rId18"/>
-    <p:sldId id="272" r:id="rId19"/>
-    <p:sldId id="273" r:id="rId20"/>
-    <p:sldId id="274" r:id="rId21"/>
-    <p:sldId id="276" r:id="rId22"/>
-    <p:sldId id="277" r:id="rId23"/>
-    <p:sldId id="278" r:id="rId24"/>
-    <p:sldId id="279" r:id="rId25"/>
-    <p:sldId id="280" r:id="rId26"/>
-    <p:sldId id="281" r:id="rId27"/>
-    <p:sldId id="304" r:id="rId28"/>
-    <p:sldId id="282" r:id="rId29"/>
-    <p:sldId id="284" r:id="rId30"/>
-    <p:sldId id="285" r:id="rId31"/>
-    <p:sldId id="305" r:id="rId32"/>
-    <p:sldId id="286" r:id="rId33"/>
-    <p:sldId id="288" r:id="rId34"/>
-    <p:sldId id="289" r:id="rId35"/>
-    <p:sldId id="290" r:id="rId36"/>
-    <p:sldId id="291" r:id="rId37"/>
-    <p:sldId id="292" r:id="rId38"/>
-    <p:sldId id="293" r:id="rId39"/>
-    <p:sldId id="294" r:id="rId40"/>
-    <p:sldId id="295" r:id="rId41"/>
-    <p:sldId id="296" r:id="rId42"/>
-    <p:sldId id="297" r:id="rId43"/>
-    <p:sldId id="298" r:id="rId44"/>
-    <p:sldId id="299" r:id="rId45"/>
-    <p:sldId id="300" r:id="rId46"/>
-    <p:sldId id="301" r:id="rId47"/>
+    <p:sldId id="307" r:id="rId3"/>
+    <p:sldId id="309" r:id="rId4"/>
+    <p:sldId id="308" r:id="rId5"/>
+    <p:sldId id="261" r:id="rId6"/>
+    <p:sldId id="302" r:id="rId7"/>
+    <p:sldId id="262" r:id="rId8"/>
+    <p:sldId id="264" r:id="rId9"/>
+    <p:sldId id="265" r:id="rId10"/>
+    <p:sldId id="303" r:id="rId11"/>
+    <p:sldId id="266" r:id="rId12"/>
+    <p:sldId id="267" r:id="rId13"/>
+    <p:sldId id="268" r:id="rId14"/>
+    <p:sldId id="269" r:id="rId15"/>
+    <p:sldId id="270" r:id="rId16"/>
+    <p:sldId id="271" r:id="rId17"/>
+    <p:sldId id="272" r:id="rId18"/>
+    <p:sldId id="273" r:id="rId19"/>
+    <p:sldId id="274" r:id="rId20"/>
+    <p:sldId id="276" r:id="rId21"/>
+    <p:sldId id="277" r:id="rId22"/>
+    <p:sldId id="278" r:id="rId23"/>
+    <p:sldId id="279" r:id="rId24"/>
+    <p:sldId id="280" r:id="rId25"/>
+    <p:sldId id="281" r:id="rId26"/>
+    <p:sldId id="304" r:id="rId27"/>
+    <p:sldId id="282" r:id="rId28"/>
+    <p:sldId id="284" r:id="rId29"/>
+    <p:sldId id="285" r:id="rId30"/>
+    <p:sldId id="305" r:id="rId31"/>
+    <p:sldId id="286" r:id="rId32"/>
+    <p:sldId id="288" r:id="rId33"/>
+    <p:sldId id="289" r:id="rId34"/>
+    <p:sldId id="290" r:id="rId35"/>
+    <p:sldId id="291" r:id="rId36"/>
+    <p:sldId id="292" r:id="rId37"/>
+    <p:sldId id="293" r:id="rId38"/>
+    <p:sldId id="294" r:id="rId39"/>
+    <p:sldId id="295" r:id="rId40"/>
+    <p:sldId id="296" r:id="rId41"/>
+    <p:sldId id="297" r:id="rId42"/>
+    <p:sldId id="298" r:id="rId43"/>
+    <p:sldId id="299" r:id="rId44"/>
+    <p:sldId id="300" r:id="rId45"/>
+    <p:sldId id="301" r:id="rId46"/>
   </p:sldIdLst>
   <p:sldSz cx="9144000" cy="5143500" type="screen16x9"/>
   <p:notesSz cx="6858000" cy="9144000"/>
@@ -347,7 +346,7 @@
           <a:p>
             <a:fld id="{241EB5C9-1307-BA42-ABA2-0BC069CD8E7F}" type="datetimeFigureOut">
               <a:rPr lang="en-US" smtClean="0"/>
-              <a:t>9/9/2024</a:t>
+              <a:t>9/16/2024</a:t>
             </a:fld>
             <a:endParaRPr lang="en-US"/>
           </a:p>
@@ -515,7 +514,7 @@
           <a:p>
             <a:fld id="{241EB5C9-1307-BA42-ABA2-0BC069CD8E7F}" type="datetimeFigureOut">
               <a:rPr lang="en-US" smtClean="0"/>
-              <a:t>9/9/2024</a:t>
+              <a:t>9/16/2024</a:t>
             </a:fld>
             <a:endParaRPr lang="en-US"/>
           </a:p>
@@ -693,7 +692,7 @@
           <a:p>
             <a:fld id="{241EB5C9-1307-BA42-ABA2-0BC069CD8E7F}" type="datetimeFigureOut">
               <a:rPr lang="en-US" smtClean="0"/>
-              <a:t>9/9/2024</a:t>
+              <a:t>9/16/2024</a:t>
             </a:fld>
             <a:endParaRPr lang="en-US"/>
           </a:p>
@@ -861,7 +860,7 @@
           <a:p>
             <a:fld id="{241EB5C9-1307-BA42-ABA2-0BC069CD8E7F}" type="datetimeFigureOut">
               <a:rPr lang="en-US" smtClean="0"/>
-              <a:t>9/9/2024</a:t>
+              <a:t>9/16/2024</a:t>
             </a:fld>
             <a:endParaRPr lang="en-US"/>
           </a:p>
@@ -1106,7 +1105,7 @@
           <a:p>
             <a:fld id="{241EB5C9-1307-BA42-ABA2-0BC069CD8E7F}" type="datetimeFigureOut">
               <a:rPr lang="en-US" smtClean="0"/>
-              <a:t>9/9/2024</a:t>
+              <a:t>9/16/2024</a:t>
             </a:fld>
             <a:endParaRPr lang="en-US"/>
           </a:p>
@@ -1391,7 +1390,7 @@
           <a:p>
             <a:fld id="{241EB5C9-1307-BA42-ABA2-0BC069CD8E7F}" type="datetimeFigureOut">
               <a:rPr lang="en-US" smtClean="0"/>
-              <a:t>9/9/2024</a:t>
+              <a:t>9/16/2024</a:t>
             </a:fld>
             <a:endParaRPr lang="en-US"/>
           </a:p>
@@ -1810,7 +1809,7 @@
           <a:p>
             <a:fld id="{241EB5C9-1307-BA42-ABA2-0BC069CD8E7F}" type="datetimeFigureOut">
               <a:rPr lang="en-US" smtClean="0"/>
-              <a:t>9/9/2024</a:t>
+              <a:t>9/16/2024</a:t>
             </a:fld>
             <a:endParaRPr lang="en-US"/>
           </a:p>
@@ -1927,7 +1926,7 @@
           <a:p>
             <a:fld id="{241EB5C9-1307-BA42-ABA2-0BC069CD8E7F}" type="datetimeFigureOut">
               <a:rPr lang="en-US" smtClean="0"/>
-              <a:t>9/9/2024</a:t>
+              <a:t>9/16/2024</a:t>
             </a:fld>
             <a:endParaRPr lang="en-US"/>
           </a:p>
@@ -2022,7 +2021,7 @@
           <a:p>
             <a:fld id="{241EB5C9-1307-BA42-ABA2-0BC069CD8E7F}" type="datetimeFigureOut">
               <a:rPr lang="en-US" smtClean="0"/>
-              <a:t>9/9/2024</a:t>
+              <a:t>9/16/2024</a:t>
             </a:fld>
             <a:endParaRPr lang="en-US"/>
           </a:p>
@@ -2297,7 +2296,7 @@
           <a:p>
             <a:fld id="{241EB5C9-1307-BA42-ABA2-0BC069CD8E7F}" type="datetimeFigureOut">
               <a:rPr lang="en-US" smtClean="0"/>
-              <a:t>9/9/2024</a:t>
+              <a:t>9/16/2024</a:t>
             </a:fld>
             <a:endParaRPr lang="en-US"/>
           </a:p>
@@ -2549,7 +2548,7 @@
           <a:p>
             <a:fld id="{241EB5C9-1307-BA42-ABA2-0BC069CD8E7F}" type="datetimeFigureOut">
               <a:rPr lang="en-US" smtClean="0"/>
-              <a:t>9/9/2024</a:t>
+              <a:t>9/16/2024</a:t>
             </a:fld>
             <a:endParaRPr lang="en-US"/>
           </a:p>
@@ -2760,7 +2759,7 @@
           <a:p>
             <a:fld id="{241EB5C9-1307-BA42-ABA2-0BC069CD8E7F}" type="datetimeFigureOut">
               <a:rPr lang="en-US" smtClean="0"/>
-              <a:t>9/9/2024</a:t>
+              <a:t>9/16/2024</a:t>
             </a:fld>
             <a:endParaRPr lang="en-US"/>
           </a:p>
@@ -3324,270 +3323,6 @@
 </file>
 
 <file path=ppt/slides/slide10.xml><?xml version="1.0" encoding="utf-8"?>
-<p:sld xmlns:a="http://schemas.openxmlformats.org/drawingml/2006/main" xmlns:r="http://schemas.openxmlformats.org/officeDocument/2006/relationships" xmlns:p="http://schemas.openxmlformats.org/presentationml/2006/main">
-  <p:cSld>
-    <p:spTree>
-      <p:nvGrpSpPr>
-        <p:cNvPr id="1" name=""/>
-        <p:cNvGrpSpPr/>
-        <p:nvPr/>
-      </p:nvGrpSpPr>
-      <p:grpSpPr>
-        <a:xfrm>
-          <a:off x="0" y="0"/>
-          <a:ext cx="0" cy="0"/>
-          <a:chOff x="0" y="0"/>
-          <a:chExt cx="0" cy="0"/>
-        </a:xfrm>
-      </p:grpSpPr>
-      <p:sp>
-        <p:nvSpPr>
-          <p:cNvPr id="2" name="Title 1"/>
-          <p:cNvSpPr>
-            <a:spLocks noGrp="1"/>
-          </p:cNvSpPr>
-          <p:nvPr>
-            <p:ph type="title"/>
-          </p:nvPr>
-        </p:nvSpPr>
-        <p:spPr/>
-        <p:txBody>
-          <a:bodyPr/>
-          <a:lstStyle/>
-          <a:p>
-            <a:pPr marL="0" lvl="0" indent="0">
-              <a:buNone/>
-            </a:pPr>
-            <a:r>
-              <a:t>Sampling Distributions</a:t>
-            </a:r>
-          </a:p>
-        </p:txBody>
-      </p:sp>
-      <mc:AlternateContent xmlns:mc="http://schemas.openxmlformats.org/markup-compatibility/2006" xmlns:a14="http://schemas.microsoft.com/office/drawing/2010/main">
-        <mc:Choice Requires="a14">
-          <p:sp>
-            <p:nvSpPr>
-              <p:cNvPr id="3" name="Content Placeholder 2"/>
-              <p:cNvSpPr>
-                <a:spLocks noGrp="1"/>
-              </p:cNvSpPr>
-              <p:nvPr>
-                <p:ph idx="1"/>
-              </p:nvPr>
-            </p:nvSpPr>
-            <p:spPr>
-              <a:xfrm>
-                <a:off x="457200" y="1034005"/>
-                <a:ext cx="8229600" cy="3903516"/>
-              </a:xfrm>
-            </p:spPr>
-            <p:txBody>
-              <a:bodyPr>
-                <a:normAutofit/>
-              </a:bodyPr>
-              <a:lstStyle/>
-              <a:p>
-                <a:pPr marL="0" lvl="0" indent="0">
-                  <a:buNone/>
-                </a:pPr>
-                <a:r>
-                  <a:rPr sz="2000" dirty="0"/>
-                  <a:t>Sampling of a population is done from an unknown </a:t>
-                </a:r>
-                <a:r>
-                  <a:rPr sz="2000" b="1" dirty="0"/>
-                  <a:t>population distribution</a:t>
-                </a:r>
-                <a:r>
-                  <a:rPr sz="2000" dirty="0"/>
-                  <a:t>, </a:t>
-                </a:r>
-                <a14:m>
-                  <m:oMath xmlns:m="http://schemas.openxmlformats.org/officeDocument/2006/math">
-                    <m:r>
-                      <a:rPr sz="2000">
-                        <a:latin typeface="Cambria Math" panose="02040503050406030204" pitchFamily="18" charset="0"/>
-                      </a:rPr>
-                      <m:t>ℱ</m:t>
-                    </m:r>
-                  </m:oMath>
-                </a14:m>
-                <a:endParaRPr sz="2000" dirty="0"/>
-              </a:p>
-              <a:p>
-                <a:pPr lvl="0"/>
-                <a:r>
-                  <a:rPr sz="2000" dirty="0"/>
-                  <a:t>Any statistic, </a:t>
-                </a:r>
-                <a14:m>
-                  <m:oMath xmlns:m="http://schemas.openxmlformats.org/officeDocument/2006/math">
-                    <m:r>
-                      <a:rPr sz="2000">
-                        <a:latin typeface="Cambria Math" panose="02040503050406030204" pitchFamily="18" charset="0"/>
-                      </a:rPr>
-                      <m:t>𝑠</m:t>
-                    </m:r>
-                  </m:oMath>
-                </a14:m>
-                <a:r>
-                  <a:rPr sz="2000" dirty="0"/>
-                  <a:t>, we compute for the generating process is based on a sample, </a:t>
-                </a:r>
-                <a14:m>
-                  <m:oMath xmlns:m="http://schemas.openxmlformats.org/officeDocument/2006/math">
-                    <m:acc>
-                      <m:accPr>
-                        <m:chr m:val="̂"/>
-                        <m:ctrlPr>
-                          <a:rPr sz="2000" i="1">
-                            <a:latin typeface="Cambria Math" panose="02040503050406030204" pitchFamily="18" charset="0"/>
-                          </a:rPr>
-                        </m:ctrlPr>
-                      </m:accPr>
-                      <m:e>
-                        <m:r>
-                          <a:rPr sz="2000">
-                            <a:latin typeface="Cambria Math" panose="02040503050406030204" pitchFamily="18" charset="0"/>
-                          </a:rPr>
-                          <m:t>ℱ</m:t>
-                        </m:r>
-                      </m:e>
-                    </m:acc>
-                  </m:oMath>
-                </a14:m>
-                <a:endParaRPr sz="2000" dirty="0"/>
-              </a:p>
-              <a:p>
-                <a:pPr lvl="0"/>
-                <a:r>
-                  <a:rPr sz="2000" dirty="0"/>
-                  <a:t>The statistic is an approximation, of a </a:t>
-                </a:r>
-                <a:r>
-                  <a:rPr sz="2000" b="1" dirty="0"/>
-                  <a:t>population parameter</a:t>
-                </a:r>
-              </a:p>
-              <a:p>
-                <a:pPr lvl="1"/>
-                <a:r>
-                  <a:rPr lang="en-US" sz="2000" dirty="0"/>
-                  <a:t>T</a:t>
-                </a:r>
-                <a:r>
-                  <a:rPr sz="2000" dirty="0"/>
-                  <a:t>he </a:t>
-                </a:r>
-                <a:r>
-                  <a:rPr sz="2000" b="1" dirty="0"/>
-                  <a:t>population mean</a:t>
-                </a:r>
-                <a:r>
-                  <a:rPr sz="2000" dirty="0"/>
-                  <a:t> is </a:t>
-                </a:r>
-                <a14:m>
-                  <m:oMath xmlns:m="http://schemas.openxmlformats.org/officeDocument/2006/math">
-                    <m:r>
-                      <a:rPr sz="2000">
-                        <a:latin typeface="Cambria Math" panose="02040503050406030204" pitchFamily="18" charset="0"/>
-                      </a:rPr>
-                      <m:t>𝜇</m:t>
-                    </m:r>
-                  </m:oMath>
-                </a14:m>
-                <a:endParaRPr sz="2000" dirty="0"/>
-              </a:p>
-              <a:p>
-                <a:pPr lvl="1"/>
-                <a:r>
-                  <a:rPr sz="2000" dirty="0"/>
-                  <a:t>Whereas, the </a:t>
-                </a:r>
-                <a:r>
-                  <a:rPr sz="2000" b="1" dirty="0"/>
-                  <a:t>sample estimate</a:t>
-                </a:r>
-                <a:r>
-                  <a:rPr sz="2000" dirty="0"/>
-                  <a:t> is </a:t>
-                </a:r>
-                <a14:m>
-                  <m:oMath xmlns:m="http://schemas.openxmlformats.org/officeDocument/2006/math">
-                    <m:acc>
-                      <m:accPr>
-                        <m:chr m:val="‾"/>
-                        <m:ctrlPr>
-                          <a:rPr sz="2000" i="1">
-                            <a:latin typeface="Cambria Math" panose="02040503050406030204" pitchFamily="18" charset="0"/>
-                          </a:rPr>
-                        </m:ctrlPr>
-                      </m:accPr>
-                      <m:e>
-                        <m:r>
-                          <a:rPr sz="2000">
-                            <a:latin typeface="Cambria Math" panose="02040503050406030204" pitchFamily="18" charset="0"/>
-                          </a:rPr>
-                          <m:t>𝑥</m:t>
-                        </m:r>
-                      </m:e>
-                    </m:acc>
-                  </m:oMath>
-                </a14:m>
-                <a:endParaRPr sz="2000" dirty="0"/>
-              </a:p>
-            </p:txBody>
-          </p:sp>
-        </mc:Choice>
-        <mc:Fallback xmlns="">
-          <p:sp>
-            <p:nvSpPr>
-              <p:cNvPr id="3" name="Content Placeholder 2"/>
-              <p:cNvSpPr>
-                <a:spLocks noGrp="1" noRot="1" noChangeAspect="1" noMove="1" noResize="1" noEditPoints="1" noAdjustHandles="1" noChangeArrowheads="1" noChangeShapeType="1" noTextEdit="1"/>
-              </p:cNvSpPr>
-              <p:nvPr>
-                <p:ph idx="1"/>
-              </p:nvPr>
-            </p:nvSpPr>
-            <p:spPr>
-              <a:xfrm>
-                <a:off x="457200" y="1034005"/>
-                <a:ext cx="8229600" cy="3903516"/>
-              </a:xfrm>
-              <a:blipFill>
-                <a:blip r:embed="rId2"/>
-                <a:stretch>
-                  <a:fillRect l="-741" t="-938"/>
-                </a:stretch>
-              </a:blipFill>
-            </p:spPr>
-            <p:txBody>
-              <a:bodyPr/>
-              <a:lstStyle/>
-              <a:p>
-                <a:r>
-                  <a:rPr lang="en-US">
-                    <a:noFill/>
-                  </a:rPr>
-                  <a:t> </a:t>
-                </a:r>
-              </a:p>
-            </p:txBody>
-          </p:sp>
-        </mc:Fallback>
-      </mc:AlternateContent>
-    </p:spTree>
-  </p:cSld>
-  <p:clrMapOvr>
-    <a:masterClrMapping/>
-  </p:clrMapOvr>
-</p:sld>
-</file>
-
-<file path=ppt/slides/slide11.xml><?xml version="1.0" encoding="utf-8"?>
 <p:sld xmlns:a="http://schemas.openxmlformats.org/drawingml/2006/main" xmlns:r="http://schemas.openxmlformats.org/officeDocument/2006/relationships" xmlns:p="http://schemas.openxmlformats.org/presentationml/2006/main">
   <p:cSld>
     <p:spTree>
@@ -3928,7 +3663,7 @@
 </p:sld>
 </file>
 
-<file path=ppt/slides/slide12.xml><?xml version="1.0" encoding="utf-8"?>
+<file path=ppt/slides/slide11.xml><?xml version="1.0" encoding="utf-8"?>
 <p:sld xmlns:a="http://schemas.openxmlformats.org/drawingml/2006/main" xmlns:r="http://schemas.openxmlformats.org/officeDocument/2006/relationships" xmlns:p="http://schemas.openxmlformats.org/presentationml/2006/main">
   <p:cSld>
     <p:spTree>
@@ -4190,7 +3925,7 @@
 </p:sld>
 </file>
 
-<file path=ppt/slides/slide13.xml><?xml version="1.0" encoding="utf-8"?>
+<file path=ppt/slides/slide12.xml><?xml version="1.0" encoding="utf-8"?>
 <p:sld xmlns:a="http://schemas.openxmlformats.org/drawingml/2006/main" xmlns:r="http://schemas.openxmlformats.org/officeDocument/2006/relationships" xmlns:p="http://schemas.openxmlformats.org/presentationml/2006/main">
   <p:cSld>
     <p:spTree>
@@ -4643,6 +4378,168 @@
 </p:sld>
 </file>
 
+<file path=ppt/slides/slide13.xml><?xml version="1.0" encoding="utf-8"?>
+<p:sld xmlns:a="http://schemas.openxmlformats.org/drawingml/2006/main" xmlns:r="http://schemas.openxmlformats.org/officeDocument/2006/relationships" xmlns:p="http://schemas.openxmlformats.org/presentationml/2006/main">
+  <p:cSld>
+    <p:spTree>
+      <p:nvGrpSpPr>
+        <p:cNvPr id="1" name=""/>
+        <p:cNvGrpSpPr/>
+        <p:nvPr/>
+      </p:nvGrpSpPr>
+      <p:grpSpPr>
+        <a:xfrm>
+          <a:off x="0" y="0"/>
+          <a:ext cx="0" cy="0"/>
+          <a:chOff x="0" y="0"/>
+          <a:chExt cx="0" cy="0"/>
+        </a:xfrm>
+      </p:grpSpPr>
+      <p:sp>
+        <p:nvSpPr>
+          <p:cNvPr id="2" name="Title 1"/>
+          <p:cNvSpPr>
+            <a:spLocks noGrp="1"/>
+          </p:cNvSpPr>
+          <p:nvPr>
+            <p:ph type="title"/>
+          </p:nvPr>
+        </p:nvSpPr>
+        <p:spPr/>
+        <p:txBody>
+          <a:bodyPr/>
+          <a:lstStyle/>
+          <a:p>
+            <a:pPr marL="0" lvl="0" indent="0">
+              <a:buNone/>
+            </a:pPr>
+            <a:r>
+              <a:t>Sampling and the Law of Large Numbers</a:t>
+            </a:r>
+          </a:p>
+        </p:txBody>
+      </p:sp>
+      <p:sp>
+        <p:nvSpPr>
+          <p:cNvPr id="3" name="Content Placeholder 2"/>
+          <p:cNvSpPr>
+            <a:spLocks noGrp="1"/>
+          </p:cNvSpPr>
+          <p:nvPr>
+            <p:ph idx="1"/>
+          </p:nvPr>
+        </p:nvSpPr>
+        <p:spPr>
+          <a:xfrm>
+            <a:off x="457200" y="1200150"/>
+            <a:ext cx="8229600" cy="3533895"/>
+          </a:xfrm>
+        </p:spPr>
+        <p:txBody>
+          <a:bodyPr>
+            <a:normAutofit fontScale="85000" lnSpcReduction="10000"/>
+          </a:bodyPr>
+          <a:lstStyle/>
+          <a:p>
+            <a:pPr marL="0" lvl="0" indent="0">
+              <a:buNone/>
+            </a:pPr>
+            <a:r>
+              <a:rPr dirty="0"/>
+              <a:t>The</a:t>
+            </a:r>
+            <a:r>
+              <a:rPr lang="en-US" dirty="0"/>
+              <a:t> weak</a:t>
+            </a:r>
+            <a:r>
+              <a:rPr dirty="0"/>
+              <a:t> law of large numbers is foundational to statistics</a:t>
+            </a:r>
+          </a:p>
+          <a:p>
+            <a:pPr lvl="0"/>
+            <a:r>
+              <a:rPr dirty="0"/>
+              <a:t>We rely on the law of large numbers whenever we work with samples</a:t>
+            </a:r>
+          </a:p>
+          <a:p>
+            <a:pPr lvl="0"/>
+            <a:r>
+              <a:rPr dirty="0"/>
+              <a:t>Assume that </a:t>
+            </a:r>
+            <a:r>
+              <a:rPr b="1" dirty="0"/>
+              <a:t>larger samples are more representatives of the population we are sampling</a:t>
+            </a:r>
+          </a:p>
+          <a:p>
+            <a:pPr lvl="0"/>
+            <a:r>
+              <a:rPr dirty="0"/>
+              <a:t>Is foundation of sampling theory, plus modern computational methods</a:t>
+            </a:r>
+            <a:endParaRPr lang="en-US" dirty="0"/>
+          </a:p>
+          <a:p>
+            <a:pPr lvl="1"/>
+            <a:r>
+              <a:rPr lang="en-US" dirty="0"/>
+              <a:t>S</a:t>
+            </a:r>
+            <a:r>
+              <a:rPr dirty="0"/>
+              <a:t>imulation</a:t>
+            </a:r>
+            <a:endParaRPr lang="en-US" dirty="0"/>
+          </a:p>
+          <a:p>
+            <a:pPr lvl="1"/>
+            <a:r>
+              <a:rPr lang="en-US" dirty="0"/>
+              <a:t>B</a:t>
+            </a:r>
+            <a:r>
+              <a:rPr dirty="0"/>
+              <a:t>ootstrap resampling</a:t>
+            </a:r>
+            <a:endParaRPr lang="en-US" dirty="0"/>
+          </a:p>
+          <a:p>
+            <a:pPr lvl="1"/>
+            <a:r>
+              <a:rPr dirty="0"/>
+              <a:t>Monte Carlo methods</a:t>
+            </a:r>
+            <a:endParaRPr lang="en-US" dirty="0"/>
+          </a:p>
+          <a:p>
+            <a:pPr lvl="1"/>
+            <a:r>
+              <a:rPr lang="en-US" dirty="0"/>
+              <a:t>Etc.</a:t>
+            </a:r>
+            <a:endParaRPr dirty="0"/>
+          </a:p>
+          <a:p>
+            <a:pPr lvl="0"/>
+            <a:r>
+              <a:rPr dirty="0"/>
+              <a:t>If the real world did not follow this theorem, then much of statistics (along with much of science and technology) would have to be rethought</a:t>
+            </a:r>
+          </a:p>
+        </p:txBody>
+      </p:sp>
+    </p:spTree>
+  </p:cSld>
+  <p:clrMapOvr>
+    <a:masterClrMapping/>
+  </p:clrMapOvr>
+</p:sld>
+</file>
+
 <file path=ppt/slides/slide14.xml><?xml version="1.0" encoding="utf-8"?>
 <p:sld xmlns:a="http://schemas.openxmlformats.org/drawingml/2006/main" xmlns:r="http://schemas.openxmlformats.org/officeDocument/2006/relationships" xmlns:p="http://schemas.openxmlformats.org/presentationml/2006/main">
   <p:cSld>
@@ -4694,105 +4591,38 @@
             <p:ph idx="1"/>
           </p:nvPr>
         </p:nvSpPr>
-        <p:spPr>
-          <a:xfrm>
-            <a:off x="457200" y="1200150"/>
-            <a:ext cx="8229600" cy="3533895"/>
-          </a:xfrm>
-        </p:spPr>
-        <p:txBody>
-          <a:bodyPr>
-            <a:normAutofit fontScale="85000" lnSpcReduction="10000"/>
-          </a:bodyPr>
+        <p:spPr/>
+        <p:txBody>
+          <a:bodyPr/>
           <a:lstStyle/>
           <a:p>
             <a:pPr marL="0" lvl="0" indent="0">
               <a:buNone/>
             </a:pPr>
             <a:r>
-              <a:rPr dirty="0"/>
-              <a:t>The</a:t>
-            </a:r>
-            <a:r>
-              <a:rPr lang="en-US" dirty="0"/>
-              <a:t> weak</a:t>
-            </a:r>
-            <a:r>
-              <a:rPr dirty="0"/>
-              <a:t> law of large numbers is foundational to statistics</a:t>
+              <a:t>The weak law of large numbers has a long history</a:t>
             </a:r>
           </a:p>
           <a:p>
             <a:pPr lvl="0"/>
             <a:r>
-              <a:rPr dirty="0"/>
-              <a:t>We rely on the law of large numbers whenever we work with samples</a:t>
+              <a:t>Jacob Bernoulli posthumously published the first proof for the Binomial distribution in 1713</a:t>
             </a:r>
           </a:p>
           <a:p>
             <a:pPr lvl="0"/>
             <a:r>
-              <a:rPr dirty="0"/>
-              <a:t>Assume that </a:t>
-            </a:r>
-            <a:r>
-              <a:rPr b="1" dirty="0"/>
-              <a:t>larger samples are more representatives of the population we are sampling</a:t>
+              <a:t>Law of large numbers is sometimes referred to as </a:t>
+            </a:r>
+            <a:r>
+              <a:rPr b="1"/>
+              <a:t>Bernoulli’s theorem</a:t>
             </a:r>
           </a:p>
           <a:p>
             <a:pPr lvl="0"/>
             <a:r>
-              <a:rPr dirty="0"/>
-              <a:t>Is foundation of sampling theory, plus modern computational methods</a:t>
-            </a:r>
-            <a:endParaRPr lang="en-US" dirty="0"/>
-          </a:p>
-          <a:p>
-            <a:pPr lvl="1"/>
-            <a:r>
-              <a:rPr lang="en-US" dirty="0"/>
-              <a:t>S</a:t>
-            </a:r>
-            <a:r>
-              <a:rPr dirty="0"/>
-              <a:t>imulation</a:t>
-            </a:r>
-            <a:endParaRPr lang="en-US" dirty="0"/>
-          </a:p>
-          <a:p>
-            <a:pPr lvl="1"/>
-            <a:r>
-              <a:rPr lang="en-US" dirty="0"/>
-              <a:t>B</a:t>
-            </a:r>
-            <a:r>
-              <a:rPr dirty="0"/>
-              <a:t>ootstrap resampling</a:t>
-            </a:r>
-            <a:endParaRPr lang="en-US" dirty="0"/>
-          </a:p>
-          <a:p>
-            <a:pPr lvl="1"/>
-            <a:r>
-              <a:rPr dirty="0"/>
-              <a:t>Monte Carlo methods</a:t>
-            </a:r>
-            <a:endParaRPr lang="en-US" dirty="0"/>
-          </a:p>
-          <a:p>
-            <a:pPr lvl="1"/>
-            <a:r>
-              <a:rPr lang="en-US" dirty="0"/>
-              <a:t>Etc.</a:t>
-            </a:r>
-            <a:endParaRPr dirty="0"/>
-          </a:p>
-          <a:p>
-            <a:pPr lvl="0"/>
-            <a:r>
-              <a:rPr dirty="0"/>
-              <a:t>If the real world did not follow this theorem, then much of statistics (along with much of science and technology) would have to be rethought</a:t>
+              <a:t>A more general proof was published by Poisson in 1837.</a:t>
             </a:r>
           </a:p>
         </p:txBody>
@@ -4806,101 +4636,6 @@
 </file>
 
 <file path=ppt/slides/slide15.xml><?xml version="1.0" encoding="utf-8"?>
-<p:sld xmlns:a="http://schemas.openxmlformats.org/drawingml/2006/main" xmlns:r="http://schemas.openxmlformats.org/officeDocument/2006/relationships" xmlns:p="http://schemas.openxmlformats.org/presentationml/2006/main">
-  <p:cSld>
-    <p:spTree>
-      <p:nvGrpSpPr>
-        <p:cNvPr id="1" name=""/>
-        <p:cNvGrpSpPr/>
-        <p:nvPr/>
-      </p:nvGrpSpPr>
-      <p:grpSpPr>
-        <a:xfrm>
-          <a:off x="0" y="0"/>
-          <a:ext cx="0" cy="0"/>
-          <a:chOff x="0" y="0"/>
-          <a:chExt cx="0" cy="0"/>
-        </a:xfrm>
-      </p:grpSpPr>
-      <p:sp>
-        <p:nvSpPr>
-          <p:cNvPr id="2" name="Title 1"/>
-          <p:cNvSpPr>
-            <a:spLocks noGrp="1"/>
-          </p:cNvSpPr>
-          <p:nvPr>
-            <p:ph type="title"/>
-          </p:nvPr>
-        </p:nvSpPr>
-        <p:spPr/>
-        <p:txBody>
-          <a:bodyPr/>
-          <a:lstStyle/>
-          <a:p>
-            <a:pPr marL="0" lvl="0" indent="0">
-              <a:buNone/>
-            </a:pPr>
-            <a:r>
-              <a:t>Sampling and the Law of Large Numbers</a:t>
-            </a:r>
-          </a:p>
-        </p:txBody>
-      </p:sp>
-      <p:sp>
-        <p:nvSpPr>
-          <p:cNvPr id="3" name="Content Placeholder 2"/>
-          <p:cNvSpPr>
-            <a:spLocks noGrp="1"/>
-          </p:cNvSpPr>
-          <p:nvPr>
-            <p:ph idx="1"/>
-          </p:nvPr>
-        </p:nvSpPr>
-        <p:spPr/>
-        <p:txBody>
-          <a:bodyPr/>
-          <a:lstStyle/>
-          <a:p>
-            <a:pPr marL="0" lvl="0" indent="0">
-              <a:buNone/>
-            </a:pPr>
-            <a:r>
-              <a:t>The weak law of large numbers has a long history</a:t>
-            </a:r>
-          </a:p>
-          <a:p>
-            <a:pPr lvl="0"/>
-            <a:r>
-              <a:t>Jacob Bernoulli posthumously published the first proof for the Binomial distribution in 1713</a:t>
-            </a:r>
-          </a:p>
-          <a:p>
-            <a:pPr lvl="0"/>
-            <a:r>
-              <a:t>Law of large numbers is sometimes referred to as </a:t>
-            </a:r>
-            <a:r>
-              <a:rPr b="1"/>
-              <a:t>Bernoulli’s theorem</a:t>
-            </a:r>
-          </a:p>
-          <a:p>
-            <a:pPr lvl="0"/>
-            <a:r>
-              <a:t>A more general proof was published by Poisson in 1837.</a:t>
-            </a:r>
-          </a:p>
-        </p:txBody>
-      </p:sp>
-    </p:spTree>
-  </p:cSld>
-  <p:clrMapOvr>
-    <a:masterClrMapping/>
-  </p:clrMapOvr>
-</p:sld>
-</file>
-
-<file path=ppt/slides/slide16.xml><?xml version="1.0" encoding="utf-8"?>
 <p:sld xmlns:a="http://schemas.openxmlformats.org/drawingml/2006/main" xmlns:r="http://schemas.openxmlformats.org/officeDocument/2006/relationships" xmlns:p="http://schemas.openxmlformats.org/presentationml/2006/main">
   <p:cSld>
     <p:spTree>
@@ -5139,7 +4874,7 @@
 </p:sld>
 </file>
 
-<file path=ppt/slides/slide17.xml><?xml version="1.0" encoding="utf-8"?>
+<file path=ppt/slides/slide16.xml><?xml version="1.0" encoding="utf-8"?>
 <p:sld xmlns:a="http://schemas.openxmlformats.org/drawingml/2006/main" xmlns:r="http://schemas.openxmlformats.org/officeDocument/2006/relationships" xmlns:p="http://schemas.openxmlformats.org/presentationml/2006/main">
   <p:cSld>
     <p:spTree>
@@ -5294,7 +5029,7 @@
 </p:sld>
 </file>
 
-<file path=ppt/slides/slide18.xml><?xml version="1.0" encoding="utf-8"?>
+<file path=ppt/slides/slide17.xml><?xml version="1.0" encoding="utf-8"?>
 <p:sld xmlns:a="http://schemas.openxmlformats.org/drawingml/2006/main" xmlns:r="http://schemas.openxmlformats.org/officeDocument/2006/relationships" xmlns:p="http://schemas.openxmlformats.org/presentationml/2006/main">
   <p:cSld>
     <p:spTree>
@@ -5340,8 +5075,8 @@
           </a:p>
         </p:txBody>
       </p:sp>
-      <mc:AlternateContent xmlns:mc="http://schemas.openxmlformats.org/markup-compatibility/2006" xmlns:a14="http://schemas.microsoft.com/office/drawing/2010/main">
-        <mc:Choice Requires="a14">
+      <mc:AlternateContent xmlns:mc="http://schemas.openxmlformats.org/markup-compatibility/2006">
+        <mc:Choice xmlns:a14="http://schemas.microsoft.com/office/drawing/2010/main" Requires="a14">
           <p:sp>
             <p:nvSpPr>
               <p:cNvPr id="3" name="Content Placeholder 2"/>
@@ -5482,7 +5217,7 @@
                 </a14:m>
                 <a:r>
                   <a:rPr lang="en-US" dirty="0"/>
-                  <a:t> thee sampling distribution of </a:t>
+                  <a:t>, the sampling distribution of </a:t>
                 </a:r>
                 <a14:m>
                   <m:oMath xmlns:m="http://schemas.openxmlformats.org/officeDocument/2006/math">
@@ -5629,7 +5364,7 @@
             </p:txBody>
           </p:sp>
         </mc:Choice>
-        <mc:Fallback xmlns="">
+        <mc:Fallback>
           <p:sp>
             <p:nvSpPr>
               <p:cNvPr id="3" name="Content Placeholder 2"/>
@@ -5671,7 +5406,7 @@
 </p:sld>
 </file>
 
-<file path=ppt/slides/slide19.xml><?xml version="1.0" encoding="utf-8"?>
+<file path=ppt/slides/slide18.xml><?xml version="1.0" encoding="utf-8"?>
 <p:sld xmlns:a="http://schemas.openxmlformats.org/drawingml/2006/main" xmlns:r="http://schemas.openxmlformats.org/officeDocument/2006/relationships" xmlns:p="http://schemas.openxmlformats.org/presentationml/2006/main">
   <p:cSld>
     <p:spTree>
@@ -5919,656 +5654,7 @@
 </p:sld>
 </file>
 
-<file path=ppt/slides/slide2.xml><?xml version="1.0" encoding="utf-8"?>
-<p:sld xmlns:a="http://schemas.openxmlformats.org/drawingml/2006/main" xmlns:r="http://schemas.openxmlformats.org/officeDocument/2006/relationships" xmlns:p="http://schemas.openxmlformats.org/presentationml/2006/main">
-  <p:cSld>
-    <p:spTree>
-      <p:nvGrpSpPr>
-        <p:cNvPr id="1" name=""/>
-        <p:cNvGrpSpPr/>
-        <p:nvPr/>
-      </p:nvGrpSpPr>
-      <p:grpSpPr>
-        <a:xfrm>
-          <a:off x="0" y="0"/>
-          <a:ext cx="0" cy="0"/>
-          <a:chOff x="0" y="0"/>
-          <a:chExt cx="0" cy="0"/>
-        </a:xfrm>
-      </p:grpSpPr>
-      <p:sp>
-        <p:nvSpPr>
-          <p:cNvPr id="2" name="Title 1"/>
-          <p:cNvSpPr>
-            <a:spLocks noGrp="1"/>
-          </p:cNvSpPr>
-          <p:nvPr>
-            <p:ph type="title"/>
-          </p:nvPr>
-        </p:nvSpPr>
-        <p:spPr/>
-        <p:txBody>
-          <a:bodyPr/>
-          <a:lstStyle/>
-          <a:p>
-            <a:pPr marL="0" lvl="0" indent="0">
-              <a:buNone/>
-            </a:pPr>
-            <a:r>
-              <a:t>Review</a:t>
-            </a:r>
-          </a:p>
-        </p:txBody>
-      </p:sp>
-      <mc:AlternateContent xmlns:mc="http://schemas.openxmlformats.org/markup-compatibility/2006" xmlns:a14="http://schemas.microsoft.com/office/drawing/2010/main">
-        <mc:Choice Requires="a14">
-          <p:sp>
-            <p:nvSpPr>
-              <p:cNvPr id="3" name="Content Placeholder 2"/>
-              <p:cNvSpPr>
-                <a:spLocks noGrp="1"/>
-              </p:cNvSpPr>
-              <p:nvPr>
-                <p:ph idx="1"/>
-              </p:nvPr>
-            </p:nvSpPr>
-            <p:spPr/>
-            <p:txBody>
-              <a:bodyPr>
-                <a:normAutofit fontScale="92500"/>
-              </a:bodyPr>
-              <a:lstStyle/>
-              <a:p>
-                <a:pPr lvl="0"/>
-                <a:r>
-                  <a:rPr lang="en-US" dirty="0"/>
-                  <a:t>Axioms of probability; for discrete distribution</a:t>
-                </a:r>
-              </a:p>
-              <a:p>
-                <a:pPr marL="0" lvl="0" indent="0">
-                  <a:buNone/>
-                </a:pPr>
-                <a14:m>
-                  <m:oMathPara xmlns:m="http://schemas.openxmlformats.org/officeDocument/2006/math">
-                    <m:oMathParaPr>
-                      <m:jc m:val="center"/>
-                    </m:oMathParaPr>
-                    <m:oMath xmlns:m="http://schemas.openxmlformats.org/officeDocument/2006/math">
-                      <m:r>
-                        <a:rPr lang="en-US">
-                          <a:latin typeface="Cambria Math" panose="02040503050406030204" pitchFamily="18" charset="0"/>
-                        </a:rPr>
-                        <m:t>0</m:t>
-                      </m:r>
-                      <m:r>
-                        <a:rPr lang="en-US">
-                          <a:latin typeface="Cambria Math" panose="02040503050406030204" pitchFamily="18" charset="0"/>
-                        </a:rPr>
-                        <m:t>≤</m:t>
-                      </m:r>
-                      <m:r>
-                        <a:rPr lang="en-US">
-                          <a:latin typeface="Cambria Math" panose="02040503050406030204" pitchFamily="18" charset="0"/>
-                        </a:rPr>
-                        <m:t>𝑃</m:t>
-                      </m:r>
-                      <m:d>
-                        <m:dPr>
-                          <m:ctrlPr>
-                            <a:rPr lang="ar-AE" i="1">
-                              <a:latin typeface="Cambria Math" panose="02040503050406030204" pitchFamily="18" charset="0"/>
-                            </a:rPr>
-                          </m:ctrlPr>
-                        </m:dPr>
-                        <m:e>
-                          <m:r>
-                            <a:rPr lang="ar-AE">
-                              <a:latin typeface="Cambria Math" panose="02040503050406030204" pitchFamily="18" charset="0"/>
-                            </a:rPr>
-                            <m:t>𝐴</m:t>
-                          </m:r>
-                        </m:e>
-                      </m:d>
-                      <m:r>
-                        <a:rPr lang="ar-AE">
-                          <a:latin typeface="Cambria Math" panose="02040503050406030204" pitchFamily="18" charset="0"/>
-                        </a:rPr>
-                        <m:t>≤</m:t>
-                      </m:r>
-                      <m:r>
-                        <a:rPr lang="ar-AE">
-                          <a:latin typeface="Cambria Math" panose="02040503050406030204" pitchFamily="18" charset="0"/>
-                        </a:rPr>
-                        <m:t>1</m:t>
-                      </m:r>
-                    </m:oMath>
-                  </m:oMathPara>
-                </a14:m>
-                <a:endParaRPr lang="ar-AE" dirty="0"/>
-              </a:p>
-              <a:p>
-                <a:pPr marL="0" lvl="0" indent="0">
-                  <a:buNone/>
-                </a:pPr>
-                <a14:m>
-                  <m:oMathPara xmlns:m="http://schemas.openxmlformats.org/officeDocument/2006/math">
-                    <m:oMathParaPr>
-                      <m:jc m:val="center"/>
-                    </m:oMathParaPr>
-                    <m:oMath xmlns:m="http://schemas.openxmlformats.org/officeDocument/2006/math">
-                      <m:r>
-                        <a:rPr lang="ar-AE">
-                          <a:latin typeface="Cambria Math" panose="02040503050406030204" pitchFamily="18" charset="0"/>
-                        </a:rPr>
-                        <m:t>𝑃</m:t>
-                      </m:r>
-                      <m:d>
-                        <m:dPr>
-                          <m:ctrlPr>
-                            <a:rPr lang="ar-AE" i="1">
-                              <a:latin typeface="Cambria Math" panose="02040503050406030204" pitchFamily="18" charset="0"/>
-                            </a:rPr>
-                          </m:ctrlPr>
-                        </m:dPr>
-                        <m:e>
-                          <m:r>
-                            <a:rPr lang="ar-AE">
-                              <a:latin typeface="Cambria Math" panose="02040503050406030204" pitchFamily="18" charset="0"/>
-                            </a:rPr>
-                            <m:t>𝑆</m:t>
-                          </m:r>
-                        </m:e>
-                      </m:d>
-                      <m:r>
-                        <a:rPr lang="ar-AE">
-                          <a:latin typeface="Cambria Math" panose="02040503050406030204" pitchFamily="18" charset="0"/>
-                        </a:rPr>
-                        <m:t>=</m:t>
-                      </m:r>
-                      <m:nary>
-                        <m:naryPr>
-                          <m:chr m:val="∑"/>
-                          <m:limLoc m:val="undOvr"/>
-                          <m:ctrlPr>
-                            <a:rPr lang="ar-AE" i="1">
-                              <a:latin typeface="Cambria Math" panose="02040503050406030204" pitchFamily="18" charset="0"/>
-                            </a:rPr>
-                          </m:ctrlPr>
-                        </m:naryPr>
-                        <m:sub>
-                          <m:sSub>
-                            <m:sSubPr>
-                              <m:ctrlPr>
-                                <a:rPr lang="ar-AE" i="1">
-                                  <a:latin typeface="Cambria Math" panose="02040503050406030204" pitchFamily="18" charset="0"/>
-                                </a:rPr>
-                              </m:ctrlPr>
-                            </m:sSubPr>
-                            <m:e>
-                              <m:r>
-                                <a:rPr lang="ar-AE">
-                                  <a:latin typeface="Cambria Math" panose="02040503050406030204" pitchFamily="18" charset="0"/>
-                                </a:rPr>
-                                <m:t>𝑎</m:t>
-                              </m:r>
-                            </m:e>
-                            <m:sub>
-                              <m:r>
-                                <a:rPr lang="ar-AE">
-                                  <a:latin typeface="Cambria Math" panose="02040503050406030204" pitchFamily="18" charset="0"/>
-                                </a:rPr>
-                                <m:t>𝑖</m:t>
-                              </m:r>
-                            </m:sub>
-                          </m:sSub>
-                          <m:r>
-                            <a:rPr lang="ar-AE">
-                              <a:latin typeface="Cambria Math" panose="02040503050406030204" pitchFamily="18" charset="0"/>
-                            </a:rPr>
-                            <m:t>∈</m:t>
-                          </m:r>
-                          <m:r>
-                            <a:rPr lang="ar-AE">
-                              <a:latin typeface="Cambria Math" panose="02040503050406030204" pitchFamily="18" charset="0"/>
-                            </a:rPr>
-                            <m:t>𝐴</m:t>
-                          </m:r>
-                        </m:sub>
-                        <m:sup>
-                          <m:r>
-                            <a:rPr lang="ar-AE">
-                              <a:latin typeface="Cambria Math" panose="02040503050406030204" pitchFamily="18" charset="0"/>
-                            </a:rPr>
-                            <m:t>​</m:t>
-                          </m:r>
-                        </m:sup>
-                        <m:e>
-                          <m:r>
-                            <a:rPr lang="ar-AE">
-                              <a:latin typeface="Cambria Math" panose="02040503050406030204" pitchFamily="18" charset="0"/>
-                            </a:rPr>
-                            <m:t>𝑃</m:t>
-                          </m:r>
-                        </m:e>
-                      </m:nary>
-                      <m:d>
-                        <m:dPr>
-                          <m:ctrlPr>
-                            <a:rPr lang="ar-AE" i="1">
-                              <a:latin typeface="Cambria Math" panose="02040503050406030204" pitchFamily="18" charset="0"/>
-                            </a:rPr>
-                          </m:ctrlPr>
-                        </m:dPr>
-                        <m:e>
-                          <m:sSub>
-                            <m:sSubPr>
-                              <m:ctrlPr>
-                                <a:rPr lang="ar-AE" i="1">
-                                  <a:latin typeface="Cambria Math" panose="02040503050406030204" pitchFamily="18" charset="0"/>
-                                </a:rPr>
-                              </m:ctrlPr>
-                            </m:sSubPr>
-                            <m:e>
-                              <m:r>
-                                <a:rPr lang="ar-AE">
-                                  <a:latin typeface="Cambria Math" panose="02040503050406030204" pitchFamily="18" charset="0"/>
-                                </a:rPr>
-                                <m:t>𝑎</m:t>
-                              </m:r>
-                            </m:e>
-                            <m:sub>
-                              <m:r>
-                                <a:rPr lang="ar-AE">
-                                  <a:latin typeface="Cambria Math" panose="02040503050406030204" pitchFamily="18" charset="0"/>
-                                </a:rPr>
-                                <m:t>𝑖</m:t>
-                              </m:r>
-                            </m:sub>
-                          </m:sSub>
-                        </m:e>
-                      </m:d>
-                      <m:r>
-                        <a:rPr lang="ar-AE">
-                          <a:latin typeface="Cambria Math" panose="02040503050406030204" pitchFamily="18" charset="0"/>
-                        </a:rPr>
-                        <m:t>=</m:t>
-                      </m:r>
-                      <m:r>
-                        <a:rPr lang="ar-AE">
-                          <a:latin typeface="Cambria Math" panose="02040503050406030204" pitchFamily="18" charset="0"/>
-                        </a:rPr>
-                        <m:t>1</m:t>
-                      </m:r>
-                    </m:oMath>
-                  </m:oMathPara>
-                </a14:m>
-                <a:endParaRPr lang="ar-AE" dirty="0"/>
-              </a:p>
-              <a:p>
-                <a:pPr marL="0" lvl="0" indent="0">
-                  <a:buNone/>
-                </a:pPr>
-                <a14:m>
-                  <m:oMathPara xmlns:m="http://schemas.openxmlformats.org/officeDocument/2006/math">
-                    <m:oMathParaPr>
-                      <m:jc m:val="centerGroup"/>
-                    </m:oMathParaPr>
-                    <m:oMath xmlns:m="http://schemas.openxmlformats.org/officeDocument/2006/math">
-                      <m:r>
-                        <a:rPr lang="en-US" b="0" i="1" smtClean="0">
-                          <a:latin typeface="Cambria Math" panose="02040503050406030204" pitchFamily="18" charset="0"/>
-                        </a:rPr>
-                        <m:t>𝑃</m:t>
-                      </m:r>
-                      <m:d>
-                        <m:dPr>
-                          <m:ctrlPr>
-                            <a:rPr lang="en-US" b="0" i="1" smtClean="0">
-                              <a:latin typeface="Cambria Math" panose="02040503050406030204" pitchFamily="18" charset="0"/>
-                            </a:rPr>
-                          </m:ctrlPr>
-                        </m:dPr>
-                        <m:e>
-                          <m:r>
-                            <a:rPr lang="en-US" b="0" i="1" smtClean="0">
-                              <a:latin typeface="Cambria Math" panose="02040503050406030204" pitchFamily="18" charset="0"/>
-                            </a:rPr>
-                            <m:t>𝐴</m:t>
-                          </m:r>
-                          <m:r>
-                            <a:rPr lang="en-US" b="0" i="1" smtClean="0">
-                              <a:latin typeface="Cambria Math" panose="02040503050406030204" pitchFamily="18" charset="0"/>
-                              <a:ea typeface="Cambria Math" panose="02040503050406030204" pitchFamily="18" charset="0"/>
-                            </a:rPr>
-                            <m:t>∪</m:t>
-                          </m:r>
-                          <m:r>
-                            <a:rPr lang="en-US" b="0" i="1" smtClean="0">
-                              <a:latin typeface="Cambria Math" panose="02040503050406030204" pitchFamily="18" charset="0"/>
-                              <a:ea typeface="Cambria Math" panose="02040503050406030204" pitchFamily="18" charset="0"/>
-                            </a:rPr>
-                            <m:t>𝐵</m:t>
-                          </m:r>
-                        </m:e>
-                      </m:d>
-                      <m:r>
-                        <a:rPr lang="en-US" b="0" i="1" smtClean="0">
-                          <a:latin typeface="Cambria Math" panose="02040503050406030204" pitchFamily="18" charset="0"/>
-                        </a:rPr>
-                        <m:t>=</m:t>
-                      </m:r>
-                      <m:r>
-                        <a:rPr lang="en-US" b="0" i="1" smtClean="0">
-                          <a:latin typeface="Cambria Math" panose="02040503050406030204" pitchFamily="18" charset="0"/>
-                        </a:rPr>
-                        <m:t>𝑃</m:t>
-                      </m:r>
-                      <m:d>
-                        <m:dPr>
-                          <m:ctrlPr>
-                            <a:rPr lang="en-US" b="0" i="1" smtClean="0">
-                              <a:latin typeface="Cambria Math" panose="02040503050406030204" pitchFamily="18" charset="0"/>
-                            </a:rPr>
-                          </m:ctrlPr>
-                        </m:dPr>
-                        <m:e>
-                          <m:r>
-                            <a:rPr lang="en-US" b="0" i="1" smtClean="0">
-                              <a:latin typeface="Cambria Math" panose="02040503050406030204" pitchFamily="18" charset="0"/>
-                            </a:rPr>
-                            <m:t>𝐴</m:t>
-                          </m:r>
-                        </m:e>
-                      </m:d>
-                      <m:r>
-                        <a:rPr lang="en-US" b="0" i="1" smtClean="0">
-                          <a:latin typeface="Cambria Math" panose="02040503050406030204" pitchFamily="18" charset="0"/>
-                        </a:rPr>
-                        <m:t>+</m:t>
-                      </m:r>
-                      <m:r>
-                        <a:rPr lang="en-US" b="0" i="1" smtClean="0">
-                          <a:latin typeface="Cambria Math" panose="02040503050406030204" pitchFamily="18" charset="0"/>
-                        </a:rPr>
-                        <m:t>𝑃</m:t>
-                      </m:r>
-                      <m:d>
-                        <m:dPr>
-                          <m:ctrlPr>
-                            <a:rPr lang="en-US" b="0" i="1" smtClean="0">
-                              <a:latin typeface="Cambria Math" panose="02040503050406030204" pitchFamily="18" charset="0"/>
-                            </a:rPr>
-                          </m:ctrlPr>
-                        </m:dPr>
-                        <m:e>
-                          <m:r>
-                            <a:rPr lang="en-US" b="0" i="1" smtClean="0">
-                              <a:latin typeface="Cambria Math" panose="02040503050406030204" pitchFamily="18" charset="0"/>
-                            </a:rPr>
-                            <m:t>𝐵</m:t>
-                          </m:r>
-                        </m:e>
-                      </m:d>
-                      <m:r>
-                        <a:rPr lang="en-US" b="0" i="1" smtClean="0">
-                          <a:latin typeface="Cambria Math" panose="02040503050406030204" pitchFamily="18" charset="0"/>
-                        </a:rPr>
-                        <m:t> </m:t>
-                      </m:r>
-                      <m:r>
-                        <a:rPr lang="en-US" b="0" i="1" smtClean="0">
-                          <a:latin typeface="Cambria Math" panose="02040503050406030204" pitchFamily="18" charset="0"/>
-                        </a:rPr>
-                        <m:t>𝑖𝑓</m:t>
-                      </m:r>
-                      <m:r>
-                        <a:rPr lang="en-US" b="0" i="1" smtClean="0">
-                          <a:latin typeface="Cambria Math" panose="02040503050406030204" pitchFamily="18" charset="0"/>
-                        </a:rPr>
-                        <m:t> </m:t>
-                      </m:r>
-                      <m:r>
-                        <a:rPr lang="en-US" b="0" i="1" smtClean="0">
-                          <a:latin typeface="Cambria Math" panose="02040503050406030204" pitchFamily="18" charset="0"/>
-                        </a:rPr>
-                        <m:t>𝐴</m:t>
-                      </m:r>
-                      <m:r>
-                        <a:rPr lang="en-US" b="0" i="1" smtClean="0">
-                          <a:latin typeface="Cambria Math" panose="02040503050406030204" pitchFamily="18" charset="0"/>
-                          <a:ea typeface="Cambria Math" panose="02040503050406030204" pitchFamily="18" charset="0"/>
-                        </a:rPr>
-                        <m:t>⊥</m:t>
-                      </m:r>
-                      <m:r>
-                        <a:rPr lang="en-US" b="0" i="1" smtClean="0">
-                          <a:latin typeface="Cambria Math" panose="02040503050406030204" pitchFamily="18" charset="0"/>
-                          <a:ea typeface="Cambria Math" panose="02040503050406030204" pitchFamily="18" charset="0"/>
-                        </a:rPr>
-                        <m:t>𝐵</m:t>
-                      </m:r>
-                    </m:oMath>
-                  </m:oMathPara>
-                </a14:m>
-                <a:endParaRPr lang="en-US" dirty="0"/>
-              </a:p>
-              <a:p>
-                <a:pPr lvl="0"/>
-                <a:r>
-                  <a:rPr lang="en-US" dirty="0"/>
-                  <a:t>Expectation</a:t>
-                </a:r>
-              </a:p>
-              <a:p>
-                <a:pPr marL="0" lvl="0" indent="0">
-                  <a:buNone/>
-                </a:pPr>
-                <a14:m>
-                  <m:oMathPara xmlns:m="http://schemas.openxmlformats.org/officeDocument/2006/math">
-                    <m:oMathParaPr>
-                      <m:jc m:val="center"/>
-                    </m:oMathParaPr>
-                    <m:oMath xmlns:m="http://schemas.openxmlformats.org/officeDocument/2006/math">
-                      <m:r>
-                        <m:rPr>
-                          <m:sty m:val="p"/>
-                        </m:rPr>
-                        <a:rPr lang="en-US">
-                          <a:latin typeface="Cambria Math" panose="02040503050406030204" pitchFamily="18" charset="0"/>
-                        </a:rPr>
-                        <m:t>E</m:t>
-                      </m:r>
-                      <m:d>
-                        <m:dPr>
-                          <m:begChr m:val="["/>
-                          <m:endChr m:val="]"/>
-                          <m:ctrlPr>
-                            <a:rPr lang="ar-AE" i="1">
-                              <a:latin typeface="Cambria Math" panose="02040503050406030204" pitchFamily="18" charset="0"/>
-                            </a:rPr>
-                          </m:ctrlPr>
-                        </m:dPr>
-                        <m:e>
-                          <m:r>
-                            <a:rPr lang="ar-AE">
-                              <a:latin typeface="Cambria Math" panose="02040503050406030204" pitchFamily="18" charset="0"/>
-                            </a:rPr>
-                            <m:t>𝐗</m:t>
-                          </m:r>
-                        </m:e>
-                      </m:d>
-                      <m:r>
-                        <a:rPr lang="ar-AE">
-                          <a:latin typeface="Cambria Math" panose="02040503050406030204" pitchFamily="18" charset="0"/>
-                        </a:rPr>
-                        <m:t>=</m:t>
-                      </m:r>
-                      <m:nary>
-                        <m:naryPr>
-                          <m:chr m:val="∑"/>
-                          <m:limLoc m:val="undOvr"/>
-                          <m:ctrlPr>
-                            <a:rPr lang="ar-AE" i="1">
-                              <a:latin typeface="Cambria Math" panose="02040503050406030204" pitchFamily="18" charset="0"/>
-                            </a:rPr>
-                          </m:ctrlPr>
-                        </m:naryPr>
-                        <m:sub>
-                          <m:r>
-                            <a:rPr lang="ar-AE">
-                              <a:latin typeface="Cambria Math" panose="02040503050406030204" pitchFamily="18" charset="0"/>
-                            </a:rPr>
-                            <m:t>𝑖</m:t>
-                          </m:r>
-                          <m:r>
-                            <a:rPr lang="ar-AE">
-                              <a:latin typeface="Cambria Math" panose="02040503050406030204" pitchFamily="18" charset="0"/>
-                            </a:rPr>
-                            <m:t>=</m:t>
-                          </m:r>
-                          <m:r>
-                            <a:rPr lang="ar-AE">
-                              <a:latin typeface="Cambria Math" panose="02040503050406030204" pitchFamily="18" charset="0"/>
-                            </a:rPr>
-                            <m:t>1</m:t>
-                          </m:r>
-                        </m:sub>
-                        <m:sup>
-                          <m:r>
-                            <a:rPr lang="ar-AE">
-                              <a:latin typeface="Cambria Math" panose="02040503050406030204" pitchFamily="18" charset="0"/>
-                            </a:rPr>
-                            <m:t>𝑛</m:t>
-                          </m:r>
-                        </m:sup>
-                        <m:e>
-                          <m:sSub>
-                            <m:sSubPr>
-                              <m:ctrlPr>
-                                <a:rPr lang="ar-AE" i="1">
-                                  <a:latin typeface="Cambria Math" panose="02040503050406030204" pitchFamily="18" charset="0"/>
-                                </a:rPr>
-                              </m:ctrlPr>
-                            </m:sSubPr>
-                            <m:e>
-                              <m:r>
-                                <a:rPr lang="ar-AE">
-                                  <a:latin typeface="Cambria Math" panose="02040503050406030204" pitchFamily="18" charset="0"/>
-                                </a:rPr>
-                                <m:t>𝑥</m:t>
-                              </m:r>
-                            </m:e>
-                            <m:sub>
-                              <m:r>
-                                <a:rPr lang="ar-AE">
-                                  <a:latin typeface="Cambria Math" panose="02040503050406030204" pitchFamily="18" charset="0"/>
-                                </a:rPr>
-                                <m:t>𝑖</m:t>
-                              </m:r>
-                            </m:sub>
-                          </m:sSub>
-                        </m:e>
-                      </m:nary>
-                      <m:r>
-                        <a:rPr lang="ar-AE">
-                          <a:latin typeface="Cambria Math" panose="02040503050406030204" pitchFamily="18" charset="0"/>
-                        </a:rPr>
-                        <m:t> </m:t>
-                      </m:r>
-                      <m:r>
-                        <a:rPr lang="ar-AE">
-                          <a:latin typeface="Cambria Math" panose="02040503050406030204" pitchFamily="18" charset="0"/>
-                        </a:rPr>
-                        <m:t>𝑝</m:t>
-                      </m:r>
-                      <m:d>
-                        <m:dPr>
-                          <m:ctrlPr>
-                            <a:rPr lang="ar-AE" i="1">
-                              <a:latin typeface="Cambria Math" panose="02040503050406030204" pitchFamily="18" charset="0"/>
-                            </a:rPr>
-                          </m:ctrlPr>
-                        </m:dPr>
-                        <m:e>
-                          <m:sSub>
-                            <m:sSubPr>
-                              <m:ctrlPr>
-                                <a:rPr lang="ar-AE" i="1">
-                                  <a:latin typeface="Cambria Math" panose="02040503050406030204" pitchFamily="18" charset="0"/>
-                                </a:rPr>
-                              </m:ctrlPr>
-                            </m:sSubPr>
-                            <m:e>
-                              <m:r>
-                                <a:rPr lang="ar-AE">
-                                  <a:latin typeface="Cambria Math" panose="02040503050406030204" pitchFamily="18" charset="0"/>
-                                </a:rPr>
-                                <m:t>𝑥</m:t>
-                              </m:r>
-                            </m:e>
-                            <m:sub>
-                              <m:r>
-                                <a:rPr lang="ar-AE">
-                                  <a:latin typeface="Cambria Math" panose="02040503050406030204" pitchFamily="18" charset="0"/>
-                                </a:rPr>
-                                <m:t>𝑖</m:t>
-                              </m:r>
-                            </m:sub>
-                          </m:sSub>
-                        </m:e>
-                      </m:d>
-                    </m:oMath>
-                  </m:oMathPara>
-                </a14:m>
-                <a:endParaRPr dirty="0"/>
-              </a:p>
-            </p:txBody>
-          </p:sp>
-        </mc:Choice>
-        <mc:Fallback xmlns="">
-          <p:sp>
-            <p:nvSpPr>
-              <p:cNvPr id="3" name="Content Placeholder 2"/>
-              <p:cNvSpPr>
-                <a:spLocks noGrp="1" noRot="1" noChangeAspect="1" noMove="1" noResize="1" noEditPoints="1" noAdjustHandles="1" noChangeArrowheads="1" noChangeShapeType="1" noTextEdit="1"/>
-              </p:cNvSpPr>
-              <p:nvPr>
-                <p:ph idx="1"/>
-              </p:nvPr>
-            </p:nvSpPr>
-            <p:spPr>
-              <a:blipFill>
-                <a:blip r:embed="rId2"/>
-                <a:stretch>
-                  <a:fillRect l="-815" t="-1257"/>
-                </a:stretch>
-              </a:blipFill>
-            </p:spPr>
-            <p:txBody>
-              <a:bodyPr/>
-              <a:lstStyle/>
-              <a:p>
-                <a:r>
-                  <a:rPr lang="en-US">
-                    <a:noFill/>
-                  </a:rPr>
-                  <a:t> </a:t>
-                </a:r>
-              </a:p>
-            </p:txBody>
-          </p:sp>
-        </mc:Fallback>
-      </mc:AlternateContent>
-    </p:spTree>
-  </p:cSld>
-  <p:clrMapOvr>
-    <a:masterClrMapping/>
-  </p:clrMapOvr>
-</p:sld>
-</file>
-
-<file path=ppt/slides/slide20.xml><?xml version="1.0" encoding="utf-8"?>
+<file path=ppt/slides/slide19.xml><?xml version="1.0" encoding="utf-8"?>
 <p:sld xmlns:a="http://schemas.openxmlformats.org/drawingml/2006/main" xmlns:r="http://schemas.openxmlformats.org/officeDocument/2006/relationships" xmlns:p="http://schemas.openxmlformats.org/presentationml/2006/main">
   <p:cSld>
     <p:spTree>
@@ -6687,7 +5773,248 @@
 </p:sld>
 </file>
 
-<file path=ppt/slides/slide21.xml><?xml version="1.0" encoding="utf-8"?>
+<file path=ppt/slides/slide2.xml><?xml version="1.0" encoding="utf-8"?>
+<p:sld xmlns:a="http://schemas.openxmlformats.org/drawingml/2006/main" xmlns:r="http://schemas.openxmlformats.org/officeDocument/2006/relationships" xmlns:p="http://schemas.openxmlformats.org/presentationml/2006/main">
+  <p:cSld>
+    <p:spTree>
+      <p:nvGrpSpPr>
+        <p:cNvPr id="1" name=""/>
+        <p:cNvGrpSpPr/>
+        <p:nvPr/>
+      </p:nvGrpSpPr>
+      <p:grpSpPr>
+        <a:xfrm>
+          <a:off x="0" y="0"/>
+          <a:ext cx="0" cy="0"/>
+          <a:chOff x="0" y="0"/>
+          <a:chExt cx="0" cy="0"/>
+        </a:xfrm>
+      </p:grpSpPr>
+      <p:sp>
+        <p:nvSpPr>
+          <p:cNvPr id="2" name="Title 1"/>
+          <p:cNvSpPr>
+            <a:spLocks noGrp="1"/>
+          </p:cNvSpPr>
+          <p:nvPr>
+            <p:ph type="title"/>
+          </p:nvPr>
+        </p:nvSpPr>
+        <p:spPr/>
+        <p:txBody>
+          <a:bodyPr/>
+          <a:lstStyle/>
+          <a:p>
+            <a:pPr marL="0" lvl="0" indent="0">
+              <a:buNone/>
+            </a:pPr>
+            <a:r>
+              <a:rPr lang="en-US" dirty="0"/>
+              <a:t>Review</a:t>
+            </a:r>
+            <a:endParaRPr dirty="0"/>
+          </a:p>
+        </p:txBody>
+      </p:sp>
+      <p:sp>
+        <p:nvSpPr>
+          <p:cNvPr id="3" name="Content Placeholder 2"/>
+          <p:cNvSpPr>
+            <a:spLocks noGrp="1"/>
+          </p:cNvSpPr>
+          <p:nvPr>
+            <p:ph idx="1"/>
+          </p:nvPr>
+        </p:nvSpPr>
+        <p:spPr>
+          <a:xfrm>
+            <a:off x="457200" y="1063229"/>
+            <a:ext cx="8229600" cy="3874292"/>
+          </a:xfrm>
+        </p:spPr>
+        <p:txBody>
+          <a:bodyPr>
+            <a:normAutofit fontScale="85000" lnSpcReduction="10000"/>
+          </a:bodyPr>
+          <a:lstStyle/>
+          <a:p>
+            <a:pPr marL="0" marR="0" indent="0">
+              <a:lnSpc>
+                <a:spcPct val="107000"/>
+              </a:lnSpc>
+              <a:spcBef>
+                <a:spcPts val="0"/>
+              </a:spcBef>
+              <a:spcAft>
+                <a:spcPts val="0"/>
+              </a:spcAft>
+              <a:buNone/>
+            </a:pPr>
+            <a:r>
+              <a:rPr lang="en-US" sz="1800" dirty="0">
+                <a:effectLst/>
+                <a:latin typeface="Calibri" panose="020F0502020204030204" pitchFamily="34" charset="0"/>
+                <a:ea typeface="Calibri" panose="020F0502020204030204" pitchFamily="34" charset="0"/>
+                <a:cs typeface="Times New Roman" panose="02020603050405020304" pitchFamily="18" charset="0"/>
+              </a:rPr>
+              <a:t>In the past two week we have worked on several important topics in scientific visualization. Performing visualization is an essential part of the entire data science pipeline, initial exploration (EDA), understanding the fit and errors in models, evaluating model results and finally, presenting results and discoveries to colleagues.    </a:t>
+            </a:r>
+          </a:p>
+          <a:p>
+            <a:pPr marL="342900" marR="0" lvl="0" indent="-342900">
+              <a:lnSpc>
+                <a:spcPct val="107000"/>
+              </a:lnSpc>
+              <a:spcBef>
+                <a:spcPts val="0"/>
+              </a:spcBef>
+              <a:spcAft>
+                <a:spcPts val="0"/>
+              </a:spcAft>
+              <a:buFont typeface="+mj-lt"/>
+              <a:buAutoNum type="arabicPeriod"/>
+            </a:pPr>
+            <a:r>
+              <a:rPr lang="en-US" sz="1800" dirty="0">
+                <a:effectLst/>
+                <a:latin typeface="Calibri" panose="020F0502020204030204" pitchFamily="34" charset="0"/>
+                <a:ea typeface="Calibri" panose="020F0502020204030204" pitchFamily="34" charset="0"/>
+                <a:cs typeface="Times New Roman" panose="02020603050405020304" pitchFamily="18" charset="0"/>
+              </a:rPr>
+              <a:t>Our focus is visualization methods for modern data sets are growing in size and complexity. </a:t>
+            </a:r>
+          </a:p>
+          <a:p>
+            <a:pPr marL="342900" marR="0" lvl="0" indent="-342900">
+              <a:lnSpc>
+                <a:spcPct val="107000"/>
+              </a:lnSpc>
+              <a:spcBef>
+                <a:spcPts val="0"/>
+              </a:spcBef>
+              <a:spcAft>
+                <a:spcPts val="0"/>
+              </a:spcAft>
+              <a:buFont typeface="+mj-lt"/>
+              <a:buAutoNum type="arabicPeriod"/>
+            </a:pPr>
+            <a:r>
+              <a:rPr lang="en-US" sz="1800" dirty="0">
+                <a:effectLst/>
+                <a:latin typeface="Calibri" panose="020F0502020204030204" pitchFamily="34" charset="0"/>
+                <a:ea typeface="Calibri" panose="020F0502020204030204" pitchFamily="34" charset="0"/>
+                <a:cs typeface="Times New Roman" panose="02020603050405020304" pitchFamily="18" charset="0"/>
+              </a:rPr>
+              <a:t>Our goal is to understand key relationships in large complex data sets.  These relationships can often be multi-dimensional, making visualization one of the few options to gain understanding.   </a:t>
+            </a:r>
+          </a:p>
+          <a:p>
+            <a:pPr marL="342900" marR="0" lvl="0" indent="-342900">
+              <a:lnSpc>
+                <a:spcPct val="107000"/>
+              </a:lnSpc>
+              <a:spcBef>
+                <a:spcPts val="0"/>
+              </a:spcBef>
+              <a:spcAft>
+                <a:spcPts val="0"/>
+              </a:spcAft>
+              <a:buFont typeface="+mj-lt"/>
+              <a:buAutoNum type="arabicPeriod"/>
+            </a:pPr>
+            <a:r>
+              <a:rPr lang="en-US" sz="1800" dirty="0">
+                <a:effectLst/>
+                <a:latin typeface="Calibri" panose="020F0502020204030204" pitchFamily="34" charset="0"/>
+                <a:ea typeface="Calibri" panose="020F0502020204030204" pitchFamily="34" charset="0"/>
+                <a:cs typeface="Times New Roman" panose="02020603050405020304" pitchFamily="18" charset="0"/>
+              </a:rPr>
+              <a:t>The primary difficulty is the large numbers of variables with many potential relationships rather than data set size. Visualizations can often help us understand complexity that no simple set of statistics will enlighten. For example, one can perform correlation analysis, but this gives us no insight into the nature of a dependency, linear or nonlinear for example.  </a:t>
+            </a:r>
+          </a:p>
+          <a:p>
+            <a:pPr marL="342900" marR="0" lvl="0" indent="-342900">
+              <a:lnSpc>
+                <a:spcPct val="107000"/>
+              </a:lnSpc>
+              <a:spcBef>
+                <a:spcPts val="0"/>
+              </a:spcBef>
+              <a:spcAft>
+                <a:spcPts val="0"/>
+              </a:spcAft>
+              <a:buFont typeface="+mj-lt"/>
+              <a:buAutoNum type="arabicPeriod"/>
+            </a:pPr>
+            <a:r>
+              <a:rPr lang="en-US" sz="1800" dirty="0">
+                <a:effectLst/>
+                <a:latin typeface="Calibri" panose="020F0502020204030204" pitchFamily="34" charset="0"/>
+                <a:ea typeface="Calibri" panose="020F0502020204030204" pitchFamily="34" charset="0"/>
+                <a:cs typeface="Times New Roman" panose="02020603050405020304" pitchFamily="18" charset="0"/>
+              </a:rPr>
+              <a:t>We must always keep in mind the limits of human perception which limit understanding complex relationships. Our goal is to create plots that illuminate key relationships in the data such as trends of one variable against another, changes in characteristics, such as variance, of one variable vs. another </a:t>
+            </a:r>
+          </a:p>
+          <a:p>
+            <a:pPr marL="342900" marR="0" lvl="0" indent="-342900">
+              <a:lnSpc>
+                <a:spcPct val="107000"/>
+              </a:lnSpc>
+              <a:spcBef>
+                <a:spcPts val="0"/>
+              </a:spcBef>
+              <a:spcAft>
+                <a:spcPts val="0"/>
+              </a:spcAft>
+              <a:buFont typeface="+mj-lt"/>
+              <a:buAutoNum type="arabicPeriod"/>
+            </a:pPr>
+            <a:r>
+              <a:rPr lang="en-US" sz="1800" dirty="0">
+                <a:effectLst/>
+                <a:latin typeface="Calibri" panose="020F0502020204030204" pitchFamily="34" charset="0"/>
+                <a:ea typeface="Calibri" panose="020F0502020204030204" pitchFamily="34" charset="0"/>
+                <a:cs typeface="Times New Roman" panose="02020603050405020304" pitchFamily="18" charset="0"/>
+              </a:rPr>
+              <a:t>We use aesthetics to project additional dimensions of complex data onto the 2-dimensional plot surface.</a:t>
+            </a:r>
+          </a:p>
+          <a:p>
+            <a:pPr marL="0" marR="0">
+              <a:lnSpc>
+                <a:spcPct val="107000"/>
+              </a:lnSpc>
+              <a:spcBef>
+                <a:spcPts val="0"/>
+              </a:spcBef>
+              <a:spcAft>
+                <a:spcPts val="0"/>
+              </a:spcAft>
+            </a:pPr>
+            <a:endParaRPr lang="en-US" sz="1800" dirty="0">
+              <a:effectLst/>
+              <a:latin typeface="Calibri" panose="020F0502020204030204" pitchFamily="34" charset="0"/>
+              <a:ea typeface="Calibri" panose="020F0502020204030204" pitchFamily="34" charset="0"/>
+              <a:cs typeface="Times New Roman" panose="02020603050405020304" pitchFamily="18" charset="0"/>
+            </a:endParaRPr>
+          </a:p>
+        </p:txBody>
+      </p:sp>
+    </p:spTree>
+    <p:extLst>
+      <p:ext uri="{BB962C8B-B14F-4D97-AF65-F5344CB8AC3E}">
+        <p14:creationId xmlns:p14="http://schemas.microsoft.com/office/powerpoint/2010/main" val="1012791570"/>
+      </p:ext>
+    </p:extLst>
+  </p:cSld>
+  <p:clrMapOvr>
+    <a:masterClrMapping/>
+  </p:clrMapOvr>
+</p:sld>
+</file>
+
+<file path=ppt/slides/slide20.xml><?xml version="1.0" encoding="utf-8"?>
 <p:sld xmlns:a="http://schemas.openxmlformats.org/drawingml/2006/main" xmlns:r="http://schemas.openxmlformats.org/officeDocument/2006/relationships" xmlns:p="http://schemas.openxmlformats.org/presentationml/2006/main">
   <p:cSld>
     <p:spTree>
@@ -6879,7 +6206,13 @@
                       <a:rPr>
                         <a:latin typeface="Cambria Math" panose="02040503050406030204" pitchFamily="18" charset="0"/>
                       </a:rPr>
-                      <m:t>=50</m:t>
+                      <m:t>=</m:t>
+                    </m:r>
+                    <m:r>
+                      <a:rPr>
+                        <a:latin typeface="Cambria Math" panose="02040503050406030204" pitchFamily="18" charset="0"/>
+                      </a:rPr>
+                      <m:t>50</m:t>
                     </m:r>
                   </m:oMath>
                 </a14:m>
@@ -6973,7 +6306,7 @@
 </p:sld>
 </file>
 
-<file path=ppt/slides/slide22.xml><?xml version="1.0" encoding="utf-8"?>
+<file path=ppt/slides/slide21.xml><?xml version="1.0" encoding="utf-8"?>
 <p:sld xmlns:a="http://schemas.openxmlformats.org/drawingml/2006/main" xmlns:r="http://schemas.openxmlformats.org/officeDocument/2006/relationships" xmlns:p="http://schemas.openxmlformats.org/presentationml/2006/main">
   <p:cSld>
     <p:spTree>
@@ -7255,7 +6588,7 @@
 </p:sld>
 </file>
 
-<file path=ppt/slides/slide23.xml><?xml version="1.0" encoding="utf-8"?>
+<file path=ppt/slides/slide22.xml><?xml version="1.0" encoding="utf-8"?>
 <p:sld xmlns:a="http://schemas.openxmlformats.org/drawingml/2006/main" xmlns:r="http://schemas.openxmlformats.org/officeDocument/2006/relationships" xmlns:p="http://schemas.openxmlformats.org/presentationml/2006/main">
   <p:cSld>
     <p:spTree>
@@ -7526,7 +6859,7 @@
 </p:sld>
 </file>
 
-<file path=ppt/slides/slide24.xml><?xml version="1.0" encoding="utf-8"?>
+<file path=ppt/slides/slide23.xml><?xml version="1.0" encoding="utf-8"?>
 <p:sld xmlns:a="http://schemas.openxmlformats.org/drawingml/2006/main" xmlns:r="http://schemas.openxmlformats.org/officeDocument/2006/relationships" xmlns:p="http://schemas.openxmlformats.org/presentationml/2006/main">
   <p:cSld>
     <p:spTree>
@@ -7670,7 +7003,7 @@
 </p:sld>
 </file>
 
-<file path=ppt/slides/slide25.xml><?xml version="1.0" encoding="utf-8"?>
+<file path=ppt/slides/slide24.xml><?xml version="1.0" encoding="utf-8"?>
 <p:sld xmlns:a="http://schemas.openxmlformats.org/drawingml/2006/main" xmlns:r="http://schemas.openxmlformats.org/officeDocument/2006/relationships" xmlns:p="http://schemas.openxmlformats.org/presentationml/2006/main">
   <p:cSld>
     <p:spTree>
@@ -7789,7 +7122,7 @@
 </p:sld>
 </file>
 
-<file path=ppt/slides/slide26.xml><?xml version="1.0" encoding="utf-8"?>
+<file path=ppt/slides/slide25.xml><?xml version="1.0" encoding="utf-8"?>
 <p:sld xmlns:a="http://schemas.openxmlformats.org/drawingml/2006/main" xmlns:r="http://schemas.openxmlformats.org/officeDocument/2006/relationships" xmlns:p="http://schemas.openxmlformats.org/presentationml/2006/main">
   <p:cSld>
     <p:spTree>
@@ -7955,7 +7288,7 @@
 </p:sld>
 </file>
 
-<file path=ppt/slides/slide27.xml><?xml version="1.0" encoding="utf-8"?>
+<file path=ppt/slides/slide26.xml><?xml version="1.0" encoding="utf-8"?>
 <p:sld xmlns:a="http://schemas.openxmlformats.org/drawingml/2006/main" xmlns:r="http://schemas.openxmlformats.org/officeDocument/2006/relationships" xmlns:p="http://schemas.openxmlformats.org/presentationml/2006/main">
   <p:cSld>
     <p:spTree>
@@ -8089,7 +7422,7 @@
 </p:sld>
 </file>
 
-<file path=ppt/slides/slide28.xml><?xml version="1.0" encoding="utf-8"?>
+<file path=ppt/slides/slide27.xml><?xml version="1.0" encoding="utf-8"?>
 <p:sld xmlns:a="http://schemas.openxmlformats.org/drawingml/2006/main" xmlns:r="http://schemas.openxmlformats.org/officeDocument/2006/relationships" xmlns:p="http://schemas.openxmlformats.org/presentationml/2006/main">
   <p:cSld>
     <p:spTree>
@@ -8408,7 +7741,7 @@
 </p:sld>
 </file>
 
-<file path=ppt/slides/slide29.xml><?xml version="1.0" encoding="utf-8"?>
+<file path=ppt/slides/slide28.xml><?xml version="1.0" encoding="utf-8"?>
 <p:sld xmlns:a="http://schemas.openxmlformats.org/drawingml/2006/main" xmlns:r="http://schemas.openxmlformats.org/officeDocument/2006/relationships" xmlns:p="http://schemas.openxmlformats.org/presentationml/2006/main">
   <p:cSld>
     <p:spTree>
@@ -8642,6 +7975,115 @@
 </p:sld>
 </file>
 
+<file path=ppt/slides/slide29.xml><?xml version="1.0" encoding="utf-8"?>
+<p:sld xmlns:a="http://schemas.openxmlformats.org/drawingml/2006/main" xmlns:r="http://schemas.openxmlformats.org/officeDocument/2006/relationships" xmlns:p="http://schemas.openxmlformats.org/presentationml/2006/main">
+  <p:cSld>
+    <p:spTree>
+      <p:nvGrpSpPr>
+        <p:cNvPr id="1" name=""/>
+        <p:cNvGrpSpPr/>
+        <p:nvPr/>
+      </p:nvGrpSpPr>
+      <p:grpSpPr>
+        <a:xfrm>
+          <a:off x="0" y="0"/>
+          <a:ext cx="0" cy="0"/>
+          <a:chOff x="0" y="0"/>
+          <a:chExt cx="0" cy="0"/>
+        </a:xfrm>
+      </p:grpSpPr>
+      <p:sp>
+        <p:nvSpPr>
+          <p:cNvPr id="2" name="Title 1"/>
+          <p:cNvSpPr>
+            <a:spLocks noGrp="1"/>
+          </p:cNvSpPr>
+          <p:nvPr>
+            <p:ph type="title"/>
+          </p:nvPr>
+        </p:nvSpPr>
+        <p:spPr/>
+        <p:txBody>
+          <a:bodyPr/>
+          <a:lstStyle/>
+          <a:p>
+            <a:pPr marL="0" lvl="0" indent="0">
+              <a:buNone/>
+            </a:pPr>
+            <a:r>
+              <a:t>Sampling Grouped Data</a:t>
+            </a:r>
+          </a:p>
+        </p:txBody>
+      </p:sp>
+      <p:sp>
+        <p:nvSpPr>
+          <p:cNvPr id="3" name="Content Placeholder 2"/>
+          <p:cNvSpPr>
+            <a:spLocks noGrp="1"/>
+          </p:cNvSpPr>
+          <p:nvPr>
+            <p:ph idx="1"/>
+          </p:nvPr>
+        </p:nvSpPr>
+        <p:spPr/>
+        <p:txBody>
+          <a:bodyPr/>
+          <a:lstStyle/>
+          <a:p>
+            <a:pPr marL="0" lvl="0" indent="0">
+              <a:buNone/>
+            </a:pPr>
+            <a:r>
+              <a:rPr dirty="0"/>
+              <a:t>Group</a:t>
+            </a:r>
+            <a:r>
+              <a:rPr lang="en-US" dirty="0"/>
+              <a:t>ed</a:t>
+            </a:r>
+            <a:r>
+              <a:rPr dirty="0"/>
+              <a:t> data is quite common in application</a:t>
+            </a:r>
+          </a:p>
+          <a:p>
+            <a:pPr marL="0" lvl="0" indent="0">
+              <a:buNone/>
+            </a:pPr>
+            <a:r>
+              <a:rPr dirty="0"/>
+              <a:t>A few examples include:</a:t>
+            </a:r>
+          </a:p>
+          <a:p>
+            <a:r>
+              <a:rPr dirty="0"/>
+              <a:t>Pooling opinion by county and income group, where income groups and counties have significant differences in population</a:t>
+            </a:r>
+          </a:p>
+          <a:p>
+            <a:r>
+              <a:rPr dirty="0"/>
+              <a:t>Testing a drug which may have different effectiveness by sex and ethnic group</a:t>
+            </a:r>
+          </a:p>
+          <a:p>
+            <a:r>
+              <a:rPr dirty="0"/>
+              <a:t>Spectral characteristics of stars by type</a:t>
+            </a:r>
+          </a:p>
+        </p:txBody>
+      </p:sp>
+    </p:spTree>
+  </p:cSld>
+  <p:clrMapOvr>
+    <a:masterClrMapping/>
+  </p:clrMapOvr>
+</p:sld>
+</file>
+
 <file path=ppt/slides/slide3.xml><?xml version="1.0" encoding="utf-8"?>
 <p:sld xmlns:a="http://schemas.openxmlformats.org/drawingml/2006/main" xmlns:r="http://schemas.openxmlformats.org/officeDocument/2006/relationships" xmlns:p="http://schemas.openxmlformats.org/presentationml/2006/main">
   <p:cSld>
@@ -8678,828 +8120,86 @@
               <a:buNone/>
             </a:pPr>
             <a:r>
+              <a:rPr lang="en-US" dirty="0"/>
               <a:t>Review</a:t>
             </a:r>
-          </a:p>
-        </p:txBody>
-      </p:sp>
-      <mc:AlternateContent xmlns:mc="http://schemas.openxmlformats.org/markup-compatibility/2006" xmlns:a14="http://schemas.microsoft.com/office/drawing/2010/main">
-        <mc:Choice Requires="a14">
-          <p:sp>
-            <p:nvSpPr>
-              <p:cNvPr id="3" name="Content Placeholder 2"/>
-              <p:cNvSpPr>
-                <a:spLocks noGrp="1"/>
-              </p:cNvSpPr>
-              <p:nvPr>
-                <p:ph idx="1"/>
-              </p:nvPr>
-            </p:nvSpPr>
-            <p:spPr/>
-            <p:txBody>
-              <a:bodyPr>
-                <a:normAutofit fontScale="85000" lnSpcReduction="20000"/>
-              </a:bodyPr>
-              <a:lstStyle/>
-              <a:p>
-                <a:pPr lvl="0"/>
-                <a:r>
-                  <a:rPr dirty="0"/>
-                  <a:t>The Categorical distribution - Discrete multi-variate distribution</a:t>
-                </a:r>
-              </a:p>
-              <a:p>
-                <a:pPr lvl="1"/>
-                <a:r>
-                  <a:rPr dirty="0"/>
-                  <a:t>For outcome </a:t>
-                </a:r>
-                <a14:m>
-                  <m:oMath xmlns:m="http://schemas.openxmlformats.org/officeDocument/2006/math">
-                    <m:r>
-                      <a:rPr>
-                        <a:latin typeface="Cambria Math" panose="02040503050406030204" pitchFamily="18" charset="0"/>
-                      </a:rPr>
-                      <m:t>𝑖</m:t>
-                    </m:r>
-                  </m:oMath>
-                </a14:m>
-                <a:r>
-                  <a:rPr dirty="0"/>
-                  <a:t> we </a:t>
-                </a:r>
-                <a:r>
-                  <a:rPr b="1" dirty="0"/>
-                  <a:t>one hot encode</a:t>
-                </a:r>
-                <a:r>
-                  <a:rPr dirty="0"/>
-                  <a:t> the results as:</a:t>
-                </a:r>
-              </a:p>
-              <a:p>
-                <a:pPr lvl="1"/>
-                <a14:m>
-                  <m:oMath xmlns:m="http://schemas.openxmlformats.org/officeDocument/2006/math">
-                    <m:sSub>
-                      <m:sSubPr>
-                        <m:ctrlPr>
-                          <a:rPr i="1">
-                            <a:latin typeface="Cambria Math" panose="02040503050406030204" pitchFamily="18" charset="0"/>
-                          </a:rPr>
-                        </m:ctrlPr>
-                      </m:sSubPr>
-                      <m:e>
-                        <m:r>
-                          <a:rPr>
-                            <a:latin typeface="Cambria Math" panose="02040503050406030204" pitchFamily="18" charset="0"/>
-                          </a:rPr>
-                          <m:t>𝐞</m:t>
-                        </m:r>
-                      </m:e>
-                      <m:sub>
-                        <m:r>
-                          <a:rPr>
-                            <a:latin typeface="Cambria Math" panose="02040503050406030204" pitchFamily="18" charset="0"/>
-                          </a:rPr>
-                          <m:t>𝐢</m:t>
-                        </m:r>
-                      </m:sub>
-                    </m:sSub>
-                    <m:r>
-                      <a:rPr>
-                        <a:latin typeface="Cambria Math" panose="02040503050406030204" pitchFamily="18" charset="0"/>
-                      </a:rPr>
-                      <m:t>=</m:t>
-                    </m:r>
-                    <m:d>
-                      <m:dPr>
-                        <m:ctrlPr>
-                          <a:rPr i="1">
-                            <a:latin typeface="Cambria Math" panose="02040503050406030204" pitchFamily="18" charset="0"/>
-                          </a:rPr>
-                        </m:ctrlPr>
-                      </m:dPr>
-                      <m:e>
-                        <m:r>
-                          <a:rPr>
-                            <a:latin typeface="Cambria Math" panose="02040503050406030204" pitchFamily="18" charset="0"/>
-                          </a:rPr>
-                          <m:t>0</m:t>
-                        </m:r>
-                        <m:r>
-                          <a:rPr>
-                            <a:latin typeface="Cambria Math" panose="02040503050406030204" pitchFamily="18" charset="0"/>
-                          </a:rPr>
-                          <m:t>,</m:t>
-                        </m:r>
-                        <m:r>
-                          <a:rPr>
-                            <a:latin typeface="Cambria Math" panose="02040503050406030204" pitchFamily="18" charset="0"/>
-                          </a:rPr>
-                          <m:t>0</m:t>
-                        </m:r>
-                        <m:r>
-                          <a:rPr>
-                            <a:latin typeface="Cambria Math" panose="02040503050406030204" pitchFamily="18" charset="0"/>
-                          </a:rPr>
-                          <m:t>,…,</m:t>
-                        </m:r>
-                        <m:r>
-                          <a:rPr>
-                            <a:latin typeface="Cambria Math" panose="02040503050406030204" pitchFamily="18" charset="0"/>
-                          </a:rPr>
-                          <m:t>1</m:t>
-                        </m:r>
-                        <m:r>
-                          <a:rPr>
-                            <a:latin typeface="Cambria Math" panose="02040503050406030204" pitchFamily="18" charset="0"/>
-                          </a:rPr>
-                          <m:t>,…,</m:t>
-                        </m:r>
-                        <m:r>
-                          <a:rPr>
-                            <a:latin typeface="Cambria Math" panose="02040503050406030204" pitchFamily="18" charset="0"/>
-                          </a:rPr>
-                          <m:t>0</m:t>
-                        </m:r>
-                      </m:e>
-                    </m:d>
-                  </m:oMath>
-                </a14:m>
-                <a:endParaRPr dirty="0"/>
-              </a:p>
-              <a:p>
-                <a:pPr lvl="1"/>
-                <a:r>
-                  <a:rPr dirty="0"/>
-                  <a:t>For a single trial the probabilities of the </a:t>
-                </a:r>
-                <a14:m>
-                  <m:oMath xmlns:m="http://schemas.openxmlformats.org/officeDocument/2006/math">
-                    <m:r>
-                      <a:rPr>
-                        <a:latin typeface="Cambria Math" panose="02040503050406030204" pitchFamily="18" charset="0"/>
-                      </a:rPr>
-                      <m:t>𝑘</m:t>
-                    </m:r>
-                  </m:oMath>
-                </a14:m>
-                <a:r>
-                  <a:rPr dirty="0"/>
-                  <a:t> possible outcomes are expressed:</a:t>
-                </a:r>
-              </a:p>
-              <a:p>
-                <a:pPr lvl="1"/>
-                <a14:m>
-                  <m:oMath xmlns:m="http://schemas.openxmlformats.org/officeDocument/2006/math">
-                    <m:r>
-                      <a:rPr>
-                        <a:latin typeface="Cambria Math" panose="02040503050406030204" pitchFamily="18" charset="0"/>
-                      </a:rPr>
-                      <m:t>𝛱</m:t>
-                    </m:r>
-                    <m:r>
-                      <a:rPr>
-                        <a:latin typeface="Cambria Math" panose="02040503050406030204" pitchFamily="18" charset="0"/>
-                      </a:rPr>
-                      <m:t>=</m:t>
-                    </m:r>
-                    <m:d>
-                      <m:dPr>
-                        <m:ctrlPr>
-                          <a:rPr i="1">
-                            <a:latin typeface="Cambria Math" panose="02040503050406030204" pitchFamily="18" charset="0"/>
-                          </a:rPr>
-                        </m:ctrlPr>
-                      </m:dPr>
-                      <m:e>
-                        <m:sSub>
-                          <m:sSubPr>
-                            <m:ctrlPr>
-                              <a:rPr i="1">
-                                <a:latin typeface="Cambria Math" panose="02040503050406030204" pitchFamily="18" charset="0"/>
-                              </a:rPr>
-                            </m:ctrlPr>
-                          </m:sSubPr>
-                          <m:e>
-                            <m:r>
-                              <a:rPr>
-                                <a:latin typeface="Cambria Math" panose="02040503050406030204" pitchFamily="18" charset="0"/>
-                              </a:rPr>
-                              <m:t>𝜋</m:t>
-                            </m:r>
-                          </m:e>
-                          <m:sub>
-                            <m:r>
-                              <a:rPr>
-                                <a:latin typeface="Cambria Math" panose="02040503050406030204" pitchFamily="18" charset="0"/>
-                              </a:rPr>
-                              <m:t>1</m:t>
-                            </m:r>
-                          </m:sub>
-                        </m:sSub>
-                        <m:r>
-                          <a:rPr>
-                            <a:latin typeface="Cambria Math" panose="02040503050406030204" pitchFamily="18" charset="0"/>
-                          </a:rPr>
-                          <m:t>,</m:t>
-                        </m:r>
-                        <m:sSub>
-                          <m:sSubPr>
-                            <m:ctrlPr>
-                              <a:rPr i="1">
-                                <a:latin typeface="Cambria Math" panose="02040503050406030204" pitchFamily="18" charset="0"/>
-                              </a:rPr>
-                            </m:ctrlPr>
-                          </m:sSubPr>
-                          <m:e>
-                            <m:r>
-                              <a:rPr>
-                                <a:latin typeface="Cambria Math" panose="02040503050406030204" pitchFamily="18" charset="0"/>
-                              </a:rPr>
-                              <m:t>𝜋</m:t>
-                            </m:r>
-                          </m:e>
-                          <m:sub>
-                            <m:r>
-                              <a:rPr>
-                                <a:latin typeface="Cambria Math" panose="02040503050406030204" pitchFamily="18" charset="0"/>
-                              </a:rPr>
-                              <m:t>2</m:t>
-                            </m:r>
-                          </m:sub>
-                        </m:sSub>
-                        <m:r>
-                          <a:rPr>
-                            <a:latin typeface="Cambria Math" panose="02040503050406030204" pitchFamily="18" charset="0"/>
-                          </a:rPr>
-                          <m:t>,…,</m:t>
-                        </m:r>
-                        <m:sSub>
-                          <m:sSubPr>
-                            <m:ctrlPr>
-                              <a:rPr i="1">
-                                <a:latin typeface="Cambria Math" panose="02040503050406030204" pitchFamily="18" charset="0"/>
-                              </a:rPr>
-                            </m:ctrlPr>
-                          </m:sSubPr>
-                          <m:e>
-                            <m:r>
-                              <a:rPr>
-                                <a:latin typeface="Cambria Math" panose="02040503050406030204" pitchFamily="18" charset="0"/>
-                              </a:rPr>
-                              <m:t>𝜋</m:t>
-                            </m:r>
-                          </m:e>
-                          <m:sub>
-                            <m:r>
-                              <a:rPr>
-                                <a:latin typeface="Cambria Math" panose="02040503050406030204" pitchFamily="18" charset="0"/>
-                              </a:rPr>
-                              <m:t>𝑘</m:t>
-                            </m:r>
-                          </m:sub>
-                        </m:sSub>
-                      </m:e>
-                    </m:d>
-                  </m:oMath>
-                </a14:m>
-                <a:endParaRPr dirty="0"/>
-              </a:p>
-              <a:p>
-                <a:pPr lvl="1"/>
-                <a:r>
-                  <a:rPr dirty="0"/>
-                  <a:t>Probability mass function as:</a:t>
-                </a:r>
-              </a:p>
-              <a:p>
-                <a:pPr marL="0" lvl="0" indent="0">
-                  <a:buNone/>
-                </a:pPr>
-                <a14:m>
-                  <m:oMathPara xmlns:m="http://schemas.openxmlformats.org/officeDocument/2006/math">
-                    <m:oMathParaPr>
-                      <m:jc m:val="center"/>
-                    </m:oMathParaPr>
-                    <m:oMath xmlns:m="http://schemas.openxmlformats.org/officeDocument/2006/math">
-                      <m:r>
-                        <a:rPr>
-                          <a:latin typeface="Cambria Math" panose="02040503050406030204" pitchFamily="18" charset="0"/>
-                        </a:rPr>
-                        <m:t>𝑓</m:t>
-                      </m:r>
-                      <m:d>
-                        <m:dPr>
-                          <m:ctrlPr>
-                            <a:rPr i="1">
-                              <a:latin typeface="Cambria Math" panose="02040503050406030204" pitchFamily="18" charset="0"/>
-                            </a:rPr>
-                          </m:ctrlPr>
-                        </m:dPr>
-                        <m:e>
-                          <m:sSub>
-                            <m:sSubPr>
-                              <m:ctrlPr>
-                                <a:rPr i="1">
-                                  <a:latin typeface="Cambria Math" panose="02040503050406030204" pitchFamily="18" charset="0"/>
-                                </a:rPr>
-                              </m:ctrlPr>
-                            </m:sSubPr>
-                            <m:e>
-                              <m:r>
-                                <a:rPr>
-                                  <a:latin typeface="Cambria Math" panose="02040503050406030204" pitchFamily="18" charset="0"/>
-                                </a:rPr>
-                                <m:t>𝑥</m:t>
-                              </m:r>
-                            </m:e>
-                            <m:sub>
-                              <m:r>
-                                <a:rPr>
-                                  <a:latin typeface="Cambria Math" panose="02040503050406030204" pitchFamily="18" charset="0"/>
-                                </a:rPr>
-                                <m:t>𝑖</m:t>
-                              </m:r>
-                            </m:sub>
-                          </m:sSub>
-                          <m:r>
-                            <a:rPr>
-                              <a:latin typeface="Cambria Math" panose="02040503050406030204" pitchFamily="18" charset="0"/>
-                            </a:rPr>
-                            <m:t>|</m:t>
-                          </m:r>
-                          <m:r>
-                            <a:rPr>
-                              <a:latin typeface="Cambria Math" panose="02040503050406030204" pitchFamily="18" charset="0"/>
-                            </a:rPr>
-                            <m:t>𝛱</m:t>
-                          </m:r>
-                        </m:e>
-                      </m:d>
-                      <m:r>
-                        <a:rPr>
-                          <a:latin typeface="Cambria Math" panose="02040503050406030204" pitchFamily="18" charset="0"/>
-                        </a:rPr>
-                        <m:t>=</m:t>
-                      </m:r>
-                      <m:sSub>
-                        <m:sSubPr>
-                          <m:ctrlPr>
-                            <a:rPr i="1">
-                              <a:latin typeface="Cambria Math" panose="02040503050406030204" pitchFamily="18" charset="0"/>
-                            </a:rPr>
-                          </m:ctrlPr>
-                        </m:sSubPr>
-                        <m:e>
-                          <m:r>
-                            <a:rPr>
-                              <a:latin typeface="Cambria Math" panose="02040503050406030204" pitchFamily="18" charset="0"/>
-                            </a:rPr>
-                            <m:t>𝜋</m:t>
-                          </m:r>
-                        </m:e>
-                        <m:sub>
-                          <m:r>
-                            <a:rPr>
-                              <a:latin typeface="Cambria Math" panose="02040503050406030204" pitchFamily="18" charset="0"/>
-                            </a:rPr>
-                            <m:t>𝑖</m:t>
-                          </m:r>
-                        </m:sub>
-                      </m:sSub>
-                    </m:oMath>
-                  </m:oMathPara>
-                </a14:m>
-                <a:endParaRPr dirty="0"/>
-              </a:p>
-              <a:p>
-                <a:pPr lvl="0"/>
-                <a:r>
-                  <a:rPr dirty="0"/>
-                  <a:t>Multivariate Normal distribution, parameterized by </a:t>
-                </a:r>
-                <a:r>
-                  <a:rPr b="1" dirty="0"/>
-                  <a:t>n-dimensional vector of locations</a:t>
-                </a:r>
-                <a:r>
-                  <a:rPr dirty="0"/>
-                  <a:t>, </a:t>
-                </a:r>
-                <a14:m>
-                  <m:oMath xmlns:m="http://schemas.openxmlformats.org/officeDocument/2006/math">
-                    <m:acc>
-                      <m:accPr>
-                        <m:chr m:val="⃗"/>
-                        <m:ctrlPr>
-                          <a:rPr i="1">
-                            <a:latin typeface="Cambria Math" panose="02040503050406030204" pitchFamily="18" charset="0"/>
-                          </a:rPr>
-                        </m:ctrlPr>
-                      </m:accPr>
-                      <m:e>
-                        <m:r>
-                          <a:rPr>
-                            <a:latin typeface="Cambria Math" panose="02040503050406030204" pitchFamily="18" charset="0"/>
-                          </a:rPr>
-                          <m:t>𝛍</m:t>
-                        </m:r>
-                      </m:e>
-                    </m:acc>
-                  </m:oMath>
-                </a14:m>
-                <a:r>
-                  <a:rPr dirty="0"/>
-                  <a:t> and </a:t>
-                </a:r>
-                <a14:m>
-                  <m:oMath xmlns:m="http://schemas.openxmlformats.org/officeDocument/2006/math">
-                    <m:r>
-                      <a:rPr>
-                        <a:latin typeface="Cambria Math" panose="02040503050406030204" pitchFamily="18" charset="0"/>
-                      </a:rPr>
-                      <m:t>𝑛</m:t>
-                    </m:r>
-                  </m:oMath>
-                </a14:m>
-                <a:r>
-                  <a:rPr dirty="0"/>
-                  <a:t> x </a:t>
-                </a:r>
-                <a14:m>
-                  <m:oMath xmlns:m="http://schemas.openxmlformats.org/officeDocument/2006/math">
-                    <m:r>
-                      <a:rPr>
-                        <a:latin typeface="Cambria Math" panose="02040503050406030204" pitchFamily="18" charset="0"/>
-                      </a:rPr>
-                      <m:t>𝑛</m:t>
-                    </m:r>
-                  </m:oMath>
-                </a14:m>
-                <a:r>
-                  <a:rPr dirty="0"/>
-                  <a:t> dimensional </a:t>
-                </a:r>
-                <a:r>
-                  <a:rPr b="1" dirty="0"/>
-                  <a:t>covariance matrix</a:t>
-                </a:r>
-              </a:p>
-              <a:p>
-                <a:pPr lvl="0"/>
-                <a14:m>
-                  <m:oMath xmlns:m="http://schemas.openxmlformats.org/officeDocument/2006/math">
-                    <m:r>
-                      <a:rPr>
-                        <a:latin typeface="Cambria Math" panose="02040503050406030204" pitchFamily="18" charset="0"/>
-                      </a:rPr>
-                      <m:t>𝑓</m:t>
-                    </m:r>
-                    <m:d>
-                      <m:dPr>
-                        <m:ctrlPr>
-                          <a:rPr i="1">
-                            <a:latin typeface="Cambria Math" panose="02040503050406030204" pitchFamily="18" charset="0"/>
-                          </a:rPr>
-                        </m:ctrlPr>
-                      </m:dPr>
-                      <m:e>
-                        <m:acc>
-                          <m:accPr>
-                            <m:chr m:val="⃗"/>
-                            <m:ctrlPr>
-                              <a:rPr i="1">
-                                <a:latin typeface="Cambria Math" panose="02040503050406030204" pitchFamily="18" charset="0"/>
-                              </a:rPr>
-                            </m:ctrlPr>
-                          </m:accPr>
-                          <m:e>
-                            <m:r>
-                              <a:rPr>
-                                <a:latin typeface="Cambria Math" panose="02040503050406030204" pitchFamily="18" charset="0"/>
-                              </a:rPr>
-                              <m:t>𝐱</m:t>
-                            </m:r>
-                          </m:e>
-                        </m:acc>
-                      </m:e>
-                    </m:d>
-                    <m:r>
-                      <a:rPr>
-                        <a:latin typeface="Cambria Math" panose="02040503050406030204" pitchFamily="18" charset="0"/>
-                      </a:rPr>
-                      <m:t>=</m:t>
-                    </m:r>
-                    <m:f>
-                      <m:fPr>
-                        <m:ctrlPr>
-                          <a:rPr i="1">
-                            <a:latin typeface="Cambria Math" panose="02040503050406030204" pitchFamily="18" charset="0"/>
-                          </a:rPr>
-                        </m:ctrlPr>
-                      </m:fPr>
-                      <m:num>
-                        <m:r>
-                          <a:rPr>
-                            <a:latin typeface="Cambria Math" panose="02040503050406030204" pitchFamily="18" charset="0"/>
-                          </a:rPr>
-                          <m:t>1</m:t>
-                        </m:r>
-                      </m:num>
-                      <m:den>
-                        <m:rad>
-                          <m:radPr>
-                            <m:ctrlPr>
-                              <a:rPr i="1">
-                                <a:latin typeface="Cambria Math" panose="02040503050406030204" pitchFamily="18" charset="0"/>
-                              </a:rPr>
-                            </m:ctrlPr>
-                          </m:radPr>
-                          <m:deg/>
-                          <m:e>
-                            <m:sSup>
-                              <m:sSupPr>
-                                <m:ctrlPr>
-                                  <a:rPr i="1">
-                                    <a:latin typeface="Cambria Math" panose="02040503050406030204" pitchFamily="18" charset="0"/>
-                                  </a:rPr>
-                                </m:ctrlPr>
-                              </m:sSupPr>
-                              <m:e>
-                                <m:d>
-                                  <m:dPr>
-                                    <m:ctrlPr>
-                                      <a:rPr i="1">
-                                        <a:latin typeface="Cambria Math" panose="02040503050406030204" pitchFamily="18" charset="0"/>
-                                      </a:rPr>
-                                    </m:ctrlPr>
-                                  </m:dPr>
-                                  <m:e>
-                                    <m:r>
-                                      <a:rPr>
-                                        <a:latin typeface="Cambria Math" panose="02040503050406030204" pitchFamily="18" charset="0"/>
-                                      </a:rPr>
-                                      <m:t>2</m:t>
-                                    </m:r>
-                                    <m:r>
-                                      <a:rPr>
-                                        <a:latin typeface="Cambria Math" panose="02040503050406030204" pitchFamily="18" charset="0"/>
-                                      </a:rPr>
-                                      <m:t>𝜋</m:t>
-                                    </m:r>
-                                  </m:e>
-                                </m:d>
-                              </m:e>
-                              <m:sup>
-                                <m:r>
-                                  <a:rPr>
-                                    <a:latin typeface="Cambria Math" panose="02040503050406030204" pitchFamily="18" charset="0"/>
-                                  </a:rPr>
-                                  <m:t>𝑘</m:t>
-                                </m:r>
-                              </m:sup>
-                            </m:sSup>
-                            <m:d>
-                              <m:dPr>
-                                <m:begChr m:val="|"/>
-                                <m:endChr m:val="|"/>
-                                <m:ctrlPr>
-                                  <a:rPr i="1">
-                                    <a:latin typeface="Cambria Math" panose="02040503050406030204" pitchFamily="18" charset="0"/>
-                                  </a:rPr>
-                                </m:ctrlPr>
-                              </m:dPr>
-                              <m:e>
-                                <m:r>
-                                  <a:rPr>
-                                    <a:latin typeface="Cambria Math" panose="02040503050406030204" pitchFamily="18" charset="0"/>
-                                  </a:rPr>
-                                  <m:t>𝚺</m:t>
-                                </m:r>
-                              </m:e>
-                            </m:d>
-                          </m:e>
-                        </m:rad>
-                      </m:den>
-                    </m:f>
-                    <m:r>
-                      <a:rPr>
-                        <a:latin typeface="Cambria Math" panose="02040503050406030204" pitchFamily="18" charset="0"/>
-                      </a:rPr>
-                      <m:t>𝑒𝑥𝑝</m:t>
-                    </m:r>
-                    <m:d>
-                      <m:dPr>
-                        <m:ctrlPr>
-                          <a:rPr i="1">
-                            <a:latin typeface="Cambria Math" panose="02040503050406030204" pitchFamily="18" charset="0"/>
-                          </a:rPr>
-                        </m:ctrlPr>
-                      </m:dPr>
-                      <m:e>
-                        <m:f>
-                          <m:fPr>
-                            <m:ctrlPr>
-                              <a:rPr i="1">
-                                <a:latin typeface="Cambria Math" panose="02040503050406030204" pitchFamily="18" charset="0"/>
-                              </a:rPr>
-                            </m:ctrlPr>
-                          </m:fPr>
-                          <m:num>
-                            <m:r>
-                              <a:rPr>
-                                <a:latin typeface="Cambria Math" panose="02040503050406030204" pitchFamily="18" charset="0"/>
-                              </a:rPr>
-                              <m:t>1</m:t>
-                            </m:r>
-                          </m:num>
-                          <m:den>
-                            <m:r>
-                              <a:rPr>
-                                <a:latin typeface="Cambria Math" panose="02040503050406030204" pitchFamily="18" charset="0"/>
-                              </a:rPr>
-                              <m:t>2</m:t>
-                            </m:r>
-                          </m:den>
-                        </m:f>
-                        <m:sSup>
-                          <m:sSupPr>
-                            <m:ctrlPr>
-                              <a:rPr i="1">
-                                <a:latin typeface="Cambria Math" panose="02040503050406030204" pitchFamily="18" charset="0"/>
-                              </a:rPr>
-                            </m:ctrlPr>
-                          </m:sSupPr>
-                          <m:e>
-                            <m:d>
-                              <m:dPr>
-                                <m:ctrlPr>
-                                  <a:rPr i="1">
-                                    <a:latin typeface="Cambria Math" panose="02040503050406030204" pitchFamily="18" charset="0"/>
-                                  </a:rPr>
-                                </m:ctrlPr>
-                              </m:dPr>
-                              <m:e>
-                                <m:acc>
-                                  <m:accPr>
-                                    <m:chr m:val="⃗"/>
-                                    <m:ctrlPr>
-                                      <a:rPr i="1">
-                                        <a:latin typeface="Cambria Math" panose="02040503050406030204" pitchFamily="18" charset="0"/>
-                                      </a:rPr>
-                                    </m:ctrlPr>
-                                  </m:accPr>
-                                  <m:e>
-                                    <m:r>
-                                      <a:rPr>
-                                        <a:latin typeface="Cambria Math" panose="02040503050406030204" pitchFamily="18" charset="0"/>
-                                      </a:rPr>
-                                      <m:t>𝐱</m:t>
-                                    </m:r>
-                                  </m:e>
-                                </m:acc>
-                                <m:r>
-                                  <a:rPr>
-                                    <a:latin typeface="Cambria Math" panose="02040503050406030204" pitchFamily="18" charset="0"/>
-                                  </a:rPr>
-                                  <m:t>−</m:t>
-                                </m:r>
-                                <m:acc>
-                                  <m:accPr>
-                                    <m:chr m:val="⃗"/>
-                                    <m:ctrlPr>
-                                      <a:rPr i="1">
-                                        <a:latin typeface="Cambria Math" panose="02040503050406030204" pitchFamily="18" charset="0"/>
-                                      </a:rPr>
-                                    </m:ctrlPr>
-                                  </m:accPr>
-                                  <m:e>
-                                    <m:r>
-                                      <a:rPr>
-                                        <a:latin typeface="Cambria Math" panose="02040503050406030204" pitchFamily="18" charset="0"/>
-                                      </a:rPr>
-                                      <m:t>𝛍</m:t>
-                                    </m:r>
-                                  </m:e>
-                                </m:acc>
-                              </m:e>
-                            </m:d>
-                          </m:e>
-                          <m:sup>
-                            <m:r>
-                              <a:rPr>
-                                <a:latin typeface="Cambria Math" panose="02040503050406030204" pitchFamily="18" charset="0"/>
-                              </a:rPr>
-                              <m:t>𝑇</m:t>
-                            </m:r>
-                          </m:sup>
-                        </m:sSup>
-                        <m:r>
-                          <a:rPr>
-                            <a:latin typeface="Cambria Math" panose="02040503050406030204" pitchFamily="18" charset="0"/>
-                          </a:rPr>
-                          <m:t>𝚺</m:t>
-                        </m:r>
-                        <m:d>
-                          <m:dPr>
-                            <m:ctrlPr>
-                              <a:rPr i="1">
-                                <a:latin typeface="Cambria Math" panose="02040503050406030204" pitchFamily="18" charset="0"/>
-                              </a:rPr>
-                            </m:ctrlPr>
-                          </m:dPr>
-                          <m:e>
-                            <m:acc>
-                              <m:accPr>
-                                <m:chr m:val="⃗"/>
-                                <m:ctrlPr>
-                                  <a:rPr i="1">
-                                    <a:latin typeface="Cambria Math" panose="02040503050406030204" pitchFamily="18" charset="0"/>
-                                  </a:rPr>
-                                </m:ctrlPr>
-                              </m:accPr>
-                              <m:e>
-                                <m:r>
-                                  <a:rPr>
-                                    <a:latin typeface="Cambria Math" panose="02040503050406030204" pitchFamily="18" charset="0"/>
-                                  </a:rPr>
-                                  <m:t>𝐱</m:t>
-                                </m:r>
-                              </m:e>
-                            </m:acc>
-                            <m:r>
-                              <a:rPr>
-                                <a:latin typeface="Cambria Math" panose="02040503050406030204" pitchFamily="18" charset="0"/>
-                              </a:rPr>
-                              <m:t>−</m:t>
-                            </m:r>
-                            <m:acc>
-                              <m:accPr>
-                                <m:chr m:val="⃗"/>
-                                <m:ctrlPr>
-                                  <a:rPr i="1">
-                                    <a:latin typeface="Cambria Math" panose="02040503050406030204" pitchFamily="18" charset="0"/>
-                                  </a:rPr>
-                                </m:ctrlPr>
-                              </m:accPr>
-                              <m:e>
-                                <m:r>
-                                  <a:rPr>
-                                    <a:latin typeface="Cambria Math" panose="02040503050406030204" pitchFamily="18" charset="0"/>
-                                  </a:rPr>
-                                  <m:t>𝛍</m:t>
-                                </m:r>
-                              </m:e>
-                            </m:acc>
-                          </m:e>
-                        </m:d>
-                      </m:e>
-                    </m:d>
-                  </m:oMath>
-                </a14:m>
-                <a:endParaRPr b="1" dirty="0"/>
-              </a:p>
-            </p:txBody>
-          </p:sp>
-        </mc:Choice>
-        <mc:Fallback xmlns="">
-          <p:sp>
-            <p:nvSpPr>
-              <p:cNvPr id="3" name="Content Placeholder 2"/>
-              <p:cNvSpPr>
-                <a:spLocks noGrp="1" noRot="1" noChangeAspect="1" noMove="1" noResize="1" noEditPoints="1" noAdjustHandles="1" noChangeArrowheads="1" noChangeShapeType="1" noTextEdit="1"/>
-              </p:cNvSpPr>
-              <p:nvPr>
-                <p:ph idx="1"/>
-              </p:nvPr>
-            </p:nvSpPr>
-            <p:spPr>
-              <a:blipFill>
-                <a:blip r:embed="rId2"/>
-                <a:stretch>
-                  <a:fillRect l="-667" t="-2693"/>
-                </a:stretch>
-              </a:blipFill>
-            </p:spPr>
-            <p:txBody>
-              <a:bodyPr/>
-              <a:lstStyle/>
-              <a:p>
-                <a:r>
-                  <a:rPr lang="en-US">
-                    <a:noFill/>
-                  </a:rPr>
-                  <a:t> </a:t>
-                </a:r>
-              </a:p>
-            </p:txBody>
-          </p:sp>
-        </mc:Fallback>
-      </mc:AlternateContent>
+            <a:endParaRPr dirty="0"/>
+          </a:p>
+        </p:txBody>
+      </p:sp>
+      <p:sp>
+        <p:nvSpPr>
+          <p:cNvPr id="3" name="Content Placeholder 2"/>
+          <p:cNvSpPr>
+            <a:spLocks noGrp="1"/>
+          </p:cNvSpPr>
+          <p:nvPr>
+            <p:ph idx="1"/>
+          </p:nvPr>
+        </p:nvSpPr>
+        <p:spPr>
+          <a:xfrm>
+            <a:off x="457200" y="1063229"/>
+            <a:ext cx="8229600" cy="3874292"/>
+          </a:xfrm>
+        </p:spPr>
+        <p:txBody>
+          <a:bodyPr>
+            <a:normAutofit fontScale="92500"/>
+          </a:bodyPr>
+          <a:lstStyle/>
+          <a:p>
+            <a:pPr marL="0" lvl="0" indent="0">
+              <a:buNone/>
+            </a:pPr>
+            <a:r>
+              <a:rPr dirty="0"/>
+              <a:t>We have explored these key points</a:t>
+            </a:r>
+          </a:p>
+          <a:p>
+            <a:pPr lvl="0"/>
+            <a:r>
+              <a:rPr dirty="0"/>
+              <a:t>Proper use of plot aesthetics enable projection of multiple dimensions of complex data onto the 2-dimensional plot surface.</a:t>
+            </a:r>
+          </a:p>
+          <a:p>
+            <a:pPr lvl="0"/>
+            <a:r>
+              <a:rPr dirty="0"/>
+              <a:t>All plot aesthetics have limitations which must be understood to use them effectively</a:t>
+            </a:r>
+          </a:p>
+          <a:p>
+            <a:pPr lvl="0"/>
+            <a:r>
+              <a:rPr dirty="0"/>
+              <a:t>The effectiveness of a plot aesthetic varies with the type and the application</a:t>
+            </a:r>
+          </a:p>
+          <a:p>
+            <a:pPr lvl="0"/>
+            <a:r>
+              <a:rPr dirty="0"/>
+              <a:t>Visualization of modern data sets, growing in size and complexity</a:t>
+            </a:r>
+          </a:p>
+          <a:p>
+            <a:pPr lvl="0"/>
+            <a:r>
+              <a:rPr dirty="0"/>
+              <a:t>Visualization limited by 2-dimensional projection</a:t>
+            </a:r>
+          </a:p>
+        </p:txBody>
+      </p:sp>
     </p:spTree>
+    <p:extLst>
+      <p:ext uri="{BB962C8B-B14F-4D97-AF65-F5344CB8AC3E}">
+        <p14:creationId xmlns:p14="http://schemas.microsoft.com/office/powerpoint/2010/main" val="533006436"/>
+      </p:ext>
+    </p:extLst>
   </p:cSld>
   <p:clrMapOvr>
     <a:masterClrMapping/>
@@ -9543,7 +8243,7 @@
               <a:buNone/>
             </a:pPr>
             <a:r>
-              <a:t>Sampling Grouped Data</a:t>
+              <a:t>Stratified Sampling</a:t>
             </a:r>
           </a:p>
         </p:txBody>
@@ -9558,9 +8258,16 @@
             <p:ph idx="1"/>
           </p:nvPr>
         </p:nvSpPr>
-        <p:spPr/>
-        <p:txBody>
-          <a:bodyPr/>
+        <p:spPr>
+          <a:xfrm>
+            <a:off x="457200" y="1200150"/>
+            <a:ext cx="8229600" cy="3614917"/>
+          </a:xfrm>
+        </p:spPr>
+        <p:txBody>
+          <a:bodyPr>
+            <a:normAutofit/>
+          </a:bodyPr>
           <a:lstStyle/>
           <a:p>
             <a:pPr marL="0" lvl="0" indent="0">
@@ -9568,47 +8275,58 @@
             </a:pPr>
             <a:r>
               <a:rPr dirty="0"/>
-              <a:t>Group</a:t>
-            </a:r>
-            <a:r>
-              <a:rPr lang="en-US" dirty="0"/>
-              <a:t>ed</a:t>
-            </a:r>
-            <a:r>
-              <a:rPr dirty="0"/>
-              <a:t> data is quite common in application</a:t>
-            </a:r>
-          </a:p>
-          <a:p>
-            <a:pPr marL="0" lvl="0" indent="0">
-              <a:buNone/>
-            </a:pPr>
-            <a:r>
-              <a:rPr dirty="0"/>
-              <a:t>A few examples include:</a:t>
-            </a:r>
-          </a:p>
-          <a:p>
-            <a:r>
-              <a:rPr dirty="0"/>
-              <a:t>Pooling opinion by county and income group, where income groups and counties have significant differences in population</a:t>
-            </a:r>
-          </a:p>
-          <a:p>
-            <a:r>
-              <a:rPr dirty="0"/>
-              <a:t>Testing a drug which may have different effectiveness by sex and ethnic group</a:t>
-            </a:r>
-          </a:p>
-          <a:p>
-            <a:r>
-              <a:rPr dirty="0"/>
-              <a:t>Spectral characteristics of stars by type</a:t>
+              <a:t>What is a sampling strategy for grouped or stratified data?</a:t>
+            </a:r>
+          </a:p>
+          <a:p>
+            <a:pPr lvl="0"/>
+            <a:r>
+              <a:rPr b="1" dirty="0"/>
+              <a:t>Stratified sampling</a:t>
+            </a:r>
+            <a:r>
+              <a:rPr dirty="0"/>
+              <a:t> strategies are used when data are organized in </a:t>
+            </a:r>
+            <a:r>
+              <a:rPr b="1" dirty="0"/>
+              <a:t>strata</a:t>
+            </a:r>
+          </a:p>
+          <a:p>
+            <a:pPr lvl="0"/>
+            <a:r>
+              <a:rPr b="1" dirty="0"/>
+              <a:t>Simple Idea:</a:t>
+            </a:r>
+            <a:r>
+              <a:rPr dirty="0"/>
+              <a:t> independently sample an equal numbers of cases from each strata</a:t>
+            </a:r>
+          </a:p>
+          <a:p>
+            <a:pPr lvl="0"/>
+            <a:r>
+              <a:rPr dirty="0"/>
+              <a:t>The simplest version of stratified sampling creates an </a:t>
+            </a:r>
+            <a:r>
+              <a:rPr b="1" dirty="0"/>
+              <a:t>equal-size Bernoulli sample</a:t>
+            </a:r>
+            <a:r>
+              <a:rPr dirty="0"/>
+              <a:t> from each strata</a:t>
             </a:r>
           </a:p>
         </p:txBody>
       </p:sp>
     </p:spTree>
+    <p:extLst>
+      <p:ext uri="{BB962C8B-B14F-4D97-AF65-F5344CB8AC3E}">
+        <p14:creationId xmlns:p14="http://schemas.microsoft.com/office/powerpoint/2010/main" val="1955896696"/>
+      </p:ext>
+    </p:extLst>
   </p:cSld>
   <p:clrMapOvr>
     <a:masterClrMapping/>
@@ -9690,52 +8408,35 @@
           <a:p>
             <a:pPr lvl="0"/>
             <a:r>
-              <a:rPr b="1" dirty="0"/>
-              <a:t>Stratified sampling</a:t>
-            </a:r>
-            <a:r>
-              <a:rPr dirty="0"/>
-              <a:t> strategies are used when data are organized in </a:t>
-            </a:r>
-            <a:r>
-              <a:rPr b="1" dirty="0"/>
-              <a:t>strata</a:t>
-            </a:r>
-          </a:p>
-          <a:p>
-            <a:pPr lvl="0"/>
-            <a:r>
-              <a:rPr b="1" dirty="0"/>
-              <a:t>Simple Idea:</a:t>
-            </a:r>
-            <a:r>
-              <a:rPr dirty="0"/>
-              <a:t> independently sample an equal numbers of cases from each strata</a:t>
-            </a:r>
-          </a:p>
-          <a:p>
-            <a:pPr lvl="0"/>
-            <a:r>
-              <a:rPr dirty="0"/>
-              <a:t>The simplest version of stratified sampling creates an </a:t>
-            </a:r>
-            <a:r>
-              <a:rPr b="1" dirty="0"/>
-              <a:t>equal-size Bernoulli sample</a:t>
-            </a:r>
-            <a:r>
-              <a:rPr dirty="0"/>
-              <a:t> from each strata</a:t>
+              <a:rPr dirty="0"/>
+              <a:t>In many cases, nested samples are required</a:t>
+            </a:r>
+          </a:p>
+          <a:p>
+            <a:r>
+              <a:rPr lang="en-US" dirty="0"/>
+              <a:t>E</a:t>
+            </a:r>
+            <a:r>
+              <a:rPr dirty="0"/>
+              <a:t>xample, a top level sample can be grouped by zip code, a geographic strata</a:t>
+            </a:r>
+          </a:p>
+          <a:p>
+            <a:r>
+              <a:rPr dirty="0"/>
+              <a:t>Within each zip code, people are then sampled by income bracket strata</a:t>
+            </a:r>
+          </a:p>
+          <a:p>
+            <a:r>
+              <a:rPr dirty="0"/>
+              <a:t>Equal sized Bernoulli samples are collected at the lowest level</a:t>
             </a:r>
           </a:p>
         </p:txBody>
       </p:sp>
     </p:spTree>
-    <p:extLst>
-      <p:ext uri="{BB962C8B-B14F-4D97-AF65-F5344CB8AC3E}">
-        <p14:creationId xmlns:p14="http://schemas.microsoft.com/office/powerpoint/2010/main" val="1955896696"/>
-      </p:ext>
-    </p:extLst>
   </p:cSld>
   <p:clrMapOvr>
     <a:masterClrMapping/>
@@ -9744,116 +8445,6 @@
 </file>
 
 <file path=ppt/slides/slide32.xml><?xml version="1.0" encoding="utf-8"?>
-<p:sld xmlns:a="http://schemas.openxmlformats.org/drawingml/2006/main" xmlns:r="http://schemas.openxmlformats.org/officeDocument/2006/relationships" xmlns:p="http://schemas.openxmlformats.org/presentationml/2006/main">
-  <p:cSld>
-    <p:spTree>
-      <p:nvGrpSpPr>
-        <p:cNvPr id="1" name=""/>
-        <p:cNvGrpSpPr/>
-        <p:nvPr/>
-      </p:nvGrpSpPr>
-      <p:grpSpPr>
-        <a:xfrm>
-          <a:off x="0" y="0"/>
-          <a:ext cx="0" cy="0"/>
-          <a:chOff x="0" y="0"/>
-          <a:chExt cx="0" cy="0"/>
-        </a:xfrm>
-      </p:grpSpPr>
-      <p:sp>
-        <p:nvSpPr>
-          <p:cNvPr id="2" name="Title 1"/>
-          <p:cNvSpPr>
-            <a:spLocks noGrp="1"/>
-          </p:cNvSpPr>
-          <p:nvPr>
-            <p:ph type="title"/>
-          </p:nvPr>
-        </p:nvSpPr>
-        <p:spPr/>
-        <p:txBody>
-          <a:bodyPr/>
-          <a:lstStyle/>
-          <a:p>
-            <a:pPr marL="0" lvl="0" indent="0">
-              <a:buNone/>
-            </a:pPr>
-            <a:r>
-              <a:t>Stratified Sampling</a:t>
-            </a:r>
-          </a:p>
-        </p:txBody>
-      </p:sp>
-      <p:sp>
-        <p:nvSpPr>
-          <p:cNvPr id="3" name="Content Placeholder 2"/>
-          <p:cNvSpPr>
-            <a:spLocks noGrp="1"/>
-          </p:cNvSpPr>
-          <p:nvPr>
-            <p:ph idx="1"/>
-          </p:nvPr>
-        </p:nvSpPr>
-        <p:spPr>
-          <a:xfrm>
-            <a:off x="457200" y="1200150"/>
-            <a:ext cx="8229600" cy="3614917"/>
-          </a:xfrm>
-        </p:spPr>
-        <p:txBody>
-          <a:bodyPr>
-            <a:normAutofit/>
-          </a:bodyPr>
-          <a:lstStyle/>
-          <a:p>
-            <a:pPr marL="0" lvl="0" indent="0">
-              <a:buNone/>
-            </a:pPr>
-            <a:r>
-              <a:rPr dirty="0"/>
-              <a:t>What is a sampling strategy for grouped or stratified data?</a:t>
-            </a:r>
-          </a:p>
-          <a:p>
-            <a:pPr lvl="0"/>
-            <a:r>
-              <a:rPr dirty="0"/>
-              <a:t>In many cases, nested samples are required</a:t>
-            </a:r>
-          </a:p>
-          <a:p>
-            <a:r>
-              <a:rPr lang="en-US" dirty="0"/>
-              <a:t>E</a:t>
-            </a:r>
-            <a:r>
-              <a:rPr dirty="0"/>
-              <a:t>xample, a top level sample can be grouped by zip code, a geographic strata</a:t>
-            </a:r>
-          </a:p>
-          <a:p>
-            <a:r>
-              <a:rPr dirty="0"/>
-              <a:t>Within each zip code, people are then sampled by income bracket strata</a:t>
-            </a:r>
-          </a:p>
-          <a:p>
-            <a:r>
-              <a:rPr dirty="0"/>
-              <a:t>Equal sized Bernoulli samples are collected at the lowest level</a:t>
-            </a:r>
-          </a:p>
-        </p:txBody>
-      </p:sp>
-    </p:spTree>
-  </p:cSld>
-  <p:clrMapOvr>
-    <a:masterClrMapping/>
-  </p:clrMapOvr>
-</p:sld>
-</file>
-
-<file path=ppt/slides/slide33.xml><?xml version="1.0" encoding="utf-8"?>
 <p:sld xmlns:a="http://schemas.openxmlformats.org/drawingml/2006/main" xmlns:r="http://schemas.openxmlformats.org/officeDocument/2006/relationships" xmlns:p="http://schemas.openxmlformats.org/presentationml/2006/main">
   <p:cSld>
     <p:spTree>
@@ -10016,7 +8607,7 @@
 </p:sld>
 </file>
 
-<file path=ppt/slides/slide34.xml><?xml version="1.0" encoding="utf-8"?>
+<file path=ppt/slides/slide33.xml><?xml version="1.0" encoding="utf-8"?>
 <p:sld xmlns:a="http://schemas.openxmlformats.org/drawingml/2006/main" xmlns:r="http://schemas.openxmlformats.org/officeDocument/2006/relationships" xmlns:p="http://schemas.openxmlformats.org/presentationml/2006/main">
   <p:cSld>
     <p:spTree>
@@ -10175,7 +8766,7 @@
 </p:sld>
 </file>
 
-<file path=ppt/slides/slide35.xml><?xml version="1.0" encoding="utf-8"?>
+<file path=ppt/slides/slide34.xml><?xml version="1.0" encoding="utf-8"?>
 <p:sld xmlns:a="http://schemas.openxmlformats.org/drawingml/2006/main" xmlns:r="http://schemas.openxmlformats.org/officeDocument/2006/relationships" xmlns:p="http://schemas.openxmlformats.org/presentationml/2006/main">
   <p:cSld>
     <p:spTree>
@@ -10334,7 +8925,7 @@
 </p:sld>
 </file>
 
-<file path=ppt/slides/slide36.xml><?xml version="1.0" encoding="utf-8"?>
+<file path=ppt/slides/slide35.xml><?xml version="1.0" encoding="utf-8"?>
 <p:sld xmlns:a="http://schemas.openxmlformats.org/drawingml/2006/main" xmlns:r="http://schemas.openxmlformats.org/officeDocument/2006/relationships" xmlns:p="http://schemas.openxmlformats.org/presentationml/2006/main">
   <p:cSld>
     <p:spTree>
@@ -10499,6 +9090,138 @@
 </p:sld>
 </file>
 
+<file path=ppt/slides/slide36.xml><?xml version="1.0" encoding="utf-8"?>
+<p:sld xmlns:a="http://schemas.openxmlformats.org/drawingml/2006/main" xmlns:r="http://schemas.openxmlformats.org/officeDocument/2006/relationships" xmlns:p="http://schemas.openxmlformats.org/presentationml/2006/main">
+  <p:cSld>
+    <p:spTree>
+      <p:nvGrpSpPr>
+        <p:cNvPr id="1" name=""/>
+        <p:cNvGrpSpPr/>
+        <p:nvPr/>
+      </p:nvGrpSpPr>
+      <p:grpSpPr>
+        <a:xfrm>
+          <a:off x="0" y="0"/>
+          <a:ext cx="0" cy="0"/>
+          <a:chOff x="0" y="0"/>
+          <a:chExt cx="0" cy="0"/>
+        </a:xfrm>
+      </p:grpSpPr>
+      <p:sp>
+        <p:nvSpPr>
+          <p:cNvPr id="2" name="Title 1"/>
+          <p:cNvSpPr>
+            <a:spLocks noGrp="1"/>
+          </p:cNvSpPr>
+          <p:nvPr>
+            <p:ph type="title"/>
+          </p:nvPr>
+        </p:nvSpPr>
+        <p:spPr/>
+        <p:txBody>
+          <a:bodyPr/>
+          <a:lstStyle/>
+          <a:p>
+            <a:pPr marL="0" lvl="0" indent="0">
+              <a:buNone/>
+            </a:pPr>
+            <a:r>
+              <a:t>Systematic Sampling</a:t>
+            </a:r>
+          </a:p>
+        </p:txBody>
+      </p:sp>
+      <p:sp>
+        <p:nvSpPr>
+          <p:cNvPr id="3" name="Content Placeholder 2"/>
+          <p:cNvSpPr>
+            <a:spLocks noGrp="1"/>
+          </p:cNvSpPr>
+          <p:nvPr>
+            <p:ph idx="1"/>
+          </p:nvPr>
+        </p:nvSpPr>
+        <p:spPr/>
+        <p:txBody>
+          <a:bodyPr>
+            <a:normAutofit/>
+          </a:bodyPr>
+          <a:lstStyle/>
+          <a:p>
+            <a:pPr marL="0" lvl="0" indent="0">
+              <a:buNone/>
+            </a:pPr>
+            <a:r>
+              <a:rPr b="1" dirty="0"/>
+              <a:t>Convenience and systematic sampling</a:t>
+            </a:r>
+            <a:r>
+              <a:rPr dirty="0"/>
+              <a:t> are a slippery slope toward biased inferences</a:t>
+            </a:r>
+          </a:p>
+          <a:p>
+            <a:pPr lvl="0"/>
+            <a:r>
+              <a:rPr dirty="0"/>
+              <a:t>Systematic sampling </a:t>
+            </a:r>
+            <a:r>
+              <a:rPr b="1" dirty="0"/>
+              <a:t>lacks randomization</a:t>
+            </a:r>
+          </a:p>
+          <a:p>
+            <a:pPr lvl="0"/>
+            <a:r>
+              <a:rPr dirty="0"/>
+              <a:t>Convenience sampling selects the cases that are easiest to obtain</a:t>
+            </a:r>
+          </a:p>
+          <a:p>
+            <a:pPr lvl="1"/>
+            <a:r>
+              <a:rPr dirty="0"/>
+              <a:t>Commonly cited example known as </a:t>
+            </a:r>
+            <a:r>
+              <a:rPr b="1" dirty="0"/>
+              <a:t>database sampling</a:t>
+            </a:r>
+            <a:endParaRPr dirty="0"/>
+          </a:p>
+          <a:p>
+            <a:pPr lvl="1"/>
+            <a:r>
+              <a:rPr dirty="0"/>
+              <a:t>Example, the first N rows resulting from a database query</a:t>
+            </a:r>
+          </a:p>
+          <a:p>
+            <a:pPr lvl="1"/>
+            <a:r>
+              <a:rPr dirty="0"/>
+              <a:t>Example, every k-</a:t>
+            </a:r>
+            <a:r>
+              <a:rPr dirty="0" err="1"/>
+              <a:t>th</a:t>
+            </a:r>
+            <a:r>
+              <a:rPr dirty="0"/>
+              <a:t> case of the population</a:t>
+            </a:r>
+          </a:p>
+        </p:txBody>
+      </p:sp>
+    </p:spTree>
+  </p:cSld>
+  <p:clrMapOvr>
+    <a:masterClrMapping/>
+  </p:clrMapOvr>
+</p:sld>
+</file>
+
 <file path=ppt/slides/slide37.xml><?xml version="1.0" encoding="utf-8"?>
 <p:sld xmlns:a="http://schemas.openxmlformats.org/drawingml/2006/main" xmlns:r="http://schemas.openxmlformats.org/officeDocument/2006/relationships" xmlns:p="http://schemas.openxmlformats.org/presentationml/2006/main">
   <p:cSld>
@@ -10535,7 +9258,7 @@
               <a:buNone/>
             </a:pPr>
             <a:r>
-              <a:t>Systematic Sampling</a:t>
+              <a:t>A Few More Thoughts on Sampling</a:t>
             </a:r>
           </a:p>
         </p:txBody>
@@ -10552,73 +9275,51 @@
         </p:nvSpPr>
         <p:spPr/>
         <p:txBody>
-          <a:bodyPr>
-            <a:normAutofit/>
-          </a:bodyPr>
+          <a:bodyPr/>
           <a:lstStyle/>
           <a:p>
             <a:pPr marL="0" lvl="0" indent="0">
               <a:buNone/>
             </a:pPr>
             <a:r>
-              <a:rPr b="1" dirty="0"/>
-              <a:t>Convenience and systematic sampling</a:t>
-            </a:r>
-            <a:r>
-              <a:rPr dirty="0"/>
-              <a:t> are a slippery slope toward biased inferences</a:t>
+              <a:rPr dirty="0"/>
+              <a:t>There are many practical aspects of sampling.</a:t>
             </a:r>
           </a:p>
           <a:p>
             <a:pPr lvl="0"/>
             <a:r>
               <a:rPr dirty="0"/>
-              <a:t>Systematic sampling </a:t>
-            </a:r>
-            <a:r>
-              <a:rPr b="1" dirty="0"/>
-              <a:t>lacks randomization</a:t>
+              <a:t>Random sampling is essential to the underlying assumptions of statistical inference</a:t>
             </a:r>
           </a:p>
           <a:p>
             <a:pPr lvl="0"/>
             <a:r>
               <a:rPr dirty="0"/>
-              <a:t>Convenience sampling selects the cases that are easiest to obtain</a:t>
-            </a:r>
-          </a:p>
-          <a:p>
-            <a:pPr lvl="1"/>
-            <a:r>
-              <a:rPr dirty="0"/>
-              <a:t>Commonly cited example known as </a:t>
-            </a:r>
-            <a:r>
-              <a:rPr b="1" dirty="0"/>
-              <a:t>database sampling</a:t>
-            </a:r>
-            <a:endParaRPr dirty="0"/>
-          </a:p>
-          <a:p>
-            <a:pPr lvl="1"/>
-            <a:r>
-              <a:rPr dirty="0"/>
-              <a:t>Example, the first N rows resulting from a database query</a:t>
-            </a:r>
-          </a:p>
-          <a:p>
-            <a:pPr lvl="1"/>
-            <a:r>
-              <a:rPr dirty="0"/>
-              <a:t>Example, every k-</a:t>
-            </a:r>
-            <a:r>
-              <a:rPr dirty="0" err="1"/>
-              <a:t>th</a:t>
-            </a:r>
-            <a:r>
-              <a:rPr dirty="0"/>
-              <a:t> case of the population</a:t>
+              <a:t>Whenever you are planning to sample data, make sure you have a clear sampling plan</a:t>
+            </a:r>
+          </a:p>
+          <a:p>
+            <a:pPr lvl="0"/>
+            <a:r>
+              <a:rPr dirty="0"/>
+              <a:t>Know the number of clusters, strata, </a:t>
+            </a:r>
+            <a:r>
+              <a:rPr lang="en-US" dirty="0"/>
+              <a:t>and </a:t>
+            </a:r>
+            <a:r>
+              <a:rPr dirty="0"/>
+              <a:t>samples in advance</a:t>
+            </a:r>
+          </a:p>
+          <a:p>
+            <a:pPr lvl="0"/>
+            <a:r>
+              <a:rPr dirty="0"/>
+              <a:t>Don’t just stop sampling when your desired result is achieved!</a:t>
             </a:r>
           </a:p>
         </p:txBody>
@@ -10667,7 +9368,8 @@
               <a:buNone/>
             </a:pPr>
             <a:r>
-              <a:t>A Few More Thoughts on Sampling</a:t>
+              <a:rPr dirty="0"/>
+              <a:t>Introduction to Simulation</a:t>
             </a:r>
           </a:p>
         </p:txBody>
@@ -10682,54 +9384,122 @@
             <p:ph idx="1"/>
           </p:nvPr>
         </p:nvSpPr>
-        <p:spPr/>
-        <p:txBody>
-          <a:bodyPr/>
+        <p:spPr>
+          <a:xfrm>
+            <a:off x="457200" y="1091878"/>
+            <a:ext cx="8229600" cy="3800355"/>
+          </a:xfrm>
+        </p:spPr>
+        <p:txBody>
+          <a:bodyPr>
+            <a:normAutofit fontScale="92500" lnSpcReduction="20000"/>
+          </a:bodyPr>
           <a:lstStyle/>
           <a:p>
             <a:pPr marL="0" lvl="0" indent="0">
               <a:buNone/>
             </a:pPr>
             <a:r>
-              <a:rPr dirty="0"/>
-              <a:t>There are many practical aspects of sampling.</a:t>
+              <a:rPr lang="en-US" b="1" dirty="0">
+                <a:hlinkClick r:id="rId2"/>
+              </a:rPr>
+              <a:t>Monte Carlo s</a:t>
+            </a:r>
+            <a:r>
+              <a:rPr b="1" dirty="0">
+                <a:hlinkClick r:id="rId2"/>
+              </a:rPr>
+              <a:t>imulation</a:t>
+            </a:r>
+            <a:r>
+              <a:rPr lang="en-US" b="1" dirty="0">
+                <a:hlinkClick r:id="rId2"/>
+              </a:rPr>
+              <a:t>s</a:t>
+            </a:r>
+            <a:r>
+              <a:rPr b="1" dirty="0">
+                <a:hlinkClick r:id="rId2"/>
+              </a:rPr>
+              <a:t> </a:t>
+            </a:r>
+            <a:r>
+              <a:rPr dirty="0"/>
+              <a:t>enable data scientists to study the behavior of stochastic processes with complex probability distributions</a:t>
             </a:r>
           </a:p>
           <a:p>
             <a:pPr lvl="0"/>
             <a:r>
               <a:rPr dirty="0"/>
-              <a:t>Random sampling is essential to the underlying assumptions of statistical inference</a:t>
+              <a:t>M</a:t>
+            </a:r>
+            <a:r>
+              <a:rPr lang="en-US" dirty="0"/>
+              <a:t>any</a:t>
+            </a:r>
+            <a:r>
+              <a:rPr dirty="0"/>
+              <a:t> real-world processes have complex distributions of </a:t>
+            </a:r>
+            <a:r>
+              <a:rPr lang="en-US" dirty="0"/>
+              <a:t>observed</a:t>
+            </a:r>
+            <a:r>
+              <a:rPr dirty="0"/>
+              <a:t> values</a:t>
+            </a:r>
+          </a:p>
+          <a:p>
+            <a:pPr lvl="1"/>
+            <a:r>
+              <a:rPr dirty="0"/>
+              <a:t>Simulation is a practical approach to understanding complex processes</a:t>
             </a:r>
           </a:p>
           <a:p>
             <a:pPr lvl="0"/>
             <a:r>
               <a:rPr dirty="0"/>
-              <a:t>Whenever you are planning to sample data, make sure you have a clear sampling plan</a:t>
-            </a:r>
-          </a:p>
-          <a:p>
-            <a:pPr lvl="0"/>
-            <a:r>
-              <a:rPr dirty="0"/>
-              <a:t>Know the number of clusters, strata, </a:t>
-            </a:r>
+              <a:t>Two main purposes of simulation can be summarized as:</a:t>
+            </a:r>
+          </a:p>
+          <a:p>
+            <a:pPr lvl="1"/>
+            <a:r>
+              <a:rPr b="1" dirty="0"/>
+              <a:t>Testing models:</a:t>
+            </a:r>
+            <a:r>
+              <a:rPr dirty="0"/>
+              <a:t> If data simulated from the model do not resemble the original data, something is likely wrong</a:t>
+            </a:r>
+          </a:p>
+          <a:p>
+            <a:pPr lvl="1"/>
+            <a:r>
+              <a:rPr b="1" dirty="0"/>
+              <a:t>Understand processes with complex probability distributions:</a:t>
+            </a:r>
+            <a:r>
+              <a:rPr dirty="0"/>
+              <a:t> In these cases, simulation provides a powerful and flexible computational technique to understand behavior</a:t>
+            </a:r>
+            <a:endParaRPr lang="en-US" dirty="0"/>
+          </a:p>
+          <a:p>
             <a:r>
               <a:rPr lang="en-US" dirty="0"/>
-              <a:t>and </a:t>
-            </a:r>
-            <a:r>
-              <a:rPr dirty="0"/>
-              <a:t>samples in advance</a:t>
-            </a:r>
-          </a:p>
-          <a:p>
-            <a:pPr lvl="0"/>
-            <a:r>
-              <a:rPr dirty="0"/>
-              <a:t>Don’t just stop sampling when your desired result is achieved!</a:t>
-            </a:r>
+              <a:t>Complex Monte Carlo simulations are a key component of </a:t>
+            </a:r>
+            <a:r>
+              <a:rPr lang="en-US" b="1" dirty="0">
+                <a:hlinkClick r:id="rId3"/>
+              </a:rPr>
+              <a:t>Digital twin models</a:t>
+            </a:r>
+            <a:endParaRPr dirty="0"/>
           </a:p>
         </p:txBody>
       </p:sp>
@@ -10777,7 +9547,6 @@
               <a:buNone/>
             </a:pPr>
             <a:r>
-              <a:rPr dirty="0"/>
               <a:t>Introduction to Simulation</a:t>
             </a:r>
           </a:p>
@@ -10795,8 +9564,8 @@
         </p:nvSpPr>
         <p:spPr>
           <a:xfrm>
-            <a:off x="457200" y="1091878"/>
-            <a:ext cx="8229600" cy="3800355"/>
+            <a:off x="457200" y="1200150"/>
+            <a:ext cx="8229600" cy="3684365"/>
           </a:xfrm>
         </p:spPr>
         <p:txBody>
@@ -10809,106 +9578,116 @@
               <a:buNone/>
             </a:pPr>
             <a:r>
-              <a:rPr lang="en-US" b="1" dirty="0">
-                <a:hlinkClick r:id="rId2"/>
+              <a:rPr dirty="0"/>
+              <a:t>As cheap computational power has become ubiquitous, </a:t>
+            </a:r>
+            <a:r>
+              <a:rPr lang="en-US" dirty="0"/>
+              <a:t>Monte Carlo </a:t>
+            </a:r>
+            <a:r>
+              <a:rPr dirty="0"/>
+              <a:t>simulation has become a widely used technique</a:t>
+            </a:r>
+          </a:p>
+          <a:p>
+            <a:pPr lvl="0"/>
+            <a:r>
+              <a:rPr dirty="0"/>
+              <a:t>Simulations compute a large number of cases, or realizations</a:t>
+            </a:r>
+          </a:p>
+          <a:p>
+            <a:pPr lvl="1"/>
+            <a:r>
+              <a:rPr dirty="0"/>
+              <a:t>The computing cost of each realization must be low in any practical simulation</a:t>
+            </a:r>
+          </a:p>
+          <a:p>
+            <a:pPr lvl="1"/>
+            <a:r>
+              <a:rPr dirty="0"/>
+              <a:t>Realizations are drawn </a:t>
+            </a:r>
+            <a:r>
+              <a:rPr lang="en-US" dirty="0"/>
+              <a:t>by </a:t>
+            </a:r>
+            <a:r>
+              <a:rPr lang="en-US" b="1" dirty="0"/>
+              <a:t>Monte Carlo sample</a:t>
+            </a:r>
+            <a:r>
+              <a:rPr b="1" dirty="0"/>
+              <a:t> probability distributions </a:t>
+            </a:r>
+            <a:r>
+              <a:rPr dirty="0"/>
+              <a:t>of the process model</a:t>
+            </a:r>
+          </a:p>
+          <a:p>
+            <a:pPr lvl="0"/>
+            <a:r>
+              <a:rPr dirty="0"/>
+              <a:t>In many cases, realizations are computed </a:t>
+            </a:r>
+            <a:r>
+              <a:rPr lang="en-US" dirty="0"/>
+              <a:t>by sampling </a:t>
+            </a:r>
+            <a:r>
+              <a:rPr dirty="0"/>
+              <a:t>conditional probability distributions</a:t>
+            </a:r>
+          </a:p>
+          <a:p>
+            <a:pPr lvl="1"/>
+            <a:r>
+              <a:rPr dirty="0"/>
+              <a:t>The final or posterior distribution of the process is comprised of these realizations</a:t>
+            </a:r>
+            <a:endParaRPr lang="en-US" dirty="0"/>
+          </a:p>
+          <a:p>
+            <a:pPr marL="0" indent="0">
+              <a:buNone/>
+            </a:pPr>
+            <a:r>
+              <a:rPr lang="en-US" sz="1900" dirty="0">
+                <a:solidFill>
+                  <a:schemeClr val="accent6">
+                    <a:lumMod val="50000"/>
+                  </a:schemeClr>
+                </a:solidFill>
               </a:rPr>
-              <a:t>Monte Carlo s</a:t>
-            </a:r>
-            <a:r>
-              <a:rPr b="1" dirty="0">
-                <a:hlinkClick r:id="rId2"/>
+              <a:t>You can find a short tutorial on Monte Carlo simulation </a:t>
+            </a:r>
+            <a:r>
+              <a:rPr lang="en-US" sz="1900" dirty="0">
+                <a:solidFill>
+                  <a:schemeClr val="accent6">
+                    <a:lumMod val="50000"/>
+                  </a:schemeClr>
+                </a:solidFill>
+                <a:hlinkClick r:id="rId2">
+                  <a:extLst>
+                    <a:ext uri="{A12FA001-AC4F-418D-AE19-62706E023703}">
+                      <ahyp:hlinkClr xmlns:ahyp="http://schemas.microsoft.com/office/drawing/2018/hyperlinkcolor" val="tx"/>
+                    </a:ext>
+                  </a:extLst>
+                </a:hlinkClick>
               </a:rPr>
-              <a:t>imulation</a:t>
-            </a:r>
-            <a:r>
-              <a:rPr lang="en-US" b="1" dirty="0">
-                <a:hlinkClick r:id="rId2"/>
-              </a:rPr>
-              <a:t>s</a:t>
-            </a:r>
-            <a:r>
-              <a:rPr b="1" dirty="0">
-                <a:hlinkClick r:id="rId2"/>
-              </a:rPr>
-              <a:t> </a:t>
-            </a:r>
-            <a:r>
-              <a:rPr dirty="0"/>
-              <a:t>enable data scientists to study the behavior of stochastic processes with complex probability distributions</a:t>
-            </a:r>
-          </a:p>
-          <a:p>
-            <a:pPr lvl="0"/>
-            <a:r>
-              <a:rPr dirty="0"/>
-              <a:t>M</a:t>
-            </a:r>
-            <a:r>
-              <a:rPr lang="en-US" dirty="0"/>
-              <a:t>any</a:t>
-            </a:r>
-            <a:r>
-              <a:rPr dirty="0"/>
-              <a:t> real-world processes have complex distributions of </a:t>
-            </a:r>
-            <a:r>
-              <a:rPr lang="en-US" dirty="0"/>
-              <a:t>observed</a:t>
-            </a:r>
-            <a:r>
-              <a:rPr dirty="0"/>
-              <a:t> values</a:t>
-            </a:r>
-          </a:p>
-          <a:p>
-            <a:pPr lvl="1"/>
-            <a:r>
-              <a:rPr dirty="0"/>
-              <a:t>Simulation is a practical approach to understanding complex processes</a:t>
-            </a:r>
-          </a:p>
-          <a:p>
-            <a:pPr lvl="0"/>
-            <a:r>
-              <a:rPr dirty="0"/>
-              <a:t>Two main purposes of simulation can be summarized as:</a:t>
-            </a:r>
-          </a:p>
-          <a:p>
-            <a:pPr lvl="1"/>
-            <a:r>
-              <a:rPr b="1" dirty="0"/>
-              <a:t>Testing models:</a:t>
-            </a:r>
-            <a:r>
-              <a:rPr dirty="0"/>
-              <a:t> If data simulated from the model do not resemble the original data, something is likely wrong</a:t>
-            </a:r>
-          </a:p>
-          <a:p>
-            <a:pPr lvl="1"/>
-            <a:r>
-              <a:rPr b="1" dirty="0"/>
-              <a:t>Understand processes with complex probability distributions:</a:t>
-            </a:r>
-            <a:r>
-              <a:rPr dirty="0"/>
-              <a:t> In these cases, simulation provides a powerful and flexible computational technique to understand behavior</a:t>
-            </a:r>
-            <a:endParaRPr lang="en-US" dirty="0"/>
-          </a:p>
-          <a:p>
-            <a:r>
-              <a:rPr lang="en-US" dirty="0"/>
-              <a:t>Complex Monte Carlo simulations are a key component of </a:t>
-            </a:r>
-            <a:r>
-              <a:rPr lang="en-US" b="1" dirty="0">
-                <a:hlinkClick r:id="rId3"/>
-              </a:rPr>
-              <a:t>Digital twin models</a:t>
-            </a:r>
-            <a:endParaRPr dirty="0"/>
+              <a:t>here</a:t>
+            </a:r>
+            <a:endParaRPr lang="en-US" sz="1900" dirty="0">
+              <a:solidFill>
+                <a:schemeClr val="accent6">
+                  <a:lumMod val="50000"/>
+                </a:schemeClr>
+              </a:solidFill>
+            </a:endParaRPr>
           </a:p>
         </p:txBody>
       </p:sp>
@@ -10956,315 +9735,133 @@
               <a:buNone/>
             </a:pPr>
             <a:r>
+              <a:rPr lang="en-US" dirty="0"/>
               <a:t>Review</a:t>
             </a:r>
-          </a:p>
-        </p:txBody>
-      </p:sp>
-      <mc:AlternateContent xmlns:mc="http://schemas.openxmlformats.org/markup-compatibility/2006" xmlns:a14="http://schemas.microsoft.com/office/drawing/2010/main">
-        <mc:Choice Requires="a14">
-          <p:sp>
-            <p:nvSpPr>
-              <p:cNvPr id="3" name="Content Placeholder 2"/>
-              <p:cNvSpPr>
-                <a:spLocks noGrp="1"/>
-              </p:cNvSpPr>
-              <p:nvPr>
-                <p:ph idx="1"/>
-              </p:nvPr>
-            </p:nvSpPr>
-            <p:spPr/>
-            <p:txBody>
-              <a:bodyPr>
-                <a:normAutofit/>
-              </a:bodyPr>
-              <a:lstStyle/>
-              <a:p>
-                <a:pPr lvl="0"/>
-                <a:r>
-                  <a:rPr dirty="0"/>
-                  <a:t>Conditional probability</a:t>
-                </a:r>
-              </a:p>
-              <a:p>
-                <a:pPr lvl="1"/>
-                <a:r>
-                  <a:rPr dirty="0"/>
-                  <a:t>One random variable depends on another</a:t>
-                </a:r>
-              </a:p>
-              <a:p>
-                <a:pPr lvl="1"/>
-                <a:r>
-                  <a:rPr dirty="0"/>
-                  <a:t>But not commutable</a:t>
-                </a:r>
-              </a:p>
-              <a:p>
-                <a:pPr lvl="1"/>
-                <a14:m>
-                  <m:oMath xmlns:m="http://schemas.openxmlformats.org/officeDocument/2006/math">
-                    <m:r>
-                      <a:rPr>
-                        <a:latin typeface="Cambria Math" panose="02040503050406030204" pitchFamily="18" charset="0"/>
-                      </a:rPr>
-                      <m:t>𝑃</m:t>
-                    </m:r>
-                    <m:d>
-                      <m:dPr>
-                        <m:ctrlPr>
-                          <a:rPr i="1">
-                            <a:latin typeface="Cambria Math" panose="02040503050406030204" pitchFamily="18" charset="0"/>
-                          </a:rPr>
-                        </m:ctrlPr>
-                      </m:dPr>
-                      <m:e>
-                        <m:r>
-                          <a:rPr>
-                            <a:latin typeface="Cambria Math" panose="02040503050406030204" pitchFamily="18" charset="0"/>
-                          </a:rPr>
-                          <m:t>𝐴</m:t>
-                        </m:r>
-                        <m:r>
-                          <a:rPr>
-                            <a:latin typeface="Cambria Math" panose="02040503050406030204" pitchFamily="18" charset="0"/>
-                          </a:rPr>
-                          <m:t>|</m:t>
-                        </m:r>
-                        <m:r>
-                          <a:rPr>
-                            <a:latin typeface="Cambria Math" panose="02040503050406030204" pitchFamily="18" charset="0"/>
-                          </a:rPr>
-                          <m:t>𝐵</m:t>
-                        </m:r>
-                      </m:e>
-                    </m:d>
-                    <m:r>
-                      <a:rPr>
-                        <a:latin typeface="Cambria Math" panose="02040503050406030204" pitchFamily="18" charset="0"/>
-                      </a:rPr>
-                      <m:t>=</m:t>
-                    </m:r>
-                    <m:r>
-                      <a:rPr>
-                        <a:latin typeface="Cambria Math" panose="02040503050406030204" pitchFamily="18" charset="0"/>
-                      </a:rPr>
-                      <m:t>𝑃</m:t>
-                    </m:r>
-                    <m:d>
-                      <m:dPr>
-                        <m:ctrlPr>
-                          <a:rPr i="1">
-                            <a:latin typeface="Cambria Math" panose="02040503050406030204" pitchFamily="18" charset="0"/>
-                          </a:rPr>
-                        </m:ctrlPr>
-                      </m:dPr>
-                      <m:e>
-                        <m:r>
-                          <a:rPr>
-                            <a:latin typeface="Cambria Math" panose="02040503050406030204" pitchFamily="18" charset="0"/>
-                          </a:rPr>
-                          <m:t>𝐴</m:t>
-                        </m:r>
-                      </m:e>
-                    </m:d>
-                    <m:r>
-                      <a:rPr>
-                        <a:latin typeface="Cambria Math" panose="02040503050406030204" pitchFamily="18" charset="0"/>
-                      </a:rPr>
-                      <m:t>⇎</m:t>
-                    </m:r>
-                    <m:r>
-                      <a:rPr>
-                        <a:latin typeface="Cambria Math" panose="02040503050406030204" pitchFamily="18" charset="0"/>
-                      </a:rPr>
-                      <m:t>𝑃</m:t>
-                    </m:r>
-                    <m:d>
-                      <m:dPr>
-                        <m:ctrlPr>
-                          <a:rPr i="1">
-                            <a:latin typeface="Cambria Math" panose="02040503050406030204" pitchFamily="18" charset="0"/>
-                          </a:rPr>
-                        </m:ctrlPr>
-                      </m:dPr>
-                      <m:e>
-                        <m:r>
-                          <a:rPr>
-                            <a:latin typeface="Cambria Math" panose="02040503050406030204" pitchFamily="18" charset="0"/>
-                          </a:rPr>
-                          <m:t>𝐵</m:t>
-                        </m:r>
-                        <m:r>
-                          <a:rPr>
-                            <a:latin typeface="Cambria Math" panose="02040503050406030204" pitchFamily="18" charset="0"/>
-                          </a:rPr>
-                          <m:t>|</m:t>
-                        </m:r>
-                        <m:r>
-                          <a:rPr>
-                            <a:latin typeface="Cambria Math" panose="02040503050406030204" pitchFamily="18" charset="0"/>
-                          </a:rPr>
-                          <m:t>𝐴</m:t>
-                        </m:r>
-                      </m:e>
-                    </m:d>
-                    <m:r>
-                      <a:rPr>
-                        <a:latin typeface="Cambria Math" panose="02040503050406030204" pitchFamily="18" charset="0"/>
-                      </a:rPr>
-                      <m:t>=</m:t>
-                    </m:r>
-                    <m:r>
-                      <a:rPr>
-                        <a:latin typeface="Cambria Math" panose="02040503050406030204" pitchFamily="18" charset="0"/>
-                      </a:rPr>
-                      <m:t>𝑃</m:t>
-                    </m:r>
-                    <m:d>
-                      <m:dPr>
-                        <m:ctrlPr>
-                          <a:rPr i="1">
-                            <a:latin typeface="Cambria Math" panose="02040503050406030204" pitchFamily="18" charset="0"/>
-                          </a:rPr>
-                        </m:ctrlPr>
-                      </m:dPr>
-                      <m:e>
-                        <m:r>
-                          <a:rPr>
-                            <a:latin typeface="Cambria Math" panose="02040503050406030204" pitchFamily="18" charset="0"/>
-                          </a:rPr>
-                          <m:t>𝐵</m:t>
-                        </m:r>
-                      </m:e>
-                    </m:d>
-                  </m:oMath>
-                </a14:m>
-                <a:endParaRPr dirty="0"/>
-              </a:p>
-              <a:p>
-                <a:pPr lvl="0"/>
-                <a:r>
-                  <a:rPr dirty="0"/>
-                  <a:t>Mutually exclusivity </a:t>
-                </a:r>
-              </a:p>
-              <a:p>
-                <a:pPr lvl="0"/>
-                <a:r>
-                  <a:rPr dirty="0"/>
-                  <a:t>Independence</a:t>
-                </a:r>
-              </a:p>
-              <a:p>
-                <a:pPr lvl="0"/>
-                <a14:m>
-                  <m:oMath xmlns:m="http://schemas.openxmlformats.org/officeDocument/2006/math">
-                    <m:r>
-                      <a:rPr>
-                        <a:latin typeface="Cambria Math" panose="02040503050406030204" pitchFamily="18" charset="0"/>
-                      </a:rPr>
-                      <m:t>𝑃</m:t>
-                    </m:r>
-                    <m:d>
-                      <m:dPr>
-                        <m:ctrlPr>
-                          <a:rPr i="1">
-                            <a:latin typeface="Cambria Math" panose="02040503050406030204" pitchFamily="18" charset="0"/>
-                          </a:rPr>
-                        </m:ctrlPr>
-                      </m:dPr>
-                      <m:e>
-                        <m:r>
-                          <a:rPr>
-                            <a:latin typeface="Cambria Math" panose="02040503050406030204" pitchFamily="18" charset="0"/>
-                          </a:rPr>
-                          <m:t>𝐴</m:t>
-                        </m:r>
-                        <m:r>
-                          <a:rPr>
-                            <a:latin typeface="Cambria Math" panose="02040503050406030204" pitchFamily="18" charset="0"/>
-                          </a:rPr>
-                          <m:t>|</m:t>
-                        </m:r>
-                        <m:r>
-                          <a:rPr>
-                            <a:latin typeface="Cambria Math" panose="02040503050406030204" pitchFamily="18" charset="0"/>
-                          </a:rPr>
-                          <m:t>𝐵</m:t>
-                        </m:r>
-                      </m:e>
-                    </m:d>
-                    <m:r>
-                      <a:rPr>
-                        <a:latin typeface="Cambria Math" panose="02040503050406030204" pitchFamily="18" charset="0"/>
-                      </a:rPr>
-                      <m:t>=</m:t>
-                    </m:r>
-                    <m:r>
-                      <a:rPr>
-                        <a:latin typeface="Cambria Math" panose="02040503050406030204" pitchFamily="18" charset="0"/>
-                      </a:rPr>
-                      <m:t>𝑃</m:t>
-                    </m:r>
-                    <m:d>
-                      <m:dPr>
-                        <m:ctrlPr>
-                          <a:rPr i="1">
-                            <a:latin typeface="Cambria Math" panose="02040503050406030204" pitchFamily="18" charset="0"/>
-                          </a:rPr>
-                        </m:ctrlPr>
-                      </m:dPr>
-                      <m:e>
-                        <m:r>
-                          <a:rPr>
-                            <a:latin typeface="Cambria Math" panose="02040503050406030204" pitchFamily="18" charset="0"/>
-                          </a:rPr>
-                          <m:t>𝐴</m:t>
-                        </m:r>
-                      </m:e>
-                    </m:d>
-                  </m:oMath>
-                </a14:m>
-                <a:endParaRPr dirty="0"/>
-              </a:p>
-            </p:txBody>
-          </p:sp>
-        </mc:Choice>
-        <mc:Fallback xmlns="">
-          <p:sp>
-            <p:nvSpPr>
-              <p:cNvPr id="3" name="Content Placeholder 2"/>
-              <p:cNvSpPr>
-                <a:spLocks noGrp="1" noRot="1" noChangeAspect="1" noMove="1" noResize="1" noEditPoints="1" noAdjustHandles="1" noChangeArrowheads="1" noChangeShapeType="1" noTextEdit="1"/>
-              </p:cNvSpPr>
-              <p:nvPr>
-                <p:ph idx="1"/>
-              </p:nvPr>
-            </p:nvSpPr>
-            <p:spPr>
-              <a:blipFill>
-                <a:blip r:embed="rId2"/>
-                <a:stretch>
-                  <a:fillRect l="-963" t="-1436"/>
-                </a:stretch>
-              </a:blipFill>
-            </p:spPr>
-            <p:txBody>
-              <a:bodyPr/>
-              <a:lstStyle/>
-              <a:p>
-                <a:r>
-                  <a:rPr lang="en-US">
-                    <a:noFill/>
-                  </a:rPr>
-                  <a:t> </a:t>
-                </a:r>
-              </a:p>
-            </p:txBody>
-          </p:sp>
-        </mc:Fallback>
-      </mc:AlternateContent>
+            <a:endParaRPr dirty="0"/>
+          </a:p>
+        </p:txBody>
+      </p:sp>
+      <p:sp>
+        <p:nvSpPr>
+          <p:cNvPr id="3" name="Content Placeholder 2"/>
+          <p:cNvSpPr>
+            <a:spLocks noGrp="1"/>
+          </p:cNvSpPr>
+          <p:nvPr>
+            <p:ph idx="1"/>
+          </p:nvPr>
+        </p:nvSpPr>
+        <p:spPr/>
+        <p:txBody>
+          <a:bodyPr>
+            <a:normAutofit fontScale="92500" lnSpcReduction="20000"/>
+          </a:bodyPr>
+          <a:lstStyle/>
+          <a:p>
+            <a:pPr marL="0" lvl="0" indent="0">
+              <a:buNone/>
+            </a:pPr>
+            <a:r>
+              <a:rPr dirty="0"/>
+              <a:t>Generally </a:t>
+            </a:r>
+            <a:r>
+              <a:rPr b="1" dirty="0"/>
+              <a:t>combine multiple methods</a:t>
+            </a:r>
+            <a:r>
+              <a:rPr dirty="0"/>
+              <a:t> to effectively display complex data</a:t>
+            </a:r>
+          </a:p>
+          <a:p>
+            <a:pPr lvl="0"/>
+            <a:r>
+              <a:rPr dirty="0"/>
+              <a:t>Use </a:t>
+            </a:r>
+            <a:r>
+              <a:rPr b="1" dirty="0"/>
+              <a:t>plots that inherently scale</a:t>
+            </a:r>
+          </a:p>
+          <a:p>
+            <a:pPr lvl="0"/>
+            <a:r>
+              <a:rPr b="1" dirty="0"/>
+              <a:t>Avoid over-plotting</a:t>
+            </a:r>
+            <a:r>
+              <a:rPr dirty="0"/>
+              <a:t> to ensure plot is understandable</a:t>
+            </a:r>
+          </a:p>
+          <a:p>
+            <a:pPr lvl="0"/>
+            <a:r>
+              <a:rPr dirty="0"/>
+              <a:t>Choose plot types that </a:t>
+            </a:r>
+            <a:r>
+              <a:rPr b="1" dirty="0"/>
+              <a:t>do not exhibit overplotting</a:t>
+            </a:r>
+          </a:p>
+          <a:p>
+            <a:pPr lvl="0"/>
+            <a:r>
+              <a:rPr dirty="0"/>
+              <a:t>Often a </a:t>
+            </a:r>
+            <a:r>
+              <a:rPr b="1" dirty="0"/>
+              <a:t>creative case specific plot type</a:t>
+            </a:r>
+            <a:r>
+              <a:rPr dirty="0"/>
+              <a:t> is best</a:t>
+            </a:r>
+          </a:p>
+          <a:p>
+            <a:pPr lvl="0"/>
+            <a:r>
+              <a:rPr dirty="0"/>
+              <a:t>Use </a:t>
+            </a:r>
+            <a:r>
+              <a:rPr b="1" dirty="0"/>
+              <a:t>multi-axis plots</a:t>
+            </a:r>
+          </a:p>
+          <a:p>
+            <a:pPr lvl="1"/>
+            <a:r>
+              <a:rPr dirty="0"/>
+              <a:t>Scatter plot matrices</a:t>
+            </a:r>
+          </a:p>
+          <a:p>
+            <a:pPr lvl="1"/>
+            <a:r>
+              <a:rPr dirty="0"/>
+              <a:t>Facet plots</a:t>
+            </a:r>
+          </a:p>
+          <a:p>
+            <a:pPr lvl="0"/>
+            <a:r>
+              <a:rPr dirty="0"/>
+              <a:t>Filter cases using </a:t>
+            </a:r>
+            <a:r>
+              <a:rPr b="1" dirty="0" err="1"/>
+              <a:t>cognositics</a:t>
+            </a:r>
+            <a:endParaRPr b="1" dirty="0"/>
+          </a:p>
+        </p:txBody>
+      </p:sp>
     </p:spTree>
   </p:cSld>
   <p:clrMapOvr>
@@ -11302,14 +9899,16 @@
         </p:nvSpPr>
         <p:spPr/>
         <p:txBody>
-          <a:bodyPr/>
+          <a:bodyPr>
+            <a:normAutofit fontScale="90000"/>
+          </a:bodyPr>
           <a:lstStyle/>
           <a:p>
             <a:pPr marL="0" lvl="0" indent="0">
               <a:buNone/>
             </a:pPr>
             <a:r>
-              <a:t>Introduction to Simulation</a:t>
+              <a:t>Representation as a Directed Acyclic Graphical Model</a:t>
             </a:r>
           </a:p>
         </p:txBody>
@@ -11324,15 +9923,10 @@
             <p:ph idx="1"/>
           </p:nvPr>
         </p:nvSpPr>
-        <p:spPr>
-          <a:xfrm>
-            <a:off x="457200" y="1200150"/>
-            <a:ext cx="8229600" cy="3684365"/>
-          </a:xfrm>
-        </p:spPr>
+        <p:spPr/>
         <p:txBody>
           <a:bodyPr>
-            <a:normAutofit fontScale="92500" lnSpcReduction="20000"/>
+            <a:normAutofit fontScale="92500"/>
           </a:bodyPr>
           <a:lstStyle/>
           <a:p>
@@ -11341,115 +9935,120 @@
             </a:pPr>
             <a:r>
               <a:rPr dirty="0"/>
-              <a:t>As cheap computational power has become ubiquitous, </a:t>
+              <a:t>When creating a simulation with multiple conditionally dependent variables it is useful to draw a directed graph; a </a:t>
+            </a:r>
+            <a:r>
+              <a:rPr b="1" dirty="0"/>
+              <a:t>directed acyclic graphical model or DAG</a:t>
+            </a:r>
+          </a:p>
+          <a:p>
+            <a:pPr lvl="0"/>
+            <a:r>
+              <a:rPr dirty="0"/>
+              <a:t>The graph </a:t>
             </a:r>
             <a:r>
               <a:rPr lang="en-US" dirty="0"/>
-              <a:t>Monte Carlo </a:t>
-            </a:r>
-            <a:r>
-              <a:rPr dirty="0"/>
-              <a:t>simulation has become a widely used technique</a:t>
+              <a:t>representation </a:t>
+            </a:r>
+            <a:r>
+              <a:rPr dirty="0"/>
+              <a:t>show</a:t>
+            </a:r>
+            <a:r>
+              <a:rPr lang="en-US" dirty="0"/>
+              <a:t>s</a:t>
+            </a:r>
+            <a:r>
+              <a:rPr dirty="0"/>
+              <a:t> independent</a:t>
+            </a:r>
+            <a:r>
+              <a:rPr lang="en-US" dirty="0"/>
+              <a:t> and</a:t>
+            </a:r>
+            <a:r>
+              <a:rPr dirty="0"/>
+              <a:t> conditionally dependent </a:t>
+            </a:r>
+            <a:r>
+              <a:rPr lang="en-US" dirty="0"/>
+              <a:t>variables</a:t>
             </a:r>
           </a:p>
           <a:p>
             <a:pPr lvl="0"/>
             <a:r>
-              <a:rPr dirty="0"/>
-              <a:t>Simulations compute a large number of cases, or realizations</a:t>
+              <a:rPr lang="en-US" dirty="0"/>
+              <a:t>S</a:t>
+            </a:r>
+            <a:r>
+              <a:rPr dirty="0"/>
+              <a:t>hapes represent </a:t>
+            </a:r>
+            <a:r>
+              <a:rPr lang="en-US" dirty="0"/>
+              <a:t>different </a:t>
+            </a:r>
+            <a:r>
+              <a:rPr dirty="0"/>
+              <a:t>type</a:t>
+            </a:r>
+            <a:r>
+              <a:rPr lang="en-US" dirty="0"/>
+              <a:t>s</a:t>
+            </a:r>
+            <a:r>
+              <a:rPr dirty="0"/>
+              <a:t> of nodes</a:t>
+            </a:r>
+          </a:p>
+          <a:p>
+            <a:pPr lvl="0"/>
+            <a:r>
+              <a:rPr b="1" dirty="0"/>
+              <a:t>Directed edges</a:t>
+            </a:r>
+            <a:r>
+              <a:rPr dirty="0"/>
+              <a:t> show the dependency structure of the distributions</a:t>
             </a:r>
           </a:p>
           <a:p>
             <a:pPr lvl="1"/>
             <a:r>
               <a:rPr dirty="0"/>
-              <a:t>The computing cost of each realization must be low in any practical simulation</a:t>
-            </a:r>
+              <a:t>Arrows point to </a:t>
+            </a:r>
+            <a:r>
+              <a:rPr b="1" dirty="0"/>
+              <a:t>child nodes</a:t>
+            </a:r>
+            <a:r>
+              <a:rPr dirty="0"/>
+              <a:t> which are dependent on </a:t>
+            </a:r>
+            <a:r>
+              <a:rPr b="1" dirty="0"/>
+              <a:t>parent nodes</a:t>
+            </a:r>
+            <a:endParaRPr dirty="0"/>
           </a:p>
           <a:p>
             <a:pPr lvl="1"/>
             <a:r>
               <a:rPr dirty="0"/>
-              <a:t>Realizations are drawn </a:t>
-            </a:r>
-            <a:r>
-              <a:rPr lang="en-US" dirty="0"/>
-              <a:t>by </a:t>
-            </a:r>
-            <a:r>
-              <a:rPr lang="en-US" b="1" dirty="0"/>
-              <a:t>Monte Carlo sample</a:t>
+              <a:t>Child node is </a:t>
             </a:r>
             <a:r>
               <a:rPr b="1" dirty="0"/>
-              <a:t> probability distributions </a:t>
-            </a:r>
-            <a:r>
-              <a:rPr dirty="0"/>
-              <a:t>of the process model</a:t>
-            </a:r>
-          </a:p>
-          <a:p>
-            <a:pPr lvl="0"/>
-            <a:r>
-              <a:rPr dirty="0"/>
-              <a:t>In many cases, realizations are computed </a:t>
-            </a:r>
-            <a:r>
-              <a:rPr lang="en-US" dirty="0"/>
-              <a:t>by sampling </a:t>
-            </a:r>
-            <a:r>
-              <a:rPr dirty="0"/>
-              <a:t>conditional probability distributions</a:t>
-            </a:r>
-          </a:p>
-          <a:p>
-            <a:pPr lvl="1"/>
-            <a:r>
-              <a:rPr dirty="0"/>
-              <a:t>The final or posterior distribution of the process is comprised of these realizations</a:t>
-            </a:r>
-            <a:endParaRPr lang="en-US" dirty="0"/>
-          </a:p>
-          <a:p>
-            <a:pPr marL="0" indent="0">
-              <a:buNone/>
-            </a:pPr>
-            <a:r>
-              <a:rPr lang="en-US" sz="1900" dirty="0">
-                <a:solidFill>
-                  <a:schemeClr val="accent6">
-                    <a:lumMod val="50000"/>
-                  </a:schemeClr>
-                </a:solidFill>
-              </a:rPr>
-              <a:t>You can find a short tutorial on Monte Carlo simulation </a:t>
-            </a:r>
-            <a:r>
-              <a:rPr lang="en-US" sz="1900" dirty="0">
-                <a:solidFill>
-                  <a:schemeClr val="accent6">
-                    <a:lumMod val="50000"/>
-                  </a:schemeClr>
-                </a:solidFill>
-                <a:hlinkClick r:id="rId2">
-                  <a:extLst>
-                    <a:ext uri="{A12FA001-AC4F-418D-AE19-62706E023703}">
-                      <ahyp:hlinkClr xmlns:ahyp="http://schemas.microsoft.com/office/drawing/2018/hyperlinkcolor" val="tx"/>
-                    </a:ext>
-                  </a:extLst>
-                </a:hlinkClick>
-              </a:rPr>
-              <a:t>here</a:t>
-            </a:r>
-            <a:endParaRPr lang="en-US" sz="1900" dirty="0">
-              <a:solidFill>
-                <a:schemeClr val="accent6">
-                  <a:lumMod val="50000"/>
-                </a:schemeClr>
-              </a:solidFill>
-            </a:endParaRPr>
+              <a:t>conditional</a:t>
+            </a:r>
+            <a:r>
+              <a:rPr dirty="0"/>
+              <a:t> on parent nodes</a:t>
+            </a:r>
           </a:p>
         </p:txBody>
       </p:sp>
@@ -11514,7 +10113,12 @@
             <p:ph idx="1"/>
           </p:nvPr>
         </p:nvSpPr>
-        <p:spPr/>
+        <p:spPr>
+          <a:xfrm>
+            <a:off x="457200" y="1200150"/>
+            <a:ext cx="8229600" cy="3672791"/>
+          </a:xfrm>
+        </p:spPr>
         <p:txBody>
           <a:bodyPr>
             <a:normAutofit fontScale="92500"/>
@@ -11525,120 +10129,134 @@
               <a:buNone/>
             </a:pPr>
             <a:r>
-              <a:rPr dirty="0"/>
-              <a:t>When creating a simulation with multiple conditionally dependent variables it is useful to draw a directed graph; a </a:t>
+              <a:rPr lang="en-US" dirty="0"/>
+              <a:t>A </a:t>
             </a:r>
             <a:r>
               <a:rPr b="1" dirty="0"/>
               <a:t>directed acyclic graphical model or DAG</a:t>
             </a:r>
+            <a:r>
+              <a:rPr lang="en-US" dirty="0"/>
+              <a:t> is an intuitive representation of a Monte Carlo simulation model</a:t>
+            </a:r>
+            <a:endParaRPr b="1" dirty="0"/>
           </a:p>
           <a:p>
             <a:pPr lvl="0"/>
             <a:r>
-              <a:rPr dirty="0"/>
-              <a:t>The graph </a:t>
+              <a:rPr b="1" dirty="0"/>
+              <a:t>Probability distributions</a:t>
+            </a:r>
+            <a:r>
+              <a:rPr dirty="0"/>
+              <a:t> are shown as </a:t>
+            </a:r>
+            <a:r>
+              <a:rPr b="1" dirty="0"/>
+              <a:t>ellipses</a:t>
+            </a:r>
+          </a:p>
+          <a:p>
+            <a:pPr lvl="1"/>
+            <a:r>
+              <a:rPr dirty="0"/>
+              <a:t>Distributions have </a:t>
+            </a:r>
+            <a:r>
+              <a:rPr b="1" dirty="0"/>
+              <a:t>parameters</a:t>
+            </a:r>
+            <a:r>
+              <a:rPr dirty="0"/>
+              <a:t> which must be estimated</a:t>
+            </a:r>
+          </a:p>
+          <a:p>
+            <a:pPr lvl="0"/>
+            <a:r>
+              <a:rPr b="1" dirty="0"/>
+              <a:t>Decision variables</a:t>
+            </a:r>
+            <a:r>
+              <a:rPr dirty="0"/>
+              <a:t> are </a:t>
+            </a:r>
+            <a:r>
+              <a:rPr b="1" dirty="0"/>
+              <a:t>deterministic </a:t>
+            </a:r>
+            <a:r>
+              <a:rPr dirty="0"/>
+              <a:t>and</a:t>
             </a:r>
             <a:r>
               <a:rPr lang="en-US" dirty="0"/>
-              <a:t>representation </a:t>
-            </a:r>
-            <a:r>
-              <a:rPr dirty="0"/>
-              <a:t>show</a:t>
+              <a:t> </a:t>
+            </a:r>
+            <a:r>
+              <a:rPr dirty="0"/>
+              <a:t>shown as </a:t>
+            </a:r>
+            <a:r>
+              <a:rPr b="1" dirty="0"/>
+              <a:t>rectangles</a:t>
+            </a:r>
+          </a:p>
+          <a:p>
+            <a:pPr lvl="1"/>
+            <a:r>
+              <a:rPr dirty="0"/>
+              <a:t>Setting decision variables can be performed either manually or automatically</a:t>
+            </a:r>
+          </a:p>
+          <a:p>
+            <a:pPr lvl="0"/>
+            <a:r>
+              <a:rPr b="1" dirty="0"/>
+              <a:t>Utility nodes</a:t>
+            </a:r>
+            <a:r>
+              <a:rPr dirty="0"/>
+              <a:t>, </a:t>
             </a:r>
             <a:r>
               <a:rPr lang="en-US" dirty="0"/>
-              <a:t>s</a:t>
-            </a:r>
-            <a:r>
-              <a:rPr dirty="0"/>
-              <a:t> independent</a:t>
-            </a:r>
-            <a:r>
-              <a:rPr lang="en-US" dirty="0"/>
-              <a:t> and</a:t>
-            </a:r>
-            <a:r>
-              <a:rPr dirty="0"/>
-              <a:t> conditionally dependent </a:t>
-            </a:r>
-            <a:r>
-              <a:rPr lang="en-US" dirty="0"/>
-              <a:t>variables</a:t>
-            </a:r>
-          </a:p>
-          <a:p>
-            <a:pPr lvl="0"/>
-            <a:r>
-              <a:rPr lang="en-US" dirty="0"/>
-              <a:t>S</a:t>
-            </a:r>
-            <a:r>
-              <a:rPr dirty="0"/>
-              <a:t>hapes represent </a:t>
-            </a:r>
-            <a:r>
-              <a:rPr lang="en-US" dirty="0"/>
-              <a:t>different </a:t>
-            </a:r>
-            <a:r>
-              <a:rPr dirty="0"/>
-              <a:t>type</a:t>
-            </a:r>
-            <a:r>
-              <a:rPr lang="en-US" dirty="0"/>
-              <a:t>s</a:t>
-            </a:r>
-            <a:r>
-              <a:rPr dirty="0"/>
-              <a:t> of nodes</a:t>
-            </a:r>
-          </a:p>
-          <a:p>
-            <a:pPr lvl="0"/>
+              <a:t>e.g. </a:t>
+            </a:r>
+            <a:r>
+              <a:rPr dirty="0"/>
+              <a:t>profit in this case, are shown as </a:t>
+            </a:r>
             <a:r>
               <a:rPr b="1" dirty="0"/>
-              <a:t>Directed edges</a:t>
-            </a:r>
-            <a:r>
-              <a:rPr dirty="0"/>
-              <a:t> show the dependency structure of the distributions</a:t>
+              <a:t>diamonds</a:t>
             </a:r>
           </a:p>
           <a:p>
             <a:pPr lvl="1"/>
             <a:r>
               <a:rPr dirty="0"/>
-              <a:t>Arrows point to </a:t>
+              <a:t>Nodes represent a </a:t>
             </a:r>
             <a:r>
               <a:rPr b="1" dirty="0"/>
-              <a:t>child nodes</a:t>
-            </a:r>
-            <a:r>
-              <a:rPr dirty="0"/>
-              <a:t> which are dependent on </a:t>
+              <a:t>utility function</a:t>
+            </a:r>
+            <a:r>
+              <a:rPr dirty="0"/>
+              <a:t> given the dependencies in the graph</a:t>
+            </a:r>
+          </a:p>
+          <a:p>
+            <a:pPr lvl="1"/>
+            <a:r>
+              <a:rPr dirty="0"/>
+              <a:t>Utility calculations are </a:t>
             </a:r>
             <a:r>
               <a:rPr b="1" dirty="0"/>
-              <a:t>parent nodes</a:t>
-            </a:r>
-            <a:endParaRPr dirty="0"/>
-          </a:p>
-          <a:p>
-            <a:pPr lvl="1"/>
-            <a:r>
-              <a:rPr dirty="0"/>
-              <a:t>Child node is </a:t>
-            </a:r>
-            <a:r>
-              <a:rPr b="1" dirty="0"/>
-              <a:t>conditional</a:t>
-            </a:r>
-            <a:r>
-              <a:rPr dirty="0"/>
-              <a:t> on parent nodes</a:t>
+              <a:t>deterministic</a:t>
             </a:r>
           </a:p>
         </p:txBody>
@@ -11652,215 +10270,6 @@
 </file>
 
 <file path=ppt/slides/slide42.xml><?xml version="1.0" encoding="utf-8"?>
-<p:sld xmlns:a="http://schemas.openxmlformats.org/drawingml/2006/main" xmlns:r="http://schemas.openxmlformats.org/officeDocument/2006/relationships" xmlns:p="http://schemas.openxmlformats.org/presentationml/2006/main">
-  <p:cSld>
-    <p:spTree>
-      <p:nvGrpSpPr>
-        <p:cNvPr id="1" name=""/>
-        <p:cNvGrpSpPr/>
-        <p:nvPr/>
-      </p:nvGrpSpPr>
-      <p:grpSpPr>
-        <a:xfrm>
-          <a:off x="0" y="0"/>
-          <a:ext cx="0" cy="0"/>
-          <a:chOff x="0" y="0"/>
-          <a:chExt cx="0" cy="0"/>
-        </a:xfrm>
-      </p:grpSpPr>
-      <p:sp>
-        <p:nvSpPr>
-          <p:cNvPr id="2" name="Title 1"/>
-          <p:cNvSpPr>
-            <a:spLocks noGrp="1"/>
-          </p:cNvSpPr>
-          <p:nvPr>
-            <p:ph type="title"/>
-          </p:nvPr>
-        </p:nvSpPr>
-        <p:spPr/>
-        <p:txBody>
-          <a:bodyPr>
-            <a:normAutofit fontScale="90000"/>
-          </a:bodyPr>
-          <a:lstStyle/>
-          <a:p>
-            <a:pPr marL="0" lvl="0" indent="0">
-              <a:buNone/>
-            </a:pPr>
-            <a:r>
-              <a:t>Representation as a Directed Acyclic Graphical Model</a:t>
-            </a:r>
-          </a:p>
-        </p:txBody>
-      </p:sp>
-      <p:sp>
-        <p:nvSpPr>
-          <p:cNvPr id="3" name="Content Placeholder 2"/>
-          <p:cNvSpPr>
-            <a:spLocks noGrp="1"/>
-          </p:cNvSpPr>
-          <p:nvPr>
-            <p:ph idx="1"/>
-          </p:nvPr>
-        </p:nvSpPr>
-        <p:spPr>
-          <a:xfrm>
-            <a:off x="457200" y="1200150"/>
-            <a:ext cx="8229600" cy="3672791"/>
-          </a:xfrm>
-        </p:spPr>
-        <p:txBody>
-          <a:bodyPr>
-            <a:normAutofit fontScale="92500"/>
-          </a:bodyPr>
-          <a:lstStyle/>
-          <a:p>
-            <a:pPr marL="0" lvl="0" indent="0">
-              <a:buNone/>
-            </a:pPr>
-            <a:r>
-              <a:rPr lang="en-US" dirty="0"/>
-              <a:t>A </a:t>
-            </a:r>
-            <a:r>
-              <a:rPr b="1" dirty="0"/>
-              <a:t>directed acyclic graphical model or DAG</a:t>
-            </a:r>
-            <a:r>
-              <a:rPr lang="en-US" dirty="0"/>
-              <a:t> is an intuitive representation of a Monte Carlo simulation model</a:t>
-            </a:r>
-            <a:endParaRPr b="1" dirty="0"/>
-          </a:p>
-          <a:p>
-            <a:pPr lvl="0"/>
-            <a:r>
-              <a:rPr b="1" dirty="0"/>
-              <a:t>Probability distributions</a:t>
-            </a:r>
-            <a:r>
-              <a:rPr dirty="0"/>
-              <a:t> are shown as </a:t>
-            </a:r>
-            <a:r>
-              <a:rPr b="1" dirty="0"/>
-              <a:t>ellipses</a:t>
-            </a:r>
-          </a:p>
-          <a:p>
-            <a:pPr lvl="1"/>
-            <a:r>
-              <a:rPr dirty="0"/>
-              <a:t>Distributions have </a:t>
-            </a:r>
-            <a:r>
-              <a:rPr b="1" dirty="0"/>
-              <a:t>parameters</a:t>
-            </a:r>
-            <a:r>
-              <a:rPr dirty="0"/>
-              <a:t> which must be estimated</a:t>
-            </a:r>
-          </a:p>
-          <a:p>
-            <a:pPr lvl="0"/>
-            <a:r>
-              <a:rPr b="1" dirty="0"/>
-              <a:t>Decision variables</a:t>
-            </a:r>
-            <a:r>
-              <a:rPr dirty="0"/>
-              <a:t> are </a:t>
-            </a:r>
-            <a:r>
-              <a:rPr b="1" dirty="0"/>
-              <a:t>deterministic </a:t>
-            </a:r>
-            <a:r>
-              <a:rPr dirty="0"/>
-              <a:t>and</a:t>
-            </a:r>
-            <a:r>
-              <a:rPr lang="en-US" dirty="0"/>
-              <a:t> </a:t>
-            </a:r>
-            <a:r>
-              <a:rPr dirty="0"/>
-              <a:t>shown as </a:t>
-            </a:r>
-            <a:r>
-              <a:rPr b="1" dirty="0"/>
-              <a:t>rectangles</a:t>
-            </a:r>
-          </a:p>
-          <a:p>
-            <a:pPr lvl="1"/>
-            <a:r>
-              <a:rPr dirty="0"/>
-              <a:t>Setting decision variables can be performed either manually or automatically</a:t>
-            </a:r>
-          </a:p>
-          <a:p>
-            <a:pPr lvl="0"/>
-            <a:r>
-              <a:rPr b="1" dirty="0"/>
-              <a:t>Utility nodes</a:t>
-            </a:r>
-            <a:r>
-              <a:rPr dirty="0"/>
-              <a:t>, </a:t>
-            </a:r>
-            <a:r>
-              <a:rPr lang="en-US" dirty="0"/>
-              <a:t>e.g. </a:t>
-            </a:r>
-            <a:r>
-              <a:rPr dirty="0"/>
-              <a:t>profit in this case, are shown as </a:t>
-            </a:r>
-            <a:r>
-              <a:rPr b="1" dirty="0"/>
-              <a:t>diamonds</a:t>
-            </a:r>
-          </a:p>
-          <a:p>
-            <a:pPr lvl="1"/>
-            <a:r>
-              <a:rPr dirty="0"/>
-              <a:t>Nodes represent a </a:t>
-            </a:r>
-            <a:r>
-              <a:rPr b="1" dirty="0"/>
-              <a:t>utility function</a:t>
-            </a:r>
-            <a:r>
-              <a:rPr dirty="0"/>
-              <a:t> given the dependencies in the graph</a:t>
-            </a:r>
-          </a:p>
-          <a:p>
-            <a:pPr lvl="1"/>
-            <a:r>
-              <a:rPr dirty="0"/>
-              <a:t>Utility calculations are </a:t>
-            </a:r>
-            <a:r>
-              <a:rPr b="1" dirty="0"/>
-              <a:t>deterministic</a:t>
-            </a:r>
-          </a:p>
-        </p:txBody>
-      </p:sp>
-    </p:spTree>
-  </p:cSld>
-  <p:clrMapOvr>
-    <a:masterClrMapping/>
-  </p:clrMapOvr>
-</p:sld>
-</file>
-
-<file path=ppt/slides/slide43.xml><?xml version="1.0" encoding="utf-8"?>
 <p:sld xmlns:a="http://schemas.openxmlformats.org/drawingml/2006/main" xmlns:r="http://schemas.openxmlformats.org/officeDocument/2006/relationships" xmlns:p="http://schemas.openxmlformats.org/presentationml/2006/main">
   <p:cSld>
     <p:spTree>
@@ -12001,6 +10410,206 @@
 </p:sld>
 </file>
 
+<file path=ppt/slides/slide43.xml><?xml version="1.0" encoding="utf-8"?>
+<p:sld xmlns:a="http://schemas.openxmlformats.org/drawingml/2006/main" xmlns:r="http://schemas.openxmlformats.org/officeDocument/2006/relationships" xmlns:p="http://schemas.openxmlformats.org/presentationml/2006/main">
+  <p:cSld>
+    <p:spTree>
+      <p:nvGrpSpPr>
+        <p:cNvPr id="1" name=""/>
+        <p:cNvGrpSpPr/>
+        <p:nvPr/>
+      </p:nvGrpSpPr>
+      <p:grpSpPr>
+        <a:xfrm>
+          <a:off x="0" y="0"/>
+          <a:ext cx="0" cy="0"/>
+          <a:chOff x="0" y="0"/>
+          <a:chExt cx="0" cy="0"/>
+        </a:xfrm>
+      </p:grpSpPr>
+      <p:sp>
+        <p:nvSpPr>
+          <p:cNvPr id="2" name="Title 1"/>
+          <p:cNvSpPr>
+            <a:spLocks noGrp="1"/>
+          </p:cNvSpPr>
+          <p:nvPr>
+            <p:ph type="title"/>
+          </p:nvPr>
+        </p:nvSpPr>
+        <p:spPr/>
+        <p:txBody>
+          <a:bodyPr/>
+          <a:lstStyle/>
+          <a:p>
+            <a:pPr marL="0" lvl="0" indent="0">
+              <a:buNone/>
+            </a:pPr>
+            <a:r>
+              <a:t>Sandwich Shop Simulation</a:t>
+            </a:r>
+          </a:p>
+        </p:txBody>
+      </p:sp>
+      <p:sp>
+        <p:nvSpPr>
+          <p:cNvPr id="3" name="Content Placeholder 2"/>
+          <p:cNvSpPr>
+            <a:spLocks noGrp="1"/>
+          </p:cNvSpPr>
+          <p:nvPr>
+            <p:ph idx="1"/>
+          </p:nvPr>
+        </p:nvSpPr>
+        <p:spPr>
+          <a:xfrm>
+            <a:off x="457200" y="1103453"/>
+            <a:ext cx="8229600" cy="3696182"/>
+          </a:xfrm>
+        </p:spPr>
+        <p:txBody>
+          <a:bodyPr>
+            <a:normAutofit fontScale="92500" lnSpcReduction="20000"/>
+          </a:bodyPr>
+          <a:lstStyle/>
+          <a:p>
+            <a:pPr marL="0" lvl="0" indent="0">
+              <a:buNone/>
+            </a:pPr>
+            <a:r>
+              <a:rPr dirty="0"/>
+              <a:t>Interpreting the DAG</a:t>
+            </a:r>
+          </a:p>
+          <a:p>
+            <a:pPr lvl="0"/>
+            <a:r>
+              <a:rPr dirty="0"/>
+              <a:t>The DAG is a shorthand description of the simulation model</a:t>
+            </a:r>
+          </a:p>
+          <a:p>
+            <a:pPr lvl="0"/>
+            <a:r>
+              <a:rPr dirty="0"/>
+              <a:t>Nodes with no dependency are </a:t>
+            </a:r>
+            <a:r>
+              <a:rPr b="1" dirty="0"/>
+              <a:t>independent distributions</a:t>
+            </a:r>
+          </a:p>
+          <a:p>
+            <a:pPr lvl="1"/>
+            <a:r>
+              <a:rPr dirty="0"/>
+              <a:t>Parameters must be known or estimated</a:t>
+            </a:r>
+          </a:p>
+          <a:p>
+            <a:pPr lvl="1"/>
+            <a:r>
+              <a:rPr dirty="0"/>
+              <a:t>Can be useful to vary the parameters</a:t>
+            </a:r>
+          </a:p>
+          <a:p>
+            <a:pPr lvl="0"/>
+            <a:r>
+              <a:rPr b="1" dirty="0"/>
+              <a:t>Child</a:t>
+            </a:r>
+            <a:r>
+              <a:rPr dirty="0"/>
+              <a:t> distributions are </a:t>
+            </a:r>
+            <a:r>
+              <a:rPr b="1" dirty="0"/>
+              <a:t>conditional</a:t>
+            </a:r>
+            <a:r>
+              <a:rPr dirty="0"/>
+              <a:t> on their </a:t>
+            </a:r>
+            <a:r>
+              <a:rPr b="1" dirty="0"/>
+              <a:t>parents</a:t>
+            </a:r>
+          </a:p>
+          <a:p>
+            <a:pPr lvl="1"/>
+            <a:r>
+              <a:rPr dirty="0"/>
+              <a:t>Parameters must be known or estimated</a:t>
+            </a:r>
+          </a:p>
+          <a:p>
+            <a:pPr lvl="1"/>
+            <a:r>
+              <a:rPr dirty="0"/>
+              <a:t>Resulting distribution can be quite complex</a:t>
+            </a:r>
+          </a:p>
+          <a:p>
+            <a:pPr lvl="0"/>
+            <a:r>
+              <a:rPr b="1" dirty="0"/>
+              <a:t>Decision variables</a:t>
+            </a:r>
+            <a:r>
+              <a:rPr dirty="0"/>
+              <a:t> </a:t>
+            </a:r>
+            <a:r>
+              <a:rPr b="1" dirty="0"/>
+              <a:t>deterministically</a:t>
+            </a:r>
+            <a:r>
+              <a:rPr dirty="0"/>
+              <a:t> change the model parameters</a:t>
+            </a:r>
+          </a:p>
+          <a:p>
+            <a:pPr lvl="0"/>
+            <a:r>
+              <a:rPr b="1" dirty="0"/>
+              <a:t>Utility node</a:t>
+            </a:r>
+            <a:r>
+              <a:rPr lang="en-US" b="1" dirty="0"/>
+              <a:t>s</a:t>
+            </a:r>
+            <a:r>
+              <a:rPr dirty="0"/>
+              <a:t> use a fixed </a:t>
+            </a:r>
+            <a:r>
+              <a:rPr b="1" dirty="0"/>
+              <a:t>deterministic</a:t>
+            </a:r>
+            <a:r>
+              <a:rPr dirty="0"/>
+              <a:t> </a:t>
+            </a:r>
+            <a:r>
+              <a:rPr b="1" dirty="0"/>
+              <a:t>formula</a:t>
+            </a:r>
+            <a:r>
+              <a:rPr dirty="0"/>
+              <a:t> to compute the value for each realization of the simulation</a:t>
+            </a:r>
+          </a:p>
+        </p:txBody>
+      </p:sp>
+    </p:spTree>
+  </p:cSld>
+  <p:clrMapOvr>
+    <a:masterClrMapping/>
+  </p:clrMapOvr>
+</p:sld>
+</file>
+
 <file path=ppt/slides/slide44.xml><?xml version="1.0" encoding="utf-8"?>
 <p:sld xmlns:a="http://schemas.openxmlformats.org/drawingml/2006/main" xmlns:r="http://schemas.openxmlformats.org/officeDocument/2006/relationships" xmlns:p="http://schemas.openxmlformats.org/presentationml/2006/main">
   <p:cSld>
@@ -12037,7 +10646,7 @@
               <a:buNone/>
             </a:pPr>
             <a:r>
-              <a:t>Sandwich Shop Simulation</a:t>
+              <a:t>Tips on Building Simulations</a:t>
             </a:r>
           </a:p>
         </p:txBody>
@@ -12052,15 +10661,10 @@
             <p:ph idx="1"/>
           </p:nvPr>
         </p:nvSpPr>
-        <p:spPr>
-          <a:xfrm>
-            <a:off x="457200" y="1103453"/>
-            <a:ext cx="8229600" cy="3696182"/>
-          </a:xfrm>
-        </p:spPr>
+        <p:spPr/>
         <p:txBody>
           <a:bodyPr>
-            <a:normAutofit fontScale="92500" lnSpcReduction="20000"/>
+            <a:normAutofit fontScale="92500"/>
           </a:bodyPr>
           <a:lstStyle/>
           <a:p>
@@ -12069,126 +10673,68 @@
             </a:pPr>
             <a:r>
               <a:rPr dirty="0"/>
-              <a:t>Interpreting the DAG</a:t>
+              <a:t>Creating, testing and debugging simulation software can be tricky given the stochastic nature of simulation</a:t>
             </a:r>
           </a:p>
           <a:p>
             <a:pPr lvl="0"/>
             <a:r>
               <a:rPr dirty="0"/>
-              <a:t>The DAG is a shorthand description of the simulation model</a:t>
+              <a:t>Build your simulation as a series of small, easily tested, chunks</a:t>
             </a:r>
           </a:p>
           <a:p>
             <a:pPr lvl="0"/>
             <a:r>
               <a:rPr dirty="0"/>
-              <a:t>Nodes with no dependency are </a:t>
-            </a:r>
-            <a:r>
-              <a:rPr b="1" dirty="0"/>
-              <a:t>independent distributions</a:t>
-            </a:r>
-          </a:p>
-          <a:p>
-            <a:pPr lvl="1"/>
-            <a:r>
-              <a:rPr dirty="0"/>
-              <a:t>Parameters must be known or estimated</a:t>
-            </a:r>
-          </a:p>
-          <a:p>
-            <a:pPr lvl="1"/>
-            <a:r>
-              <a:rPr dirty="0"/>
-              <a:t>Can be useful to vary the parameters</a:t>
+              <a:t>Test each small functional unit individually, including at least testing some typical cases, as well as boundary or extreme cases</a:t>
             </a:r>
           </a:p>
           <a:p>
             <a:pPr lvl="0"/>
             <a:r>
-              <a:rPr b="1" dirty="0"/>
-              <a:t>Child</a:t>
-            </a:r>
-            <a:r>
-              <a:rPr dirty="0"/>
-              <a:t> distributions are </a:t>
-            </a:r>
-            <a:r>
-              <a:rPr b="1" dirty="0"/>
-              <a:t>conditional</a:t>
-            </a:r>
-            <a:r>
-              <a:rPr dirty="0"/>
-              <a:t> on their </a:t>
-            </a:r>
-            <a:r>
-              <a:rPr b="1" dirty="0"/>
-              <a:t>parents</a:t>
-            </a:r>
-          </a:p>
-          <a:p>
-            <a:pPr lvl="1"/>
-            <a:r>
-              <a:rPr dirty="0"/>
-              <a:t>Parameters must be known or estimated</a:t>
-            </a:r>
-          </a:p>
-          <a:p>
-            <a:pPr lvl="1"/>
-            <a:r>
-              <a:rPr dirty="0"/>
-              <a:t>Resulting distribution can be quite complex</a:t>
-            </a:r>
+              <a:rPr dirty="0"/>
+              <a:t>Test your overall simulation each time you add a new functional component </a:t>
+            </a:r>
+            <a:r>
+              <a:rPr dirty="0">
+                <a:solidFill>
+                  <a:srgbClr val="C00000"/>
+                </a:solidFill>
+              </a:rPr>
+              <a:t>- </a:t>
+            </a:r>
+            <a:r>
+              <a:rPr b="1" dirty="0">
+                <a:solidFill>
+                  <a:srgbClr val="C00000"/>
+                </a:solidFill>
+              </a:rPr>
+              <a:t>avoid big bang integration!</a:t>
+            </a:r>
+            <a:endParaRPr dirty="0">
+              <a:solidFill>
+                <a:srgbClr val="C00000"/>
+              </a:solidFill>
+            </a:endParaRPr>
           </a:p>
           <a:p>
             <a:pPr lvl="0"/>
             <a:r>
-              <a:rPr b="1" dirty="0"/>
-              <a:t>Decision variables</a:t>
-            </a:r>
-            <a:r>
-              <a:rPr dirty="0"/>
-              <a:t> </a:t>
-            </a:r>
-            <a:r>
-              <a:rPr b="1" dirty="0"/>
-              <a:t>deterministically</a:t>
-            </a:r>
-            <a:r>
-              <a:rPr dirty="0"/>
-              <a:t> change the model parameters</a:t>
-            </a:r>
-          </a:p>
-          <a:p>
-            <a:pPr lvl="0"/>
-            <a:r>
-              <a:rPr b="1" dirty="0"/>
-              <a:t>Utility node</a:t>
-            </a:r>
-            <a:r>
-              <a:rPr lang="en-US" b="1" dirty="0"/>
-              <a:t>s</a:t>
-            </a:r>
-            <a:r>
-              <a:rPr dirty="0"/>
-              <a:t> use a fixed </a:t>
-            </a:r>
-            <a:r>
-              <a:rPr b="1" dirty="0"/>
-              <a:t>deterministic</a:t>
-            </a:r>
-            <a:r>
-              <a:rPr dirty="0"/>
-              <a:t> </a:t>
-            </a:r>
-            <a:r>
-              <a:rPr b="1" dirty="0"/>
-              <a:t>formula</a:t>
-            </a:r>
-            <a:r>
-              <a:rPr dirty="0"/>
-              <a:t> to compute the value for each realization of the simulation</a:t>
+              <a:rPr lang="en-US" dirty="0"/>
+              <a:t>Monte Carlo s</a:t>
+            </a:r>
+            <a:r>
+              <a:rPr dirty="0"/>
+              <a:t>imulations are inherently stochastic, set a seed </a:t>
+            </a:r>
+            <a:r>
+              <a:rPr lang="en-US" dirty="0"/>
+              <a:t>so tests are </a:t>
+            </a:r>
+            <a:r>
+              <a:rPr dirty="0"/>
+              <a:t>repeatable</a:t>
             </a:r>
           </a:p>
         </p:txBody>
@@ -12237,143 +10783,6 @@
               <a:buNone/>
             </a:pPr>
             <a:r>
-              <a:t>Tips on Building Simulations</a:t>
-            </a:r>
-          </a:p>
-        </p:txBody>
-      </p:sp>
-      <p:sp>
-        <p:nvSpPr>
-          <p:cNvPr id="3" name="Content Placeholder 2"/>
-          <p:cNvSpPr>
-            <a:spLocks noGrp="1"/>
-          </p:cNvSpPr>
-          <p:nvPr>
-            <p:ph idx="1"/>
-          </p:nvPr>
-        </p:nvSpPr>
-        <p:spPr/>
-        <p:txBody>
-          <a:bodyPr>
-            <a:normAutofit fontScale="92500"/>
-          </a:bodyPr>
-          <a:lstStyle/>
-          <a:p>
-            <a:pPr marL="0" lvl="0" indent="0">
-              <a:buNone/>
-            </a:pPr>
-            <a:r>
-              <a:rPr dirty="0"/>
-              <a:t>Creating, testing and debugging simulation software can be tricky given the stochastic nature of simulation</a:t>
-            </a:r>
-          </a:p>
-          <a:p>
-            <a:pPr lvl="0"/>
-            <a:r>
-              <a:rPr dirty="0"/>
-              <a:t>Build your simulation as a series of small, easily tested, chunks</a:t>
-            </a:r>
-          </a:p>
-          <a:p>
-            <a:pPr lvl="0"/>
-            <a:r>
-              <a:rPr dirty="0"/>
-              <a:t>Test each small functional unit individually, including at least testing some typical cases, as well as boundary or extreme cases</a:t>
-            </a:r>
-          </a:p>
-          <a:p>
-            <a:pPr lvl="0"/>
-            <a:r>
-              <a:rPr dirty="0"/>
-              <a:t>Test your overall simulation each time you add a new functional component </a:t>
-            </a:r>
-            <a:r>
-              <a:rPr dirty="0">
-                <a:solidFill>
-                  <a:srgbClr val="C00000"/>
-                </a:solidFill>
-              </a:rPr>
-              <a:t>- </a:t>
-            </a:r>
-            <a:r>
-              <a:rPr b="1" dirty="0">
-                <a:solidFill>
-                  <a:srgbClr val="C00000"/>
-                </a:solidFill>
-              </a:rPr>
-              <a:t>avoid big bang integration!</a:t>
-            </a:r>
-            <a:endParaRPr dirty="0">
-              <a:solidFill>
-                <a:srgbClr val="C00000"/>
-              </a:solidFill>
-            </a:endParaRPr>
-          </a:p>
-          <a:p>
-            <a:pPr lvl="0"/>
-            <a:r>
-              <a:rPr lang="en-US" dirty="0"/>
-              <a:t>Monte Carlo s</a:t>
-            </a:r>
-            <a:r>
-              <a:rPr dirty="0"/>
-              <a:t>imulations are inherently stochastic, set a seed </a:t>
-            </a:r>
-            <a:r>
-              <a:rPr lang="en-US" dirty="0"/>
-              <a:t>so tests are </a:t>
-            </a:r>
-            <a:r>
-              <a:rPr dirty="0"/>
-              <a:t>repeatable</a:t>
-            </a:r>
-          </a:p>
-        </p:txBody>
-      </p:sp>
-    </p:spTree>
-  </p:cSld>
-  <p:clrMapOvr>
-    <a:masterClrMapping/>
-  </p:clrMapOvr>
-</p:sld>
-</file>
-
-<file path=ppt/slides/slide46.xml><?xml version="1.0" encoding="utf-8"?>
-<p:sld xmlns:a="http://schemas.openxmlformats.org/drawingml/2006/main" xmlns:r="http://schemas.openxmlformats.org/officeDocument/2006/relationships" xmlns:p="http://schemas.openxmlformats.org/presentationml/2006/main">
-  <p:cSld>
-    <p:spTree>
-      <p:nvGrpSpPr>
-        <p:cNvPr id="1" name=""/>
-        <p:cNvGrpSpPr/>
-        <p:nvPr/>
-      </p:nvGrpSpPr>
-      <p:grpSpPr>
-        <a:xfrm>
-          <a:off x="0" y="0"/>
-          <a:ext cx="0" cy="0"/>
-          <a:chOff x="0" y="0"/>
-          <a:chExt cx="0" cy="0"/>
-        </a:xfrm>
-      </p:grpSpPr>
-      <p:sp>
-        <p:nvSpPr>
-          <p:cNvPr id="2" name="Title 1"/>
-          <p:cNvSpPr>
-            <a:spLocks noGrp="1"/>
-          </p:cNvSpPr>
-          <p:nvPr>
-            <p:ph type="title"/>
-          </p:nvPr>
-        </p:nvSpPr>
-        <p:spPr/>
-        <p:txBody>
-          <a:bodyPr/>
-          <a:lstStyle/>
-          <a:p>
-            <a:pPr marL="0" lvl="0" indent="0">
-              <a:buNone/>
-            </a:pPr>
-            <a:r>
               <a:t>Summary</a:t>
             </a:r>
           </a:p>
@@ -12527,790 +10936,92 @@
               <a:buNone/>
             </a:pPr>
             <a:r>
-              <a:t>Review</a:t>
-            </a:r>
-          </a:p>
-        </p:txBody>
-      </p:sp>
-      <mc:AlternateContent xmlns:mc="http://schemas.openxmlformats.org/markup-compatibility/2006" xmlns:a14="http://schemas.microsoft.com/office/drawing/2010/main">
-        <mc:Choice Requires="a14">
-          <p:sp>
-            <p:nvSpPr>
-              <p:cNvPr id="3" name="Content Placeholder 2"/>
-              <p:cNvSpPr>
-                <a:spLocks noGrp="1"/>
-              </p:cNvSpPr>
-              <p:nvPr>
-                <p:ph idx="1"/>
-              </p:nvPr>
-            </p:nvSpPr>
-            <p:spPr/>
-            <p:txBody>
-              <a:bodyPr>
-                <a:normAutofit fontScale="85000" lnSpcReduction="20000"/>
-              </a:bodyPr>
-              <a:lstStyle/>
-              <a:p>
-                <a:pPr lvl="0"/>
-                <a:r>
-                  <a:rPr dirty="0"/>
-                  <a:t>Bayes’ theorem</a:t>
-                </a:r>
-              </a:p>
-              <a:p>
-                <a:pPr marL="0" lvl="0" indent="0">
-                  <a:buNone/>
-                </a:pPr>
-                <a14:m>
-                  <m:oMathPara xmlns:m="http://schemas.openxmlformats.org/officeDocument/2006/math">
-                    <m:oMathParaPr>
-                      <m:jc m:val="centerGroup"/>
-                    </m:oMathParaPr>
-                    <m:oMath xmlns:m="http://schemas.openxmlformats.org/officeDocument/2006/math">
-                      <m:r>
-                        <a:rPr>
-                          <a:latin typeface="Cambria Math" panose="02040503050406030204" pitchFamily="18" charset="0"/>
-                        </a:rPr>
-                        <m:t>𝑃</m:t>
-                      </m:r>
-                      <m:d>
-                        <m:dPr>
-                          <m:ctrlPr>
-                            <a:rPr i="1">
-                              <a:latin typeface="Cambria Math" panose="02040503050406030204" pitchFamily="18" charset="0"/>
-                            </a:rPr>
-                          </m:ctrlPr>
-                        </m:dPr>
-                        <m:e>
-                          <m:r>
-                            <a:rPr>
-                              <a:latin typeface="Cambria Math" panose="02040503050406030204" pitchFamily="18" charset="0"/>
-                            </a:rPr>
-                            <m:t>𝐴</m:t>
-                          </m:r>
-                          <m:r>
-                            <a:rPr>
-                              <a:latin typeface="Cambria Math" panose="02040503050406030204" pitchFamily="18" charset="0"/>
-                            </a:rPr>
-                            <m:t>|</m:t>
-                          </m:r>
-                          <m:r>
-                            <a:rPr>
-                              <a:latin typeface="Cambria Math" panose="02040503050406030204" pitchFamily="18" charset="0"/>
-                            </a:rPr>
-                            <m:t>𝐵</m:t>
-                          </m:r>
-                        </m:e>
-                      </m:d>
-                      <m:r>
-                        <a:rPr>
-                          <a:latin typeface="Cambria Math" panose="02040503050406030204" pitchFamily="18" charset="0"/>
-                        </a:rPr>
-                        <m:t>=</m:t>
-                      </m:r>
-                      <m:f>
-                        <m:fPr>
-                          <m:ctrlPr>
-                            <a:rPr i="1">
-                              <a:latin typeface="Cambria Math" panose="02040503050406030204" pitchFamily="18" charset="0"/>
-                            </a:rPr>
-                          </m:ctrlPr>
-                        </m:fPr>
-                        <m:num>
-                          <m:r>
-                            <a:rPr>
-                              <a:latin typeface="Cambria Math" panose="02040503050406030204" pitchFamily="18" charset="0"/>
-                            </a:rPr>
-                            <m:t>𝑃</m:t>
-                          </m:r>
-                          <m:d>
-                            <m:dPr>
-                              <m:ctrlPr>
-                                <a:rPr i="1">
-                                  <a:latin typeface="Cambria Math" panose="02040503050406030204" pitchFamily="18" charset="0"/>
-                                </a:rPr>
-                              </m:ctrlPr>
-                            </m:dPr>
-                            <m:e>
-                              <m:r>
-                                <a:rPr>
-                                  <a:latin typeface="Cambria Math" panose="02040503050406030204" pitchFamily="18" charset="0"/>
-                                </a:rPr>
-                                <m:t>𝐵</m:t>
-                              </m:r>
-                              <m:r>
-                                <a:rPr>
-                                  <a:latin typeface="Cambria Math" panose="02040503050406030204" pitchFamily="18" charset="0"/>
-                                </a:rPr>
-                                <m:t>|</m:t>
-                              </m:r>
-                              <m:r>
-                                <a:rPr>
-                                  <a:latin typeface="Cambria Math" panose="02040503050406030204" pitchFamily="18" charset="0"/>
-                                </a:rPr>
-                                <m:t>𝐴</m:t>
-                              </m:r>
-                            </m:e>
-                          </m:d>
-                          <m:r>
-                            <a:rPr>
-                              <a:latin typeface="Cambria Math" panose="02040503050406030204" pitchFamily="18" charset="0"/>
-                            </a:rPr>
-                            <m:t>𝑃</m:t>
-                          </m:r>
-                          <m:d>
-                            <m:dPr>
-                              <m:ctrlPr>
-                                <a:rPr i="1">
-                                  <a:latin typeface="Cambria Math" panose="02040503050406030204" pitchFamily="18" charset="0"/>
-                                </a:rPr>
-                              </m:ctrlPr>
-                            </m:dPr>
-                            <m:e>
-                              <m:r>
-                                <a:rPr>
-                                  <a:latin typeface="Cambria Math" panose="02040503050406030204" pitchFamily="18" charset="0"/>
-                                </a:rPr>
-                                <m:t>𝐴</m:t>
-                              </m:r>
-                            </m:e>
-                          </m:d>
-                        </m:num>
-                        <m:den>
-                          <m:r>
-                            <a:rPr>
-                              <a:latin typeface="Cambria Math" panose="02040503050406030204" pitchFamily="18" charset="0"/>
-                            </a:rPr>
-                            <m:t>𝑃</m:t>
-                          </m:r>
-                          <m:d>
-                            <m:dPr>
-                              <m:ctrlPr>
-                                <a:rPr i="1">
-                                  <a:latin typeface="Cambria Math" panose="02040503050406030204" pitchFamily="18" charset="0"/>
-                                </a:rPr>
-                              </m:ctrlPr>
-                            </m:dPr>
-                            <m:e>
-                              <m:r>
-                                <a:rPr>
-                                  <a:latin typeface="Cambria Math" panose="02040503050406030204" pitchFamily="18" charset="0"/>
-                                </a:rPr>
-                                <m:t>𝐵</m:t>
-                              </m:r>
-                            </m:e>
-                          </m:d>
-                        </m:den>
-                      </m:f>
-                    </m:oMath>
-                  </m:oMathPara>
-                </a14:m>
-                <a:endParaRPr dirty="0"/>
-              </a:p>
-              <a:p>
-                <a:pPr lvl="0"/>
-                <a:r>
-                  <a:rPr dirty="0"/>
-                  <a:t>Marginal distribution</a:t>
-                </a:r>
-              </a:p>
-              <a:p>
-                <a:pPr lvl="0"/>
-                <a:r>
-                  <a:rPr dirty="0"/>
-                  <a:t>For continuous distribution</a:t>
-                </a:r>
-              </a:p>
-              <a:p>
-                <a:pPr marL="0" lvl="0" indent="0">
-                  <a:buNone/>
-                </a:pPr>
-                <a14:m>
-                  <m:oMathPara xmlns:m="http://schemas.openxmlformats.org/officeDocument/2006/math">
-                    <m:oMathParaPr>
-                      <m:jc m:val="centerGroup"/>
-                    </m:oMathParaPr>
-                    <m:oMath xmlns:m="http://schemas.openxmlformats.org/officeDocument/2006/math">
-                      <m:r>
-                        <a:rPr>
-                          <a:latin typeface="Cambria Math" panose="02040503050406030204" pitchFamily="18" charset="0"/>
-                        </a:rPr>
-                        <m:t>𝑝</m:t>
-                      </m:r>
-                      <m:d>
-                        <m:dPr>
-                          <m:ctrlPr>
-                            <a:rPr i="1">
-                              <a:latin typeface="Cambria Math" panose="02040503050406030204" pitchFamily="18" charset="0"/>
-                            </a:rPr>
-                          </m:ctrlPr>
-                        </m:dPr>
-                        <m:e>
-                          <m:sSub>
-                            <m:sSubPr>
-                              <m:ctrlPr>
-                                <a:rPr i="1">
-                                  <a:latin typeface="Cambria Math" panose="02040503050406030204" pitchFamily="18" charset="0"/>
-                                </a:rPr>
-                              </m:ctrlPr>
-                            </m:sSubPr>
-                            <m:e>
-                              <m:r>
-                                <a:rPr>
-                                  <a:latin typeface="Cambria Math" panose="02040503050406030204" pitchFamily="18" charset="0"/>
-                                </a:rPr>
-                                <m:t>𝜃</m:t>
-                              </m:r>
-                            </m:e>
-                            <m:sub>
-                              <m:r>
-                                <a:rPr>
-                                  <a:latin typeface="Cambria Math" panose="02040503050406030204" pitchFamily="18" charset="0"/>
-                                </a:rPr>
-                                <m:t>1</m:t>
-                              </m:r>
-                            </m:sub>
-                          </m:sSub>
-                        </m:e>
-                      </m:d>
-                      <m:r>
-                        <a:rPr>
-                          <a:latin typeface="Cambria Math" panose="02040503050406030204" pitchFamily="18" charset="0"/>
-                        </a:rPr>
-                        <m:t>=</m:t>
-                      </m:r>
-                      <m:nary>
-                        <m:naryPr>
-                          <m:limLoc m:val="subSup"/>
-                          <m:ctrlPr>
-                            <a:rPr i="1">
-                              <a:latin typeface="Cambria Math" panose="02040503050406030204" pitchFamily="18" charset="0"/>
-                            </a:rPr>
-                          </m:ctrlPr>
-                        </m:naryPr>
-                        <m:sub>
-                          <m:sSub>
-                            <m:sSubPr>
-                              <m:ctrlPr>
-                                <a:rPr i="1">
-                                  <a:latin typeface="Cambria Math" panose="02040503050406030204" pitchFamily="18" charset="0"/>
-                                </a:rPr>
-                              </m:ctrlPr>
-                            </m:sSubPr>
-                            <m:e>
-                              <m:r>
-                                <a:rPr>
-                                  <a:latin typeface="Cambria Math" panose="02040503050406030204" pitchFamily="18" charset="0"/>
-                                </a:rPr>
-                                <m:t>𝜃</m:t>
-                              </m:r>
-                            </m:e>
-                            <m:sub>
-                              <m:r>
-                                <a:rPr>
-                                  <a:latin typeface="Cambria Math" panose="02040503050406030204" pitchFamily="18" charset="0"/>
-                                </a:rPr>
-                                <m:t>2</m:t>
-                              </m:r>
-                            </m:sub>
-                          </m:sSub>
-                          <m:r>
-                            <a:rPr>
-                              <a:latin typeface="Cambria Math" panose="02040503050406030204" pitchFamily="18" charset="0"/>
-                            </a:rPr>
-                            <m:t>,…,</m:t>
-                          </m:r>
-                          <m:sSub>
-                            <m:sSubPr>
-                              <m:ctrlPr>
-                                <a:rPr i="1">
-                                  <a:latin typeface="Cambria Math" panose="02040503050406030204" pitchFamily="18" charset="0"/>
-                                </a:rPr>
-                              </m:ctrlPr>
-                            </m:sSubPr>
-                            <m:e>
-                              <m:r>
-                                <a:rPr>
-                                  <a:latin typeface="Cambria Math" panose="02040503050406030204" pitchFamily="18" charset="0"/>
-                                </a:rPr>
-                                <m:t>𝜃</m:t>
-                              </m:r>
-                            </m:e>
-                            <m:sub>
-                              <m:r>
-                                <a:rPr>
-                                  <a:latin typeface="Cambria Math" panose="02040503050406030204" pitchFamily="18" charset="0"/>
-                                </a:rPr>
-                                <m:t>𝑛</m:t>
-                              </m:r>
-                            </m:sub>
-                          </m:sSub>
-                        </m:sub>
-                        <m:sup>
-                          <m:r>
-                            <a:rPr>
-                              <a:latin typeface="Cambria Math" panose="02040503050406030204" pitchFamily="18" charset="0"/>
-                            </a:rPr>
-                            <m:t>​</m:t>
-                          </m:r>
-                        </m:sup>
-                        <m:e>
-                          <m:r>
-                            <a:rPr>
-                              <a:latin typeface="Cambria Math" panose="02040503050406030204" pitchFamily="18" charset="0"/>
-                            </a:rPr>
-                            <m:t>𝑝</m:t>
-                          </m:r>
-                        </m:e>
-                      </m:nary>
-                      <m:d>
-                        <m:dPr>
-                          <m:ctrlPr>
-                            <a:rPr i="1">
-                              <a:latin typeface="Cambria Math" panose="02040503050406030204" pitchFamily="18" charset="0"/>
-                            </a:rPr>
-                          </m:ctrlPr>
-                        </m:dPr>
-                        <m:e>
-                          <m:sSub>
-                            <m:sSubPr>
-                              <m:ctrlPr>
-                                <a:rPr i="1">
-                                  <a:latin typeface="Cambria Math" panose="02040503050406030204" pitchFamily="18" charset="0"/>
-                                </a:rPr>
-                              </m:ctrlPr>
-                            </m:sSubPr>
-                            <m:e>
-                              <m:r>
-                                <a:rPr>
-                                  <a:latin typeface="Cambria Math" panose="02040503050406030204" pitchFamily="18" charset="0"/>
-                                </a:rPr>
-                                <m:t>𝜃</m:t>
-                              </m:r>
-                            </m:e>
-                            <m:sub>
-                              <m:r>
-                                <a:rPr>
-                                  <a:latin typeface="Cambria Math" panose="02040503050406030204" pitchFamily="18" charset="0"/>
-                                </a:rPr>
-                                <m:t>1</m:t>
-                              </m:r>
-                            </m:sub>
-                          </m:sSub>
-                          <m:r>
-                            <a:rPr>
-                              <a:latin typeface="Cambria Math" panose="02040503050406030204" pitchFamily="18" charset="0"/>
-                            </a:rPr>
-                            <m:t>,</m:t>
-                          </m:r>
-                          <m:sSub>
-                            <m:sSubPr>
-                              <m:ctrlPr>
-                                <a:rPr i="1">
-                                  <a:latin typeface="Cambria Math" panose="02040503050406030204" pitchFamily="18" charset="0"/>
-                                </a:rPr>
-                              </m:ctrlPr>
-                            </m:sSubPr>
-                            <m:e>
-                              <m:r>
-                                <a:rPr>
-                                  <a:latin typeface="Cambria Math" panose="02040503050406030204" pitchFamily="18" charset="0"/>
-                                </a:rPr>
-                                <m:t>𝜃</m:t>
-                              </m:r>
-                            </m:e>
-                            <m:sub>
-                              <m:r>
-                                <a:rPr>
-                                  <a:latin typeface="Cambria Math" panose="02040503050406030204" pitchFamily="18" charset="0"/>
-                                </a:rPr>
-                                <m:t>2</m:t>
-                              </m:r>
-                            </m:sub>
-                          </m:sSub>
-                          <m:r>
-                            <a:rPr>
-                              <a:latin typeface="Cambria Math" panose="02040503050406030204" pitchFamily="18" charset="0"/>
-                            </a:rPr>
-                            <m:t>,…,</m:t>
-                          </m:r>
-                          <m:sSub>
-                            <m:sSubPr>
-                              <m:ctrlPr>
-                                <a:rPr i="1">
-                                  <a:latin typeface="Cambria Math" panose="02040503050406030204" pitchFamily="18" charset="0"/>
-                                </a:rPr>
-                              </m:ctrlPr>
-                            </m:sSubPr>
-                            <m:e>
-                              <m:r>
-                                <a:rPr>
-                                  <a:latin typeface="Cambria Math" panose="02040503050406030204" pitchFamily="18" charset="0"/>
-                                </a:rPr>
-                                <m:t>𝜃</m:t>
-                              </m:r>
-                            </m:e>
-                            <m:sub>
-                              <m:r>
-                                <a:rPr>
-                                  <a:latin typeface="Cambria Math" panose="02040503050406030204" pitchFamily="18" charset="0"/>
-                                </a:rPr>
-                                <m:t>𝑛</m:t>
-                              </m:r>
-                            </m:sub>
-                          </m:sSub>
-                        </m:e>
-                      </m:d>
-                      <m:r>
-                        <a:rPr>
-                          <a:latin typeface="Cambria Math" panose="02040503050406030204" pitchFamily="18" charset="0"/>
-                        </a:rPr>
-                        <m:t> </m:t>
-                      </m:r>
-                      <m:r>
-                        <a:rPr>
-                          <a:latin typeface="Cambria Math" panose="02040503050406030204" pitchFamily="18" charset="0"/>
-                        </a:rPr>
-                        <m:t>𝑑</m:t>
-                      </m:r>
-                      <m:r>
-                        <a:rPr>
-                          <a:latin typeface="Cambria Math" panose="02040503050406030204" pitchFamily="18" charset="0"/>
-                        </a:rPr>
-                        <m:t>𝜃</m:t>
-                      </m:r>
-                      <m:r>
-                        <a:rPr>
-                          <a:latin typeface="Cambria Math" panose="02040503050406030204" pitchFamily="18" charset="0"/>
-                        </a:rPr>
-                        <m:t>2,…,</m:t>
-                      </m:r>
-                      <m:r>
-                        <a:rPr>
-                          <a:latin typeface="Cambria Math" panose="02040503050406030204" pitchFamily="18" charset="0"/>
-                        </a:rPr>
-                        <m:t>𝑑</m:t>
-                      </m:r>
-                      <m:sSub>
-                        <m:sSubPr>
-                          <m:ctrlPr>
-                            <a:rPr i="1">
-                              <a:latin typeface="Cambria Math" panose="02040503050406030204" pitchFamily="18" charset="0"/>
-                            </a:rPr>
-                          </m:ctrlPr>
-                        </m:sSubPr>
-                        <m:e>
-                          <m:r>
-                            <a:rPr>
-                              <a:latin typeface="Cambria Math" panose="02040503050406030204" pitchFamily="18" charset="0"/>
-                            </a:rPr>
-                            <m:t>𝜃</m:t>
-                          </m:r>
-                        </m:e>
-                        <m:sub>
-                          <m:r>
-                            <a:rPr>
-                              <a:latin typeface="Cambria Math" panose="02040503050406030204" pitchFamily="18" charset="0"/>
-                            </a:rPr>
-                            <m:t>𝑛</m:t>
-                          </m:r>
-                        </m:sub>
-                      </m:sSub>
-                    </m:oMath>
-                  </m:oMathPara>
-                </a14:m>
-                <a:endParaRPr dirty="0"/>
-              </a:p>
-              <a:p>
-                <a:pPr lvl="0"/>
-                <a:r>
-                  <a:rPr dirty="0"/>
-                  <a:t>For discrete distribution</a:t>
-                </a:r>
-              </a:p>
-              <a:p>
-                <a:pPr marL="0" lvl="0" indent="0">
-                  <a:buNone/>
-                </a:pPr>
-                <a14:m>
-                  <m:oMathPara xmlns:m="http://schemas.openxmlformats.org/officeDocument/2006/math">
-                    <m:oMathParaPr>
-                      <m:jc m:val="centerGroup"/>
-                    </m:oMathParaPr>
-                    <m:oMath xmlns:m="http://schemas.openxmlformats.org/officeDocument/2006/math">
-                      <m:r>
-                        <a:rPr>
-                          <a:latin typeface="Cambria Math" panose="02040503050406030204" pitchFamily="18" charset="0"/>
-                        </a:rPr>
-                        <m:t>𝑝</m:t>
-                      </m:r>
-                      <m:d>
-                        <m:dPr>
-                          <m:ctrlPr>
-                            <a:rPr i="1">
-                              <a:latin typeface="Cambria Math" panose="02040503050406030204" pitchFamily="18" charset="0"/>
-                            </a:rPr>
-                          </m:ctrlPr>
-                        </m:dPr>
-                        <m:e>
-                          <m:sSub>
-                            <m:sSubPr>
-                              <m:ctrlPr>
-                                <a:rPr i="1">
-                                  <a:latin typeface="Cambria Math" panose="02040503050406030204" pitchFamily="18" charset="0"/>
-                                </a:rPr>
-                              </m:ctrlPr>
-                            </m:sSubPr>
-                            <m:e>
-                              <m:r>
-                                <a:rPr>
-                                  <a:latin typeface="Cambria Math" panose="02040503050406030204" pitchFamily="18" charset="0"/>
-                                </a:rPr>
-                                <m:t>𝜃</m:t>
-                              </m:r>
-                            </m:e>
-                            <m:sub>
-                              <m:r>
-                                <a:rPr>
-                                  <a:latin typeface="Cambria Math" panose="02040503050406030204" pitchFamily="18" charset="0"/>
-                                </a:rPr>
-                                <m:t>1</m:t>
-                              </m:r>
-                            </m:sub>
-                          </m:sSub>
-                        </m:e>
-                      </m:d>
-                      <m:r>
-                        <a:rPr>
-                          <a:latin typeface="Cambria Math" panose="02040503050406030204" pitchFamily="18" charset="0"/>
-                        </a:rPr>
-                        <m:t>=</m:t>
-                      </m:r>
-                      <m:nary>
-                        <m:naryPr>
-                          <m:chr m:val="∑"/>
-                          <m:limLoc m:val="undOvr"/>
-                          <m:ctrlPr>
-                            <a:rPr i="1">
-                              <a:latin typeface="Cambria Math" panose="02040503050406030204" pitchFamily="18" charset="0"/>
-                            </a:rPr>
-                          </m:ctrlPr>
-                        </m:naryPr>
-                        <m:sub>
-                          <m:sSub>
-                            <m:sSubPr>
-                              <m:ctrlPr>
-                                <a:rPr i="1">
-                                  <a:latin typeface="Cambria Math" panose="02040503050406030204" pitchFamily="18" charset="0"/>
-                                </a:rPr>
-                              </m:ctrlPr>
-                            </m:sSubPr>
-                            <m:e>
-                              <m:r>
-                                <a:rPr>
-                                  <a:latin typeface="Cambria Math" panose="02040503050406030204" pitchFamily="18" charset="0"/>
-                                </a:rPr>
-                                <m:t>𝜃</m:t>
-                              </m:r>
-                            </m:e>
-                            <m:sub>
-                              <m:r>
-                                <a:rPr>
-                                  <a:latin typeface="Cambria Math" panose="02040503050406030204" pitchFamily="18" charset="0"/>
-                                </a:rPr>
-                                <m:t>2</m:t>
-                              </m:r>
-                            </m:sub>
-                          </m:sSub>
-                          <m:r>
-                            <a:rPr>
-                              <a:latin typeface="Cambria Math" panose="02040503050406030204" pitchFamily="18" charset="0"/>
-                            </a:rPr>
-                            <m:t>,…,</m:t>
-                          </m:r>
-                          <m:sSub>
-                            <m:sSubPr>
-                              <m:ctrlPr>
-                                <a:rPr i="1">
-                                  <a:latin typeface="Cambria Math" panose="02040503050406030204" pitchFamily="18" charset="0"/>
-                                </a:rPr>
-                              </m:ctrlPr>
-                            </m:sSubPr>
-                            <m:e>
-                              <m:r>
-                                <a:rPr>
-                                  <a:latin typeface="Cambria Math" panose="02040503050406030204" pitchFamily="18" charset="0"/>
-                                </a:rPr>
-                                <m:t>𝜃</m:t>
-                              </m:r>
-                            </m:e>
-                            <m:sub>
-                              <m:r>
-                                <a:rPr>
-                                  <a:latin typeface="Cambria Math" panose="02040503050406030204" pitchFamily="18" charset="0"/>
-                                </a:rPr>
-                                <m:t>𝑛</m:t>
-                              </m:r>
-                            </m:sub>
-                          </m:sSub>
-                        </m:sub>
-                        <m:sup>
-                          <m:r>
-                            <a:rPr>
-                              <a:latin typeface="Cambria Math" panose="02040503050406030204" pitchFamily="18" charset="0"/>
-                            </a:rPr>
-                            <m:t>​</m:t>
-                          </m:r>
-                        </m:sup>
-                        <m:e>
-                          <m:r>
-                            <a:rPr>
-                              <a:latin typeface="Cambria Math" panose="02040503050406030204" pitchFamily="18" charset="0"/>
-                            </a:rPr>
-                            <m:t>𝑝</m:t>
-                          </m:r>
-                        </m:e>
-                      </m:nary>
-                      <m:d>
-                        <m:dPr>
-                          <m:ctrlPr>
-                            <a:rPr i="1">
-                              <a:latin typeface="Cambria Math" panose="02040503050406030204" pitchFamily="18" charset="0"/>
-                            </a:rPr>
-                          </m:ctrlPr>
-                        </m:dPr>
-                        <m:e>
-                          <m:sSub>
-                            <m:sSubPr>
-                              <m:ctrlPr>
-                                <a:rPr i="1">
-                                  <a:latin typeface="Cambria Math" panose="02040503050406030204" pitchFamily="18" charset="0"/>
-                                </a:rPr>
-                              </m:ctrlPr>
-                            </m:sSubPr>
-                            <m:e>
-                              <m:r>
-                                <a:rPr>
-                                  <a:latin typeface="Cambria Math" panose="02040503050406030204" pitchFamily="18" charset="0"/>
-                                </a:rPr>
-                                <m:t>𝜃</m:t>
-                              </m:r>
-                            </m:e>
-                            <m:sub>
-                              <m:r>
-                                <a:rPr>
-                                  <a:latin typeface="Cambria Math" panose="02040503050406030204" pitchFamily="18" charset="0"/>
-                                </a:rPr>
-                                <m:t>1</m:t>
-                              </m:r>
-                            </m:sub>
-                          </m:sSub>
-                          <m:r>
-                            <a:rPr>
-                              <a:latin typeface="Cambria Math" panose="02040503050406030204" pitchFamily="18" charset="0"/>
-                            </a:rPr>
-                            <m:t>,</m:t>
-                          </m:r>
-                          <m:sSub>
-                            <m:sSubPr>
-                              <m:ctrlPr>
-                                <a:rPr i="1">
-                                  <a:latin typeface="Cambria Math" panose="02040503050406030204" pitchFamily="18" charset="0"/>
-                                </a:rPr>
-                              </m:ctrlPr>
-                            </m:sSubPr>
-                            <m:e>
-                              <m:r>
-                                <a:rPr>
-                                  <a:latin typeface="Cambria Math" panose="02040503050406030204" pitchFamily="18" charset="0"/>
-                                </a:rPr>
-                                <m:t>𝜃</m:t>
-                              </m:r>
-                            </m:e>
-                            <m:sub>
-                              <m:r>
-                                <a:rPr>
-                                  <a:latin typeface="Cambria Math" panose="02040503050406030204" pitchFamily="18" charset="0"/>
-                                </a:rPr>
-                                <m:t>2</m:t>
-                              </m:r>
-                            </m:sub>
-                          </m:sSub>
-                          <m:r>
-                            <a:rPr>
-                              <a:latin typeface="Cambria Math" panose="02040503050406030204" pitchFamily="18" charset="0"/>
-                            </a:rPr>
-                            <m:t>,…,</m:t>
-                          </m:r>
-                          <m:sSub>
-                            <m:sSubPr>
-                              <m:ctrlPr>
-                                <a:rPr i="1">
-                                  <a:latin typeface="Cambria Math" panose="02040503050406030204" pitchFamily="18" charset="0"/>
-                                </a:rPr>
-                              </m:ctrlPr>
-                            </m:sSubPr>
-                            <m:e>
-                              <m:r>
-                                <a:rPr>
-                                  <a:latin typeface="Cambria Math" panose="02040503050406030204" pitchFamily="18" charset="0"/>
-                                </a:rPr>
-                                <m:t>𝜃</m:t>
-                              </m:r>
-                            </m:e>
-                            <m:sub>
-                              <m:r>
-                                <a:rPr>
-                                  <a:latin typeface="Cambria Math" panose="02040503050406030204" pitchFamily="18" charset="0"/>
-                                </a:rPr>
-                                <m:t>𝑛</m:t>
-                              </m:r>
-                            </m:sub>
-                          </m:sSub>
-                        </m:e>
-                      </m:d>
-                    </m:oMath>
-                  </m:oMathPara>
-                </a14:m>
-                <a:endParaRPr dirty="0"/>
-              </a:p>
-            </p:txBody>
-          </p:sp>
-        </mc:Choice>
-        <mc:Fallback xmlns="">
-          <p:sp>
-            <p:nvSpPr>
-              <p:cNvPr id="3" name="Content Placeholder 2"/>
-              <p:cNvSpPr>
-                <a:spLocks noGrp="1" noRot="1" noChangeAspect="1" noMove="1" noResize="1" noEditPoints="1" noAdjustHandles="1" noChangeArrowheads="1" noChangeShapeType="1" noTextEdit="1"/>
-              </p:cNvSpPr>
-              <p:nvPr>
-                <p:ph idx="1"/>
-              </p:nvPr>
-            </p:nvSpPr>
-            <p:spPr>
-              <a:blipFill>
-                <a:blip r:embed="rId2"/>
-                <a:stretch>
-                  <a:fillRect l="-667" t="-2693"/>
-                </a:stretch>
-              </a:blipFill>
-            </p:spPr>
-            <p:txBody>
-              <a:bodyPr/>
-              <a:lstStyle/>
-              <a:p>
-                <a:r>
-                  <a:rPr lang="en-US">
-                    <a:noFill/>
-                  </a:rPr>
-                  <a:t> </a:t>
-                </a:r>
-              </a:p>
-            </p:txBody>
-          </p:sp>
-        </mc:Fallback>
-      </mc:AlternateContent>
+              <a:rPr dirty="0"/>
+              <a:t>Introduction</a:t>
+            </a:r>
+          </a:p>
+        </p:txBody>
+      </p:sp>
+      <p:sp>
+        <p:nvSpPr>
+          <p:cNvPr id="3" name="Content Placeholder 2"/>
+          <p:cNvSpPr>
+            <a:spLocks noGrp="1"/>
+          </p:cNvSpPr>
+          <p:nvPr>
+            <p:ph idx="1"/>
+          </p:nvPr>
+        </p:nvSpPr>
+        <p:spPr>
+          <a:xfrm>
+            <a:off x="457200" y="1063228"/>
+            <a:ext cx="8229600" cy="3940893"/>
+          </a:xfrm>
+        </p:spPr>
+        <p:txBody>
+          <a:bodyPr>
+            <a:normAutofit fontScale="92500" lnSpcReduction="10000"/>
+          </a:bodyPr>
+          <a:lstStyle/>
+          <a:p>
+            <a:pPr marL="0" lvl="0" indent="0">
+              <a:buNone/>
+            </a:pPr>
+            <a:r>
+              <a:rPr dirty="0"/>
+              <a:t>Sampling is a fundamental process in the collection and analysis of data</a:t>
+            </a:r>
+          </a:p>
+          <a:p>
+            <a:pPr lvl="0"/>
+            <a:r>
+              <a:rPr dirty="0"/>
+              <a:t>Sampling is important because we almost never have data on an entire population</a:t>
+            </a:r>
+          </a:p>
+          <a:p>
+            <a:pPr lvl="0"/>
+            <a:r>
+              <a:rPr b="1" dirty="0"/>
+              <a:t>Sampling must be randomized</a:t>
+            </a:r>
+            <a:r>
+              <a:rPr dirty="0"/>
+              <a:t> to preclude biases</a:t>
+            </a:r>
+          </a:p>
+          <a:p>
+            <a:pPr lvl="0"/>
+            <a:r>
+              <a:rPr dirty="0"/>
+              <a:t>As sample size increases, the standard error decreases by the </a:t>
+            </a:r>
+            <a:r>
+              <a:rPr b="1" dirty="0"/>
+              <a:t>law of large numbers</a:t>
+            </a:r>
+            <a:endParaRPr lang="en-US" b="1" dirty="0"/>
+          </a:p>
+          <a:p>
+            <a:pPr lvl="0"/>
+            <a:r>
+              <a:rPr lang="en-US" dirty="0"/>
+              <a:t>In many cases it is not only impractical, but impossible to collect data from the entire population</a:t>
+            </a:r>
+          </a:p>
+          <a:p>
+            <a:pPr lvl="0"/>
+            <a:r>
+              <a:rPr lang="en-US" dirty="0"/>
+              <a:t>We nearly always work with samples, rather than the entire population.</a:t>
+            </a:r>
+          </a:p>
+          <a:p>
+            <a:pPr lvl="0"/>
+            <a:endParaRPr b="1" dirty="0"/>
+          </a:p>
+        </p:txBody>
+      </p:sp>
     </p:spTree>
   </p:cSld>
   <p:clrMapOvr>
@@ -13379,136 +11090,6 @@
         </p:spPr>
         <p:txBody>
           <a:bodyPr>
-            <a:normAutofit fontScale="92500" lnSpcReduction="10000"/>
-          </a:bodyPr>
-          <a:lstStyle/>
-          <a:p>
-            <a:pPr marL="0" lvl="0" indent="0">
-              <a:buNone/>
-            </a:pPr>
-            <a:r>
-              <a:rPr dirty="0"/>
-              <a:t>Sampling is a fundamental process in the collection and analysis of data</a:t>
-            </a:r>
-          </a:p>
-          <a:p>
-            <a:pPr lvl="0"/>
-            <a:r>
-              <a:rPr dirty="0"/>
-              <a:t>Sampling is important because we almost never have data on an entire population</a:t>
-            </a:r>
-          </a:p>
-          <a:p>
-            <a:pPr lvl="0"/>
-            <a:r>
-              <a:rPr b="1" dirty="0"/>
-              <a:t>Sampling must be randomized</a:t>
-            </a:r>
-            <a:r>
-              <a:rPr dirty="0"/>
-              <a:t> to preclude biases</a:t>
-            </a:r>
-          </a:p>
-          <a:p>
-            <a:pPr lvl="0"/>
-            <a:r>
-              <a:rPr dirty="0"/>
-              <a:t>As sample size increases, the standard error decreases by the </a:t>
-            </a:r>
-            <a:r>
-              <a:rPr b="1" dirty="0"/>
-              <a:t>law of large numbers</a:t>
-            </a:r>
-            <a:endParaRPr lang="en-US" b="1" dirty="0"/>
-          </a:p>
-          <a:p>
-            <a:pPr lvl="0"/>
-            <a:r>
-              <a:rPr lang="en-US" dirty="0"/>
-              <a:t>In many cases it is not only impractical, but impossible to collect data from the entire population</a:t>
-            </a:r>
-          </a:p>
-          <a:p>
-            <a:pPr lvl="0"/>
-            <a:r>
-              <a:rPr lang="en-US" dirty="0"/>
-              <a:t>We nearly always work with samples, rather than the entire population.</a:t>
-            </a:r>
-          </a:p>
-          <a:p>
-            <a:pPr lvl="0"/>
-            <a:endParaRPr b="1" dirty="0"/>
-          </a:p>
-        </p:txBody>
-      </p:sp>
-    </p:spTree>
-  </p:cSld>
-  <p:clrMapOvr>
-    <a:masterClrMapping/>
-  </p:clrMapOvr>
-</p:sld>
-</file>
-
-<file path=ppt/slides/slide7.xml><?xml version="1.0" encoding="utf-8"?>
-<p:sld xmlns:a="http://schemas.openxmlformats.org/drawingml/2006/main" xmlns:r="http://schemas.openxmlformats.org/officeDocument/2006/relationships" xmlns:p="http://schemas.openxmlformats.org/presentationml/2006/main">
-  <p:cSld>
-    <p:spTree>
-      <p:nvGrpSpPr>
-        <p:cNvPr id="1" name=""/>
-        <p:cNvGrpSpPr/>
-        <p:nvPr/>
-      </p:nvGrpSpPr>
-      <p:grpSpPr>
-        <a:xfrm>
-          <a:off x="0" y="0"/>
-          <a:ext cx="0" cy="0"/>
-          <a:chOff x="0" y="0"/>
-          <a:chExt cx="0" cy="0"/>
-        </a:xfrm>
-      </p:grpSpPr>
-      <p:sp>
-        <p:nvSpPr>
-          <p:cNvPr id="2" name="Title 1"/>
-          <p:cNvSpPr>
-            <a:spLocks noGrp="1"/>
-          </p:cNvSpPr>
-          <p:nvPr>
-            <p:ph type="title"/>
-          </p:nvPr>
-        </p:nvSpPr>
-        <p:spPr/>
-        <p:txBody>
-          <a:bodyPr/>
-          <a:lstStyle/>
-          <a:p>
-            <a:pPr marL="0" lvl="0" indent="0">
-              <a:buNone/>
-            </a:pPr>
-            <a:r>
-              <a:rPr dirty="0"/>
-              <a:t>Introduction</a:t>
-            </a:r>
-          </a:p>
-        </p:txBody>
-      </p:sp>
-      <p:sp>
-        <p:nvSpPr>
-          <p:cNvPr id="3" name="Content Placeholder 2"/>
-          <p:cNvSpPr>
-            <a:spLocks noGrp="1"/>
-          </p:cNvSpPr>
-          <p:nvPr>
-            <p:ph idx="1"/>
-          </p:nvPr>
-        </p:nvSpPr>
-        <p:spPr>
-          <a:xfrm>
-            <a:off x="457200" y="1063228"/>
-            <a:ext cx="8229600" cy="3940893"/>
-          </a:xfrm>
-        </p:spPr>
-        <p:txBody>
-          <a:bodyPr>
             <a:normAutofit/>
           </a:bodyPr>
           <a:lstStyle/>
@@ -13578,7 +11159,7 @@
 </p:sld>
 </file>
 
-<file path=ppt/slides/slide8.xml><?xml version="1.0" encoding="utf-8"?>
+<file path=ppt/slides/slide7.xml><?xml version="1.0" encoding="utf-8"?>
 <p:sld xmlns:a="http://schemas.openxmlformats.org/drawingml/2006/main" xmlns:r="http://schemas.openxmlformats.org/officeDocument/2006/relationships" xmlns:p="http://schemas.openxmlformats.org/presentationml/2006/main">
   <p:cSld>
     <p:spTree>
@@ -14010,6 +11591,146 @@
 </p:sld>
 </file>
 
+<file path=ppt/slides/slide8.xml><?xml version="1.0" encoding="utf-8"?>
+<p:sld xmlns:a="http://schemas.openxmlformats.org/drawingml/2006/main" xmlns:r="http://schemas.openxmlformats.org/officeDocument/2006/relationships" xmlns:p="http://schemas.openxmlformats.org/presentationml/2006/main">
+  <p:cSld>
+    <p:spTree>
+      <p:nvGrpSpPr>
+        <p:cNvPr id="1" name=""/>
+        <p:cNvGrpSpPr/>
+        <p:nvPr/>
+      </p:nvGrpSpPr>
+      <p:grpSpPr>
+        <a:xfrm>
+          <a:off x="0" y="0"/>
+          <a:ext cx="0" cy="0"/>
+          <a:chOff x="0" y="0"/>
+          <a:chExt cx="0" cy="0"/>
+        </a:xfrm>
+      </p:grpSpPr>
+      <p:sp>
+        <p:nvSpPr>
+          <p:cNvPr id="2" name="Title 1"/>
+          <p:cNvSpPr>
+            <a:spLocks noGrp="1"/>
+          </p:cNvSpPr>
+          <p:nvPr>
+            <p:ph type="title"/>
+          </p:nvPr>
+        </p:nvSpPr>
+        <p:spPr/>
+        <p:txBody>
+          <a:bodyPr/>
+          <a:lstStyle/>
+          <a:p>
+            <a:pPr marL="0" lvl="0" indent="0">
+              <a:buNone/>
+            </a:pPr>
+            <a:r>
+              <a:t>Importance of Random Sampling</a:t>
+            </a:r>
+          </a:p>
+        </p:txBody>
+      </p:sp>
+      <p:sp>
+        <p:nvSpPr>
+          <p:cNvPr id="3" name="Content Placeholder 2"/>
+          <p:cNvSpPr>
+            <a:spLocks noGrp="1"/>
+          </p:cNvSpPr>
+          <p:nvPr>
+            <p:ph idx="1"/>
+          </p:nvPr>
+        </p:nvSpPr>
+        <p:spPr>
+          <a:xfrm>
+            <a:off x="457200" y="1063229"/>
+            <a:ext cx="8229600" cy="3874292"/>
+          </a:xfrm>
+        </p:spPr>
+        <p:txBody>
+          <a:bodyPr>
+            <a:normAutofit fontScale="92500" lnSpcReduction="20000"/>
+          </a:bodyPr>
+          <a:lstStyle/>
+          <a:p>
+            <a:pPr marL="0" lvl="0" indent="0">
+              <a:buNone/>
+            </a:pPr>
+            <a:r>
+              <a:rPr dirty="0"/>
+              <a:t>All statistical methods rely on the use of </a:t>
+            </a:r>
+            <a:r>
+              <a:rPr b="1" dirty="0"/>
+              <a:t>randomized unbiased samples</a:t>
+            </a:r>
+          </a:p>
+          <a:p>
+            <a:pPr lvl="0"/>
+            <a:r>
+              <a:rPr dirty="0"/>
+              <a:t>Failure to randomized samples violates many key assumptions of statistical models</a:t>
+            </a:r>
+          </a:p>
+          <a:p>
+            <a:pPr lvl="0"/>
+            <a:r>
+              <a:rPr dirty="0"/>
+              <a:t>An understanding of proper use of sampling methods is essential to statistical inference</a:t>
+            </a:r>
+          </a:p>
+          <a:p>
+            <a:pPr lvl="0"/>
+            <a:r>
+              <a:rPr dirty="0"/>
+              <a:t>Most commonly used machine learning algorithms assume that training data are </a:t>
+            </a:r>
+            <a:r>
+              <a:rPr b="1" dirty="0"/>
+              <a:t>unbiased</a:t>
+            </a:r>
+            <a:r>
+              <a:rPr dirty="0"/>
+              <a:t> and </a:t>
+            </a:r>
+            <a:r>
+              <a:rPr b="1" dirty="0"/>
+              <a:t>independent and identically distributed (</a:t>
+            </a:r>
+            <a:r>
+              <a:rPr b="1" dirty="0" err="1"/>
+              <a:t>iid</a:t>
+            </a:r>
+            <a:r>
+              <a:rPr b="1" dirty="0"/>
+              <a:t>)</a:t>
+            </a:r>
+          </a:p>
+          <a:p>
+            <a:pPr lvl="1"/>
+            <a:r>
+              <a:rPr dirty="0"/>
+              <a:t>These conditions are only met if training data sample is randomized</a:t>
+            </a:r>
+          </a:p>
+          <a:p>
+            <a:pPr lvl="1"/>
+            <a:r>
+              <a:rPr dirty="0"/>
+              <a:t>Otherwise, the training data will be biased and not represent the underlying process distribution</a:t>
+            </a:r>
+          </a:p>
+        </p:txBody>
+      </p:sp>
+    </p:spTree>
+  </p:cSld>
+  <p:clrMapOvr>
+    <a:masterClrMapping/>
+  </p:clrMapOvr>
+</p:sld>
+</file>
+
 <file path=ppt/slides/slide9.xml><?xml version="1.0" encoding="utf-8"?>
 <p:sld xmlns:a="http://schemas.openxmlformats.org/drawingml/2006/main" xmlns:r="http://schemas.openxmlformats.org/officeDocument/2006/relationships" xmlns:p="http://schemas.openxmlformats.org/presentationml/2006/main">
   <p:cSld>
@@ -14046,102 +11767,235 @@
               <a:buNone/>
             </a:pPr>
             <a:r>
-              <a:t>Importance of Random Sampling</a:t>
-            </a:r>
-          </a:p>
-        </p:txBody>
-      </p:sp>
-      <p:sp>
-        <p:nvSpPr>
-          <p:cNvPr id="3" name="Content Placeholder 2"/>
-          <p:cNvSpPr>
-            <a:spLocks noGrp="1"/>
-          </p:cNvSpPr>
-          <p:nvPr>
-            <p:ph idx="1"/>
-          </p:nvPr>
-        </p:nvSpPr>
-        <p:spPr>
-          <a:xfrm>
-            <a:off x="457200" y="1063229"/>
-            <a:ext cx="8229600" cy="3874292"/>
-          </a:xfrm>
-        </p:spPr>
-        <p:txBody>
-          <a:bodyPr>
-            <a:normAutofit fontScale="92500" lnSpcReduction="20000"/>
-          </a:bodyPr>
-          <a:lstStyle/>
-          <a:p>
-            <a:pPr marL="0" lvl="0" indent="0">
-              <a:buNone/>
-            </a:pPr>
-            <a:r>
-              <a:rPr dirty="0"/>
-              <a:t>All statistical methods rely on the use of </a:t>
-            </a:r>
-            <a:r>
-              <a:rPr b="1" dirty="0"/>
-              <a:t>randomized unbiased samples</a:t>
-            </a:r>
-          </a:p>
-          <a:p>
-            <a:pPr lvl="0"/>
-            <a:r>
-              <a:rPr dirty="0"/>
-              <a:t>Failure to randomized samples violates many key assumptions of statistical models</a:t>
-            </a:r>
-          </a:p>
-          <a:p>
-            <a:pPr lvl="0"/>
-            <a:r>
-              <a:rPr dirty="0"/>
-              <a:t>An understanding of proper use of sampling methods is essential to statistical inference</a:t>
-            </a:r>
-          </a:p>
-          <a:p>
-            <a:pPr lvl="0"/>
-            <a:r>
-              <a:rPr dirty="0"/>
-              <a:t>Most commonly used machine learning algorithms assume that training data are </a:t>
-            </a:r>
-            <a:r>
-              <a:rPr b="1" dirty="0"/>
-              <a:t>unbiased</a:t>
-            </a:r>
-            <a:r>
-              <a:rPr dirty="0"/>
-              <a:t> and </a:t>
-            </a:r>
-            <a:r>
-              <a:rPr b="1" dirty="0"/>
-              <a:t>independent and identically distributed (</a:t>
-            </a:r>
-            <a:r>
-              <a:rPr b="1" dirty="0" err="1"/>
-              <a:t>iid</a:t>
-            </a:r>
-            <a:r>
-              <a:rPr b="1" dirty="0"/>
-              <a:t>)</a:t>
-            </a:r>
-          </a:p>
-          <a:p>
-            <a:pPr lvl="1"/>
-            <a:r>
-              <a:rPr dirty="0"/>
-              <a:t>These conditions are only met if training data sample is randomized</a:t>
-            </a:r>
-          </a:p>
-          <a:p>
-            <a:pPr lvl="1"/>
-            <a:r>
-              <a:rPr dirty="0"/>
-              <a:t>Otherwise, the training data will be biased and not represent the underlying process distribution</a:t>
-            </a:r>
-          </a:p>
-        </p:txBody>
-      </p:sp>
+              <a:t>Sampling Distributions</a:t>
+            </a:r>
+          </a:p>
+        </p:txBody>
+      </p:sp>
+      <mc:AlternateContent xmlns:mc="http://schemas.openxmlformats.org/markup-compatibility/2006">
+        <mc:Choice xmlns:a14="http://schemas.microsoft.com/office/drawing/2010/main" Requires="a14">
+          <p:sp>
+            <p:nvSpPr>
+              <p:cNvPr id="3" name="Content Placeholder 2"/>
+              <p:cNvSpPr>
+                <a:spLocks noGrp="1"/>
+              </p:cNvSpPr>
+              <p:nvPr>
+                <p:ph idx="1"/>
+              </p:nvPr>
+            </p:nvSpPr>
+            <p:spPr>
+              <a:xfrm>
+                <a:off x="457200" y="1034005"/>
+                <a:ext cx="8229600" cy="3903516"/>
+              </a:xfrm>
+            </p:spPr>
+            <p:txBody>
+              <a:bodyPr>
+                <a:normAutofit/>
+              </a:bodyPr>
+              <a:lstStyle/>
+              <a:p>
+                <a:pPr marL="0" lvl="0" indent="0">
+                  <a:buNone/>
+                </a:pPr>
+                <a:r>
+                  <a:rPr sz="2000" dirty="0"/>
+                  <a:t>Sampling of a population is done from an unknown </a:t>
+                </a:r>
+                <a:r>
+                  <a:rPr sz="2000" b="1" dirty="0"/>
+                  <a:t>population distribution</a:t>
+                </a:r>
+                <a:r>
+                  <a:rPr sz="2000" dirty="0"/>
+                  <a:t>, </a:t>
+                </a:r>
+                <a14:m>
+                  <m:oMath xmlns:m="http://schemas.openxmlformats.org/officeDocument/2006/math">
+                    <m:r>
+                      <a:rPr sz="2000">
+                        <a:latin typeface="Cambria Math" panose="02040503050406030204" pitchFamily="18" charset="0"/>
+                      </a:rPr>
+                      <m:t>ℱ</m:t>
+                    </m:r>
+                  </m:oMath>
+                </a14:m>
+                <a:endParaRPr sz="2000" dirty="0"/>
+              </a:p>
+              <a:p>
+                <a:pPr lvl="0"/>
+                <a:r>
+                  <a:rPr sz="2000" dirty="0"/>
+                  <a:t>Any statistic, </a:t>
+                </a:r>
+                <a14:m>
+                  <m:oMath xmlns:m="http://schemas.openxmlformats.org/officeDocument/2006/math">
+                    <m:r>
+                      <a:rPr sz="2000">
+                        <a:latin typeface="Cambria Math" panose="02040503050406030204" pitchFamily="18" charset="0"/>
+                      </a:rPr>
+                      <m:t>𝑠</m:t>
+                    </m:r>
+                  </m:oMath>
+                </a14:m>
+                <a:r>
+                  <a:rPr sz="2000" dirty="0"/>
+                  <a:t>, we compute for the generating process is based on a sample, </a:t>
+                </a:r>
+                <a14:m>
+                  <m:oMath xmlns:m="http://schemas.openxmlformats.org/officeDocument/2006/math">
+                    <m:acc>
+                      <m:accPr>
+                        <m:chr m:val="̂"/>
+                        <m:ctrlPr>
+                          <a:rPr sz="2000" i="1">
+                            <a:latin typeface="Cambria Math" panose="02040503050406030204" pitchFamily="18" charset="0"/>
+                          </a:rPr>
+                        </m:ctrlPr>
+                      </m:accPr>
+                      <m:e>
+                        <m:r>
+                          <a:rPr sz="2000">
+                            <a:latin typeface="Cambria Math" panose="02040503050406030204" pitchFamily="18" charset="0"/>
+                          </a:rPr>
+                          <m:t>ℱ</m:t>
+                        </m:r>
+                      </m:e>
+                    </m:acc>
+                  </m:oMath>
+                </a14:m>
+                <a:endParaRPr sz="2000" dirty="0"/>
+              </a:p>
+              <a:p>
+                <a:pPr lvl="0"/>
+                <a:r>
+                  <a:rPr sz="2000" dirty="0"/>
+                  <a:t>The statistic is an approximation, of a </a:t>
+                </a:r>
+                <a:r>
+                  <a:rPr sz="2000" b="1" dirty="0"/>
+                  <a:t>population parameter</a:t>
+                </a:r>
+                <a:endParaRPr lang="en-US" sz="2000" b="1" dirty="0"/>
+              </a:p>
+              <a:p>
+                <a:pPr lvl="0"/>
+                <a:r>
+                  <a:rPr lang="en-US" sz="2000" dirty="0"/>
+                  <a:t>Example:</a:t>
+                </a:r>
+                <a:endParaRPr sz="2000" dirty="0"/>
+              </a:p>
+              <a:p>
+                <a:pPr lvl="1"/>
+                <a:r>
+                  <a:rPr lang="en-US" sz="2000" dirty="0"/>
+                  <a:t>T</a:t>
+                </a:r>
+                <a:r>
+                  <a:rPr sz="2000" dirty="0"/>
+                  <a:t>he </a:t>
+                </a:r>
+                <a:r>
+                  <a:rPr sz="2000" b="1" dirty="0"/>
+                  <a:t>population mean</a:t>
+                </a:r>
+                <a:r>
+                  <a:rPr sz="2000" dirty="0"/>
+                  <a:t> is </a:t>
+                </a:r>
+                <a14:m>
+                  <m:oMath xmlns:m="http://schemas.openxmlformats.org/officeDocument/2006/math">
+                    <m:r>
+                      <a:rPr sz="2000">
+                        <a:latin typeface="Cambria Math" panose="02040503050406030204" pitchFamily="18" charset="0"/>
+                      </a:rPr>
+                      <m:t>𝜇</m:t>
+                    </m:r>
+                  </m:oMath>
+                </a14:m>
+                <a:endParaRPr sz="2000" dirty="0"/>
+              </a:p>
+              <a:p>
+                <a:pPr lvl="1"/>
+                <a:r>
+                  <a:rPr sz="2000" dirty="0"/>
+                  <a:t>Whereas, the </a:t>
+                </a:r>
+                <a:r>
+                  <a:rPr sz="2000" b="1" dirty="0"/>
+                  <a:t>sample estimate</a:t>
+                </a:r>
+                <a:r>
+                  <a:rPr sz="2000" dirty="0"/>
+                  <a:t> is </a:t>
+                </a:r>
+                <a14:m>
+                  <m:oMath xmlns:m="http://schemas.openxmlformats.org/officeDocument/2006/math">
+                    <m:acc>
+                      <m:accPr>
+                        <m:chr m:val="‾"/>
+                        <m:ctrlPr>
+                          <a:rPr sz="2000" i="1">
+                            <a:latin typeface="Cambria Math" panose="02040503050406030204" pitchFamily="18" charset="0"/>
+                          </a:rPr>
+                        </m:ctrlPr>
+                      </m:accPr>
+                      <m:e>
+                        <m:r>
+                          <a:rPr sz="2000">
+                            <a:latin typeface="Cambria Math" panose="02040503050406030204" pitchFamily="18" charset="0"/>
+                          </a:rPr>
+                          <m:t>𝑥</m:t>
+                        </m:r>
+                      </m:e>
+                    </m:acc>
+                  </m:oMath>
+                </a14:m>
+                <a:endParaRPr sz="2000" dirty="0"/>
+              </a:p>
+            </p:txBody>
+          </p:sp>
+        </mc:Choice>
+        <mc:Fallback>
+          <p:sp>
+            <p:nvSpPr>
+              <p:cNvPr id="3" name="Content Placeholder 2"/>
+              <p:cNvSpPr>
+                <a:spLocks noGrp="1" noRot="1" noChangeAspect="1" noMove="1" noResize="1" noEditPoints="1" noAdjustHandles="1" noChangeArrowheads="1" noChangeShapeType="1" noTextEdit="1"/>
+              </p:cNvSpPr>
+              <p:nvPr>
+                <p:ph idx="1"/>
+              </p:nvPr>
+            </p:nvSpPr>
+            <p:spPr>
+              <a:xfrm>
+                <a:off x="457200" y="1034005"/>
+                <a:ext cx="8229600" cy="3903516"/>
+              </a:xfrm>
+              <a:blipFill>
+                <a:blip r:embed="rId2"/>
+                <a:stretch>
+                  <a:fillRect l="-741" t="-938"/>
+                </a:stretch>
+              </a:blipFill>
+            </p:spPr>
+            <p:txBody>
+              <a:bodyPr/>
+              <a:lstStyle/>
+              <a:p>
+                <a:r>
+                  <a:rPr lang="en-US">
+                    <a:noFill/>
+                  </a:rPr>
+                  <a:t> </a:t>
+                </a:r>
+              </a:p>
+            </p:txBody>
+          </p:sp>
+        </mc:Fallback>
+      </mc:AlternateContent>
     </p:spTree>
   </p:cSld>
   <p:clrMapOvr>

--- a/LectureSlides/04_SamplingAndSimulation.pptx
+++ b/LectureSlides/04_SamplingAndSimulation.pptx
@@ -23,9 +23,9 @@
     <p:sldId id="265" r:id="rId14"/>
     <p:sldId id="303" r:id="rId15"/>
     <p:sldId id="266" r:id="rId16"/>
-    <p:sldId id="267" r:id="rId17"/>
-    <p:sldId id="268" r:id="rId18"/>
-    <p:sldId id="269" r:id="rId19"/>
+    <p:sldId id="269" r:id="rId17"/>
+    <p:sldId id="267" r:id="rId18"/>
+    <p:sldId id="268" r:id="rId19"/>
     <p:sldId id="270" r:id="rId20"/>
     <p:sldId id="271" r:id="rId21"/>
     <p:sldId id="272" r:id="rId22"/>
@@ -257,7 +257,7 @@
           <a:p>
             <a:fld id="{5558A1AA-8502-4342-9C4F-4F7467E21DCA}" type="datetimeFigureOut">
               <a:rPr lang="en-US" smtClean="0"/>
-              <a:t>9/17/2024</a:t>
+              <a:t>9/18/2024</a:t>
             </a:fld>
             <a:endParaRPr lang="en-US"/>
           </a:p>
@@ -787,7 +787,7 @@
           <a:p>
             <a:fld id="{241EB5C9-1307-BA42-ABA2-0BC069CD8E7F}" type="datetimeFigureOut">
               <a:rPr lang="en-US" smtClean="0"/>
-              <a:t>9/17/2024</a:t>
+              <a:t>9/18/2024</a:t>
             </a:fld>
             <a:endParaRPr lang="en-US"/>
           </a:p>
@@ -955,7 +955,7 @@
           <a:p>
             <a:fld id="{241EB5C9-1307-BA42-ABA2-0BC069CD8E7F}" type="datetimeFigureOut">
               <a:rPr lang="en-US" smtClean="0"/>
-              <a:t>9/17/2024</a:t>
+              <a:t>9/18/2024</a:t>
             </a:fld>
             <a:endParaRPr lang="en-US"/>
           </a:p>
@@ -1133,7 +1133,7 @@
           <a:p>
             <a:fld id="{241EB5C9-1307-BA42-ABA2-0BC069CD8E7F}" type="datetimeFigureOut">
               <a:rPr lang="en-US" smtClean="0"/>
-              <a:t>9/17/2024</a:t>
+              <a:t>9/18/2024</a:t>
             </a:fld>
             <a:endParaRPr lang="en-US"/>
           </a:p>
@@ -1301,7 +1301,7 @@
           <a:p>
             <a:fld id="{241EB5C9-1307-BA42-ABA2-0BC069CD8E7F}" type="datetimeFigureOut">
               <a:rPr lang="en-US" smtClean="0"/>
-              <a:t>9/17/2024</a:t>
+              <a:t>9/18/2024</a:t>
             </a:fld>
             <a:endParaRPr lang="en-US"/>
           </a:p>
@@ -1546,7 +1546,7 @@
           <a:p>
             <a:fld id="{241EB5C9-1307-BA42-ABA2-0BC069CD8E7F}" type="datetimeFigureOut">
               <a:rPr lang="en-US" smtClean="0"/>
-              <a:t>9/17/2024</a:t>
+              <a:t>9/18/2024</a:t>
             </a:fld>
             <a:endParaRPr lang="en-US"/>
           </a:p>
@@ -1831,7 +1831,7 @@
           <a:p>
             <a:fld id="{241EB5C9-1307-BA42-ABA2-0BC069CD8E7F}" type="datetimeFigureOut">
               <a:rPr lang="en-US" smtClean="0"/>
-              <a:t>9/17/2024</a:t>
+              <a:t>9/18/2024</a:t>
             </a:fld>
             <a:endParaRPr lang="en-US"/>
           </a:p>
@@ -2250,7 +2250,7 @@
           <a:p>
             <a:fld id="{241EB5C9-1307-BA42-ABA2-0BC069CD8E7F}" type="datetimeFigureOut">
               <a:rPr lang="en-US" smtClean="0"/>
-              <a:t>9/17/2024</a:t>
+              <a:t>9/18/2024</a:t>
             </a:fld>
             <a:endParaRPr lang="en-US"/>
           </a:p>
@@ -2367,7 +2367,7 @@
           <a:p>
             <a:fld id="{241EB5C9-1307-BA42-ABA2-0BC069CD8E7F}" type="datetimeFigureOut">
               <a:rPr lang="en-US" smtClean="0"/>
-              <a:t>9/17/2024</a:t>
+              <a:t>9/18/2024</a:t>
             </a:fld>
             <a:endParaRPr lang="en-US"/>
           </a:p>
@@ -2462,7 +2462,7 @@
           <a:p>
             <a:fld id="{241EB5C9-1307-BA42-ABA2-0BC069CD8E7F}" type="datetimeFigureOut">
               <a:rPr lang="en-US" smtClean="0"/>
-              <a:t>9/17/2024</a:t>
+              <a:t>9/18/2024</a:t>
             </a:fld>
             <a:endParaRPr lang="en-US"/>
           </a:p>
@@ -2737,7 +2737,7 @@
           <a:p>
             <a:fld id="{241EB5C9-1307-BA42-ABA2-0BC069CD8E7F}" type="datetimeFigureOut">
               <a:rPr lang="en-US" smtClean="0"/>
-              <a:t>9/17/2024</a:t>
+              <a:t>9/18/2024</a:t>
             </a:fld>
             <a:endParaRPr lang="en-US"/>
           </a:p>
@@ -2989,7 +2989,7 @@
           <a:p>
             <a:fld id="{241EB5C9-1307-BA42-ABA2-0BC069CD8E7F}" type="datetimeFigureOut">
               <a:rPr lang="en-US" smtClean="0"/>
-              <a:t>9/17/2024</a:t>
+              <a:t>9/18/2024</a:t>
             </a:fld>
             <a:endParaRPr lang="en-US"/>
           </a:p>
@@ -3200,7 +3200,7 @@
           <a:p>
             <a:fld id="{241EB5C9-1307-BA42-ABA2-0BC069CD8E7F}" type="datetimeFigureOut">
               <a:rPr lang="en-US" smtClean="0"/>
-              <a:t>9/17/2024</a:t>
+              <a:t>9/18/2024</a:t>
             </a:fld>
             <a:endParaRPr lang="en-US"/>
           </a:p>
@@ -3823,7 +3823,7 @@
         </p:spPr>
         <p:txBody>
           <a:bodyPr>
-            <a:normAutofit/>
+            <a:normAutofit lnSpcReduction="10000"/>
           </a:bodyPr>
           <a:lstStyle/>
           <a:p>
@@ -3846,36 +3846,85 @@
             <a:pPr lvl="1"/>
             <a:r>
               <a:rPr dirty="0"/>
-              <a:t>Understanding sampling is essential to ensure data is representative of the entire population</a:t>
+              <a:t>Understanding sampling is essential to ensure data is</a:t>
+            </a:r>
+            <a:r>
+              <a:rPr lang="en-US" dirty="0"/>
+              <a:t> </a:t>
+            </a:r>
+            <a:r>
+              <a:rPr lang="en-US" b="1" dirty="0"/>
+              <a:t>unbiased </a:t>
+            </a:r>
+            <a:r>
+              <a:rPr lang="en-US" dirty="0"/>
+              <a:t>and</a:t>
+            </a:r>
+            <a:r>
+              <a:rPr dirty="0"/>
+              <a:t> representative of the entire population</a:t>
             </a:r>
           </a:p>
           <a:p>
             <a:pPr lvl="1"/>
             <a:r>
-              <a:rPr dirty="0"/>
-              <a:t>Inferences on the sample say something about the population</a:t>
+              <a:rPr b="1" dirty="0"/>
+              <a:t>Inferences on the sample </a:t>
+            </a:r>
+            <a:r>
+              <a:rPr dirty="0"/>
+              <a:t>say something about the population</a:t>
             </a:r>
           </a:p>
           <a:p>
             <a:pPr lvl="1"/>
             <a:r>
               <a:rPr dirty="0"/>
-              <a:t>The sample must be randomly drawn from the population</a:t>
+              <a:t>The sample must be </a:t>
+            </a:r>
+            <a:r>
+              <a:rPr b="1" dirty="0"/>
+              <a:t>randomly drawn </a:t>
+            </a:r>
+            <a:r>
+              <a:rPr dirty="0"/>
+              <a:t>from the population</a:t>
             </a:r>
           </a:p>
           <a:p>
             <a:pPr lvl="0"/>
             <a:r>
               <a:rPr dirty="0"/>
-              <a:t>Sampling from distributions is the building block of simulation</a:t>
+              <a:t>Sampling from distributions is the building block of </a:t>
+            </a:r>
+            <a:r>
+              <a:rPr lang="en-US" dirty="0"/>
+              <a:t>Monte Carlo </a:t>
+            </a:r>
+            <a:r>
+              <a:rPr dirty="0"/>
+              <a:t>simulation</a:t>
             </a:r>
           </a:p>
           <a:p>
             <a:pPr lvl="0"/>
             <a:r>
               <a:rPr dirty="0"/>
-              <a:t>We will take up the topic of resampling later</a:t>
-            </a:r>
+              <a:t>We will take up the topic of </a:t>
+            </a:r>
+            <a:r>
+              <a:rPr b="1" dirty="0"/>
+              <a:t>resampling</a:t>
+            </a:r>
+            <a:r>
+              <a:rPr dirty="0"/>
+              <a:t> </a:t>
+            </a:r>
+            <a:r>
+              <a:rPr lang="en-US" dirty="0"/>
+              <a:t>next week</a:t>
+            </a:r>
+            <a:endParaRPr dirty="0"/>
           </a:p>
         </p:txBody>
       </p:sp>
@@ -3929,8 +3978,13 @@
             </a:pPr>
             <a:r>
               <a:rPr dirty="0"/>
-              <a:t>Sampling Example</a:t>
-            </a:r>
+              <a:t>Example</a:t>
+            </a:r>
+            <a:r>
+              <a:rPr lang="en-US" dirty="0"/>
+              <a:t>s of Sampling from a Population</a:t>
+            </a:r>
+            <a:endParaRPr dirty="0"/>
           </a:p>
         </p:txBody>
       </p:sp>
@@ -3944,7 +3998,7 @@
             <p:ph idx="1"/>
             <p:extLst>
               <p:ext uri="{D42A27DB-BD31-4B8C-83A1-F6EECF244321}">
-                <p14:modId xmlns:p14="http://schemas.microsoft.com/office/powerpoint/2010/main" val="1114088582"/>
+                <p14:modId xmlns:p14="http://schemas.microsoft.com/office/powerpoint/2010/main" val="3402057029"/>
               </p:ext>
             </p:extLst>
           </p:nvPr>
@@ -4118,9 +4172,26 @@
                         <a:buNone/>
                       </a:pPr>
                       <a:r>
-                        <a:rPr sz="1800"/>
-                        <a:t>32 teams which qualify in one season</a:t>
+                        <a:rPr lang="en-US" sz="1800" dirty="0"/>
+                        <a:t>T</a:t>
                       </a:r>
+                      <a:r>
+                        <a:rPr sz="1800" dirty="0"/>
+                        <a:t>eams which qualify </a:t>
+                      </a:r>
+                      <a:r>
+                        <a:rPr lang="en-US" sz="1800" dirty="0"/>
+                        <a:t>from past </a:t>
+                      </a:r>
+                      <a:r>
+                        <a:rPr sz="1800" dirty="0"/>
+                        <a:t>season</a:t>
+                      </a:r>
+                      <a:r>
+                        <a:rPr lang="en-US" sz="1800" dirty="0"/>
+                        <a:t>s</a:t>
+                      </a:r>
+                      <a:endParaRPr sz="1800" dirty="0"/>
                     </a:p>
                   </a:txBody>
                   <a:tcPr/>
@@ -4134,8 +4205,8 @@
                         <a:buNone/>
                       </a:pPr>
                       <a:r>
-                        <a:rPr sz="1800"/>
-                        <a:t>All national teams in past, present and future years</a:t>
+                        <a:rPr sz="1800" dirty="0"/>
+                        <a:t>All national teams in past, present and future</a:t>
                       </a:r>
                     </a:p>
                   </a:txBody>
@@ -4405,6 +4476,11 @@
               <a:rPr dirty="0"/>
               <a:t>Failure to randomized samples violates many key assumptions of statistical models</a:t>
             </a:r>
+            <a:r>
+              <a:rPr lang="en-US" dirty="0"/>
+              <a:t> and machine learning models</a:t>
+            </a:r>
+            <a:endParaRPr dirty="0"/>
           </a:p>
           <a:p>
             <a:pPr lvl="0"/>
@@ -4451,7 +4527,15 @@
             <a:pPr lvl="1"/>
             <a:r>
               <a:rPr dirty="0"/>
-              <a:t>Otherwise, the training data will be biased and not represent the underlying process distribution</a:t>
+              <a:t>Otherwise, the training data will be biased and not represent the underlying </a:t>
+            </a:r>
+            <a:r>
+              <a:rPr lang="en-US" dirty="0"/>
+              <a:t>population</a:t>
+            </a:r>
+            <a:r>
+              <a:rPr dirty="0"/>
+              <a:t> distribution</a:t>
             </a:r>
           </a:p>
         </p:txBody>
@@ -4505,8 +4589,8 @@
           </a:p>
         </p:txBody>
       </p:sp>
-      <mc:AlternateContent xmlns:mc="http://schemas.openxmlformats.org/markup-compatibility/2006" xmlns:a14="http://schemas.microsoft.com/office/drawing/2010/main">
-        <mc:Choice Requires="a14">
+      <mc:AlternateContent xmlns:mc="http://schemas.openxmlformats.org/markup-compatibility/2006">
+        <mc:Choice xmlns:a14="http://schemas.microsoft.com/office/drawing/2010/main" Requires="a14">
           <p:sp>
             <p:nvSpPr>
               <p:cNvPr id="3" name="Content Placeholder 2"/>
@@ -4560,7 +4644,15 @@
                 <a:pPr lvl="0"/>
                 <a:r>
                   <a:rPr sz="2000" dirty="0"/>
-                  <a:t>Any statistic, </a:t>
+                  <a:t>Any </a:t>
+                </a:r>
+                <a:r>
+                  <a:rPr sz="2000" b="1" dirty="0"/>
+                  <a:t>statistic</a:t>
+                </a:r>
+                <a:r>
+                  <a:rPr sz="2000" dirty="0"/>
+                  <a:t>, </a:t>
                 </a:r>
                 <a14:m>
                   <m:oMath xmlns:m="http://schemas.openxmlformats.org/officeDocument/2006/math">
@@ -4574,7 +4666,15 @@
                 </a14:m>
                 <a:r>
                   <a:rPr sz="2000" dirty="0"/>
-                  <a:t>, we compute for the generating process is based on a sample, </a:t>
+                  <a:t>, we compute for the </a:t>
+                </a:r>
+                <a:r>
+                  <a:rPr lang="en-US" sz="2000" dirty="0"/>
+                  <a:t>population </a:t>
+                </a:r>
+                <a:r>
+                  <a:rPr sz="2000" dirty="0"/>
+                  <a:t>is based on a sample, </a:t>
                 </a:r>
                 <a14:m>
                   <m:oMath xmlns:m="http://schemas.openxmlformats.org/officeDocument/2006/math">
@@ -4691,7 +4791,7 @@
             </p:txBody>
           </p:sp>
         </mc:Choice>
-        <mc:Fallback xmlns="">
+        <mc:Fallback>
           <p:sp>
             <p:nvSpPr>
               <p:cNvPr id="3" name="Content Placeholder 2"/>
@@ -4778,8 +4878,8 @@
           </a:p>
         </p:txBody>
       </p:sp>
-      <mc:AlternateContent xmlns:mc="http://schemas.openxmlformats.org/markup-compatibility/2006" xmlns:a14="http://schemas.microsoft.com/office/drawing/2010/main">
-        <mc:Choice Requires="a14">
+      <mc:AlternateContent xmlns:mc="http://schemas.openxmlformats.org/markup-compatibility/2006">
+        <mc:Choice xmlns:a14="http://schemas.microsoft.com/office/drawing/2010/main" Requires="a14">
           <p:sp>
             <p:nvSpPr>
               <p:cNvPr id="3" name="Content Placeholder 2"/>
@@ -4841,21 +4941,21 @@
                 </a:r>
               </a:p>
               <a:p>
-                <a:pPr lvl="1"/>
-                <a:r>
-                  <a:rPr dirty="0"/>
-                  <a:t>Hypothetical concept of the sampling distribution is a foundation of </a:t>
-                </a:r>
-                <a:r>
-                  <a:rPr b="1" dirty="0"/>
-                  <a:t>frequentist statistics</a:t>
-                </a:r>
+                <a:r>
+                  <a:rPr lang="en-US" b="1" dirty="0"/>
+                  <a:t>Frequentist statistics</a:t>
+                </a:r>
+                <a:r>
+                  <a:rPr lang="en-US" dirty="0"/>
+                  <a:t> built on the idea of randomly resampling the population distribution and recomputing a statistic</a:t>
+                </a:r>
+                <a:endParaRPr lang="en-US" b="1" dirty="0"/>
               </a:p>
               <a:p>
                 <a:pPr lvl="1"/>
                 <a:r>
-                  <a:rPr dirty="0"/>
-                  <a:t>Example, we could continue to sample the population and compute sample means, </a:t>
+                  <a:rPr lang="en-US" dirty="0"/>
+                  <a:t>Example, we could repetitively sample the population and compute sample means, </a:t>
                 </a:r>
                 <a14:m>
                   <m:oMath xmlns:m="http://schemas.openxmlformats.org/officeDocument/2006/math">
@@ -4864,7 +4964,7 @@
                         <m:begChr m:val="["/>
                         <m:endChr m:val="]"/>
                         <m:ctrlPr>
-                          <a:rPr i="1">
+                          <a:rPr lang="ar-AE" i="1">
                             <a:latin typeface="Cambria Math" panose="02040503050406030204" pitchFamily="18" charset="0"/>
                           </a:rPr>
                         </m:ctrlPr>
@@ -4873,7 +4973,7 @@
                         <m:sSub>
                           <m:sSubPr>
                             <m:ctrlPr>
-                              <a:rPr i="1">
+                              <a:rPr lang="ar-AE" i="1">
                                 <a:latin typeface="Cambria Math" panose="02040503050406030204" pitchFamily="18" charset="0"/>
                               </a:rPr>
                             </m:ctrlPr>
@@ -4883,14 +4983,14 @@
                               <m:accPr>
                                 <m:chr m:val="‾"/>
                                 <m:ctrlPr>
-                                  <a:rPr i="1">
+                                  <a:rPr lang="ar-AE" i="1">
                                     <a:latin typeface="Cambria Math" panose="02040503050406030204" pitchFamily="18" charset="0"/>
                                   </a:rPr>
                                 </m:ctrlPr>
                               </m:accPr>
                               <m:e>
                                 <m:r>
-                                  <a:rPr>
+                                  <a:rPr lang="ar-AE">
                                     <a:latin typeface="Cambria Math" panose="02040503050406030204" pitchFamily="18" charset="0"/>
                                   </a:rPr>
                                   <m:t>𝑥</m:t>
@@ -4900,7 +5000,7 @@
                           </m:e>
                           <m:sub>
                             <m:r>
-                              <a:rPr>
+                              <a:rPr lang="ar-AE">
                                 <a:latin typeface="Cambria Math" panose="02040503050406030204" pitchFamily="18" charset="0"/>
                               </a:rPr>
                               <m:t>1</m:t>
@@ -4908,7 +5008,7 @@
                           </m:sub>
                         </m:sSub>
                         <m:r>
-                          <a:rPr>
+                          <a:rPr lang="ar-AE">
                             <a:latin typeface="Cambria Math" panose="02040503050406030204" pitchFamily="18" charset="0"/>
                           </a:rPr>
                           <m:t>,</m:t>
@@ -4916,7 +5016,7 @@
                         <m:sSub>
                           <m:sSubPr>
                             <m:ctrlPr>
-                              <a:rPr i="1">
+                              <a:rPr lang="ar-AE" i="1">
                                 <a:latin typeface="Cambria Math" panose="02040503050406030204" pitchFamily="18" charset="0"/>
                               </a:rPr>
                             </m:ctrlPr>
@@ -4926,14 +5026,14 @@
                               <m:accPr>
                                 <m:chr m:val="‾"/>
                                 <m:ctrlPr>
-                                  <a:rPr i="1">
+                                  <a:rPr lang="ar-AE" i="1">
                                     <a:latin typeface="Cambria Math" panose="02040503050406030204" pitchFamily="18" charset="0"/>
                                   </a:rPr>
                                 </m:ctrlPr>
                               </m:accPr>
                               <m:e>
                                 <m:r>
-                                  <a:rPr>
+                                  <a:rPr lang="ar-AE">
                                     <a:latin typeface="Cambria Math" panose="02040503050406030204" pitchFamily="18" charset="0"/>
                                   </a:rPr>
                                   <m:t>𝑥</m:t>
@@ -4943,7 +5043,7 @@
                           </m:e>
                           <m:sub>
                             <m:r>
-                              <a:rPr>
+                              <a:rPr lang="ar-AE">
                                 <a:latin typeface="Cambria Math" panose="02040503050406030204" pitchFamily="18" charset="0"/>
                               </a:rPr>
                               <m:t>2</m:t>
@@ -4951,7 +5051,7 @@
                           </m:sub>
                         </m:sSub>
                         <m:r>
-                          <a:rPr>
+                          <a:rPr lang="ar-AE">
                             <a:latin typeface="Cambria Math" panose="02040503050406030204" pitchFamily="18" charset="0"/>
                           </a:rPr>
                           <m:t>,…,</m:t>
@@ -4959,7 +5059,7 @@
                         <m:sSub>
                           <m:sSubPr>
                             <m:ctrlPr>
-                              <a:rPr i="1">
+                              <a:rPr lang="ar-AE" i="1">
                                 <a:latin typeface="Cambria Math" panose="02040503050406030204" pitchFamily="18" charset="0"/>
                               </a:rPr>
                             </m:ctrlPr>
@@ -4969,14 +5069,14 @@
                               <m:accPr>
                                 <m:chr m:val="‾"/>
                                 <m:ctrlPr>
-                                  <a:rPr i="1">
+                                  <a:rPr lang="ar-AE" i="1">
                                     <a:latin typeface="Cambria Math" panose="02040503050406030204" pitchFamily="18" charset="0"/>
                                   </a:rPr>
                                 </m:ctrlPr>
                               </m:accPr>
                               <m:e>
                                 <m:r>
-                                  <a:rPr>
+                                  <a:rPr lang="ar-AE">
                                     <a:latin typeface="Cambria Math" panose="02040503050406030204" pitchFamily="18" charset="0"/>
                                   </a:rPr>
                                   <m:t>𝑥</m:t>
@@ -4986,7 +5086,7 @@
                           </m:e>
                           <m:sub>
                             <m:r>
-                              <a:rPr>
+                              <a:rPr lang="ar-AE">
                                 <a:latin typeface="Cambria Math" panose="02040503050406030204" pitchFamily="18" charset="0"/>
                               </a:rPr>
                               <m:t>𝑛</m:t>
@@ -4997,37 +5097,56 @@
                     </m:d>
                   </m:oMath>
                 </a14:m>
-                <a:endParaRPr dirty="0"/>
-              </a:p>
-              <a:p>
-                <a:pPr lvl="0"/>
-                <a:r>
-                  <a:rPr b="1" dirty="0"/>
-                  <a:t>Frequentist statistics</a:t>
-                </a:r>
-                <a:r>
-                  <a:rPr dirty="0"/>
-                  <a:t> built on the idea of randomly resampling the population distribution and recomputing a statistic</a:t>
+                <a:r>
+                  <a:rPr lang="en-US" dirty="0"/>
+                  <a:t>, comprising the sampling distribution</a:t>
                 </a:r>
               </a:p>
               <a:p>
                 <a:pPr lvl="1"/>
                 <a:r>
-                  <a:rPr dirty="0"/>
-                  <a:t>In the frequentist world, statistical inferences are performed on the sampling distribution</a:t>
+                  <a:rPr lang="en-US" dirty="0"/>
+                  <a:t>Example, the parameters of a machine learning model have a sampling distribution</a:t>
                 </a:r>
               </a:p>
               <a:p>
                 <a:pPr lvl="1"/>
                 <a:r>
                   <a:rPr dirty="0"/>
-                  <a:t>Sampling process must not bias the estimates of the statistic</a:t>
+                  <a:t>In the frequentist world, </a:t>
+                </a:r>
+                <a:r>
+                  <a:rPr b="1" dirty="0"/>
+                  <a:t>statistical inferences </a:t>
+                </a:r>
+                <a:r>
+                  <a:rPr dirty="0"/>
+                  <a:t>are </a:t>
+                </a:r>
+                <a:r>
+                  <a:rPr b="1" dirty="0"/>
+                  <a:t>performed on the sampling distribution</a:t>
+                </a:r>
+              </a:p>
+              <a:p>
+                <a:pPr lvl="1"/>
+                <a:r>
+                  <a:rPr dirty="0"/>
+                  <a:t>Sampling process</a:t>
+                </a:r>
+                <a:r>
+                  <a:rPr lang="en-US" dirty="0"/>
+                  <a:t>es</a:t>
+                </a:r>
+                <a:r>
+                  <a:rPr dirty="0"/>
+                  <a:t> must not bias the estimates of the statistic</a:t>
                 </a:r>
               </a:p>
             </p:txBody>
           </p:sp>
         </mc:Choice>
-        <mc:Fallback xmlns="">
+        <mc:Fallback>
           <p:sp>
             <p:nvSpPr>
               <p:cNvPr id="3" name="Content Placeholder 2"/>
@@ -5119,8 +5238,8 @@
           </a:p>
         </p:txBody>
       </p:sp>
-      <mc:AlternateContent xmlns:mc="http://schemas.openxmlformats.org/markup-compatibility/2006" xmlns:a14="http://schemas.microsoft.com/office/drawing/2010/main">
-        <mc:Choice Requires="a14">
+      <mc:AlternateContent xmlns:mc="http://schemas.openxmlformats.org/markup-compatibility/2006">
+        <mc:Choice xmlns:a14="http://schemas.microsoft.com/office/drawing/2010/main" Requires="a14">
           <p:sp>
             <p:nvSpPr>
               <p:cNvPr id="3" name="Content Placeholder 2"/>
@@ -5171,29 +5290,22 @@
                 <a:endParaRPr dirty="0"/>
               </a:p>
               <a:p>
-                <a:pPr lvl="0"/>
-                <a:r>
-                  <a:rPr dirty="0"/>
-                  <a:t>Any statistic, </a:t>
+                <a:r>
+                  <a:rPr lang="en-US" sz="2400" dirty="0"/>
+                  <a:t>Any </a:t>
+                </a:r>
+                <a:r>
+                  <a:rPr lang="en-US" sz="2400" b="1" dirty="0"/>
+                  <a:t>statistic</a:t>
+                </a:r>
+                <a:r>
+                  <a:rPr lang="en-US" sz="2400" dirty="0"/>
+                  <a:t>,</a:t>
                 </a:r>
                 <a14:m>
                   <m:oMath xmlns:m="http://schemas.openxmlformats.org/officeDocument/2006/math">
                     <m:r>
-                      <a:rPr>
-                        <a:latin typeface="Cambria Math" panose="02040503050406030204" pitchFamily="18" charset="0"/>
-                      </a:rPr>
-                      <m:t>𝑠</m:t>
-                    </m:r>
-                  </m:oMath>
-                </a14:m>
-                <a:r>
-                  <a:rPr dirty="0"/>
-                  <a:t>, we compute for the generating process is an approximation for the population, </a:t>
-                </a:r>
-                <a14:m>
-                  <m:oMath xmlns:m="http://schemas.openxmlformats.org/officeDocument/2006/math">
-                    <m:r>
-                      <a:rPr>
+                      <a:rPr lang="ar-AE">
                         <a:latin typeface="Cambria Math" panose="02040503050406030204" pitchFamily="18" charset="0"/>
                       </a:rPr>
                       <m:t>𝑠</m:t>
@@ -5201,7 +5313,7 @@
                     <m:d>
                       <m:dPr>
                         <m:ctrlPr>
-                          <a:rPr i="1">
+                          <a:rPr lang="ar-AE" i="1">
                             <a:latin typeface="Cambria Math" panose="02040503050406030204" pitchFamily="18" charset="0"/>
                           </a:rPr>
                         </m:ctrlPr>
@@ -5211,14 +5323,14 @@
                           <m:accPr>
                             <m:chr m:val="̂"/>
                             <m:ctrlPr>
-                              <a:rPr i="1">
+                              <a:rPr lang="ar-AE" i="1">
                                 <a:latin typeface="Cambria Math" panose="02040503050406030204" pitchFamily="18" charset="0"/>
                               </a:rPr>
                             </m:ctrlPr>
                           </m:accPr>
                           <m:e>
                             <m:r>
-                              <a:rPr>
+                              <a:rPr lang="ar-AE">
                                 <a:latin typeface="Cambria Math" panose="02040503050406030204" pitchFamily="18" charset="0"/>
                               </a:rPr>
                               <m:t>ℱ</m:t>
@@ -5229,12 +5341,38 @@
                     </m:d>
                   </m:oMath>
                 </a14:m>
-                <a:endParaRPr dirty="0"/>
+                <a:r>
+                  <a:rPr lang="en-US" sz="2400" dirty="0"/>
+                  <a:t>, we compute for the population is based on a sample, </a:t>
+                </a:r>
+                <a14:m>
+                  <m:oMath xmlns:m="http://schemas.openxmlformats.org/officeDocument/2006/math">
+                    <m:acc>
+                      <m:accPr>
+                        <m:chr m:val="̂"/>
+                        <m:ctrlPr>
+                          <a:rPr lang="ar-AE" sz="2400" i="1">
+                            <a:latin typeface="Cambria Math" panose="02040503050406030204" pitchFamily="18" charset="0"/>
+                          </a:rPr>
+                        </m:ctrlPr>
+                      </m:accPr>
+                      <m:e>
+                        <m:r>
+                          <a:rPr lang="ar-AE" sz="2400">
+                            <a:latin typeface="Cambria Math" panose="02040503050406030204" pitchFamily="18" charset="0"/>
+                          </a:rPr>
+                          <m:t>ℱ</m:t>
+                        </m:r>
+                      </m:e>
+                    </m:acc>
+                  </m:oMath>
+                </a14:m>
+                <a:endParaRPr lang="ar-AE" sz="2400" dirty="0"/>
               </a:p>
             </p:txBody>
           </p:sp>
         </mc:Choice>
-        <mc:Fallback xmlns="">
+        <mc:Fallback>
           <p:sp>
             <p:nvSpPr>
               <p:cNvPr id="3" name="Content Placeholder 2"/>
@@ -5253,7 +5391,7 @@
               <a:blipFill>
                 <a:blip r:embed="rId2"/>
                 <a:stretch>
-                  <a:fillRect l="-667" t="-8725" r="-889" b="-8054"/>
+                  <a:fillRect l="-667" t="-8725"/>
                 </a:stretch>
               </a:blipFill>
             </p:spPr>
@@ -5288,7 +5426,7 @@
         </p:blipFill>
         <p:spPr bwMode="auto">
           <a:xfrm>
-            <a:off x="2415572" y="1914382"/>
+            <a:off x="2375658" y="1914382"/>
             <a:ext cx="5130800" cy="2882900"/>
           </a:xfrm>
           <a:prstGeom prst="rect">
@@ -5381,6 +5519,101 @@
           </a:p>
         </p:txBody>
       </p:sp>
+      <p:sp>
+        <p:nvSpPr>
+          <p:cNvPr id="3" name="Content Placeholder 2"/>
+          <p:cNvSpPr>
+            <a:spLocks noGrp="1"/>
+          </p:cNvSpPr>
+          <p:nvPr>
+            <p:ph idx="1"/>
+          </p:nvPr>
+        </p:nvSpPr>
+        <p:spPr/>
+        <p:txBody>
+          <a:bodyPr/>
+          <a:lstStyle/>
+          <a:p>
+            <a:pPr marL="0" lvl="0" indent="0">
+              <a:buNone/>
+            </a:pPr>
+            <a:r>
+              <a:t>The weak law of large numbers has a long history</a:t>
+            </a:r>
+          </a:p>
+          <a:p>
+            <a:pPr lvl="0"/>
+            <a:r>
+              <a:t>Jacob Bernoulli posthumously published the first proof for the Binomial distribution in 1713</a:t>
+            </a:r>
+          </a:p>
+          <a:p>
+            <a:pPr lvl="0"/>
+            <a:r>
+              <a:t>Law of large numbers is sometimes referred to as </a:t>
+            </a:r>
+            <a:r>
+              <a:rPr b="1"/>
+              <a:t>Bernoulli’s theorem</a:t>
+            </a:r>
+          </a:p>
+          <a:p>
+            <a:pPr lvl="0"/>
+            <a:r>
+              <a:t>A more general proof was published by Poisson in 1837.</a:t>
+            </a:r>
+          </a:p>
+        </p:txBody>
+      </p:sp>
+    </p:spTree>
+  </p:cSld>
+  <p:clrMapOvr>
+    <a:masterClrMapping/>
+  </p:clrMapOvr>
+</p:sld>
+</file>
+
+<file path=ppt/slides/slide17.xml><?xml version="1.0" encoding="utf-8"?>
+<p:sld xmlns:a="http://schemas.openxmlformats.org/drawingml/2006/main" xmlns:r="http://schemas.openxmlformats.org/officeDocument/2006/relationships" xmlns:p="http://schemas.openxmlformats.org/presentationml/2006/main">
+  <p:cSld>
+    <p:spTree>
+      <p:nvGrpSpPr>
+        <p:cNvPr id="1" name=""/>
+        <p:cNvGrpSpPr/>
+        <p:nvPr/>
+      </p:nvGrpSpPr>
+      <p:grpSpPr>
+        <a:xfrm>
+          <a:off x="0" y="0"/>
+          <a:ext cx="0" cy="0"/>
+          <a:chOff x="0" y="0"/>
+          <a:chExt cx="0" cy="0"/>
+        </a:xfrm>
+      </p:grpSpPr>
+      <p:sp>
+        <p:nvSpPr>
+          <p:cNvPr id="2" name="Title 1"/>
+          <p:cNvSpPr>
+            <a:spLocks noGrp="1"/>
+          </p:cNvSpPr>
+          <p:nvPr>
+            <p:ph type="title"/>
+          </p:nvPr>
+        </p:nvSpPr>
+        <p:spPr/>
+        <p:txBody>
+          <a:bodyPr/>
+          <a:lstStyle/>
+          <a:p>
+            <a:pPr marL="0" lvl="0" indent="0">
+              <a:buNone/>
+            </a:pPr>
+            <a:r>
+              <a:t>Sampling and the Law of Large Numbers</a:t>
+            </a:r>
+          </a:p>
+        </p:txBody>
+      </p:sp>
       <mc:AlternateContent xmlns:mc="http://schemas.openxmlformats.org/markup-compatibility/2006">
         <mc:Choice xmlns:a14="http://schemas.microsoft.com/office/drawing/2010/main" Requires="a14">
           <p:sp>
@@ -5393,10 +5626,15 @@
                 <p:ph idx="1"/>
               </p:nvPr>
             </p:nvSpPr>
-            <p:spPr/>
+            <p:spPr>
+              <a:xfrm>
+                <a:off x="457200" y="1200151"/>
+                <a:ext cx="8229600" cy="3633106"/>
+              </a:xfrm>
+            </p:spPr>
             <p:txBody>
               <a:bodyPr>
-                <a:normAutofit fontScale="85000" lnSpcReduction="10000"/>
+                <a:normAutofit fontScale="77500" lnSpcReduction="20000"/>
               </a:bodyPr>
               <a:lstStyle/>
               <a:p>
@@ -5417,61 +5655,14 @@
                 </a:r>
                 <a:r>
                   <a:rPr lang="en-US" b="1" dirty="0"/>
-                  <a:t>statistics of independent unbiased random samples converge to the population values as more samples are used</a:t>
+                  <a:t>statistics computed from independent unbiased random samples converge to the population values as larger samples are used</a:t>
                 </a:r>
               </a:p>
               <a:p>
                 <a:pPr lvl="0"/>
                 <a:r>
                   <a:rPr lang="en-US" dirty="0"/>
-                  <a:t>Example, for a population distribution, </a:t>
-                </a:r>
-                <a14:m>
-                  <m:oMath xmlns:m="http://schemas.openxmlformats.org/officeDocument/2006/math">
-                    <m:r>
-                      <a:rPr lang="en-US">
-                        <a:latin typeface="Cambria Math" panose="02040503050406030204" pitchFamily="18" charset="0"/>
-                      </a:rPr>
-                      <m:t>𝒩</m:t>
-                    </m:r>
-                    <m:d>
-                      <m:dPr>
-                        <m:ctrlPr>
-                          <a:rPr lang="ar-AE" i="1">
-                            <a:latin typeface="Cambria Math" panose="02040503050406030204" pitchFamily="18" charset="0"/>
-                          </a:rPr>
-                        </m:ctrlPr>
-                      </m:dPr>
-                      <m:e>
-                        <m:r>
-                          <a:rPr lang="ar-AE">
-                            <a:latin typeface="Cambria Math" panose="02040503050406030204" pitchFamily="18" charset="0"/>
-                          </a:rPr>
-                          <m:t>𝜇</m:t>
-                        </m:r>
-                        <m:r>
-                          <a:rPr lang="ar-AE">
-                            <a:latin typeface="Cambria Math" panose="02040503050406030204" pitchFamily="18" charset="0"/>
-                          </a:rPr>
-                          <m:t>,</m:t>
-                        </m:r>
-                        <m:r>
-                          <a:rPr lang="ar-AE">
-                            <a:latin typeface="Cambria Math" panose="02040503050406030204" pitchFamily="18" charset="0"/>
-                          </a:rPr>
-                          <m:t>𝜎</m:t>
-                        </m:r>
-                      </m:e>
-                    </m:d>
-                  </m:oMath>
-                </a14:m>
-                <a:r>
-                  <a:rPr lang="ar-AE" dirty="0"/>
-                  <a:t>, </a:t>
-                </a:r>
-                <a:r>
-                  <a:rPr lang="en-US" dirty="0"/>
-                  <a:t>the sample mean is:</a:t>
+                  <a:t>Example, for a population, the sample mean is:</a:t>
                 </a:r>
               </a:p>
               <a:p>
@@ -5744,7 +5935,26 @@
                 <a:pPr lvl="0"/>
                 <a:r>
                   <a:rPr lang="en-US" dirty="0"/>
-                  <a:t>This result is reassuring, the larger the sample the more the statistic converges to the population parameter</a:t>
+                  <a:t>This result is reassuring, </a:t>
+                </a:r>
+                <a:r>
+                  <a:rPr lang="en-US" b="1" dirty="0"/>
+                  <a:t>the larger the sample the better the statistic converges to the population parameter</a:t>
+                </a:r>
+              </a:p>
+              <a:p>
+                <a:pPr lvl="0"/>
+                <a:r>
+                  <a:rPr lang="en-US" dirty="0"/>
+                  <a:t>Weak law of large numbers applies to </a:t>
+                </a:r>
+                <a:r>
+                  <a:rPr lang="en-US" dirty="0" err="1"/>
+                  <a:t>estiamtes</a:t>
+                </a:r>
+                <a:r>
+                  <a:rPr lang="en-US" dirty="0"/>
+                  <a:t> of parameters of a machine learning model</a:t>
                 </a:r>
                 <a:endParaRPr dirty="0"/>
               </a:p>
@@ -5763,10 +5973,14 @@
               </p:nvPr>
             </p:nvSpPr>
             <p:spPr>
+              <a:xfrm>
+                <a:off x="457200" y="1200151"/>
+                <a:ext cx="8229600" cy="3633106"/>
+              </a:xfrm>
               <a:blipFill>
                 <a:blip r:embed="rId2"/>
                 <a:stretch>
-                  <a:fillRect l="-741" t="-1975" b="-1436"/>
+                  <a:fillRect l="-667" t="-2181" r="-519"/>
                 </a:stretch>
               </a:blipFill>
             </p:spPr>
@@ -5785,172 +5999,6 @@
           </p:sp>
         </mc:Fallback>
       </mc:AlternateContent>
-    </p:spTree>
-  </p:cSld>
-  <p:clrMapOvr>
-    <a:masterClrMapping/>
-  </p:clrMapOvr>
-</p:sld>
-</file>
-
-<file path=ppt/slides/slide17.xml><?xml version="1.0" encoding="utf-8"?>
-<p:sld xmlns:a="http://schemas.openxmlformats.org/drawingml/2006/main" xmlns:r="http://schemas.openxmlformats.org/officeDocument/2006/relationships" xmlns:p="http://schemas.openxmlformats.org/presentationml/2006/main">
-  <p:cSld>
-    <p:spTree>
-      <p:nvGrpSpPr>
-        <p:cNvPr id="1" name=""/>
-        <p:cNvGrpSpPr/>
-        <p:nvPr/>
-      </p:nvGrpSpPr>
-      <p:grpSpPr>
-        <a:xfrm>
-          <a:off x="0" y="0"/>
-          <a:ext cx="0" cy="0"/>
-          <a:chOff x="0" y="0"/>
-          <a:chExt cx="0" cy="0"/>
-        </a:xfrm>
-      </p:grpSpPr>
-      <p:sp>
-        <p:nvSpPr>
-          <p:cNvPr id="2" name="Title 1"/>
-          <p:cNvSpPr>
-            <a:spLocks noGrp="1"/>
-          </p:cNvSpPr>
-          <p:nvPr>
-            <p:ph type="title"/>
-          </p:nvPr>
-        </p:nvSpPr>
-        <p:spPr/>
-        <p:txBody>
-          <a:bodyPr/>
-          <a:lstStyle/>
-          <a:p>
-            <a:pPr marL="0" lvl="0" indent="0">
-              <a:buNone/>
-            </a:pPr>
-            <a:r>
-              <a:t>Sampling and the Law of Large Numbers</a:t>
-            </a:r>
-          </a:p>
-        </p:txBody>
-      </p:sp>
-      <p:sp>
-        <p:nvSpPr>
-          <p:cNvPr id="3" name="Content Placeholder 2"/>
-          <p:cNvSpPr>
-            <a:spLocks noGrp="1"/>
-          </p:cNvSpPr>
-          <p:nvPr>
-            <p:ph idx="1"/>
-          </p:nvPr>
-        </p:nvSpPr>
-        <p:spPr>
-          <a:xfrm>
-            <a:off x="457200" y="1200150"/>
-            <a:ext cx="8229600" cy="3533895"/>
-          </a:xfrm>
-        </p:spPr>
-        <p:txBody>
-          <a:bodyPr>
-            <a:normAutofit fontScale="85000" lnSpcReduction="10000"/>
-          </a:bodyPr>
-          <a:lstStyle/>
-          <a:p>
-            <a:pPr marL="0" lvl="0" indent="0">
-              <a:buNone/>
-            </a:pPr>
-            <a:r>
-              <a:rPr dirty="0"/>
-              <a:t>The</a:t>
-            </a:r>
-            <a:r>
-              <a:rPr lang="en-US" dirty="0"/>
-              <a:t> weak</a:t>
-            </a:r>
-            <a:r>
-              <a:rPr dirty="0"/>
-              <a:t> law of large numbers is foundational to statistics</a:t>
-            </a:r>
-          </a:p>
-          <a:p>
-            <a:pPr lvl="0"/>
-            <a:r>
-              <a:rPr dirty="0"/>
-              <a:t>We rely on the law of large numbers whenever we work with samples</a:t>
-            </a:r>
-          </a:p>
-          <a:p>
-            <a:pPr lvl="0"/>
-            <a:r>
-              <a:rPr dirty="0"/>
-              <a:t>Assume that </a:t>
-            </a:r>
-            <a:r>
-              <a:rPr b="1" dirty="0"/>
-              <a:t>larger samples are more representatives of the population we are sampling</a:t>
-            </a:r>
-          </a:p>
-          <a:p>
-            <a:pPr lvl="0"/>
-            <a:r>
-              <a:rPr dirty="0"/>
-              <a:t>Is foundation of sampling theory, plus modern computational methods</a:t>
-            </a:r>
-            <a:endParaRPr lang="en-US" dirty="0"/>
-          </a:p>
-          <a:p>
-            <a:pPr lvl="1"/>
-            <a:r>
-              <a:rPr lang="en-US" dirty="0"/>
-              <a:t>Monte Carlo s</a:t>
-            </a:r>
-            <a:r>
-              <a:rPr dirty="0"/>
-              <a:t>imulation</a:t>
-            </a:r>
-            <a:endParaRPr lang="en-US" dirty="0"/>
-          </a:p>
-          <a:p>
-            <a:pPr lvl="1"/>
-            <a:r>
-              <a:rPr lang="en-US" dirty="0"/>
-              <a:t>B</a:t>
-            </a:r>
-            <a:r>
-              <a:rPr dirty="0"/>
-              <a:t>ootstrap resampling</a:t>
-            </a:r>
-            <a:endParaRPr lang="en-US" dirty="0"/>
-          </a:p>
-          <a:p>
-            <a:pPr lvl="1"/>
-            <a:r>
-              <a:rPr lang="en-US" dirty="0"/>
-              <a:t>Markov Chain </a:t>
-            </a:r>
-            <a:r>
-              <a:rPr dirty="0"/>
-              <a:t>Monte Carlo methods</a:t>
-            </a:r>
-            <a:endParaRPr lang="en-US" dirty="0"/>
-          </a:p>
-          <a:p>
-            <a:pPr lvl="1"/>
-            <a:r>
-              <a:rPr lang="en-US" dirty="0"/>
-              <a:t>Etc.</a:t>
-            </a:r>
-            <a:endParaRPr dirty="0"/>
-          </a:p>
-          <a:p>
-            <a:pPr lvl="0"/>
-            <a:r>
-              <a:rPr dirty="0"/>
-              <a:t>If the real world did not follow this theorem, then much of statistics (along with much of science and technology) would have to be rethought</a:t>
-            </a:r>
-          </a:p>
-        </p:txBody>
-      </p:sp>
     </p:spTree>
   </p:cSld>
   <p:clrMapOvr>
@@ -6010,39 +6058,136 @@
             <p:ph idx="1"/>
           </p:nvPr>
         </p:nvSpPr>
-        <p:spPr/>
-        <p:txBody>
-          <a:bodyPr/>
+        <p:spPr>
+          <a:xfrm>
+            <a:off x="457200" y="1200150"/>
+            <a:ext cx="8229600" cy="3533895"/>
+          </a:xfrm>
+        </p:spPr>
+        <p:txBody>
+          <a:bodyPr>
+            <a:normAutofit fontScale="85000" lnSpcReduction="10000"/>
+          </a:bodyPr>
           <a:lstStyle/>
           <a:p>
             <a:pPr marL="0" lvl="0" indent="0">
               <a:buNone/>
             </a:pPr>
             <a:r>
-              <a:t>The weak law of large numbers has a long history</a:t>
+              <a:rPr dirty="0"/>
+              <a:t>The</a:t>
+            </a:r>
+            <a:r>
+              <a:rPr lang="en-US" dirty="0"/>
+              <a:t> weak</a:t>
+            </a:r>
+            <a:r>
+              <a:rPr dirty="0"/>
+              <a:t> law of large numbers is foundational to statistics</a:t>
             </a:r>
           </a:p>
           <a:p>
             <a:pPr lvl="0"/>
             <a:r>
-              <a:t>Jacob Bernoulli posthumously published the first proof for the Binomial distribution in 1713</a:t>
+              <a:rPr dirty="0"/>
+              <a:t>We rely on the law of large numbers whenever we work with samples</a:t>
             </a:r>
           </a:p>
           <a:p>
             <a:pPr lvl="0"/>
             <a:r>
-              <a:t>Law of large numbers is sometimes referred to as </a:t>
-            </a:r>
-            <a:r>
-              <a:rPr b="1"/>
-              <a:t>Bernoulli’s theorem</a:t>
-            </a:r>
+              <a:rPr lang="en-US" dirty="0"/>
+              <a:t>Can a</a:t>
+            </a:r>
+            <a:r>
+              <a:rPr dirty="0"/>
+              <a:t>ssume that </a:t>
+            </a:r>
+            <a:r>
+              <a:rPr b="1" dirty="0"/>
+              <a:t>larger samples are more representatives of the population </a:t>
+            </a:r>
+            <a:endParaRPr lang="en-US" b="1" dirty="0"/>
           </a:p>
           <a:p>
             <a:pPr lvl="0"/>
             <a:r>
-              <a:t>A more general proof was published by Poisson in 1837.</a:t>
-            </a:r>
+              <a:rPr dirty="0"/>
+              <a:t>Is foundation of </a:t>
+            </a:r>
+            <a:r>
+              <a:rPr lang="en-US" dirty="0"/>
+              <a:t>statistical</a:t>
+            </a:r>
+            <a:r>
+              <a:rPr dirty="0"/>
+              <a:t> theory</a:t>
+            </a:r>
+            <a:r>
+              <a:rPr lang="en-US" dirty="0"/>
+              <a:t> and </a:t>
+            </a:r>
+            <a:r>
+              <a:rPr dirty="0"/>
+              <a:t>modern computational methods</a:t>
+            </a:r>
+            <a:endParaRPr lang="en-US" dirty="0"/>
+          </a:p>
+          <a:p>
+            <a:pPr lvl="1"/>
+            <a:r>
+              <a:rPr lang="en-US" dirty="0"/>
+              <a:t>Monte Carlo s</a:t>
+            </a:r>
+            <a:r>
+              <a:rPr dirty="0"/>
+              <a:t>imulation</a:t>
+            </a:r>
+            <a:endParaRPr lang="en-US" dirty="0"/>
+          </a:p>
+          <a:p>
+            <a:pPr lvl="1"/>
+            <a:r>
+              <a:rPr lang="en-US" dirty="0"/>
+              <a:t>B</a:t>
+            </a:r>
+            <a:r>
+              <a:rPr dirty="0"/>
+              <a:t>ootstrap resampling</a:t>
+            </a:r>
+            <a:endParaRPr lang="en-US" dirty="0"/>
+          </a:p>
+          <a:p>
+            <a:pPr lvl="1"/>
+            <a:r>
+              <a:rPr lang="en-US" dirty="0"/>
+              <a:t>Markov Chain </a:t>
+            </a:r>
+            <a:r>
+              <a:rPr dirty="0"/>
+              <a:t>Monte Carlo methods</a:t>
+            </a:r>
+            <a:endParaRPr lang="en-US" dirty="0"/>
+          </a:p>
+          <a:p>
+            <a:pPr lvl="1"/>
+            <a:r>
+              <a:rPr lang="en-US" dirty="0"/>
+              <a:t>Etc.</a:t>
+            </a:r>
+            <a:endParaRPr dirty="0"/>
+          </a:p>
+          <a:p>
+            <a:pPr lvl="0"/>
+            <a:r>
+              <a:rPr dirty="0"/>
+              <a:t>If the real world did not follow this theorem, then much of statistics (along with much of science and technology) would </a:t>
+            </a:r>
+            <a:r>
+              <a:rPr lang="en-US" dirty="0"/>
+              <a:t>fail!</a:t>
+            </a:r>
+            <a:endParaRPr dirty="0"/>
           </a:p>
         </p:txBody>
       </p:sp>
@@ -6103,8 +6248,8 @@
           </a:p>
         </p:txBody>
       </p:sp>
-      <mc:AlternateContent xmlns:mc="http://schemas.openxmlformats.org/markup-compatibility/2006" xmlns:a14="http://schemas.microsoft.com/office/drawing/2010/main">
-        <mc:Choice Requires="a14">
+      <mc:AlternateContent xmlns:mc="http://schemas.openxmlformats.org/markup-compatibility/2006">
+        <mc:Choice xmlns:a14="http://schemas.microsoft.com/office/drawing/2010/main" Requires="a14">
           <p:sp>
             <p:nvSpPr>
               <p:cNvPr id="4" name="Text Placeholder 3"/>
@@ -6152,72 +6297,28 @@
                 </a:pPr>
                 <a:r>
                   <a:rPr lang="en-US" sz="2400" dirty="0"/>
-                  <a:t>The mean converges to the expected value of 0.5 for </a:t>
+                  <a:t>The mean converges to the expected value of 0.5 as </a:t>
                 </a:r>
                 <a14:m>
                   <m:oMath xmlns:m="http://schemas.openxmlformats.org/officeDocument/2006/math">
                     <m:r>
-                      <a:rPr lang="en-US" sz="2400">
+                      <a:rPr lang="en-US" sz="2400" b="0" i="1" smtClean="0">
                         <a:latin typeface="Cambria Math" panose="02040503050406030204" pitchFamily="18" charset="0"/>
                       </a:rPr>
                       <m:t>𝑛</m:t>
                     </m:r>
-                    <m:r>
-                      <a:rPr lang="en-US" sz="2400">
-                        <a:latin typeface="Cambria Math" panose="02040503050406030204" pitchFamily="18" charset="0"/>
-                      </a:rPr>
-                      <m:t>=</m:t>
-                    </m:r>
-                    <m:r>
-                      <a:rPr lang="en-US" sz="2400">
-                        <a:latin typeface="Cambria Math" panose="02040503050406030204" pitchFamily="18" charset="0"/>
-                      </a:rPr>
-                      <m:t>5</m:t>
-                    </m:r>
-                    <m:r>
-                      <a:rPr lang="en-US" sz="2400">
-                        <a:latin typeface="Cambria Math" panose="02040503050406030204" pitchFamily="18" charset="0"/>
-                      </a:rPr>
-                      <m:t>, </m:t>
-                    </m:r>
-                    <m:r>
-                      <a:rPr lang="en-US" sz="2400">
-                        <a:latin typeface="Cambria Math" panose="02040503050406030204" pitchFamily="18" charset="0"/>
-                      </a:rPr>
-                      <m:t>50</m:t>
-                    </m:r>
-                    <m:r>
-                      <a:rPr lang="en-US" sz="2400">
-                        <a:latin typeface="Cambria Math" panose="02040503050406030204" pitchFamily="18" charset="0"/>
-                      </a:rPr>
-                      <m:t>, </m:t>
-                    </m:r>
-                    <m:r>
-                      <a:rPr lang="en-US" sz="2400">
-                        <a:latin typeface="Cambria Math" panose="02040503050406030204" pitchFamily="18" charset="0"/>
-                      </a:rPr>
-                      <m:t>500</m:t>
-                    </m:r>
-                    <m:r>
-                      <a:rPr lang="en-US" sz="2400">
-                        <a:latin typeface="Cambria Math" panose="02040503050406030204" pitchFamily="18" charset="0"/>
-                      </a:rPr>
-                      <m:t>, </m:t>
-                    </m:r>
-                    <m:r>
-                      <a:rPr lang="en-US" sz="2400">
-                        <a:latin typeface="Cambria Math" panose="02040503050406030204" pitchFamily="18" charset="0"/>
-                      </a:rPr>
-                      <m:t>5000</m:t>
-                    </m:r>
                   </m:oMath>
                 </a14:m>
+                <a:r>
+                  <a:rPr lang="en-US" sz="2400" dirty="0"/>
+                  <a:t> increases</a:t>
+                </a:r>
                 <a:endParaRPr sz="2400" dirty="0"/>
               </a:p>
             </p:txBody>
           </p:sp>
         </mc:Choice>
-        <mc:Fallback xmlns="">
+        <mc:Fallback>
           <p:sp>
             <p:nvSpPr>
               <p:cNvPr id="4" name="Text Placeholder 3"/>
@@ -6428,7 +6529,7 @@
                 <a:ea typeface="Calibri" panose="020F0502020204030204" pitchFamily="34" charset="0"/>
                 <a:cs typeface="Times New Roman" panose="02020603050405020304" pitchFamily="18" charset="0"/>
               </a:rPr>
-              <a:t>nderstanding the fit and errors in models</a:t>
+              <a:t>nderstanding model fit and errors</a:t>
             </a:r>
             <a:endParaRPr lang="en-US" sz="2200" dirty="0">
               <a:latin typeface="Calibri" panose="020F0502020204030204" pitchFamily="34" charset="0"/>
@@ -7056,8 +7157,8 @@
           </a:p>
         </p:txBody>
       </p:sp>
-      <mc:AlternateContent xmlns:mc="http://schemas.openxmlformats.org/markup-compatibility/2006" xmlns:a14="http://schemas.microsoft.com/office/drawing/2010/main">
-        <mc:Choice Requires="a14">
+      <mc:AlternateContent xmlns:mc="http://schemas.openxmlformats.org/markup-compatibility/2006">
+        <mc:Choice xmlns:a14="http://schemas.microsoft.com/office/drawing/2010/main" Requires="a14">
           <p:sp>
             <p:nvSpPr>
               <p:cNvPr id="3" name="Content Placeholder 2"/>
@@ -7068,10 +7169,15 @@
                 <p:ph idx="1"/>
               </p:nvPr>
             </p:nvSpPr>
-            <p:spPr/>
+            <p:spPr>
+              <a:xfrm>
+                <a:off x="457200" y="1200150"/>
+                <a:ext cx="8229600" cy="3564163"/>
+              </a:xfrm>
+            </p:spPr>
             <p:txBody>
               <a:bodyPr>
-                <a:normAutofit/>
+                <a:normAutofit fontScale="92500" lnSpcReduction="10000"/>
               </a:bodyPr>
               <a:lstStyle/>
               <a:p>
@@ -7087,7 +7193,7 @@
                 <a:pPr lvl="0"/>
                 <a:r>
                   <a:rPr lang="en-US" dirty="0"/>
-                  <a:t>Sampling distribution of mean estimates do not depend on the population distribution the sample was drawn from</a:t>
+                  <a:t>Sampling distribution of mean estimates do not depend on the population distribution</a:t>
                 </a:r>
               </a:p>
               <a:p>
@@ -7201,14 +7307,21 @@
                 <a:pPr lvl="0"/>
                 <a:r>
                   <a:rPr lang="en-US" dirty="0"/>
-                  <a:t>CLT is the basis for hypothesis testing</a:t>
+                  <a:t>CLT is the basis for some hypothesis tests</a:t>
+                </a:r>
+              </a:p>
+              <a:p>
+                <a:pPr lvl="0"/>
+                <a:r>
+                  <a:rPr lang="en-US" dirty="0"/>
+                  <a:t>CLT applies to mean estimates of machine learning model parameters</a:t>
                 </a:r>
                 <a:endParaRPr dirty="0"/>
               </a:p>
             </p:txBody>
           </p:sp>
         </mc:Choice>
-        <mc:Fallback xmlns="">
+        <mc:Fallback>
           <p:sp>
             <p:nvSpPr>
               <p:cNvPr id="3" name="Content Placeholder 2"/>
@@ -7220,10 +7333,14 @@
               </p:nvPr>
             </p:nvSpPr>
             <p:spPr>
+              <a:xfrm>
+                <a:off x="457200" y="1200150"/>
+                <a:ext cx="8229600" cy="3564163"/>
+              </a:xfrm>
               <a:blipFill>
                 <a:blip r:embed="rId2"/>
                 <a:stretch>
-                  <a:fillRect l="-1111" t="-1436" r="-444" b="-1616"/>
+                  <a:fillRect l="-963" t="-2222" r="-889"/>
                 </a:stretch>
               </a:blipFill>
             </p:spPr>
@@ -7489,8 +7606,8 @@
           </a:prstGeom>
         </p:spPr>
       </p:pic>
-      <mc:AlternateContent xmlns:mc="http://schemas.openxmlformats.org/markup-compatibility/2006">
-        <mc:Choice xmlns:a14="http://schemas.microsoft.com/office/drawing/2010/main" Requires="a14">
+      <mc:AlternateContent xmlns:mc="http://schemas.openxmlformats.org/markup-compatibility/2006" xmlns:a14="http://schemas.microsoft.com/office/drawing/2010/main">
+        <mc:Choice Requires="a14">
           <p:sp>
             <p:nvSpPr>
               <p:cNvPr id="7" name="Content Placeholder 2">
@@ -7613,7 +7730,7 @@
             </p:txBody>
           </p:sp>
         </mc:Choice>
-        <mc:Fallback>
+        <mc:Fallback xmlns="">
           <p:sp>
             <p:nvSpPr>
               <p:cNvPr id="7" name="Content Placeholder 2">
@@ -7703,7 +7820,16 @@
               <a:buNone/>
             </a:pPr>
             <a:r>
-              <a:t>Standard Error and Convergence for a Normal Distribution</a:t>
+              <a:rPr dirty="0"/>
+              <a:t>Standard Error and Convergence for a </a:t>
+            </a:r>
+            <a:r>
+              <a:rPr lang="en-US" dirty="0"/>
+              <a:t>Sample</a:t>
+            </a:r>
+            <a:r>
+              <a:rPr dirty="0"/>
+              <a:t> Distribution</a:t>
             </a:r>
           </a:p>
         </p:txBody>
@@ -7737,7 +7863,7 @@
                 </a:pPr>
                 <a:r>
                   <a:rPr lang="en-US" dirty="0"/>
-                  <a:t>As we sampled from a Normal distribution, the sample means converges to the population mean</a:t>
+                  <a:t>As we sampled from a Normal distribution, the sample mean converges to the population mean</a:t>
                 </a:r>
               </a:p>
               <a:p>
@@ -7773,7 +7899,7 @@
                 <a:pPr lvl="1"/>
                 <a:r>
                   <a:rPr lang="en-US" dirty="0"/>
-                  <a:t>This empirical measure is known as the </a:t>
+                  <a:t>The empirical measure is known as the </a:t>
                 </a:r>
                 <a:r>
                   <a:rPr lang="en-US" b="1" dirty="0"/>
@@ -7898,7 +8024,7 @@
                 <a:pPr lvl="0"/>
                 <a:r>
                   <a:rPr lang="en-US" dirty="0"/>
-                  <a:t>Example, if you wish to halve the error, you will need to sample four times as many values.</a:t>
+                  <a:t>Example, if you wish to halve the standard error, you will need a sample four times as large</a:t>
                 </a:r>
                 <a:endParaRPr dirty="0"/>
               </a:p>
@@ -7924,7 +8050,7 @@
               <a:blipFill>
                 <a:blip r:embed="rId2"/>
                 <a:stretch>
-                  <a:fillRect l="-741" t="-2488" r="-444"/>
+                  <a:fillRect l="-741" t="-2488"/>
                 </a:stretch>
               </a:blipFill>
             </p:spPr>
@@ -7981,7 +8107,7 @@
         <p:spPr/>
         <p:txBody>
           <a:bodyPr>
-            <a:normAutofit fontScale="90000"/>
+            <a:normAutofit/>
           </a:bodyPr>
           <a:lstStyle/>
           <a:p>
@@ -7989,13 +8115,14 @@
               <a:buNone/>
             </a:pPr>
             <a:r>
-              <a:t>Standard Error and Convergence for a Normal Distribution</a:t>
-            </a:r>
-          </a:p>
-        </p:txBody>
-      </p:sp>
-      <mc:AlternateContent xmlns:mc="http://schemas.openxmlformats.org/markup-compatibility/2006" xmlns:a14="http://schemas.microsoft.com/office/drawing/2010/main">
-        <mc:Choice Requires="a14">
+              <a:rPr dirty="0"/>
+              <a:t>Standard Error and Convergence</a:t>
+            </a:r>
+          </a:p>
+        </p:txBody>
+      </p:sp>
+      <mc:AlternateContent xmlns:mc="http://schemas.openxmlformats.org/markup-compatibility/2006">
+        <mc:Choice xmlns:a14="http://schemas.microsoft.com/office/drawing/2010/main" Requires="a14">
           <p:sp>
             <p:nvSpPr>
               <p:cNvPr id="3" name="Content Placeholder 2"/>
@@ -8016,7 +8143,22 @@
                 </a:pPr>
                 <a:r>
                   <a:rPr dirty="0"/>
-                  <a:t>As we sampled from a Normal distribution, the sample means converges to the population mean</a:t>
+                  <a:t>As we sampled from a </a:t>
+                </a:r>
+                <a:r>
+                  <a:rPr lang="en-US" dirty="0"/>
+                  <a:t>population</a:t>
+                </a:r>
+                <a:r>
+                  <a:rPr dirty="0"/>
+                  <a:t> distribution, the sample mean converges to the population mean</a:t>
+                </a:r>
+              </a:p>
+              <a:p>
+                <a:pPr lvl="0"/>
+                <a:r>
+                  <a:rPr lang="en-US" dirty="0"/>
+                  <a:t>By the CLT the sample distribution of the mean is Normal</a:t>
                 </a:r>
               </a:p>
               <a:p>
@@ -8180,7 +8322,7 @@
             </p:txBody>
           </p:sp>
         </mc:Choice>
-        <mc:Fallback xmlns="">
+        <mc:Fallback>
           <p:sp>
             <p:nvSpPr>
               <p:cNvPr id="3" name="Content Placeholder 2"/>
@@ -8195,7 +8337,7 @@
               <a:blipFill>
                 <a:blip r:embed="rId2"/>
                 <a:stretch>
-                  <a:fillRect l="-1111" t="-1436"/>
+                  <a:fillRect l="-1111" t="-1436" r="-593"/>
                 </a:stretch>
               </a:blipFill>
             </p:spPr>
@@ -8419,59 +8561,81 @@
         </p:nvSpPr>
         <p:spPr/>
         <p:txBody>
-          <a:bodyPr/>
+          <a:bodyPr>
+            <a:normAutofit/>
+          </a:bodyPr>
           <a:lstStyle/>
           <a:p>
             <a:pPr marL="0" lvl="0" indent="0">
               <a:buNone/>
             </a:pPr>
             <a:r>
-              <a:t>There are a great number of possible sampling methods.</a:t>
-            </a:r>
+              <a:rPr dirty="0"/>
+              <a:t>There are a great number of possible sampling methods</a:t>
+            </a:r>
+            <a:r>
+              <a:rPr lang="en-US" dirty="0"/>
+              <a:t>, including</a:t>
+            </a:r>
+            <a:endParaRPr dirty="0"/>
           </a:p>
           <a:p>
             <a:pPr lvl="0"/>
             <a:r>
-              <a:t>Some of the most commonly used methods</a:t>
+              <a:rPr b="1" dirty="0"/>
+              <a:t>Bernoulli sampling</a:t>
+            </a:r>
+            <a:r>
+              <a:rPr dirty="0"/>
+              <a:t>, a foundation of random sampling</a:t>
             </a:r>
           </a:p>
           <a:p>
             <a:pPr lvl="0"/>
             <a:r>
-              <a:rPr b="1"/>
-              <a:t>Bernoulli sampling</a:t>
-            </a:r>
-            <a:r>
-              <a:t>, a foundation of random sampling</a:t>
+              <a:rPr b="1" dirty="0"/>
+              <a:t>Stratified sampling</a:t>
+            </a:r>
+            <a:r>
+              <a:rPr dirty="0"/>
+              <a:t>, </a:t>
+            </a:r>
+            <a:r>
+              <a:rPr lang="en-US" dirty="0"/>
+              <a:t>for sampling</a:t>
+            </a:r>
+            <a:r>
+              <a:rPr dirty="0"/>
+              <a:t> groups with different characteristics</a:t>
             </a:r>
           </a:p>
           <a:p>
             <a:pPr lvl="0"/>
             <a:r>
-              <a:rPr b="1"/>
-              <a:t>Stratified sampling</a:t>
-            </a:r>
-            <a:r>
-              <a:t>, when groups with different characteristics must be sampled</a:t>
+              <a:rPr b="1" dirty="0"/>
+              <a:t>Cluster sampling</a:t>
+            </a:r>
+            <a:r>
+              <a:rPr dirty="0"/>
+              <a:t>, reduce</a:t>
+            </a:r>
+            <a:r>
+              <a:rPr lang="en-US" dirty="0"/>
+              <a:t>s</a:t>
+            </a:r>
+            <a:r>
+              <a:rPr dirty="0"/>
+              <a:t> cost of sampling</a:t>
             </a:r>
           </a:p>
           <a:p>
             <a:pPr lvl="0"/>
             <a:r>
-              <a:rPr b="1"/>
-              <a:t>Cluster sampling</a:t>
-            </a:r>
-            <a:r>
-              <a:t>, to reduce cost of sampling</a:t>
-            </a:r>
-          </a:p>
-          <a:p>
-            <a:pPr lvl="0"/>
-            <a:r>
-              <a:rPr b="1"/>
+              <a:rPr b="1" dirty="0"/>
               <a:t>Systematic sampling and convenience sampling</a:t>
             </a:r>
             <a:r>
+              <a:rPr dirty="0"/>
               <a:t>, a slippery slope</a:t>
             </a:r>
           </a:p>
@@ -8589,15 +8753,7 @@
                 <a:pPr lvl="0"/>
                 <a:r>
                   <a:rPr dirty="0"/>
-                  <a:t>A particular value in the population is </a:t>
-                </a:r>
-                <a:r>
-                  <a:rPr b="1" dirty="0"/>
-                  <a:t>sampled</a:t>
-                </a:r>
-                <a:r>
-                  <a:rPr dirty="0"/>
-                  <a:t> based on the </a:t>
+                  <a:t>A particular value in the population is sampled based on the </a:t>
                 </a:r>
                 <a:r>
                   <a:rPr b="1" dirty="0"/>
@@ -8771,7 +8927,25 @@
                 <a:ea typeface="Calibri" panose="020F0502020204030204" pitchFamily="34" charset="0"/>
                 <a:cs typeface="Times New Roman" panose="02020603050405020304" pitchFamily="18" charset="0"/>
               </a:rPr>
-              <a:t>Goal is to understand key, possibly multidimensional, relationships in large complex data sets</a:t>
+              <a:t>Goal is to understand key, possibly </a:t>
+            </a:r>
+            <a:r>
+              <a:rPr lang="en-US" sz="2200" b="1" dirty="0">
+                <a:effectLst/>
+                <a:latin typeface="Calibri" panose="020F0502020204030204" pitchFamily="34" charset="0"/>
+                <a:ea typeface="Calibri" panose="020F0502020204030204" pitchFamily="34" charset="0"/>
+                <a:cs typeface="Times New Roman" panose="02020603050405020304" pitchFamily="18" charset="0"/>
+              </a:rPr>
+              <a:t>multidimensional, relationships </a:t>
+            </a:r>
+            <a:r>
+              <a:rPr lang="en-US" sz="2200" dirty="0">
+                <a:effectLst/>
+                <a:latin typeface="Calibri" panose="020F0502020204030204" pitchFamily="34" charset="0"/>
+                <a:ea typeface="Calibri" panose="020F0502020204030204" pitchFamily="34" charset="0"/>
+                <a:cs typeface="Times New Roman" panose="02020603050405020304" pitchFamily="18" charset="0"/>
+              </a:rPr>
+              <a:t>in large complex data sets</a:t>
             </a:r>
             <a:endParaRPr lang="en-US" sz="2200" dirty="0">
               <a:latin typeface="Calibri" panose="020F0502020204030204" pitchFamily="34" charset="0"/>
@@ -9111,7 +9285,7 @@
           <a:p>
             <a:r>
               <a:rPr lang="en-US" dirty="0"/>
-              <a:t>Why not just take every 10,000 box and weigh the content?</a:t>
+              <a:t>Why not systematically take every 10,000 box from the production line and weigh the contents?</a:t>
             </a:r>
           </a:p>
           <a:p>
@@ -9567,7 +9741,15 @@
                 </a:pPr>
                 <a:r>
                   <a:rPr sz="1800" dirty="0"/>
-                  <a:t>Probability of sample from given group, </a:t>
+                  <a:t>Probability of sampl</a:t>
+                </a:r>
+                <a:r>
+                  <a:rPr lang="en-US" sz="1800" dirty="0"/>
+                  <a:t>ing</a:t>
+                </a:r>
+                <a:r>
+                  <a:rPr sz="1800" dirty="0"/>
+                  <a:t>, </a:t>
                 </a:r>
                 <a14:m>
                   <m:oMath xmlns:m="http://schemas.openxmlformats.org/officeDocument/2006/math">
@@ -9792,7 +9974,15 @@
           <a:p>
             <a:r>
               <a:rPr dirty="0"/>
-              <a:t>Testing a drug which may have different effectiveness by sex and ethnic group</a:t>
+              <a:t>Testing a drug which may have different effectiveness by sex and </a:t>
+            </a:r>
+            <a:r>
+              <a:rPr lang="en-US" dirty="0"/>
+              <a:t>age</a:t>
+            </a:r>
+            <a:r>
+              <a:rPr dirty="0"/>
+              <a:t> group</a:t>
             </a:r>
           </a:p>
           <a:p>
@@ -10091,7 +10281,7 @@
         </p:spPr>
         <p:txBody>
           <a:bodyPr>
-            <a:normAutofit/>
+            <a:normAutofit fontScale="92500"/>
           </a:bodyPr>
           <a:lstStyle/>
           <a:p>
@@ -10138,6 +10328,24 @@
             <a:r>
               <a:rPr lang="en-US" sz="2400" dirty="0"/>
               <a:t> for each group</a:t>
+            </a:r>
+          </a:p>
+          <a:p>
+            <a:pPr marL="342900" lvl="0" indent="-342900">
+              <a:buFont typeface="Arial" panose="020B0604020202020204" pitchFamily="34" charset="0"/>
+              <a:buChar char="•"/>
+            </a:pPr>
+            <a:r>
+              <a:rPr lang="en-US" sz="2400" dirty="0"/>
+              <a:t>Notice the similar </a:t>
+            </a:r>
+            <a:r>
+              <a:rPr lang="en-US" sz="2400" dirty="0" err="1"/>
+              <a:t>Ses</a:t>
+            </a:r>
+            <a:r>
+              <a:rPr lang="en-US" sz="2400" dirty="0"/>
+              <a:t> and CIs</a:t>
             </a:r>
             <a:endParaRPr sz="2400" dirty="0"/>
           </a:p>
@@ -10490,7 +10698,15 @@
             </a:pPr>
             <a:r>
               <a:rPr sz="2000" dirty="0"/>
-              <a:t>Bernoulli sample customers at these locations</a:t>
+              <a:t>Bernoulli sample </a:t>
+            </a:r>
+            <a:r>
+              <a:rPr lang="en-US" sz="2000" dirty="0"/>
+              <a:t>store </a:t>
+            </a:r>
+            <a:r>
+              <a:rPr sz="2000" dirty="0"/>
+              <a:t>locations</a:t>
             </a:r>
             <a:r>
               <a:rPr dirty="0"/>
@@ -10633,6 +10849,2443 @@
           <a:xfrm>
             <a:off x="373742" y="1857830"/>
             <a:ext cx="5301344" cy="3162356"/>
+          </a:xfrm>
+          <a:prstGeom prst="rect">
+            <a:avLst/>
+          </a:prstGeom>
+        </p:spPr>
+        <p:txBody>
+          <a:bodyPr vert="horz" lIns="91440" tIns="45720" rIns="91440" bIns="45720" rtlCol="0">
+            <a:normAutofit fontScale="92500" lnSpcReduction="20000"/>
+          </a:bodyPr>
+          <a:lstStyle>
+            <a:lvl1pPr marL="342900" indent="-342900" algn="l" defTabSz="342900" rtl="0" eaLnBrk="1" latinLnBrk="0" hangingPunct="1">
+              <a:spcBef>
+                <a:spcPct val="20000"/>
+              </a:spcBef>
+              <a:buFont typeface="Arial"/>
+              <a:buChar char="•"/>
+              <a:defRPr sz="2400" kern="1200">
+                <a:solidFill>
+                  <a:schemeClr val="tx1"/>
+                </a:solidFill>
+                <a:latin typeface="+mn-lt"/>
+                <a:ea typeface="+mn-ea"/>
+                <a:cs typeface="+mn-cs"/>
+              </a:defRPr>
+            </a:lvl1pPr>
+            <a:lvl2pPr marL="685800" indent="-342900" algn="l" defTabSz="342900" rtl="0" eaLnBrk="1" latinLnBrk="0" hangingPunct="1">
+              <a:spcBef>
+                <a:spcPct val="20000"/>
+              </a:spcBef>
+              <a:buFont typeface="Arial"/>
+              <a:buChar char="–"/>
+              <a:defRPr sz="2100" kern="1200">
+                <a:solidFill>
+                  <a:schemeClr val="tx1"/>
+                </a:solidFill>
+                <a:latin typeface="+mn-lt"/>
+                <a:ea typeface="+mn-ea"/>
+                <a:cs typeface="+mn-cs"/>
+              </a:defRPr>
+            </a:lvl2pPr>
+            <a:lvl3pPr marL="1028700" indent="-342900" algn="l" defTabSz="342900" rtl="0" eaLnBrk="1" latinLnBrk="0" hangingPunct="1">
+              <a:spcBef>
+                <a:spcPct val="20000"/>
+              </a:spcBef>
+              <a:buFont typeface="Arial"/>
+              <a:buChar char="•"/>
+              <a:defRPr sz="1800" kern="1200">
+                <a:solidFill>
+                  <a:schemeClr val="tx1"/>
+                </a:solidFill>
+                <a:latin typeface="+mn-lt"/>
+                <a:ea typeface="+mn-ea"/>
+                <a:cs typeface="+mn-cs"/>
+              </a:defRPr>
+            </a:lvl3pPr>
+            <a:lvl4pPr marL="1371600" indent="-342900" algn="l" defTabSz="342900" rtl="0" eaLnBrk="1" latinLnBrk="0" hangingPunct="1">
+              <a:spcBef>
+                <a:spcPct val="20000"/>
+              </a:spcBef>
+              <a:buFont typeface="Arial"/>
+              <a:buChar char="–"/>
+              <a:defRPr sz="1500" kern="1200">
+                <a:solidFill>
+                  <a:schemeClr val="tx1"/>
+                </a:solidFill>
+                <a:latin typeface="+mn-lt"/>
+                <a:ea typeface="+mn-ea"/>
+                <a:cs typeface="+mn-cs"/>
+              </a:defRPr>
+            </a:lvl4pPr>
+            <a:lvl5pPr marL="1714500" indent="-342900" algn="l" defTabSz="342900" rtl="0" eaLnBrk="1" latinLnBrk="0" hangingPunct="1">
+              <a:spcBef>
+                <a:spcPct val="20000"/>
+              </a:spcBef>
+              <a:buFont typeface="Arial"/>
+              <a:buChar char="»"/>
+              <a:defRPr sz="1500" kern="1200">
+                <a:solidFill>
+                  <a:schemeClr val="tx1"/>
+                </a:solidFill>
+                <a:latin typeface="+mn-lt"/>
+                <a:ea typeface="+mn-ea"/>
+                <a:cs typeface="+mn-cs"/>
+              </a:defRPr>
+            </a:lvl5pPr>
+            <a:lvl6pPr marL="2057400" indent="-342900" algn="l" defTabSz="342900" rtl="0" eaLnBrk="1" latinLnBrk="0" hangingPunct="1">
+              <a:spcBef>
+                <a:spcPct val="20000"/>
+              </a:spcBef>
+              <a:buFont typeface="Arial"/>
+              <a:buChar char="•"/>
+              <a:defRPr sz="1500" kern="1200">
+                <a:solidFill>
+                  <a:schemeClr val="tx1"/>
+                </a:solidFill>
+                <a:latin typeface="+mn-lt"/>
+                <a:ea typeface="+mn-ea"/>
+                <a:cs typeface="+mn-cs"/>
+              </a:defRPr>
+            </a:lvl6pPr>
+            <a:lvl7pPr marL="2400300" indent="-342900" algn="l" defTabSz="342900" rtl="0" eaLnBrk="1" latinLnBrk="0" hangingPunct="1">
+              <a:spcBef>
+                <a:spcPct val="20000"/>
+              </a:spcBef>
+              <a:buFont typeface="Arial"/>
+              <a:buChar char="•"/>
+              <a:defRPr sz="1500" kern="1200">
+                <a:solidFill>
+                  <a:schemeClr val="tx1"/>
+                </a:solidFill>
+                <a:latin typeface="+mn-lt"/>
+                <a:ea typeface="+mn-ea"/>
+                <a:cs typeface="+mn-cs"/>
+              </a:defRPr>
+            </a:lvl7pPr>
+            <a:lvl8pPr marL="2743200" indent="-342900" algn="l" defTabSz="342900" rtl="0" eaLnBrk="1" latinLnBrk="0" hangingPunct="1">
+              <a:spcBef>
+                <a:spcPct val="20000"/>
+              </a:spcBef>
+              <a:buFont typeface="Arial"/>
+              <a:buChar char="•"/>
+              <a:defRPr sz="1500" kern="1200">
+                <a:solidFill>
+                  <a:schemeClr val="tx1"/>
+                </a:solidFill>
+                <a:latin typeface="+mn-lt"/>
+                <a:ea typeface="+mn-ea"/>
+                <a:cs typeface="+mn-cs"/>
+              </a:defRPr>
+            </a:lvl8pPr>
+            <a:lvl9pPr marL="3086100" indent="-342900" algn="l" defTabSz="342900" rtl="0" eaLnBrk="1" latinLnBrk="0" hangingPunct="1">
+              <a:spcBef>
+                <a:spcPct val="20000"/>
+              </a:spcBef>
+              <a:buFont typeface="Arial"/>
+              <a:buChar char="•"/>
+              <a:defRPr sz="1500" kern="1200">
+                <a:solidFill>
+                  <a:schemeClr val="tx1"/>
+                </a:solidFill>
+                <a:latin typeface="+mn-lt"/>
+                <a:ea typeface="+mn-ea"/>
+                <a:cs typeface="+mn-cs"/>
+              </a:defRPr>
+            </a:lvl9pPr>
+          </a:lstStyle>
+          <a:p>
+            <a:r>
+              <a:rPr lang="en-US" sz="2200" dirty="0"/>
+              <a:t>Vehicle weight has a </a:t>
+            </a:r>
+            <a:r>
+              <a:rPr lang="en-US" sz="2200" b="1" dirty="0"/>
+              <a:t>nonlinear relationship </a:t>
+            </a:r>
+            <a:r>
+              <a:rPr lang="en-US" sz="2200" dirty="0"/>
+              <a:t>with price</a:t>
+            </a:r>
+          </a:p>
+          <a:p>
+            <a:r>
+              <a:rPr lang="en-US" sz="2200" dirty="0"/>
+              <a:t>Heavier more expensive cars have larger engines </a:t>
+            </a:r>
+          </a:p>
+          <a:p>
+            <a:r>
+              <a:rPr lang="en-US" sz="2200" dirty="0"/>
+              <a:t>The diesel cars with turbochargers are expensive and heavy compared to conventional diesel cars</a:t>
+            </a:r>
+          </a:p>
+          <a:p>
+            <a:r>
+              <a:rPr lang="en-US" sz="2200" dirty="0"/>
+              <a:t>Turbo diesel cars are heavier for the price than typical gas cars</a:t>
+            </a:r>
+          </a:p>
+          <a:p>
+            <a:r>
+              <a:rPr lang="en-US" sz="2200" dirty="0"/>
+              <a:t>There are some expensive larger-engine mid-weight cars that appear to be outliers</a:t>
+            </a:r>
+          </a:p>
+        </p:txBody>
+      </p:sp>
+      <p:pic>
+        <p:nvPicPr>
+          <p:cNvPr id="8" name="Picture 7">
+            <a:extLst>
+              <a:ext uri="{FF2B5EF4-FFF2-40B4-BE49-F238E27FC236}">
+                <a16:creationId xmlns:a16="http://schemas.microsoft.com/office/drawing/2014/main" id="{0FCCF28D-2F5B-B908-34AD-F2E120C26ABD}"/>
+              </a:ext>
+            </a:extLst>
+          </p:cNvPr>
+          <p:cNvPicPr>
+            <a:picLocks noChangeAspect="1"/>
+          </p:cNvPicPr>
+          <p:nvPr/>
+        </p:nvPicPr>
+        <p:blipFill>
+          <a:blip r:embed="rId2"/>
+          <a:stretch>
+            <a:fillRect/>
+          </a:stretch>
+        </p:blipFill>
+        <p:spPr>
+          <a:xfrm>
+            <a:off x="5874657" y="1584995"/>
+            <a:ext cx="3225800" cy="3558505"/>
+          </a:xfrm>
+          <a:prstGeom prst="rect">
+            <a:avLst/>
+          </a:prstGeom>
+        </p:spPr>
+      </p:pic>
+    </p:spTree>
+    <p:extLst>
+      <p:ext uri="{BB962C8B-B14F-4D97-AF65-F5344CB8AC3E}">
+        <p14:creationId xmlns:p14="http://schemas.microsoft.com/office/powerpoint/2010/main" val="1711504047"/>
+      </p:ext>
+    </p:extLst>
+  </p:cSld>
+  <p:clrMapOvr>
+    <a:masterClrMapping/>
+  </p:clrMapOvr>
+</p:sld>
+</file>
+
+<file path=ppt/slides/slide40.xml><?xml version="1.0" encoding="utf-8"?>
+<p:sld xmlns:a="http://schemas.openxmlformats.org/drawingml/2006/main" xmlns:r="http://schemas.openxmlformats.org/officeDocument/2006/relationships" xmlns:p="http://schemas.openxmlformats.org/presentationml/2006/main">
+  <p:cSld>
+    <p:spTree>
+      <p:nvGrpSpPr>
+        <p:cNvPr id="1" name=""/>
+        <p:cNvGrpSpPr/>
+        <p:nvPr/>
+      </p:nvGrpSpPr>
+      <p:grpSpPr>
+        <a:xfrm>
+          <a:off x="0" y="0"/>
+          <a:ext cx="0" cy="0"/>
+          <a:chOff x="0" y="0"/>
+          <a:chExt cx="0" cy="0"/>
+        </a:xfrm>
+      </p:grpSpPr>
+      <p:sp>
+        <p:nvSpPr>
+          <p:cNvPr id="2" name="Title 1"/>
+          <p:cNvSpPr>
+            <a:spLocks noGrp="1"/>
+          </p:cNvSpPr>
+          <p:nvPr>
+            <p:ph type="title"/>
+          </p:nvPr>
+        </p:nvSpPr>
+        <p:spPr>
+          <a:xfrm>
+            <a:off x="457201" y="204787"/>
+            <a:ext cx="3008313" cy="871538"/>
+          </a:xfrm>
+        </p:spPr>
+        <p:txBody>
+          <a:bodyPr>
+            <a:normAutofit/>
+          </a:bodyPr>
+          <a:lstStyle/>
+          <a:p>
+            <a:pPr marL="0" lvl="0" indent="0">
+              <a:buNone/>
+            </a:pPr>
+            <a:r>
+              <a:rPr sz="2800" dirty="0"/>
+              <a:t>Cluster Sampling</a:t>
+            </a:r>
+          </a:p>
+        </p:txBody>
+      </p:sp>
+      <p:pic>
+        <p:nvPicPr>
+          <p:cNvPr id="3" name="Picture 1" descr="../images/ClusterSamples.png"/>
+          <p:cNvPicPr>
+            <a:picLocks noGrp="1" noChangeAspect="1"/>
+          </p:cNvPicPr>
+          <p:nvPr/>
+        </p:nvPicPr>
+        <p:blipFill>
+          <a:blip r:embed="rId2"/>
+          <a:stretch>
+            <a:fillRect/>
+          </a:stretch>
+        </p:blipFill>
+        <p:spPr bwMode="auto">
+          <a:xfrm>
+            <a:off x="3568700" y="1435100"/>
+            <a:ext cx="5105400" cy="1917700"/>
+          </a:xfrm>
+          <a:prstGeom prst="rect">
+            <a:avLst/>
+          </a:prstGeom>
+          <a:noFill/>
+          <a:ln w="9525">
+            <a:noFill/>
+            <a:headEnd/>
+            <a:tailEnd/>
+          </a:ln>
+        </p:spPr>
+      </p:pic>
+      <p:sp>
+        <p:nvSpPr>
+          <p:cNvPr id="7" name="Text Placeholder 3">
+            <a:extLst>
+              <a:ext uri="{FF2B5EF4-FFF2-40B4-BE49-F238E27FC236}">
+                <a16:creationId xmlns:a16="http://schemas.microsoft.com/office/drawing/2014/main" id="{E7CCFD99-ADD7-E9CC-4DEB-3EF573209753}"/>
+              </a:ext>
+            </a:extLst>
+          </p:cNvPr>
+          <p:cNvSpPr>
+            <a:spLocks noGrp="1"/>
+          </p:cNvSpPr>
+          <p:nvPr>
+            <p:ph type="body" sz="half" idx="2"/>
+          </p:nvPr>
+        </p:nvSpPr>
+        <p:spPr>
+          <a:xfrm>
+            <a:off x="457201" y="1466127"/>
+            <a:ext cx="3008313" cy="3128496"/>
+          </a:xfrm>
+        </p:spPr>
+        <p:txBody>
+          <a:bodyPr/>
+          <a:lstStyle/>
+          <a:p>
+            <a:pPr lvl="0"/>
+            <a:r>
+              <a:rPr lang="en-US" sz="2000" dirty="0"/>
+              <a:t>Example:</a:t>
+            </a:r>
+          </a:p>
+          <a:p>
+            <a:pPr marL="171450" lvl="0" indent="-171450">
+              <a:buFont typeface="Arial" panose="020B0604020202020204" pitchFamily="34" charset="0"/>
+              <a:buChar char="•"/>
+            </a:pPr>
+            <a:r>
+              <a:rPr lang="en-US" sz="2000" dirty="0"/>
+              <a:t>10 store locations</a:t>
+            </a:r>
+            <a:r>
+              <a:rPr sz="2000" dirty="0"/>
+              <a:t> </a:t>
+            </a:r>
+            <a:endParaRPr lang="en-US" sz="2000" dirty="0"/>
+          </a:p>
+          <a:p>
+            <a:pPr marL="171450" lvl="0" indent="-171450">
+              <a:buFont typeface="Arial" panose="020B0604020202020204" pitchFamily="34" charset="0"/>
+              <a:buChar char="•"/>
+            </a:pPr>
+            <a:r>
+              <a:rPr lang="en-US" sz="2000" dirty="0"/>
+              <a:t>Bernoulli sample</a:t>
+            </a:r>
+            <a:r>
+              <a:rPr sz="2000" dirty="0"/>
+              <a:t> </a:t>
+            </a:r>
+            <a:r>
+              <a:rPr lang="en-US" sz="2000" dirty="0"/>
+              <a:t>3 </a:t>
+            </a:r>
+            <a:r>
+              <a:rPr sz="2000" dirty="0"/>
+              <a:t>store locations</a:t>
+            </a:r>
+            <a:endParaRPr lang="en-US" sz="2000" dirty="0"/>
+          </a:p>
+          <a:p>
+            <a:pPr marL="171450" lvl="0" indent="-171450">
+              <a:buFont typeface="Arial" panose="020B0604020202020204" pitchFamily="34" charset="0"/>
+              <a:buChar char="•"/>
+            </a:pPr>
+            <a:r>
+              <a:rPr sz="2000" dirty="0"/>
+              <a:t>Bernoulli sample </a:t>
+            </a:r>
+            <a:r>
+              <a:rPr lang="en-US" sz="2000" dirty="0"/>
+              <a:t>customers at store</a:t>
+            </a:r>
+            <a:r>
+              <a:rPr dirty="0"/>
+              <a:t>.</a:t>
+            </a:r>
+          </a:p>
+        </p:txBody>
+      </p:sp>
+    </p:spTree>
+  </p:cSld>
+  <p:clrMapOvr>
+    <a:masterClrMapping/>
+  </p:clrMapOvr>
+</p:sld>
+</file>
+
+<file path=ppt/slides/slide41.xml><?xml version="1.0" encoding="utf-8"?>
+<p:sld xmlns:a="http://schemas.openxmlformats.org/drawingml/2006/main" xmlns:r="http://schemas.openxmlformats.org/officeDocument/2006/relationships" xmlns:p="http://schemas.openxmlformats.org/presentationml/2006/main">
+  <p:cSld>
+    <p:spTree>
+      <p:nvGrpSpPr>
+        <p:cNvPr id="1" name=""/>
+        <p:cNvGrpSpPr/>
+        <p:nvPr/>
+      </p:nvGrpSpPr>
+      <p:grpSpPr>
+        <a:xfrm>
+          <a:off x="0" y="0"/>
+          <a:ext cx="0" cy="0"/>
+          <a:chOff x="0" y="0"/>
+          <a:chExt cx="0" cy="0"/>
+        </a:xfrm>
+      </p:grpSpPr>
+      <p:sp>
+        <p:nvSpPr>
+          <p:cNvPr id="2" name="Title 1"/>
+          <p:cNvSpPr>
+            <a:spLocks noGrp="1"/>
+          </p:cNvSpPr>
+          <p:nvPr>
+            <p:ph type="title"/>
+          </p:nvPr>
+        </p:nvSpPr>
+        <p:spPr/>
+        <p:txBody>
+          <a:bodyPr/>
+          <a:lstStyle/>
+          <a:p>
+            <a:pPr marL="0" lvl="0" indent="0">
+              <a:buNone/>
+            </a:pPr>
+            <a:r>
+              <a:t>Systematic Sampling</a:t>
+            </a:r>
+          </a:p>
+        </p:txBody>
+      </p:sp>
+      <p:sp>
+        <p:nvSpPr>
+          <p:cNvPr id="3" name="Content Placeholder 2"/>
+          <p:cNvSpPr>
+            <a:spLocks noGrp="1"/>
+          </p:cNvSpPr>
+          <p:nvPr>
+            <p:ph idx="1"/>
+          </p:nvPr>
+        </p:nvSpPr>
+        <p:spPr/>
+        <p:txBody>
+          <a:bodyPr>
+            <a:normAutofit/>
+          </a:bodyPr>
+          <a:lstStyle/>
+          <a:p>
+            <a:pPr marL="0" lvl="0" indent="0">
+              <a:buNone/>
+            </a:pPr>
+            <a:r>
+              <a:rPr b="1" dirty="0"/>
+              <a:t>Convenience and systematic sampling</a:t>
+            </a:r>
+            <a:r>
+              <a:rPr dirty="0"/>
+              <a:t> are a slippery slope toward biased inferences</a:t>
+            </a:r>
+          </a:p>
+          <a:p>
+            <a:pPr lvl="0"/>
+            <a:r>
+              <a:rPr dirty="0"/>
+              <a:t>Systematic sampling </a:t>
+            </a:r>
+            <a:r>
+              <a:rPr b="1" dirty="0"/>
+              <a:t>lacks randomization</a:t>
+            </a:r>
+          </a:p>
+          <a:p>
+            <a:pPr lvl="0"/>
+            <a:r>
+              <a:rPr dirty="0"/>
+              <a:t>Convenience sampling selects the cases that are easiest to obtain</a:t>
+            </a:r>
+          </a:p>
+          <a:p>
+            <a:pPr lvl="1"/>
+            <a:r>
+              <a:rPr dirty="0"/>
+              <a:t>Commonly cited example known as </a:t>
+            </a:r>
+            <a:r>
+              <a:rPr b="1" dirty="0"/>
+              <a:t>database sampling</a:t>
+            </a:r>
+            <a:endParaRPr dirty="0"/>
+          </a:p>
+          <a:p>
+            <a:pPr lvl="1"/>
+            <a:r>
+              <a:rPr dirty="0"/>
+              <a:t>Example, the first N rows resulting from a database query</a:t>
+            </a:r>
+          </a:p>
+          <a:p>
+            <a:pPr lvl="1"/>
+            <a:r>
+              <a:rPr dirty="0"/>
+              <a:t>Example, every k-</a:t>
+            </a:r>
+            <a:r>
+              <a:rPr dirty="0" err="1"/>
+              <a:t>th</a:t>
+            </a:r>
+            <a:r>
+              <a:rPr dirty="0"/>
+              <a:t> case of the population</a:t>
+            </a:r>
+          </a:p>
+        </p:txBody>
+      </p:sp>
+    </p:spTree>
+  </p:cSld>
+  <p:clrMapOvr>
+    <a:masterClrMapping/>
+  </p:clrMapOvr>
+</p:sld>
+</file>
+
+<file path=ppt/slides/slide42.xml><?xml version="1.0" encoding="utf-8"?>
+<p:sld xmlns:a="http://schemas.openxmlformats.org/drawingml/2006/main" xmlns:r="http://schemas.openxmlformats.org/officeDocument/2006/relationships" xmlns:p="http://schemas.openxmlformats.org/presentationml/2006/main">
+  <p:cSld>
+    <p:spTree>
+      <p:nvGrpSpPr>
+        <p:cNvPr id="1" name=""/>
+        <p:cNvGrpSpPr/>
+        <p:nvPr/>
+      </p:nvGrpSpPr>
+      <p:grpSpPr>
+        <a:xfrm>
+          <a:off x="0" y="0"/>
+          <a:ext cx="0" cy="0"/>
+          <a:chOff x="0" y="0"/>
+          <a:chExt cx="0" cy="0"/>
+        </a:xfrm>
+      </p:grpSpPr>
+      <p:sp>
+        <p:nvSpPr>
+          <p:cNvPr id="2" name="Title 1"/>
+          <p:cNvSpPr>
+            <a:spLocks noGrp="1"/>
+          </p:cNvSpPr>
+          <p:nvPr>
+            <p:ph type="title"/>
+          </p:nvPr>
+        </p:nvSpPr>
+        <p:spPr/>
+        <p:txBody>
+          <a:bodyPr/>
+          <a:lstStyle/>
+          <a:p>
+            <a:pPr marL="0" lvl="0" indent="0">
+              <a:buNone/>
+            </a:pPr>
+            <a:r>
+              <a:t>A Few More Thoughts on Sampling</a:t>
+            </a:r>
+          </a:p>
+        </p:txBody>
+      </p:sp>
+      <p:sp>
+        <p:nvSpPr>
+          <p:cNvPr id="3" name="Content Placeholder 2"/>
+          <p:cNvSpPr>
+            <a:spLocks noGrp="1"/>
+          </p:cNvSpPr>
+          <p:nvPr>
+            <p:ph idx="1"/>
+          </p:nvPr>
+        </p:nvSpPr>
+        <p:spPr/>
+        <p:txBody>
+          <a:bodyPr/>
+          <a:lstStyle/>
+          <a:p>
+            <a:pPr marL="0" lvl="0" indent="0">
+              <a:buNone/>
+            </a:pPr>
+            <a:r>
+              <a:rPr dirty="0"/>
+              <a:t>There are many practical aspects of sampling.</a:t>
+            </a:r>
+          </a:p>
+          <a:p>
+            <a:pPr lvl="0"/>
+            <a:r>
+              <a:rPr dirty="0"/>
+              <a:t>Random sampling is essential to the underlying assumptions of statistical inference</a:t>
+            </a:r>
+            <a:r>
+              <a:rPr lang="en-US" dirty="0"/>
+              <a:t> and machine learning</a:t>
+            </a:r>
+            <a:endParaRPr dirty="0"/>
+          </a:p>
+          <a:p>
+            <a:pPr lvl="0"/>
+            <a:r>
+              <a:rPr dirty="0"/>
+              <a:t>Whenever you are planning to sample data, make sure you have a clear sampling plan</a:t>
+            </a:r>
+          </a:p>
+          <a:p>
+            <a:pPr lvl="0"/>
+            <a:r>
+              <a:rPr dirty="0"/>
+              <a:t>Know the number of clusters, strata, </a:t>
+            </a:r>
+            <a:r>
+              <a:rPr lang="en-US" dirty="0"/>
+              <a:t>and </a:t>
+            </a:r>
+            <a:r>
+              <a:rPr dirty="0"/>
+              <a:t>samples in advance</a:t>
+            </a:r>
+          </a:p>
+          <a:p>
+            <a:pPr lvl="0"/>
+            <a:r>
+              <a:rPr dirty="0"/>
+              <a:t>Don’t just stop sampling when your desired result is achieved!</a:t>
+            </a:r>
+          </a:p>
+        </p:txBody>
+      </p:sp>
+    </p:spTree>
+  </p:cSld>
+  <p:clrMapOvr>
+    <a:masterClrMapping/>
+  </p:clrMapOvr>
+</p:sld>
+</file>
+
+<file path=ppt/slides/slide43.xml><?xml version="1.0" encoding="utf-8"?>
+<p:sld xmlns:a="http://schemas.openxmlformats.org/drawingml/2006/main" xmlns:r="http://schemas.openxmlformats.org/officeDocument/2006/relationships" xmlns:p="http://schemas.openxmlformats.org/presentationml/2006/main">
+  <p:cSld>
+    <p:spTree>
+      <p:nvGrpSpPr>
+        <p:cNvPr id="1" name=""/>
+        <p:cNvGrpSpPr/>
+        <p:nvPr/>
+      </p:nvGrpSpPr>
+      <p:grpSpPr>
+        <a:xfrm>
+          <a:off x="0" y="0"/>
+          <a:ext cx="0" cy="0"/>
+          <a:chOff x="0" y="0"/>
+          <a:chExt cx="0" cy="0"/>
+        </a:xfrm>
+      </p:grpSpPr>
+      <p:sp>
+        <p:nvSpPr>
+          <p:cNvPr id="2" name="Title 1"/>
+          <p:cNvSpPr>
+            <a:spLocks noGrp="1"/>
+          </p:cNvSpPr>
+          <p:nvPr>
+            <p:ph type="title"/>
+          </p:nvPr>
+        </p:nvSpPr>
+        <p:spPr/>
+        <p:txBody>
+          <a:bodyPr/>
+          <a:lstStyle/>
+          <a:p>
+            <a:pPr marL="0" lvl="0" indent="0">
+              <a:buNone/>
+            </a:pPr>
+            <a:r>
+              <a:rPr dirty="0"/>
+              <a:t>Introduction to Simulation</a:t>
+            </a:r>
+          </a:p>
+        </p:txBody>
+      </p:sp>
+      <p:sp>
+        <p:nvSpPr>
+          <p:cNvPr id="3" name="Content Placeholder 2"/>
+          <p:cNvSpPr>
+            <a:spLocks noGrp="1"/>
+          </p:cNvSpPr>
+          <p:nvPr>
+            <p:ph idx="1"/>
+          </p:nvPr>
+        </p:nvSpPr>
+        <p:spPr>
+          <a:xfrm>
+            <a:off x="457200" y="1091878"/>
+            <a:ext cx="8229600" cy="3800355"/>
+          </a:xfrm>
+        </p:spPr>
+        <p:txBody>
+          <a:bodyPr>
+            <a:normAutofit fontScale="92500" lnSpcReduction="20000"/>
+          </a:bodyPr>
+          <a:lstStyle/>
+          <a:p>
+            <a:pPr marL="0" lvl="0" indent="0">
+              <a:buNone/>
+            </a:pPr>
+            <a:r>
+              <a:rPr lang="en-US" b="1" dirty="0">
+                <a:hlinkClick r:id="rId2"/>
+              </a:rPr>
+              <a:t>Monte Carlo s</a:t>
+            </a:r>
+            <a:r>
+              <a:rPr b="1" dirty="0">
+                <a:hlinkClick r:id="rId2"/>
+              </a:rPr>
+              <a:t>imulation</a:t>
+            </a:r>
+            <a:r>
+              <a:rPr lang="en-US" b="1" dirty="0">
+                <a:hlinkClick r:id="rId2"/>
+              </a:rPr>
+              <a:t>s</a:t>
+            </a:r>
+            <a:r>
+              <a:rPr b="1" dirty="0">
+                <a:hlinkClick r:id="rId2"/>
+              </a:rPr>
+              <a:t> </a:t>
+            </a:r>
+            <a:r>
+              <a:rPr dirty="0"/>
+              <a:t>enable data scientists to study the behavior of stochastic processes with complex probability distributions</a:t>
+            </a:r>
+          </a:p>
+          <a:p>
+            <a:pPr lvl="0"/>
+            <a:r>
+              <a:rPr dirty="0"/>
+              <a:t>M</a:t>
+            </a:r>
+            <a:r>
+              <a:rPr lang="en-US" dirty="0"/>
+              <a:t>any</a:t>
+            </a:r>
+            <a:r>
+              <a:rPr dirty="0"/>
+              <a:t> real-world processes have complex distributions of </a:t>
+            </a:r>
+            <a:r>
+              <a:rPr lang="en-US" dirty="0"/>
+              <a:t>observed</a:t>
+            </a:r>
+            <a:r>
+              <a:rPr dirty="0"/>
+              <a:t> values</a:t>
+            </a:r>
+          </a:p>
+          <a:p>
+            <a:pPr lvl="0"/>
+            <a:r>
+              <a:rPr dirty="0"/>
+              <a:t>Two main purposes of</a:t>
+            </a:r>
+            <a:r>
+              <a:rPr lang="en-US" dirty="0"/>
+              <a:t> Monte Carlo</a:t>
+            </a:r>
+            <a:r>
+              <a:rPr dirty="0"/>
+              <a:t> simulation can be summarized as:</a:t>
+            </a:r>
+          </a:p>
+          <a:p>
+            <a:pPr lvl="1"/>
+            <a:r>
+              <a:rPr b="1" dirty="0"/>
+              <a:t>Testing models:</a:t>
+            </a:r>
+            <a:r>
+              <a:rPr dirty="0"/>
+              <a:t> If data simulated from the model do not resemble the original data, something is likely wrong</a:t>
+            </a:r>
+          </a:p>
+          <a:p>
+            <a:pPr lvl="1"/>
+            <a:r>
+              <a:rPr b="1" dirty="0"/>
+              <a:t>Understand processes with complex probability distributions:</a:t>
+            </a:r>
+            <a:r>
+              <a:rPr dirty="0"/>
+              <a:t> In these cases, simulation provides a powerful and flexible computational technique to understand behavior</a:t>
+            </a:r>
+            <a:endParaRPr lang="en-US" dirty="0"/>
+          </a:p>
+          <a:p>
+            <a:r>
+              <a:rPr lang="en-US" dirty="0"/>
+              <a:t>Complex Monte Carlo simulations are a key component of </a:t>
+            </a:r>
+            <a:r>
+              <a:rPr lang="en-US" b="1" dirty="0">
+                <a:hlinkClick r:id="rId3"/>
+              </a:rPr>
+              <a:t>Digital twin models</a:t>
+            </a:r>
+            <a:endParaRPr dirty="0"/>
+          </a:p>
+        </p:txBody>
+      </p:sp>
+    </p:spTree>
+  </p:cSld>
+  <p:clrMapOvr>
+    <a:masterClrMapping/>
+  </p:clrMapOvr>
+</p:sld>
+</file>
+
+<file path=ppt/slides/slide44.xml><?xml version="1.0" encoding="utf-8"?>
+<p:sld xmlns:a="http://schemas.openxmlformats.org/drawingml/2006/main" xmlns:r="http://schemas.openxmlformats.org/officeDocument/2006/relationships" xmlns:p="http://schemas.openxmlformats.org/presentationml/2006/main">
+  <p:cSld>
+    <p:spTree>
+      <p:nvGrpSpPr>
+        <p:cNvPr id="1" name=""/>
+        <p:cNvGrpSpPr/>
+        <p:nvPr/>
+      </p:nvGrpSpPr>
+      <p:grpSpPr>
+        <a:xfrm>
+          <a:off x="0" y="0"/>
+          <a:ext cx="0" cy="0"/>
+          <a:chOff x="0" y="0"/>
+          <a:chExt cx="0" cy="0"/>
+        </a:xfrm>
+      </p:grpSpPr>
+      <p:sp>
+        <p:nvSpPr>
+          <p:cNvPr id="2" name="Title 1"/>
+          <p:cNvSpPr>
+            <a:spLocks noGrp="1"/>
+          </p:cNvSpPr>
+          <p:nvPr>
+            <p:ph type="title"/>
+          </p:nvPr>
+        </p:nvSpPr>
+        <p:spPr/>
+        <p:txBody>
+          <a:bodyPr/>
+          <a:lstStyle/>
+          <a:p>
+            <a:pPr marL="0" lvl="0" indent="0">
+              <a:buNone/>
+            </a:pPr>
+            <a:r>
+              <a:t>Introduction to Simulation</a:t>
+            </a:r>
+          </a:p>
+        </p:txBody>
+      </p:sp>
+      <p:sp>
+        <p:nvSpPr>
+          <p:cNvPr id="3" name="Content Placeholder 2"/>
+          <p:cNvSpPr>
+            <a:spLocks noGrp="1"/>
+          </p:cNvSpPr>
+          <p:nvPr>
+            <p:ph idx="1"/>
+          </p:nvPr>
+        </p:nvSpPr>
+        <p:spPr>
+          <a:xfrm>
+            <a:off x="457200" y="1200150"/>
+            <a:ext cx="8229600" cy="3684365"/>
+          </a:xfrm>
+        </p:spPr>
+        <p:txBody>
+          <a:bodyPr>
+            <a:normAutofit fontScale="92500" lnSpcReduction="20000"/>
+          </a:bodyPr>
+          <a:lstStyle/>
+          <a:p>
+            <a:pPr marL="0" lvl="0" indent="0">
+              <a:buNone/>
+            </a:pPr>
+            <a:r>
+              <a:rPr dirty="0"/>
+              <a:t>As cheap computational power has become ubiquitous, </a:t>
+            </a:r>
+            <a:r>
+              <a:rPr lang="en-US" dirty="0"/>
+              <a:t>Monte Carlo </a:t>
+            </a:r>
+            <a:r>
+              <a:rPr dirty="0"/>
+              <a:t>simulation has become a widely used technique</a:t>
+            </a:r>
+          </a:p>
+          <a:p>
+            <a:pPr lvl="0"/>
+            <a:r>
+              <a:rPr dirty="0"/>
+              <a:t>Simulations compute a large number of </a:t>
+            </a:r>
+            <a:r>
+              <a:rPr lang="en-US" dirty="0"/>
+              <a:t>samples</a:t>
+            </a:r>
+            <a:r>
+              <a:rPr dirty="0"/>
+              <a:t>, or realizations</a:t>
+            </a:r>
+          </a:p>
+          <a:p>
+            <a:pPr lvl="1"/>
+            <a:r>
+              <a:rPr dirty="0"/>
+              <a:t>The computing cost of each realization must be low in any practical simulation</a:t>
+            </a:r>
+          </a:p>
+          <a:p>
+            <a:pPr lvl="1"/>
+            <a:r>
+              <a:rPr dirty="0"/>
+              <a:t>Realizations are drawn </a:t>
+            </a:r>
+            <a:r>
+              <a:rPr lang="en-US" dirty="0"/>
+              <a:t>by </a:t>
+            </a:r>
+            <a:r>
+              <a:rPr lang="en-US" b="1" dirty="0"/>
+              <a:t>Monte Carlo sampling</a:t>
+            </a:r>
+            <a:r>
+              <a:rPr b="1" dirty="0"/>
+              <a:t> probability distributions </a:t>
+            </a:r>
+            <a:r>
+              <a:rPr dirty="0"/>
+              <a:t>of the process model</a:t>
+            </a:r>
+          </a:p>
+          <a:p>
+            <a:pPr lvl="0"/>
+            <a:r>
+              <a:rPr dirty="0"/>
+              <a:t>In many cases, realizations are computed </a:t>
+            </a:r>
+            <a:r>
+              <a:rPr lang="en-US" dirty="0"/>
+              <a:t>by sampling </a:t>
+            </a:r>
+            <a:r>
+              <a:rPr dirty="0"/>
+              <a:t>conditional probability distributions</a:t>
+            </a:r>
+          </a:p>
+          <a:p>
+            <a:pPr lvl="1"/>
+            <a:r>
+              <a:rPr dirty="0"/>
+              <a:t>The final or posterior distribution of the process is comprised of these realizations</a:t>
+            </a:r>
+            <a:endParaRPr lang="en-US" dirty="0"/>
+          </a:p>
+          <a:p>
+            <a:pPr marL="0" indent="0">
+              <a:buNone/>
+            </a:pPr>
+            <a:r>
+              <a:rPr lang="en-US" sz="1900" dirty="0">
+                <a:solidFill>
+                  <a:schemeClr val="accent6">
+                    <a:lumMod val="50000"/>
+                  </a:schemeClr>
+                </a:solidFill>
+              </a:rPr>
+              <a:t>You can find a short tutorial on Monte Carlo simulation </a:t>
+            </a:r>
+            <a:r>
+              <a:rPr lang="en-US" sz="1900" dirty="0">
+                <a:solidFill>
+                  <a:schemeClr val="accent6">
+                    <a:lumMod val="50000"/>
+                  </a:schemeClr>
+                </a:solidFill>
+                <a:hlinkClick r:id="rId2">
+                  <a:extLst>
+                    <a:ext uri="{A12FA001-AC4F-418D-AE19-62706E023703}">
+                      <ahyp:hlinkClr xmlns:ahyp="http://schemas.microsoft.com/office/drawing/2018/hyperlinkcolor" val="tx"/>
+                    </a:ext>
+                  </a:extLst>
+                </a:hlinkClick>
+              </a:rPr>
+              <a:t>here</a:t>
+            </a:r>
+            <a:endParaRPr lang="en-US" sz="1900" dirty="0">
+              <a:solidFill>
+                <a:schemeClr val="accent6">
+                  <a:lumMod val="50000"/>
+                </a:schemeClr>
+              </a:solidFill>
+            </a:endParaRPr>
+          </a:p>
+        </p:txBody>
+      </p:sp>
+    </p:spTree>
+  </p:cSld>
+  <p:clrMapOvr>
+    <a:masterClrMapping/>
+  </p:clrMapOvr>
+</p:sld>
+</file>
+
+<file path=ppt/slides/slide45.xml><?xml version="1.0" encoding="utf-8"?>
+<p:sld xmlns:a="http://schemas.openxmlformats.org/drawingml/2006/main" xmlns:r="http://schemas.openxmlformats.org/officeDocument/2006/relationships" xmlns:p="http://schemas.openxmlformats.org/presentationml/2006/main">
+  <p:cSld>
+    <p:spTree>
+      <p:nvGrpSpPr>
+        <p:cNvPr id="1" name=""/>
+        <p:cNvGrpSpPr/>
+        <p:nvPr/>
+      </p:nvGrpSpPr>
+      <p:grpSpPr>
+        <a:xfrm>
+          <a:off x="0" y="0"/>
+          <a:ext cx="0" cy="0"/>
+          <a:chOff x="0" y="0"/>
+          <a:chExt cx="0" cy="0"/>
+        </a:xfrm>
+      </p:grpSpPr>
+      <p:sp>
+        <p:nvSpPr>
+          <p:cNvPr id="2" name="Title 1"/>
+          <p:cNvSpPr>
+            <a:spLocks noGrp="1"/>
+          </p:cNvSpPr>
+          <p:nvPr>
+            <p:ph type="title"/>
+          </p:nvPr>
+        </p:nvSpPr>
+        <p:spPr/>
+        <p:txBody>
+          <a:bodyPr>
+            <a:normAutofit fontScale="90000"/>
+          </a:bodyPr>
+          <a:lstStyle/>
+          <a:p>
+            <a:pPr marL="0" lvl="0" indent="0">
+              <a:buNone/>
+            </a:pPr>
+            <a:r>
+              <a:t>Representation as a Directed Acyclic Graphical Model</a:t>
+            </a:r>
+          </a:p>
+        </p:txBody>
+      </p:sp>
+      <p:sp>
+        <p:nvSpPr>
+          <p:cNvPr id="3" name="Content Placeholder 2"/>
+          <p:cNvSpPr>
+            <a:spLocks noGrp="1"/>
+          </p:cNvSpPr>
+          <p:nvPr>
+            <p:ph idx="1"/>
+          </p:nvPr>
+        </p:nvSpPr>
+        <p:spPr/>
+        <p:txBody>
+          <a:bodyPr>
+            <a:normAutofit fontScale="92500"/>
+          </a:bodyPr>
+          <a:lstStyle/>
+          <a:p>
+            <a:pPr marL="0" lvl="0" indent="0">
+              <a:buNone/>
+            </a:pPr>
+            <a:r>
+              <a:rPr dirty="0"/>
+              <a:t>When creating a simulation with multiple conditionally dependent variables it is useful to draw a </a:t>
+            </a:r>
+            <a:r>
+              <a:rPr b="1" dirty="0"/>
+              <a:t>directed acyclic graphical model or DAG</a:t>
+            </a:r>
+          </a:p>
+          <a:p>
+            <a:pPr lvl="0"/>
+            <a:r>
+              <a:rPr dirty="0"/>
+              <a:t>The graph </a:t>
+            </a:r>
+            <a:r>
+              <a:rPr lang="en-US" dirty="0"/>
+              <a:t>representation </a:t>
+            </a:r>
+            <a:r>
+              <a:rPr dirty="0"/>
+              <a:t>show</a:t>
+            </a:r>
+            <a:r>
+              <a:rPr lang="en-US" dirty="0"/>
+              <a:t>s</a:t>
+            </a:r>
+            <a:r>
+              <a:rPr dirty="0"/>
+              <a:t> independent</a:t>
+            </a:r>
+            <a:r>
+              <a:rPr lang="en-US" dirty="0"/>
+              <a:t> and</a:t>
+            </a:r>
+            <a:r>
+              <a:rPr dirty="0"/>
+              <a:t> conditionally dependent </a:t>
+            </a:r>
+            <a:r>
+              <a:rPr lang="en-US" dirty="0"/>
+              <a:t>variables</a:t>
+            </a:r>
+          </a:p>
+          <a:p>
+            <a:pPr lvl="0"/>
+            <a:r>
+              <a:rPr lang="en-US" dirty="0"/>
+              <a:t>S</a:t>
+            </a:r>
+            <a:r>
+              <a:rPr dirty="0"/>
+              <a:t>hapes represent </a:t>
+            </a:r>
+            <a:r>
+              <a:rPr lang="en-US" dirty="0"/>
+              <a:t>different </a:t>
+            </a:r>
+            <a:r>
+              <a:rPr dirty="0"/>
+              <a:t>type</a:t>
+            </a:r>
+            <a:r>
+              <a:rPr lang="en-US" dirty="0"/>
+              <a:t>s</a:t>
+            </a:r>
+            <a:r>
+              <a:rPr dirty="0"/>
+              <a:t> of nodes</a:t>
+            </a:r>
+          </a:p>
+          <a:p>
+            <a:pPr lvl="0"/>
+            <a:r>
+              <a:rPr b="1" dirty="0"/>
+              <a:t>Directed edges</a:t>
+            </a:r>
+            <a:r>
+              <a:rPr dirty="0"/>
+              <a:t> show the dependency structure of the distributions</a:t>
+            </a:r>
+          </a:p>
+          <a:p>
+            <a:pPr lvl="1"/>
+            <a:r>
+              <a:rPr dirty="0"/>
+              <a:t>Arrows point </a:t>
+            </a:r>
+            <a:r>
+              <a:rPr lang="en-US" dirty="0"/>
+              <a:t>from </a:t>
+            </a:r>
+            <a:r>
+              <a:rPr lang="en-US" b="1" dirty="0"/>
+              <a:t>parent nodes </a:t>
+            </a:r>
+            <a:r>
+              <a:rPr dirty="0"/>
+              <a:t>to</a:t>
+            </a:r>
+            <a:r>
+              <a:rPr lang="en-US" dirty="0"/>
+              <a:t> </a:t>
+            </a:r>
+            <a:r>
+              <a:rPr lang="en-US" b="1" dirty="0"/>
+              <a:t>dependent</a:t>
+            </a:r>
+            <a:r>
+              <a:rPr b="1" dirty="0"/>
+              <a:t> child nodes</a:t>
+            </a:r>
+            <a:endParaRPr dirty="0"/>
+          </a:p>
+          <a:p>
+            <a:pPr lvl="1"/>
+            <a:r>
+              <a:rPr dirty="0"/>
+              <a:t>Child node is </a:t>
+            </a:r>
+            <a:r>
+              <a:rPr b="1" dirty="0"/>
+              <a:t>conditional</a:t>
+            </a:r>
+            <a:r>
+              <a:rPr dirty="0"/>
+              <a:t> on parent nodes</a:t>
+            </a:r>
+          </a:p>
+        </p:txBody>
+      </p:sp>
+    </p:spTree>
+  </p:cSld>
+  <p:clrMapOvr>
+    <a:masterClrMapping/>
+  </p:clrMapOvr>
+</p:sld>
+</file>
+
+<file path=ppt/slides/slide46.xml><?xml version="1.0" encoding="utf-8"?>
+<p:sld xmlns:a="http://schemas.openxmlformats.org/drawingml/2006/main" xmlns:r="http://schemas.openxmlformats.org/officeDocument/2006/relationships" xmlns:p="http://schemas.openxmlformats.org/presentationml/2006/main">
+  <p:cSld>
+    <p:spTree>
+      <p:nvGrpSpPr>
+        <p:cNvPr id="1" name=""/>
+        <p:cNvGrpSpPr/>
+        <p:nvPr/>
+      </p:nvGrpSpPr>
+      <p:grpSpPr>
+        <a:xfrm>
+          <a:off x="0" y="0"/>
+          <a:ext cx="0" cy="0"/>
+          <a:chOff x="0" y="0"/>
+          <a:chExt cx="0" cy="0"/>
+        </a:xfrm>
+      </p:grpSpPr>
+      <p:sp>
+        <p:nvSpPr>
+          <p:cNvPr id="2" name="Title 1"/>
+          <p:cNvSpPr>
+            <a:spLocks noGrp="1"/>
+          </p:cNvSpPr>
+          <p:nvPr>
+            <p:ph type="title"/>
+          </p:nvPr>
+        </p:nvSpPr>
+        <p:spPr/>
+        <p:txBody>
+          <a:bodyPr>
+            <a:normAutofit fontScale="90000"/>
+          </a:bodyPr>
+          <a:lstStyle/>
+          <a:p>
+            <a:pPr marL="0" lvl="0" indent="0">
+              <a:buNone/>
+            </a:pPr>
+            <a:r>
+              <a:t>Representation as a Directed Acyclic Graphical Model</a:t>
+            </a:r>
+          </a:p>
+        </p:txBody>
+      </p:sp>
+      <p:sp>
+        <p:nvSpPr>
+          <p:cNvPr id="3" name="Content Placeholder 2"/>
+          <p:cNvSpPr>
+            <a:spLocks noGrp="1"/>
+          </p:cNvSpPr>
+          <p:nvPr>
+            <p:ph idx="1"/>
+          </p:nvPr>
+        </p:nvSpPr>
+        <p:spPr>
+          <a:xfrm>
+            <a:off x="457200" y="1200150"/>
+            <a:ext cx="8229600" cy="3672791"/>
+          </a:xfrm>
+        </p:spPr>
+        <p:txBody>
+          <a:bodyPr>
+            <a:normAutofit/>
+          </a:bodyPr>
+          <a:lstStyle/>
+          <a:p>
+            <a:pPr marL="0" lvl="0" indent="0">
+              <a:buNone/>
+            </a:pPr>
+            <a:r>
+              <a:rPr lang="en-US" dirty="0"/>
+              <a:t>A </a:t>
+            </a:r>
+            <a:r>
+              <a:rPr b="1" dirty="0"/>
+              <a:t>directed acyclic graphical model or DAG</a:t>
+            </a:r>
+            <a:r>
+              <a:rPr lang="en-US" dirty="0"/>
+              <a:t> is an intuitive representation of a Monte Carlo simulation model</a:t>
+            </a:r>
+            <a:endParaRPr b="1" dirty="0"/>
+          </a:p>
+          <a:p>
+            <a:pPr lvl="0"/>
+            <a:r>
+              <a:rPr b="1" dirty="0"/>
+              <a:t>Probability distributions</a:t>
+            </a:r>
+            <a:r>
+              <a:rPr dirty="0"/>
+              <a:t> are shown as </a:t>
+            </a:r>
+            <a:r>
+              <a:rPr b="1" dirty="0"/>
+              <a:t>ellipses</a:t>
+            </a:r>
+          </a:p>
+          <a:p>
+            <a:pPr lvl="1"/>
+            <a:r>
+              <a:rPr dirty="0"/>
+              <a:t>Distributions have </a:t>
+            </a:r>
+            <a:r>
+              <a:rPr b="1" dirty="0"/>
+              <a:t>parameters</a:t>
+            </a:r>
+            <a:r>
+              <a:rPr dirty="0"/>
+              <a:t> which must be</a:t>
+            </a:r>
+            <a:r>
+              <a:rPr lang="en-US" dirty="0"/>
+              <a:t> known or</a:t>
+            </a:r>
+            <a:r>
+              <a:rPr dirty="0"/>
+              <a:t> estimated</a:t>
+            </a:r>
+          </a:p>
+          <a:p>
+            <a:pPr lvl="0"/>
+            <a:r>
+              <a:rPr b="1" dirty="0"/>
+              <a:t>Decision variables</a:t>
+            </a:r>
+            <a:r>
+              <a:rPr dirty="0"/>
+              <a:t> are </a:t>
+            </a:r>
+            <a:r>
+              <a:rPr b="1" dirty="0"/>
+              <a:t>deterministic </a:t>
+            </a:r>
+            <a:r>
+              <a:rPr dirty="0"/>
+              <a:t>and</a:t>
+            </a:r>
+            <a:r>
+              <a:rPr lang="en-US" dirty="0"/>
+              <a:t> </a:t>
+            </a:r>
+            <a:r>
+              <a:rPr dirty="0"/>
+              <a:t>shown as </a:t>
+            </a:r>
+            <a:r>
+              <a:rPr b="1" dirty="0"/>
+              <a:t>rectangles</a:t>
+            </a:r>
+          </a:p>
+          <a:p>
+            <a:pPr lvl="1"/>
+            <a:r>
+              <a:rPr dirty="0"/>
+              <a:t>Setting decision variables can be performed either manually or automatically</a:t>
+            </a:r>
+          </a:p>
+          <a:p>
+            <a:pPr lvl="0"/>
+            <a:r>
+              <a:rPr b="1" dirty="0"/>
+              <a:t>Utility nodes</a:t>
+            </a:r>
+            <a:r>
+              <a:rPr dirty="0"/>
+              <a:t>, </a:t>
+            </a:r>
+            <a:r>
+              <a:rPr lang="en-US" dirty="0"/>
+              <a:t>e.g. </a:t>
+            </a:r>
+            <a:r>
+              <a:rPr dirty="0"/>
+              <a:t>profit in this case, are shown as </a:t>
+            </a:r>
+            <a:r>
+              <a:rPr b="1" dirty="0"/>
+              <a:t>diamonds</a:t>
+            </a:r>
+          </a:p>
+          <a:p>
+            <a:pPr lvl="1"/>
+            <a:r>
+              <a:rPr dirty="0"/>
+              <a:t>Nodes represent a </a:t>
+            </a:r>
+            <a:r>
+              <a:rPr lang="en-US" b="1" dirty="0"/>
+              <a:t>deterministic </a:t>
+            </a:r>
+            <a:r>
+              <a:rPr b="1" dirty="0"/>
+              <a:t>utility function</a:t>
+            </a:r>
+            <a:r>
+              <a:rPr lang="en-US" b="1" dirty="0"/>
+              <a:t>s</a:t>
+            </a:r>
+            <a:endParaRPr dirty="0"/>
+          </a:p>
+        </p:txBody>
+      </p:sp>
+    </p:spTree>
+  </p:cSld>
+  <p:clrMapOvr>
+    <a:masterClrMapping/>
+  </p:clrMapOvr>
+</p:sld>
+</file>
+
+<file path=ppt/slides/slide47.xml><?xml version="1.0" encoding="utf-8"?>
+<p:sld xmlns:a="http://schemas.openxmlformats.org/drawingml/2006/main" xmlns:r="http://schemas.openxmlformats.org/officeDocument/2006/relationships" xmlns:p="http://schemas.openxmlformats.org/presentationml/2006/main">
+  <p:cSld>
+    <p:spTree>
+      <p:nvGrpSpPr>
+        <p:cNvPr id="1" name=""/>
+        <p:cNvGrpSpPr/>
+        <p:nvPr/>
+      </p:nvGrpSpPr>
+      <p:grpSpPr>
+        <a:xfrm>
+          <a:off x="0" y="0"/>
+          <a:ext cx="0" cy="0"/>
+          <a:chOff x="0" y="0"/>
+          <a:chExt cx="0" cy="0"/>
+        </a:xfrm>
+      </p:grpSpPr>
+      <p:sp>
+        <p:nvSpPr>
+          <p:cNvPr id="2" name="Title 1"/>
+          <p:cNvSpPr>
+            <a:spLocks noGrp="1"/>
+          </p:cNvSpPr>
+          <p:nvPr>
+            <p:ph type="title"/>
+          </p:nvPr>
+        </p:nvSpPr>
+        <p:spPr/>
+        <p:txBody>
+          <a:bodyPr/>
+          <a:lstStyle/>
+          <a:p>
+            <a:pPr marL="0" lvl="0" indent="0">
+              <a:buNone/>
+            </a:pPr>
+            <a:r>
+              <a:t>Sandwich Shop Simulation</a:t>
+            </a:r>
+          </a:p>
+        </p:txBody>
+      </p:sp>
+      <p:sp>
+        <p:nvSpPr>
+          <p:cNvPr id="3" name="Content Placeholder 2"/>
+          <p:cNvSpPr>
+            <a:spLocks noGrp="1"/>
+          </p:cNvSpPr>
+          <p:nvPr>
+            <p:ph idx="1"/>
+          </p:nvPr>
+        </p:nvSpPr>
+        <p:spPr>
+          <a:xfrm>
+            <a:off x="457200" y="1063229"/>
+            <a:ext cx="8229600" cy="397155"/>
+          </a:xfrm>
+        </p:spPr>
+        <p:txBody>
+          <a:bodyPr>
+            <a:normAutofit fontScale="92500" lnSpcReduction="10000"/>
+          </a:bodyPr>
+          <a:lstStyle/>
+          <a:p>
+            <a:pPr marL="0" lvl="0" indent="0">
+              <a:buNone/>
+            </a:pPr>
+            <a:r>
+              <a:rPr dirty="0"/>
+              <a:t>The sandwich shop simulation can be represented by a DAG</a:t>
+            </a:r>
+          </a:p>
+        </p:txBody>
+      </p:sp>
+      <p:pic>
+        <p:nvPicPr>
+          <p:cNvPr id="4" name="Picture 1" descr="../images/Simulation_Directed_Graph.JPG"/>
+          <p:cNvPicPr>
+            <a:picLocks noGrp="1" noChangeAspect="1"/>
+          </p:cNvPicPr>
+          <p:nvPr/>
+        </p:nvPicPr>
+        <p:blipFill>
+          <a:blip r:embed="rId2"/>
+          <a:stretch>
+            <a:fillRect/>
+          </a:stretch>
+        </p:blipFill>
+        <p:spPr bwMode="auto">
+          <a:xfrm>
+            <a:off x="1601439" y="1459372"/>
+            <a:ext cx="5231604" cy="3084608"/>
+          </a:xfrm>
+          <a:prstGeom prst="rect">
+            <a:avLst/>
+          </a:prstGeom>
+          <a:noFill/>
+          <a:ln w="9525">
+            <a:noFill/>
+            <a:headEnd/>
+            <a:tailEnd/>
+          </a:ln>
+        </p:spPr>
+      </p:pic>
+      <p:sp>
+        <p:nvSpPr>
+          <p:cNvPr id="5" name="TextBox 3"/>
+          <p:cNvSpPr txBox="1"/>
+          <p:nvPr/>
+        </p:nvSpPr>
+        <p:spPr>
+          <a:xfrm>
+            <a:off x="1432015" y="4522713"/>
+            <a:ext cx="5995671" cy="508000"/>
+          </a:xfrm>
+          <a:prstGeom prst="rect">
+            <a:avLst/>
+          </a:prstGeom>
+          <a:noFill/>
+        </p:spPr>
+        <p:txBody>
+          <a:bodyPr/>
+          <a:lstStyle/>
+          <a:p>
+            <a:pPr marL="0" lvl="0" indent="0" algn="ctr">
+              <a:buNone/>
+            </a:pPr>
+            <a:r>
+              <a:rPr dirty="0"/>
+              <a:t>Directed</a:t>
+            </a:r>
+            <a:r>
+              <a:rPr lang="en-US" dirty="0"/>
+              <a:t> acyclic</a:t>
+            </a:r>
+            <a:r>
+              <a:rPr dirty="0"/>
+              <a:t> graph of the </a:t>
+            </a:r>
+            <a:r>
+              <a:rPr lang="en-US" dirty="0"/>
+              <a:t>posterior </a:t>
+            </a:r>
+            <a:r>
+              <a:rPr dirty="0"/>
+              <a:t>distribution </a:t>
+            </a:r>
+            <a:r>
+              <a:rPr lang="en-US" dirty="0"/>
+              <a:t>of</a:t>
+            </a:r>
+            <a:r>
+              <a:rPr dirty="0"/>
+              <a:t> profit</a:t>
+            </a:r>
+          </a:p>
+        </p:txBody>
+      </p:sp>
+    </p:spTree>
+  </p:cSld>
+  <p:clrMapOvr>
+    <a:masterClrMapping/>
+  </p:clrMapOvr>
+</p:sld>
+</file>
+
+<file path=ppt/slides/slide48.xml><?xml version="1.0" encoding="utf-8"?>
+<p:sld xmlns:a="http://schemas.openxmlformats.org/drawingml/2006/main" xmlns:r="http://schemas.openxmlformats.org/officeDocument/2006/relationships" xmlns:p="http://schemas.openxmlformats.org/presentationml/2006/main">
+  <p:cSld>
+    <p:spTree>
+      <p:nvGrpSpPr>
+        <p:cNvPr id="1" name=""/>
+        <p:cNvGrpSpPr/>
+        <p:nvPr/>
+      </p:nvGrpSpPr>
+      <p:grpSpPr>
+        <a:xfrm>
+          <a:off x="0" y="0"/>
+          <a:ext cx="0" cy="0"/>
+          <a:chOff x="0" y="0"/>
+          <a:chExt cx="0" cy="0"/>
+        </a:xfrm>
+      </p:grpSpPr>
+      <p:sp>
+        <p:nvSpPr>
+          <p:cNvPr id="2" name="Title 1"/>
+          <p:cNvSpPr>
+            <a:spLocks noGrp="1"/>
+          </p:cNvSpPr>
+          <p:nvPr>
+            <p:ph type="title"/>
+          </p:nvPr>
+        </p:nvSpPr>
+        <p:spPr/>
+        <p:txBody>
+          <a:bodyPr/>
+          <a:lstStyle/>
+          <a:p>
+            <a:pPr marL="0" lvl="0" indent="0">
+              <a:buNone/>
+            </a:pPr>
+            <a:r>
+              <a:t>Sandwich Shop Simulation</a:t>
+            </a:r>
+          </a:p>
+        </p:txBody>
+      </p:sp>
+      <p:sp>
+        <p:nvSpPr>
+          <p:cNvPr id="3" name="Content Placeholder 2"/>
+          <p:cNvSpPr>
+            <a:spLocks noGrp="1"/>
+          </p:cNvSpPr>
+          <p:nvPr>
+            <p:ph idx="1"/>
+          </p:nvPr>
+        </p:nvSpPr>
+        <p:spPr>
+          <a:xfrm>
+            <a:off x="457200" y="1103453"/>
+            <a:ext cx="8229600" cy="3696182"/>
+          </a:xfrm>
+        </p:spPr>
+        <p:txBody>
+          <a:bodyPr>
+            <a:normAutofit fontScale="92500" lnSpcReduction="20000"/>
+          </a:bodyPr>
+          <a:lstStyle/>
+          <a:p>
+            <a:pPr marL="0" lvl="0" indent="0">
+              <a:buNone/>
+            </a:pPr>
+            <a:r>
+              <a:rPr dirty="0"/>
+              <a:t>Interpreting the DAG</a:t>
+            </a:r>
+          </a:p>
+          <a:p>
+            <a:pPr lvl="0"/>
+            <a:r>
+              <a:rPr dirty="0"/>
+              <a:t>The DAG is a shorthand description of the simulation model</a:t>
+            </a:r>
+          </a:p>
+          <a:p>
+            <a:pPr lvl="0"/>
+            <a:r>
+              <a:rPr dirty="0"/>
+              <a:t>Nodes with no dependency are </a:t>
+            </a:r>
+            <a:r>
+              <a:rPr b="1" dirty="0"/>
+              <a:t>independent distributions</a:t>
+            </a:r>
+          </a:p>
+          <a:p>
+            <a:pPr lvl="1"/>
+            <a:r>
+              <a:rPr dirty="0"/>
+              <a:t>Parameters must be known or estimated</a:t>
+            </a:r>
+          </a:p>
+          <a:p>
+            <a:pPr lvl="1"/>
+            <a:r>
+              <a:rPr dirty="0"/>
+              <a:t>Can be useful to vary the parameters</a:t>
+            </a:r>
+          </a:p>
+          <a:p>
+            <a:pPr lvl="0"/>
+            <a:r>
+              <a:rPr b="1" dirty="0"/>
+              <a:t>Child</a:t>
+            </a:r>
+            <a:r>
+              <a:rPr dirty="0"/>
+              <a:t> distributions are </a:t>
+            </a:r>
+            <a:r>
+              <a:rPr b="1" dirty="0"/>
+              <a:t>conditional</a:t>
+            </a:r>
+            <a:r>
+              <a:rPr dirty="0"/>
+              <a:t> on their </a:t>
+            </a:r>
+            <a:r>
+              <a:rPr b="1" dirty="0"/>
+              <a:t>parents</a:t>
+            </a:r>
+          </a:p>
+          <a:p>
+            <a:pPr lvl="1"/>
+            <a:r>
+              <a:rPr dirty="0"/>
+              <a:t>Parameters must be known or estimated</a:t>
+            </a:r>
+          </a:p>
+          <a:p>
+            <a:pPr lvl="1"/>
+            <a:r>
+              <a:rPr dirty="0"/>
+              <a:t>Resulting distribution can be quite complex</a:t>
+            </a:r>
+          </a:p>
+          <a:p>
+            <a:pPr lvl="0"/>
+            <a:r>
+              <a:rPr b="1" dirty="0"/>
+              <a:t>Decision variables</a:t>
+            </a:r>
+            <a:r>
+              <a:rPr dirty="0"/>
+              <a:t> </a:t>
+            </a:r>
+            <a:r>
+              <a:rPr b="1" dirty="0"/>
+              <a:t>deterministically</a:t>
+            </a:r>
+            <a:r>
+              <a:rPr dirty="0"/>
+              <a:t> change the model parameters</a:t>
+            </a:r>
+          </a:p>
+          <a:p>
+            <a:pPr lvl="0"/>
+            <a:r>
+              <a:rPr b="1" dirty="0"/>
+              <a:t>Utility node</a:t>
+            </a:r>
+            <a:r>
+              <a:rPr lang="en-US" b="1" dirty="0"/>
+              <a:t>s</a:t>
+            </a:r>
+            <a:r>
+              <a:rPr dirty="0"/>
+              <a:t> use a fixed </a:t>
+            </a:r>
+            <a:r>
+              <a:rPr b="1" dirty="0"/>
+              <a:t>deterministic</a:t>
+            </a:r>
+            <a:r>
+              <a:rPr dirty="0"/>
+              <a:t> </a:t>
+            </a:r>
+            <a:r>
+              <a:rPr b="1" dirty="0"/>
+              <a:t>formula</a:t>
+            </a:r>
+            <a:r>
+              <a:rPr dirty="0"/>
+              <a:t> to compute the value for each realization of the simulation</a:t>
+            </a:r>
+          </a:p>
+        </p:txBody>
+      </p:sp>
+    </p:spTree>
+  </p:cSld>
+  <p:clrMapOvr>
+    <a:masterClrMapping/>
+  </p:clrMapOvr>
+</p:sld>
+</file>
+
+<file path=ppt/slides/slide49.xml><?xml version="1.0" encoding="utf-8"?>
+<p:sld xmlns:a="http://schemas.openxmlformats.org/drawingml/2006/main" xmlns:r="http://schemas.openxmlformats.org/officeDocument/2006/relationships" xmlns:p="http://schemas.openxmlformats.org/presentationml/2006/main">
+  <p:cSld>
+    <p:spTree>
+      <p:nvGrpSpPr>
+        <p:cNvPr id="1" name=""/>
+        <p:cNvGrpSpPr/>
+        <p:nvPr/>
+      </p:nvGrpSpPr>
+      <p:grpSpPr>
+        <a:xfrm>
+          <a:off x="0" y="0"/>
+          <a:ext cx="0" cy="0"/>
+          <a:chOff x="0" y="0"/>
+          <a:chExt cx="0" cy="0"/>
+        </a:xfrm>
+      </p:grpSpPr>
+      <p:sp>
+        <p:nvSpPr>
+          <p:cNvPr id="2" name="Title 1"/>
+          <p:cNvSpPr>
+            <a:spLocks noGrp="1"/>
+          </p:cNvSpPr>
+          <p:nvPr>
+            <p:ph type="title"/>
+          </p:nvPr>
+        </p:nvSpPr>
+        <p:spPr/>
+        <p:txBody>
+          <a:bodyPr/>
+          <a:lstStyle/>
+          <a:p>
+            <a:pPr marL="0" lvl="0" indent="0">
+              <a:buNone/>
+            </a:pPr>
+            <a:r>
+              <a:t>Tips on Building Simulations</a:t>
+            </a:r>
+          </a:p>
+        </p:txBody>
+      </p:sp>
+      <p:sp>
+        <p:nvSpPr>
+          <p:cNvPr id="3" name="Content Placeholder 2"/>
+          <p:cNvSpPr>
+            <a:spLocks noGrp="1"/>
+          </p:cNvSpPr>
+          <p:nvPr>
+            <p:ph idx="1"/>
+          </p:nvPr>
+        </p:nvSpPr>
+        <p:spPr/>
+        <p:txBody>
+          <a:bodyPr>
+            <a:normAutofit fontScale="92500"/>
+          </a:bodyPr>
+          <a:lstStyle/>
+          <a:p>
+            <a:pPr marL="0" lvl="0" indent="0">
+              <a:buNone/>
+            </a:pPr>
+            <a:r>
+              <a:rPr dirty="0"/>
+              <a:t>Creating, testing and debugging simulation software can be tricky given the stochastic nature of simulation</a:t>
+            </a:r>
+          </a:p>
+          <a:p>
+            <a:pPr lvl="0"/>
+            <a:r>
+              <a:rPr dirty="0"/>
+              <a:t>Build your simulation as a series of small, easily tested, chunks</a:t>
+            </a:r>
+          </a:p>
+          <a:p>
+            <a:pPr lvl="0"/>
+            <a:r>
+              <a:rPr dirty="0"/>
+              <a:t>Test each small functional unit individually, including at least testing some typical cases, as well as boundary or extreme cases</a:t>
+            </a:r>
+          </a:p>
+          <a:p>
+            <a:pPr lvl="0"/>
+            <a:r>
+              <a:rPr dirty="0"/>
+              <a:t>Test your </a:t>
+            </a:r>
+            <a:r>
+              <a:rPr lang="en-US" dirty="0"/>
+              <a:t>end-to-end</a:t>
+            </a:r>
+            <a:r>
+              <a:rPr dirty="0"/>
+              <a:t> simulation each time you add a new functional component </a:t>
+            </a:r>
+            <a:r>
+              <a:rPr dirty="0">
+                <a:solidFill>
+                  <a:srgbClr val="C00000"/>
+                </a:solidFill>
+              </a:rPr>
+              <a:t>- </a:t>
+            </a:r>
+            <a:r>
+              <a:rPr b="1" dirty="0">
+                <a:solidFill>
+                  <a:srgbClr val="C00000"/>
+                </a:solidFill>
+              </a:rPr>
+              <a:t>avoid big bang integration!</a:t>
+            </a:r>
+            <a:endParaRPr dirty="0">
+              <a:solidFill>
+                <a:srgbClr val="C00000"/>
+              </a:solidFill>
+            </a:endParaRPr>
+          </a:p>
+          <a:p>
+            <a:pPr lvl="0"/>
+            <a:r>
+              <a:rPr lang="en-US" dirty="0"/>
+              <a:t>Monte Carlo s</a:t>
+            </a:r>
+            <a:r>
+              <a:rPr dirty="0"/>
+              <a:t>imulations are inherently stochastic, set a seed </a:t>
+            </a:r>
+            <a:r>
+              <a:rPr lang="en-US" dirty="0"/>
+              <a:t>so tests are </a:t>
+            </a:r>
+            <a:r>
+              <a:rPr dirty="0"/>
+              <a:t>repeatable</a:t>
+            </a:r>
+          </a:p>
+        </p:txBody>
+      </p:sp>
+    </p:spTree>
+  </p:cSld>
+  <p:clrMapOvr>
+    <a:masterClrMapping/>
+  </p:clrMapOvr>
+</p:sld>
+</file>
+
+<file path=ppt/slides/slide5.xml><?xml version="1.0" encoding="utf-8"?>
+<p:sld xmlns:a="http://schemas.openxmlformats.org/drawingml/2006/main" xmlns:r="http://schemas.openxmlformats.org/officeDocument/2006/relationships" xmlns:p="http://schemas.openxmlformats.org/presentationml/2006/main">
+  <p:cSld>
+    <p:spTree>
+      <p:nvGrpSpPr>
+        <p:cNvPr id="1" name=""/>
+        <p:cNvGrpSpPr/>
+        <p:nvPr/>
+      </p:nvGrpSpPr>
+      <p:grpSpPr>
+        <a:xfrm>
+          <a:off x="0" y="0"/>
+          <a:ext cx="0" cy="0"/>
+          <a:chOff x="0" y="0"/>
+          <a:chExt cx="0" cy="0"/>
+        </a:xfrm>
+      </p:grpSpPr>
+      <p:sp>
+        <p:nvSpPr>
+          <p:cNvPr id="2" name="Title 1"/>
+          <p:cNvSpPr>
+            <a:spLocks noGrp="1"/>
+          </p:cNvSpPr>
+          <p:nvPr>
+            <p:ph type="title"/>
+          </p:nvPr>
+        </p:nvSpPr>
+        <p:spPr/>
+        <p:txBody>
+          <a:bodyPr/>
+          <a:lstStyle/>
+          <a:p>
+            <a:pPr marL="0" lvl="0" indent="0">
+              <a:buNone/>
+            </a:pPr>
+            <a:r>
+              <a:rPr lang="en-US" dirty="0"/>
+              <a:t>Review</a:t>
+            </a:r>
+            <a:endParaRPr dirty="0"/>
+          </a:p>
+        </p:txBody>
+      </p:sp>
+      <p:sp>
+        <p:nvSpPr>
+          <p:cNvPr id="3" name="Content Placeholder 2"/>
+          <p:cNvSpPr>
+            <a:spLocks noGrp="1"/>
+          </p:cNvSpPr>
+          <p:nvPr>
+            <p:ph idx="1"/>
+          </p:nvPr>
+        </p:nvSpPr>
+        <p:spPr/>
+        <p:txBody>
+          <a:bodyPr>
+            <a:normAutofit fontScale="92500" lnSpcReduction="10000"/>
+          </a:bodyPr>
+          <a:lstStyle/>
+          <a:p>
+            <a:pPr marL="0" lvl="0" indent="0">
+              <a:buNone/>
+            </a:pPr>
+            <a:r>
+              <a:rPr dirty="0"/>
+              <a:t>Generally </a:t>
+            </a:r>
+            <a:r>
+              <a:rPr b="1" dirty="0"/>
+              <a:t>combine multiple methods</a:t>
+            </a:r>
+            <a:r>
+              <a:rPr dirty="0"/>
+              <a:t> to effectively display </a:t>
+            </a:r>
+            <a:r>
+              <a:rPr lang="en-US" dirty="0"/>
+              <a:t>large </a:t>
+            </a:r>
+            <a:r>
+              <a:rPr dirty="0"/>
+              <a:t>complex data</a:t>
+            </a:r>
+          </a:p>
+          <a:p>
+            <a:pPr lvl="0"/>
+            <a:r>
+              <a:rPr dirty="0"/>
+              <a:t>Use </a:t>
+            </a:r>
+            <a:r>
+              <a:rPr b="1" dirty="0"/>
+              <a:t>plots that inherently scale</a:t>
+            </a:r>
+          </a:p>
+          <a:p>
+            <a:pPr lvl="0"/>
+            <a:r>
+              <a:rPr b="1" dirty="0"/>
+              <a:t>Avoid over-plotting</a:t>
+            </a:r>
+            <a:r>
+              <a:rPr dirty="0"/>
+              <a:t> to ensure plot is understandable</a:t>
+            </a:r>
+          </a:p>
+          <a:p>
+            <a:pPr lvl="0"/>
+            <a:r>
+              <a:rPr dirty="0"/>
+              <a:t>Often a </a:t>
+            </a:r>
+            <a:r>
+              <a:rPr b="1" dirty="0"/>
+              <a:t>creative case specific plot type</a:t>
+            </a:r>
+            <a:r>
+              <a:rPr dirty="0"/>
+              <a:t> is best</a:t>
+            </a:r>
+          </a:p>
+          <a:p>
+            <a:pPr lvl="0"/>
+            <a:r>
+              <a:rPr dirty="0"/>
+              <a:t>Use </a:t>
+            </a:r>
+            <a:r>
+              <a:rPr b="1" dirty="0"/>
+              <a:t>multi-axis plots</a:t>
+            </a:r>
+          </a:p>
+          <a:p>
+            <a:pPr lvl="1"/>
+            <a:r>
+              <a:rPr dirty="0"/>
+              <a:t>Scatter plot matrices</a:t>
+            </a:r>
+          </a:p>
+          <a:p>
+            <a:pPr lvl="1"/>
+            <a:r>
+              <a:rPr dirty="0"/>
+              <a:t>Facet plots</a:t>
+            </a:r>
+          </a:p>
+          <a:p>
+            <a:pPr lvl="0"/>
+            <a:r>
+              <a:rPr dirty="0"/>
+              <a:t>Filter cases using </a:t>
+            </a:r>
+            <a:r>
+              <a:rPr b="1" dirty="0" err="1"/>
+              <a:t>cognositics</a:t>
+            </a:r>
+            <a:endParaRPr b="1" dirty="0"/>
+          </a:p>
+        </p:txBody>
+      </p:sp>
+    </p:spTree>
+  </p:cSld>
+  <p:clrMapOvr>
+    <a:masterClrMapping/>
+  </p:clrMapOvr>
+</p:sld>
+</file>
+
+<file path=ppt/slides/slide50.xml><?xml version="1.0" encoding="utf-8"?>
+<p:sld xmlns:a="http://schemas.openxmlformats.org/drawingml/2006/main" xmlns:r="http://schemas.openxmlformats.org/officeDocument/2006/relationships" xmlns:p="http://schemas.openxmlformats.org/presentationml/2006/main">
+  <p:cSld>
+    <p:spTree>
+      <p:nvGrpSpPr>
+        <p:cNvPr id="1" name=""/>
+        <p:cNvGrpSpPr/>
+        <p:nvPr/>
+      </p:nvGrpSpPr>
+      <p:grpSpPr>
+        <a:xfrm>
+          <a:off x="0" y="0"/>
+          <a:ext cx="0" cy="0"/>
+          <a:chOff x="0" y="0"/>
+          <a:chExt cx="0" cy="0"/>
+        </a:xfrm>
+      </p:grpSpPr>
+      <p:sp>
+        <p:nvSpPr>
+          <p:cNvPr id="2" name="Title 1"/>
+          <p:cNvSpPr>
+            <a:spLocks noGrp="1"/>
+          </p:cNvSpPr>
+          <p:nvPr>
+            <p:ph type="title"/>
+          </p:nvPr>
+        </p:nvSpPr>
+        <p:spPr/>
+        <p:txBody>
+          <a:bodyPr/>
+          <a:lstStyle/>
+          <a:p>
+            <a:pPr marL="0" lvl="0" indent="0">
+              <a:buNone/>
+            </a:pPr>
+            <a:r>
+              <a:t>Summary</a:t>
+            </a:r>
+          </a:p>
+        </p:txBody>
+      </p:sp>
+      <p:sp>
+        <p:nvSpPr>
+          <p:cNvPr id="3" name="Content Placeholder 2"/>
+          <p:cNvSpPr>
+            <a:spLocks noGrp="1"/>
+          </p:cNvSpPr>
+          <p:nvPr>
+            <p:ph idx="1"/>
+          </p:nvPr>
+        </p:nvSpPr>
+        <p:spPr>
+          <a:xfrm>
+            <a:off x="457200" y="1200150"/>
+            <a:ext cx="8229600" cy="3668933"/>
+          </a:xfrm>
+        </p:spPr>
+        <p:txBody>
+          <a:bodyPr>
+            <a:normAutofit fontScale="77500" lnSpcReduction="20000"/>
+          </a:bodyPr>
+          <a:lstStyle/>
+          <a:p>
+            <a:pPr marL="0" lvl="0" indent="0">
+              <a:buNone/>
+            </a:pPr>
+            <a:r>
+              <a:rPr dirty="0"/>
+              <a:t>Sampling is a fundamental process in the collection and analysis of data</a:t>
+            </a:r>
+          </a:p>
+          <a:p>
+            <a:pPr lvl="0"/>
+            <a:r>
+              <a:rPr dirty="0"/>
+              <a:t>Sampling is </a:t>
+            </a:r>
+            <a:r>
+              <a:rPr lang="en-US" dirty="0"/>
+              <a:t>required since </a:t>
+            </a:r>
+            <a:r>
+              <a:rPr dirty="0"/>
+              <a:t>we almost never have data on a</a:t>
+            </a:r>
+            <a:r>
+              <a:rPr lang="en-US" dirty="0"/>
+              <a:t>n entire </a:t>
+            </a:r>
+            <a:r>
+              <a:rPr dirty="0"/>
+              <a:t>population</a:t>
+            </a:r>
+          </a:p>
+          <a:p>
+            <a:pPr lvl="0"/>
+            <a:r>
+              <a:rPr dirty="0"/>
+              <a:t>Sampling must be randomized to preclude biases</a:t>
+            </a:r>
+            <a:endParaRPr lang="en-US" dirty="0"/>
+          </a:p>
+          <a:p>
+            <a:r>
+              <a:rPr lang="en-US" dirty="0"/>
+              <a:t>Inferences are made on the sample distribution, not the population distribution</a:t>
+            </a:r>
+            <a:endParaRPr dirty="0"/>
+          </a:p>
+          <a:p>
+            <a:pPr lvl="0"/>
+            <a:r>
+              <a:rPr lang="en-US" dirty="0"/>
+              <a:t>Statistics, including machine learning parameters, must be estimated from random </a:t>
+            </a:r>
+            <a:r>
+              <a:rPr lang="en-US" dirty="0" err="1"/>
+              <a:t>iid</a:t>
+            </a:r>
+            <a:r>
+              <a:rPr lang="en-US" dirty="0"/>
+              <a:t> samples  </a:t>
+            </a:r>
+          </a:p>
+          <a:p>
+            <a:pPr lvl="0"/>
+            <a:r>
+              <a:rPr dirty="0"/>
+              <a:t>As sample size increases the standard error of a statistic computed from the sample decreases by the law of large numbers</a:t>
+            </a:r>
+            <a:endParaRPr lang="en-US" dirty="0"/>
+          </a:p>
+          <a:p>
+            <a:pPr lvl="0"/>
+            <a:r>
+              <a:rPr lang="en-US" dirty="0"/>
+              <a:t>The Central Limit Theorem assures us that errors of mean estimates are Normally distributed</a:t>
+            </a:r>
+            <a:endParaRPr dirty="0"/>
+          </a:p>
+          <a:p>
+            <a:pPr lvl="0"/>
+            <a:r>
+              <a:rPr lang="en-US" dirty="0"/>
+              <a:t>Monte Carlo s</a:t>
+            </a:r>
+            <a:r>
+              <a:rPr dirty="0"/>
+              <a:t>ampling from distribution</a:t>
+            </a:r>
+            <a:r>
+              <a:rPr lang="en-US" dirty="0"/>
+              <a:t>s</a:t>
+            </a:r>
+            <a:r>
+              <a:rPr dirty="0"/>
+              <a:t> is the building block simulation</a:t>
+            </a:r>
+          </a:p>
+        </p:txBody>
+      </p:sp>
+    </p:spTree>
+  </p:cSld>
+  <p:clrMapOvr>
+    <a:masterClrMapping/>
+  </p:clrMapOvr>
+</p:sld>
+</file>
+
+<file path=ppt/slides/slide6.xml><?xml version="1.0" encoding="utf-8"?>
+<p:sld xmlns:a="http://schemas.openxmlformats.org/drawingml/2006/main" xmlns:r="http://schemas.openxmlformats.org/officeDocument/2006/relationships" xmlns:p="http://schemas.openxmlformats.org/presentationml/2006/main">
+  <p:cSld>
+    <p:spTree>
+      <p:nvGrpSpPr>
+        <p:cNvPr id="1" name=""/>
+        <p:cNvGrpSpPr/>
+        <p:nvPr/>
+      </p:nvGrpSpPr>
+      <p:grpSpPr>
+        <a:xfrm>
+          <a:off x="0" y="0"/>
+          <a:ext cx="0" cy="0"/>
+          <a:chOff x="0" y="0"/>
+          <a:chExt cx="0" cy="0"/>
+        </a:xfrm>
+      </p:grpSpPr>
+      <p:sp>
+        <p:nvSpPr>
+          <p:cNvPr id="2" name="Title 1"/>
+          <p:cNvSpPr>
+            <a:spLocks noGrp="1"/>
+          </p:cNvSpPr>
+          <p:nvPr>
+            <p:ph type="title"/>
+          </p:nvPr>
+        </p:nvSpPr>
+        <p:spPr/>
+        <p:txBody>
+          <a:bodyPr/>
+          <a:lstStyle/>
+          <a:p>
+            <a:pPr marL="0" lvl="0" indent="0">
+              <a:buNone/>
+            </a:pPr>
+            <a:r>
+              <a:rPr lang="en-US" dirty="0"/>
+              <a:t>Review</a:t>
+            </a:r>
+            <a:endParaRPr dirty="0"/>
+          </a:p>
+        </p:txBody>
+      </p:sp>
+      <p:sp>
+        <p:nvSpPr>
+          <p:cNvPr id="3" name="Content Placeholder 2"/>
+          <p:cNvSpPr>
+            <a:spLocks noGrp="1"/>
+          </p:cNvSpPr>
+          <p:nvPr>
+            <p:ph idx="1"/>
+          </p:nvPr>
+        </p:nvSpPr>
+        <p:spPr>
+          <a:xfrm>
+            <a:off x="457200" y="913494"/>
+            <a:ext cx="8229600" cy="784678"/>
+          </a:xfrm>
+        </p:spPr>
+        <p:txBody>
+          <a:bodyPr>
+            <a:normAutofit lnSpcReduction="10000"/>
+          </a:bodyPr>
+          <a:lstStyle/>
+          <a:p>
+            <a:pPr marL="0" lvl="0" indent="0">
+              <a:buNone/>
+            </a:pPr>
+            <a:r>
+              <a:rPr lang="en-US" dirty="0"/>
+              <a:t>Example, use </a:t>
+            </a:r>
+            <a:r>
+              <a:rPr lang="en-US" b="1" dirty="0" err="1"/>
+              <a:t>cognositc</a:t>
+            </a:r>
+            <a:r>
+              <a:rPr lang="en-US" dirty="0"/>
+              <a:t> to display </a:t>
+            </a:r>
+            <a:r>
+              <a:rPr lang="en-US" b="1" dirty="0"/>
+              <a:t>facet plot </a:t>
+            </a:r>
+            <a:r>
+              <a:rPr lang="en-US" dirty="0"/>
+              <a:t>for counties with </a:t>
+            </a:r>
+            <a:r>
+              <a:rPr lang="en-US" b="1" dirty="0"/>
+              <a:t>highest median prices </a:t>
+            </a:r>
+            <a:r>
+              <a:rPr lang="en-US" dirty="0"/>
+              <a:t>per square foot</a:t>
+            </a:r>
+            <a:endParaRPr dirty="0"/>
+          </a:p>
+        </p:txBody>
+      </p:sp>
+      <p:pic>
+        <p:nvPicPr>
+          <p:cNvPr id="5" name="Picture 4">
+            <a:extLst>
+              <a:ext uri="{FF2B5EF4-FFF2-40B4-BE49-F238E27FC236}">
+                <a16:creationId xmlns:a16="http://schemas.microsoft.com/office/drawing/2014/main" id="{588684AA-3B2D-E4BC-EB00-AB3489433571}"/>
+              </a:ext>
+            </a:extLst>
+          </p:cNvPr>
+          <p:cNvPicPr>
+            <a:picLocks noChangeAspect="1"/>
+          </p:cNvPicPr>
+          <p:nvPr/>
+        </p:nvPicPr>
+        <p:blipFill>
+          <a:blip r:embed="rId2"/>
+          <a:stretch>
+            <a:fillRect/>
+          </a:stretch>
+        </p:blipFill>
+        <p:spPr>
+          <a:xfrm>
+            <a:off x="2891971" y="1639826"/>
+            <a:ext cx="6030687" cy="2964831"/>
+          </a:xfrm>
+          <a:prstGeom prst="rect">
+            <a:avLst/>
+          </a:prstGeom>
+        </p:spPr>
+      </p:pic>
+      <p:sp>
+        <p:nvSpPr>
+          <p:cNvPr id="6" name="Content Placeholder 2">
+            <a:extLst>
+              <a:ext uri="{FF2B5EF4-FFF2-40B4-BE49-F238E27FC236}">
+                <a16:creationId xmlns:a16="http://schemas.microsoft.com/office/drawing/2014/main" id="{05AE338B-8499-A6AC-772C-B1E51934E221}"/>
+              </a:ext>
+            </a:extLst>
+          </p:cNvPr>
+          <p:cNvSpPr txBox="1">
+            <a:spLocks/>
+          </p:cNvSpPr>
+          <p:nvPr/>
+        </p:nvSpPr>
+        <p:spPr>
+          <a:xfrm>
+            <a:off x="373742" y="1741714"/>
+            <a:ext cx="2467429" cy="3392426"/>
           </a:xfrm>
           <a:prstGeom prst="rect">
             <a:avLst/>
@@ -10782,2341 +13435,6 @@
           <a:p>
             <a:r>
               <a:rPr lang="en-US" sz="2200" dirty="0"/>
-              <a:t>Vehicle weight has a </a:t>
-            </a:r>
-            <a:r>
-              <a:rPr lang="en-US" sz="2200" b="1" dirty="0"/>
-              <a:t>nonlinear relationship </a:t>
-            </a:r>
-            <a:r>
-              <a:rPr lang="en-US" sz="2200" dirty="0"/>
-              <a:t>with price</a:t>
-            </a:r>
-          </a:p>
-          <a:p>
-            <a:r>
-              <a:rPr lang="en-US" sz="2200" dirty="0"/>
-              <a:t>Heavier more expensive cars have larger engines </a:t>
-            </a:r>
-          </a:p>
-          <a:p>
-            <a:r>
-              <a:rPr lang="en-US" sz="2200" dirty="0"/>
-              <a:t>Only expensive heavy diesel cars have turbochargers</a:t>
-            </a:r>
-          </a:p>
-          <a:p>
-            <a:r>
-              <a:rPr lang="en-US" sz="2200" dirty="0"/>
-              <a:t>Turbo diesel cars are heavier for the price than gas cars</a:t>
-            </a:r>
-          </a:p>
-        </p:txBody>
-      </p:sp>
-      <p:pic>
-        <p:nvPicPr>
-          <p:cNvPr id="8" name="Picture 7">
-            <a:extLst>
-              <a:ext uri="{FF2B5EF4-FFF2-40B4-BE49-F238E27FC236}">
-                <a16:creationId xmlns:a16="http://schemas.microsoft.com/office/drawing/2014/main" id="{0FCCF28D-2F5B-B908-34AD-F2E120C26ABD}"/>
-              </a:ext>
-            </a:extLst>
-          </p:cNvPr>
-          <p:cNvPicPr>
-            <a:picLocks noChangeAspect="1"/>
-          </p:cNvPicPr>
-          <p:nvPr/>
-        </p:nvPicPr>
-        <p:blipFill>
-          <a:blip r:embed="rId2"/>
-          <a:stretch>
-            <a:fillRect/>
-          </a:stretch>
-        </p:blipFill>
-        <p:spPr>
-          <a:xfrm>
-            <a:off x="5874657" y="1584995"/>
-            <a:ext cx="3225800" cy="3558505"/>
-          </a:xfrm>
-          <a:prstGeom prst="rect">
-            <a:avLst/>
-          </a:prstGeom>
-        </p:spPr>
-      </p:pic>
-    </p:spTree>
-    <p:extLst>
-      <p:ext uri="{BB962C8B-B14F-4D97-AF65-F5344CB8AC3E}">
-        <p14:creationId xmlns:p14="http://schemas.microsoft.com/office/powerpoint/2010/main" val="1711504047"/>
-      </p:ext>
-    </p:extLst>
-  </p:cSld>
-  <p:clrMapOvr>
-    <a:masterClrMapping/>
-  </p:clrMapOvr>
-</p:sld>
-</file>
-
-<file path=ppt/slides/slide40.xml><?xml version="1.0" encoding="utf-8"?>
-<p:sld xmlns:a="http://schemas.openxmlformats.org/drawingml/2006/main" xmlns:r="http://schemas.openxmlformats.org/officeDocument/2006/relationships" xmlns:p="http://schemas.openxmlformats.org/presentationml/2006/main">
-  <p:cSld>
-    <p:spTree>
-      <p:nvGrpSpPr>
-        <p:cNvPr id="1" name=""/>
-        <p:cNvGrpSpPr/>
-        <p:nvPr/>
-      </p:nvGrpSpPr>
-      <p:grpSpPr>
-        <a:xfrm>
-          <a:off x="0" y="0"/>
-          <a:ext cx="0" cy="0"/>
-          <a:chOff x="0" y="0"/>
-          <a:chExt cx="0" cy="0"/>
-        </a:xfrm>
-      </p:grpSpPr>
-      <p:sp>
-        <p:nvSpPr>
-          <p:cNvPr id="2" name="Title 1"/>
-          <p:cNvSpPr>
-            <a:spLocks noGrp="1"/>
-          </p:cNvSpPr>
-          <p:nvPr>
-            <p:ph type="title"/>
-          </p:nvPr>
-        </p:nvSpPr>
-        <p:spPr>
-          <a:xfrm>
-            <a:off x="457201" y="204787"/>
-            <a:ext cx="3008313" cy="871538"/>
-          </a:xfrm>
-        </p:spPr>
-        <p:txBody>
-          <a:bodyPr>
-            <a:normAutofit/>
-          </a:bodyPr>
-          <a:lstStyle/>
-          <a:p>
-            <a:pPr marL="0" lvl="0" indent="0">
-              <a:buNone/>
-            </a:pPr>
-            <a:r>
-              <a:rPr sz="2800" dirty="0"/>
-              <a:t>Cluster Sampling</a:t>
-            </a:r>
-          </a:p>
-        </p:txBody>
-      </p:sp>
-      <p:pic>
-        <p:nvPicPr>
-          <p:cNvPr id="3" name="Picture 1" descr="../images/ClusterSamples.png"/>
-          <p:cNvPicPr>
-            <a:picLocks noGrp="1" noChangeAspect="1"/>
-          </p:cNvPicPr>
-          <p:nvPr/>
-        </p:nvPicPr>
-        <p:blipFill>
-          <a:blip r:embed="rId2"/>
-          <a:stretch>
-            <a:fillRect/>
-          </a:stretch>
-        </p:blipFill>
-        <p:spPr bwMode="auto">
-          <a:xfrm>
-            <a:off x="3568700" y="1435100"/>
-            <a:ext cx="5105400" cy="1917700"/>
-          </a:xfrm>
-          <a:prstGeom prst="rect">
-            <a:avLst/>
-          </a:prstGeom>
-          <a:noFill/>
-          <a:ln w="9525">
-            <a:noFill/>
-            <a:headEnd/>
-            <a:tailEnd/>
-          </a:ln>
-        </p:spPr>
-      </p:pic>
-      <p:sp>
-        <p:nvSpPr>
-          <p:cNvPr id="7" name="Text Placeholder 3">
-            <a:extLst>
-              <a:ext uri="{FF2B5EF4-FFF2-40B4-BE49-F238E27FC236}">
-                <a16:creationId xmlns:a16="http://schemas.microsoft.com/office/drawing/2014/main" id="{E7CCFD99-ADD7-E9CC-4DEB-3EF573209753}"/>
-              </a:ext>
-            </a:extLst>
-          </p:cNvPr>
-          <p:cNvSpPr>
-            <a:spLocks noGrp="1"/>
-          </p:cNvSpPr>
-          <p:nvPr>
-            <p:ph type="body" sz="half" idx="2"/>
-          </p:nvPr>
-        </p:nvSpPr>
-        <p:spPr>
-          <a:xfrm>
-            <a:off x="457201" y="1466127"/>
-            <a:ext cx="3008313" cy="3128496"/>
-          </a:xfrm>
-        </p:spPr>
-        <p:txBody>
-          <a:bodyPr/>
-          <a:lstStyle/>
-          <a:p>
-            <a:pPr lvl="0"/>
-            <a:r>
-              <a:rPr lang="en-US" sz="2000" dirty="0"/>
-              <a:t>Example:</a:t>
-            </a:r>
-          </a:p>
-          <a:p>
-            <a:pPr marL="171450" lvl="0" indent="-171450">
-              <a:buFont typeface="Arial" panose="020B0604020202020204" pitchFamily="34" charset="0"/>
-              <a:buChar char="•"/>
-            </a:pPr>
-            <a:r>
-              <a:rPr lang="en-US" sz="2000" dirty="0"/>
-              <a:t>10 store locations</a:t>
-            </a:r>
-            <a:r>
-              <a:rPr sz="2000" dirty="0"/>
-              <a:t> </a:t>
-            </a:r>
-            <a:endParaRPr lang="en-US" sz="2000" dirty="0"/>
-          </a:p>
-          <a:p>
-            <a:pPr marL="171450" lvl="0" indent="-171450">
-              <a:buFont typeface="Arial" panose="020B0604020202020204" pitchFamily="34" charset="0"/>
-              <a:buChar char="•"/>
-            </a:pPr>
-            <a:r>
-              <a:rPr lang="en-US" sz="2000" dirty="0"/>
-              <a:t>Random sample</a:t>
-            </a:r>
-            <a:r>
-              <a:rPr sz="2000" dirty="0"/>
-              <a:t> store locations</a:t>
-            </a:r>
-            <a:endParaRPr lang="en-US" sz="2000" dirty="0"/>
-          </a:p>
-          <a:p>
-            <a:pPr marL="171450" lvl="0" indent="-171450">
-              <a:buFont typeface="Arial" panose="020B0604020202020204" pitchFamily="34" charset="0"/>
-              <a:buChar char="•"/>
-            </a:pPr>
-            <a:r>
-              <a:rPr sz="2000" dirty="0"/>
-              <a:t>Bernoulli sample customers at these locations</a:t>
-            </a:r>
-            <a:r>
-              <a:rPr dirty="0"/>
-              <a:t>.</a:t>
-            </a:r>
-          </a:p>
-        </p:txBody>
-      </p:sp>
-    </p:spTree>
-  </p:cSld>
-  <p:clrMapOvr>
-    <a:masterClrMapping/>
-  </p:clrMapOvr>
-</p:sld>
-</file>
-
-<file path=ppt/slides/slide41.xml><?xml version="1.0" encoding="utf-8"?>
-<p:sld xmlns:a="http://schemas.openxmlformats.org/drawingml/2006/main" xmlns:r="http://schemas.openxmlformats.org/officeDocument/2006/relationships" xmlns:p="http://schemas.openxmlformats.org/presentationml/2006/main">
-  <p:cSld>
-    <p:spTree>
-      <p:nvGrpSpPr>
-        <p:cNvPr id="1" name=""/>
-        <p:cNvGrpSpPr/>
-        <p:nvPr/>
-      </p:nvGrpSpPr>
-      <p:grpSpPr>
-        <a:xfrm>
-          <a:off x="0" y="0"/>
-          <a:ext cx="0" cy="0"/>
-          <a:chOff x="0" y="0"/>
-          <a:chExt cx="0" cy="0"/>
-        </a:xfrm>
-      </p:grpSpPr>
-      <p:sp>
-        <p:nvSpPr>
-          <p:cNvPr id="2" name="Title 1"/>
-          <p:cNvSpPr>
-            <a:spLocks noGrp="1"/>
-          </p:cNvSpPr>
-          <p:nvPr>
-            <p:ph type="title"/>
-          </p:nvPr>
-        </p:nvSpPr>
-        <p:spPr/>
-        <p:txBody>
-          <a:bodyPr/>
-          <a:lstStyle/>
-          <a:p>
-            <a:pPr marL="0" lvl="0" indent="0">
-              <a:buNone/>
-            </a:pPr>
-            <a:r>
-              <a:t>Systematic Sampling</a:t>
-            </a:r>
-          </a:p>
-        </p:txBody>
-      </p:sp>
-      <p:sp>
-        <p:nvSpPr>
-          <p:cNvPr id="3" name="Content Placeholder 2"/>
-          <p:cNvSpPr>
-            <a:spLocks noGrp="1"/>
-          </p:cNvSpPr>
-          <p:nvPr>
-            <p:ph idx="1"/>
-          </p:nvPr>
-        </p:nvSpPr>
-        <p:spPr/>
-        <p:txBody>
-          <a:bodyPr>
-            <a:normAutofit/>
-          </a:bodyPr>
-          <a:lstStyle/>
-          <a:p>
-            <a:pPr marL="0" lvl="0" indent="0">
-              <a:buNone/>
-            </a:pPr>
-            <a:r>
-              <a:rPr b="1" dirty="0"/>
-              <a:t>Convenience and systematic sampling</a:t>
-            </a:r>
-            <a:r>
-              <a:rPr dirty="0"/>
-              <a:t> are a slippery slope toward biased inferences</a:t>
-            </a:r>
-          </a:p>
-          <a:p>
-            <a:pPr lvl="0"/>
-            <a:r>
-              <a:rPr dirty="0"/>
-              <a:t>Systematic sampling </a:t>
-            </a:r>
-            <a:r>
-              <a:rPr b="1" dirty="0"/>
-              <a:t>lacks randomization</a:t>
-            </a:r>
-          </a:p>
-          <a:p>
-            <a:pPr lvl="0"/>
-            <a:r>
-              <a:rPr dirty="0"/>
-              <a:t>Convenience sampling selects the cases that are easiest to obtain</a:t>
-            </a:r>
-          </a:p>
-          <a:p>
-            <a:pPr lvl="1"/>
-            <a:r>
-              <a:rPr dirty="0"/>
-              <a:t>Commonly cited example known as </a:t>
-            </a:r>
-            <a:r>
-              <a:rPr b="1" dirty="0"/>
-              <a:t>database sampling</a:t>
-            </a:r>
-            <a:endParaRPr dirty="0"/>
-          </a:p>
-          <a:p>
-            <a:pPr lvl="1"/>
-            <a:r>
-              <a:rPr dirty="0"/>
-              <a:t>Example, the first N rows resulting from a database query</a:t>
-            </a:r>
-          </a:p>
-          <a:p>
-            <a:pPr lvl="1"/>
-            <a:r>
-              <a:rPr dirty="0"/>
-              <a:t>Example, every k-</a:t>
-            </a:r>
-            <a:r>
-              <a:rPr dirty="0" err="1"/>
-              <a:t>th</a:t>
-            </a:r>
-            <a:r>
-              <a:rPr dirty="0"/>
-              <a:t> case of the population</a:t>
-            </a:r>
-          </a:p>
-        </p:txBody>
-      </p:sp>
-    </p:spTree>
-  </p:cSld>
-  <p:clrMapOvr>
-    <a:masterClrMapping/>
-  </p:clrMapOvr>
-</p:sld>
-</file>
-
-<file path=ppt/slides/slide42.xml><?xml version="1.0" encoding="utf-8"?>
-<p:sld xmlns:a="http://schemas.openxmlformats.org/drawingml/2006/main" xmlns:r="http://schemas.openxmlformats.org/officeDocument/2006/relationships" xmlns:p="http://schemas.openxmlformats.org/presentationml/2006/main">
-  <p:cSld>
-    <p:spTree>
-      <p:nvGrpSpPr>
-        <p:cNvPr id="1" name=""/>
-        <p:cNvGrpSpPr/>
-        <p:nvPr/>
-      </p:nvGrpSpPr>
-      <p:grpSpPr>
-        <a:xfrm>
-          <a:off x="0" y="0"/>
-          <a:ext cx="0" cy="0"/>
-          <a:chOff x="0" y="0"/>
-          <a:chExt cx="0" cy="0"/>
-        </a:xfrm>
-      </p:grpSpPr>
-      <p:sp>
-        <p:nvSpPr>
-          <p:cNvPr id="2" name="Title 1"/>
-          <p:cNvSpPr>
-            <a:spLocks noGrp="1"/>
-          </p:cNvSpPr>
-          <p:nvPr>
-            <p:ph type="title"/>
-          </p:nvPr>
-        </p:nvSpPr>
-        <p:spPr/>
-        <p:txBody>
-          <a:bodyPr/>
-          <a:lstStyle/>
-          <a:p>
-            <a:pPr marL="0" lvl="0" indent="0">
-              <a:buNone/>
-            </a:pPr>
-            <a:r>
-              <a:t>A Few More Thoughts on Sampling</a:t>
-            </a:r>
-          </a:p>
-        </p:txBody>
-      </p:sp>
-      <p:sp>
-        <p:nvSpPr>
-          <p:cNvPr id="3" name="Content Placeholder 2"/>
-          <p:cNvSpPr>
-            <a:spLocks noGrp="1"/>
-          </p:cNvSpPr>
-          <p:nvPr>
-            <p:ph idx="1"/>
-          </p:nvPr>
-        </p:nvSpPr>
-        <p:spPr/>
-        <p:txBody>
-          <a:bodyPr/>
-          <a:lstStyle/>
-          <a:p>
-            <a:pPr marL="0" lvl="0" indent="0">
-              <a:buNone/>
-            </a:pPr>
-            <a:r>
-              <a:rPr dirty="0"/>
-              <a:t>There are many practical aspects of sampling.</a:t>
-            </a:r>
-          </a:p>
-          <a:p>
-            <a:pPr lvl="0"/>
-            <a:r>
-              <a:rPr dirty="0"/>
-              <a:t>Random sampling is essential to the underlying assumptions of statistical inference</a:t>
-            </a:r>
-          </a:p>
-          <a:p>
-            <a:pPr lvl="0"/>
-            <a:r>
-              <a:rPr dirty="0"/>
-              <a:t>Whenever you are planning to sample data, make sure you have a clear sampling plan</a:t>
-            </a:r>
-          </a:p>
-          <a:p>
-            <a:pPr lvl="0"/>
-            <a:r>
-              <a:rPr dirty="0"/>
-              <a:t>Know the number of clusters, strata, </a:t>
-            </a:r>
-            <a:r>
-              <a:rPr lang="en-US" dirty="0"/>
-              <a:t>and </a:t>
-            </a:r>
-            <a:r>
-              <a:rPr dirty="0"/>
-              <a:t>samples in advance</a:t>
-            </a:r>
-          </a:p>
-          <a:p>
-            <a:pPr lvl="0"/>
-            <a:r>
-              <a:rPr dirty="0"/>
-              <a:t>Don’t just stop sampling when your desired result is achieved!</a:t>
-            </a:r>
-          </a:p>
-        </p:txBody>
-      </p:sp>
-    </p:spTree>
-  </p:cSld>
-  <p:clrMapOvr>
-    <a:masterClrMapping/>
-  </p:clrMapOvr>
-</p:sld>
-</file>
-
-<file path=ppt/slides/slide43.xml><?xml version="1.0" encoding="utf-8"?>
-<p:sld xmlns:a="http://schemas.openxmlformats.org/drawingml/2006/main" xmlns:r="http://schemas.openxmlformats.org/officeDocument/2006/relationships" xmlns:p="http://schemas.openxmlformats.org/presentationml/2006/main">
-  <p:cSld>
-    <p:spTree>
-      <p:nvGrpSpPr>
-        <p:cNvPr id="1" name=""/>
-        <p:cNvGrpSpPr/>
-        <p:nvPr/>
-      </p:nvGrpSpPr>
-      <p:grpSpPr>
-        <a:xfrm>
-          <a:off x="0" y="0"/>
-          <a:ext cx="0" cy="0"/>
-          <a:chOff x="0" y="0"/>
-          <a:chExt cx="0" cy="0"/>
-        </a:xfrm>
-      </p:grpSpPr>
-      <p:sp>
-        <p:nvSpPr>
-          <p:cNvPr id="2" name="Title 1"/>
-          <p:cNvSpPr>
-            <a:spLocks noGrp="1"/>
-          </p:cNvSpPr>
-          <p:nvPr>
-            <p:ph type="title"/>
-          </p:nvPr>
-        </p:nvSpPr>
-        <p:spPr/>
-        <p:txBody>
-          <a:bodyPr/>
-          <a:lstStyle/>
-          <a:p>
-            <a:pPr marL="0" lvl="0" indent="0">
-              <a:buNone/>
-            </a:pPr>
-            <a:r>
-              <a:rPr dirty="0"/>
-              <a:t>Introduction to Simulation</a:t>
-            </a:r>
-          </a:p>
-        </p:txBody>
-      </p:sp>
-      <p:sp>
-        <p:nvSpPr>
-          <p:cNvPr id="3" name="Content Placeholder 2"/>
-          <p:cNvSpPr>
-            <a:spLocks noGrp="1"/>
-          </p:cNvSpPr>
-          <p:nvPr>
-            <p:ph idx="1"/>
-          </p:nvPr>
-        </p:nvSpPr>
-        <p:spPr>
-          <a:xfrm>
-            <a:off x="457200" y="1091878"/>
-            <a:ext cx="8229600" cy="3800355"/>
-          </a:xfrm>
-        </p:spPr>
-        <p:txBody>
-          <a:bodyPr>
-            <a:normAutofit fontScale="92500" lnSpcReduction="20000"/>
-          </a:bodyPr>
-          <a:lstStyle/>
-          <a:p>
-            <a:pPr marL="0" lvl="0" indent="0">
-              <a:buNone/>
-            </a:pPr>
-            <a:r>
-              <a:rPr lang="en-US" b="1" dirty="0">
-                <a:hlinkClick r:id="rId2"/>
-              </a:rPr>
-              <a:t>Monte Carlo s</a:t>
-            </a:r>
-            <a:r>
-              <a:rPr b="1" dirty="0">
-                <a:hlinkClick r:id="rId2"/>
-              </a:rPr>
-              <a:t>imulation</a:t>
-            </a:r>
-            <a:r>
-              <a:rPr lang="en-US" b="1" dirty="0">
-                <a:hlinkClick r:id="rId2"/>
-              </a:rPr>
-              <a:t>s</a:t>
-            </a:r>
-            <a:r>
-              <a:rPr b="1" dirty="0">
-                <a:hlinkClick r:id="rId2"/>
-              </a:rPr>
-              <a:t> </a:t>
-            </a:r>
-            <a:r>
-              <a:rPr dirty="0"/>
-              <a:t>enable data scientists to study the behavior of stochastic processes with complex probability distributions</a:t>
-            </a:r>
-          </a:p>
-          <a:p>
-            <a:pPr lvl="0"/>
-            <a:r>
-              <a:rPr dirty="0"/>
-              <a:t>M</a:t>
-            </a:r>
-            <a:r>
-              <a:rPr lang="en-US" dirty="0"/>
-              <a:t>any</a:t>
-            </a:r>
-            <a:r>
-              <a:rPr dirty="0"/>
-              <a:t> real-world processes have complex distributions of </a:t>
-            </a:r>
-            <a:r>
-              <a:rPr lang="en-US" dirty="0"/>
-              <a:t>observed</a:t>
-            </a:r>
-            <a:r>
-              <a:rPr dirty="0"/>
-              <a:t> values</a:t>
-            </a:r>
-          </a:p>
-          <a:p>
-            <a:pPr lvl="1"/>
-            <a:r>
-              <a:rPr dirty="0"/>
-              <a:t>Simulation is a practical approach to understanding complex processes</a:t>
-            </a:r>
-          </a:p>
-          <a:p>
-            <a:pPr lvl="0"/>
-            <a:r>
-              <a:rPr dirty="0"/>
-              <a:t>Two main purposes of simulation can be summarized as:</a:t>
-            </a:r>
-          </a:p>
-          <a:p>
-            <a:pPr lvl="1"/>
-            <a:r>
-              <a:rPr b="1" dirty="0"/>
-              <a:t>Testing models:</a:t>
-            </a:r>
-            <a:r>
-              <a:rPr dirty="0"/>
-              <a:t> If data simulated from the model do not resemble the original data, something is likely wrong</a:t>
-            </a:r>
-          </a:p>
-          <a:p>
-            <a:pPr lvl="1"/>
-            <a:r>
-              <a:rPr b="1" dirty="0"/>
-              <a:t>Understand processes with complex probability distributions:</a:t>
-            </a:r>
-            <a:r>
-              <a:rPr dirty="0"/>
-              <a:t> In these cases, simulation provides a powerful and flexible computational technique to understand behavior</a:t>
-            </a:r>
-            <a:endParaRPr lang="en-US" dirty="0"/>
-          </a:p>
-          <a:p>
-            <a:r>
-              <a:rPr lang="en-US" dirty="0"/>
-              <a:t>Complex Monte Carlo simulations are a key component of </a:t>
-            </a:r>
-            <a:r>
-              <a:rPr lang="en-US" b="1" dirty="0">
-                <a:hlinkClick r:id="rId3"/>
-              </a:rPr>
-              <a:t>Digital twin models</a:t>
-            </a:r>
-            <a:endParaRPr dirty="0"/>
-          </a:p>
-        </p:txBody>
-      </p:sp>
-    </p:spTree>
-  </p:cSld>
-  <p:clrMapOvr>
-    <a:masterClrMapping/>
-  </p:clrMapOvr>
-</p:sld>
-</file>
-
-<file path=ppt/slides/slide44.xml><?xml version="1.0" encoding="utf-8"?>
-<p:sld xmlns:a="http://schemas.openxmlformats.org/drawingml/2006/main" xmlns:r="http://schemas.openxmlformats.org/officeDocument/2006/relationships" xmlns:p="http://schemas.openxmlformats.org/presentationml/2006/main">
-  <p:cSld>
-    <p:spTree>
-      <p:nvGrpSpPr>
-        <p:cNvPr id="1" name=""/>
-        <p:cNvGrpSpPr/>
-        <p:nvPr/>
-      </p:nvGrpSpPr>
-      <p:grpSpPr>
-        <a:xfrm>
-          <a:off x="0" y="0"/>
-          <a:ext cx="0" cy="0"/>
-          <a:chOff x="0" y="0"/>
-          <a:chExt cx="0" cy="0"/>
-        </a:xfrm>
-      </p:grpSpPr>
-      <p:sp>
-        <p:nvSpPr>
-          <p:cNvPr id="2" name="Title 1"/>
-          <p:cNvSpPr>
-            <a:spLocks noGrp="1"/>
-          </p:cNvSpPr>
-          <p:nvPr>
-            <p:ph type="title"/>
-          </p:nvPr>
-        </p:nvSpPr>
-        <p:spPr/>
-        <p:txBody>
-          <a:bodyPr/>
-          <a:lstStyle/>
-          <a:p>
-            <a:pPr marL="0" lvl="0" indent="0">
-              <a:buNone/>
-            </a:pPr>
-            <a:r>
-              <a:t>Introduction to Simulation</a:t>
-            </a:r>
-          </a:p>
-        </p:txBody>
-      </p:sp>
-      <p:sp>
-        <p:nvSpPr>
-          <p:cNvPr id="3" name="Content Placeholder 2"/>
-          <p:cNvSpPr>
-            <a:spLocks noGrp="1"/>
-          </p:cNvSpPr>
-          <p:nvPr>
-            <p:ph idx="1"/>
-          </p:nvPr>
-        </p:nvSpPr>
-        <p:spPr>
-          <a:xfrm>
-            <a:off x="457200" y="1200150"/>
-            <a:ext cx="8229600" cy="3684365"/>
-          </a:xfrm>
-        </p:spPr>
-        <p:txBody>
-          <a:bodyPr>
-            <a:normAutofit fontScale="92500" lnSpcReduction="20000"/>
-          </a:bodyPr>
-          <a:lstStyle/>
-          <a:p>
-            <a:pPr marL="0" lvl="0" indent="0">
-              <a:buNone/>
-            </a:pPr>
-            <a:r>
-              <a:rPr dirty="0"/>
-              <a:t>As cheap computational power has become ubiquitous, </a:t>
-            </a:r>
-            <a:r>
-              <a:rPr lang="en-US" dirty="0"/>
-              <a:t>Monte Carlo </a:t>
-            </a:r>
-            <a:r>
-              <a:rPr dirty="0"/>
-              <a:t>simulation has become a widely used technique</a:t>
-            </a:r>
-          </a:p>
-          <a:p>
-            <a:pPr lvl="0"/>
-            <a:r>
-              <a:rPr dirty="0"/>
-              <a:t>Simulations compute a large number of cases, or realizations</a:t>
-            </a:r>
-          </a:p>
-          <a:p>
-            <a:pPr lvl="1"/>
-            <a:r>
-              <a:rPr dirty="0"/>
-              <a:t>The computing cost of each realization must be low in any practical simulation</a:t>
-            </a:r>
-          </a:p>
-          <a:p>
-            <a:pPr lvl="1"/>
-            <a:r>
-              <a:rPr dirty="0"/>
-              <a:t>Realizations are drawn </a:t>
-            </a:r>
-            <a:r>
-              <a:rPr lang="en-US" dirty="0"/>
-              <a:t>by </a:t>
-            </a:r>
-            <a:r>
-              <a:rPr lang="en-US" b="1" dirty="0"/>
-              <a:t>Monte Carlo sample</a:t>
-            </a:r>
-            <a:r>
-              <a:rPr b="1" dirty="0"/>
-              <a:t> probability distributions </a:t>
-            </a:r>
-            <a:r>
-              <a:rPr dirty="0"/>
-              <a:t>of the process model</a:t>
-            </a:r>
-          </a:p>
-          <a:p>
-            <a:pPr lvl="0"/>
-            <a:r>
-              <a:rPr dirty="0"/>
-              <a:t>In many cases, realizations are computed </a:t>
-            </a:r>
-            <a:r>
-              <a:rPr lang="en-US" dirty="0"/>
-              <a:t>by sampling </a:t>
-            </a:r>
-            <a:r>
-              <a:rPr dirty="0"/>
-              <a:t>conditional probability distributions</a:t>
-            </a:r>
-          </a:p>
-          <a:p>
-            <a:pPr lvl="1"/>
-            <a:r>
-              <a:rPr dirty="0"/>
-              <a:t>The final or posterior distribution of the process is comprised of these realizations</a:t>
-            </a:r>
-            <a:endParaRPr lang="en-US" dirty="0"/>
-          </a:p>
-          <a:p>
-            <a:pPr marL="0" indent="0">
-              <a:buNone/>
-            </a:pPr>
-            <a:r>
-              <a:rPr lang="en-US" sz="1900" dirty="0">
-                <a:solidFill>
-                  <a:schemeClr val="accent6">
-                    <a:lumMod val="50000"/>
-                  </a:schemeClr>
-                </a:solidFill>
-              </a:rPr>
-              <a:t>You can find a short tutorial on Monte Carlo simulation </a:t>
-            </a:r>
-            <a:r>
-              <a:rPr lang="en-US" sz="1900" dirty="0">
-                <a:solidFill>
-                  <a:schemeClr val="accent6">
-                    <a:lumMod val="50000"/>
-                  </a:schemeClr>
-                </a:solidFill>
-                <a:hlinkClick r:id="rId2">
-                  <a:extLst>
-                    <a:ext uri="{A12FA001-AC4F-418D-AE19-62706E023703}">
-                      <ahyp:hlinkClr xmlns:ahyp="http://schemas.microsoft.com/office/drawing/2018/hyperlinkcolor" val="tx"/>
-                    </a:ext>
-                  </a:extLst>
-                </a:hlinkClick>
-              </a:rPr>
-              <a:t>here</a:t>
-            </a:r>
-            <a:endParaRPr lang="en-US" sz="1900" dirty="0">
-              <a:solidFill>
-                <a:schemeClr val="accent6">
-                  <a:lumMod val="50000"/>
-                </a:schemeClr>
-              </a:solidFill>
-            </a:endParaRPr>
-          </a:p>
-        </p:txBody>
-      </p:sp>
-    </p:spTree>
-  </p:cSld>
-  <p:clrMapOvr>
-    <a:masterClrMapping/>
-  </p:clrMapOvr>
-</p:sld>
-</file>
-
-<file path=ppt/slides/slide45.xml><?xml version="1.0" encoding="utf-8"?>
-<p:sld xmlns:a="http://schemas.openxmlformats.org/drawingml/2006/main" xmlns:r="http://schemas.openxmlformats.org/officeDocument/2006/relationships" xmlns:p="http://schemas.openxmlformats.org/presentationml/2006/main">
-  <p:cSld>
-    <p:spTree>
-      <p:nvGrpSpPr>
-        <p:cNvPr id="1" name=""/>
-        <p:cNvGrpSpPr/>
-        <p:nvPr/>
-      </p:nvGrpSpPr>
-      <p:grpSpPr>
-        <a:xfrm>
-          <a:off x="0" y="0"/>
-          <a:ext cx="0" cy="0"/>
-          <a:chOff x="0" y="0"/>
-          <a:chExt cx="0" cy="0"/>
-        </a:xfrm>
-      </p:grpSpPr>
-      <p:sp>
-        <p:nvSpPr>
-          <p:cNvPr id="2" name="Title 1"/>
-          <p:cNvSpPr>
-            <a:spLocks noGrp="1"/>
-          </p:cNvSpPr>
-          <p:nvPr>
-            <p:ph type="title"/>
-          </p:nvPr>
-        </p:nvSpPr>
-        <p:spPr/>
-        <p:txBody>
-          <a:bodyPr>
-            <a:normAutofit fontScale="90000"/>
-          </a:bodyPr>
-          <a:lstStyle/>
-          <a:p>
-            <a:pPr marL="0" lvl="0" indent="0">
-              <a:buNone/>
-            </a:pPr>
-            <a:r>
-              <a:t>Representation as a Directed Acyclic Graphical Model</a:t>
-            </a:r>
-          </a:p>
-        </p:txBody>
-      </p:sp>
-      <p:sp>
-        <p:nvSpPr>
-          <p:cNvPr id="3" name="Content Placeholder 2"/>
-          <p:cNvSpPr>
-            <a:spLocks noGrp="1"/>
-          </p:cNvSpPr>
-          <p:nvPr>
-            <p:ph idx="1"/>
-          </p:nvPr>
-        </p:nvSpPr>
-        <p:spPr/>
-        <p:txBody>
-          <a:bodyPr>
-            <a:normAutofit fontScale="92500"/>
-          </a:bodyPr>
-          <a:lstStyle/>
-          <a:p>
-            <a:pPr marL="0" lvl="0" indent="0">
-              <a:buNone/>
-            </a:pPr>
-            <a:r>
-              <a:rPr dirty="0"/>
-              <a:t>When creating a simulation with multiple conditionally dependent variables it is useful to draw a directed graph; a </a:t>
-            </a:r>
-            <a:r>
-              <a:rPr b="1" dirty="0"/>
-              <a:t>directed acyclic graphical model or DAG</a:t>
-            </a:r>
-          </a:p>
-          <a:p>
-            <a:pPr lvl="0"/>
-            <a:r>
-              <a:rPr dirty="0"/>
-              <a:t>The graph </a:t>
-            </a:r>
-            <a:r>
-              <a:rPr lang="en-US" dirty="0"/>
-              <a:t>representation </a:t>
-            </a:r>
-            <a:r>
-              <a:rPr dirty="0"/>
-              <a:t>show</a:t>
-            </a:r>
-            <a:r>
-              <a:rPr lang="en-US" dirty="0"/>
-              <a:t>s</a:t>
-            </a:r>
-            <a:r>
-              <a:rPr dirty="0"/>
-              <a:t> independent</a:t>
-            </a:r>
-            <a:r>
-              <a:rPr lang="en-US" dirty="0"/>
-              <a:t> and</a:t>
-            </a:r>
-            <a:r>
-              <a:rPr dirty="0"/>
-              <a:t> conditionally dependent </a:t>
-            </a:r>
-            <a:r>
-              <a:rPr lang="en-US" dirty="0"/>
-              <a:t>variables</a:t>
-            </a:r>
-          </a:p>
-          <a:p>
-            <a:pPr lvl="0"/>
-            <a:r>
-              <a:rPr lang="en-US" dirty="0"/>
-              <a:t>S</a:t>
-            </a:r>
-            <a:r>
-              <a:rPr dirty="0"/>
-              <a:t>hapes represent </a:t>
-            </a:r>
-            <a:r>
-              <a:rPr lang="en-US" dirty="0"/>
-              <a:t>different </a:t>
-            </a:r>
-            <a:r>
-              <a:rPr dirty="0"/>
-              <a:t>type</a:t>
-            </a:r>
-            <a:r>
-              <a:rPr lang="en-US" dirty="0"/>
-              <a:t>s</a:t>
-            </a:r>
-            <a:r>
-              <a:rPr dirty="0"/>
-              <a:t> of nodes</a:t>
-            </a:r>
-          </a:p>
-          <a:p>
-            <a:pPr lvl="0"/>
-            <a:r>
-              <a:rPr b="1" dirty="0"/>
-              <a:t>Directed edges</a:t>
-            </a:r>
-            <a:r>
-              <a:rPr dirty="0"/>
-              <a:t> show the dependency structure of the distributions</a:t>
-            </a:r>
-          </a:p>
-          <a:p>
-            <a:pPr lvl="1"/>
-            <a:r>
-              <a:rPr dirty="0"/>
-              <a:t>Arrows point to </a:t>
-            </a:r>
-            <a:r>
-              <a:rPr b="1" dirty="0"/>
-              <a:t>child nodes</a:t>
-            </a:r>
-            <a:r>
-              <a:rPr dirty="0"/>
-              <a:t> which are dependent on </a:t>
-            </a:r>
-            <a:r>
-              <a:rPr b="1" dirty="0"/>
-              <a:t>parent nodes</a:t>
-            </a:r>
-            <a:endParaRPr dirty="0"/>
-          </a:p>
-          <a:p>
-            <a:pPr lvl="1"/>
-            <a:r>
-              <a:rPr dirty="0"/>
-              <a:t>Child node is </a:t>
-            </a:r>
-            <a:r>
-              <a:rPr b="1" dirty="0"/>
-              <a:t>conditional</a:t>
-            </a:r>
-            <a:r>
-              <a:rPr dirty="0"/>
-              <a:t> on parent nodes</a:t>
-            </a:r>
-          </a:p>
-        </p:txBody>
-      </p:sp>
-    </p:spTree>
-  </p:cSld>
-  <p:clrMapOvr>
-    <a:masterClrMapping/>
-  </p:clrMapOvr>
-</p:sld>
-</file>
-
-<file path=ppt/slides/slide46.xml><?xml version="1.0" encoding="utf-8"?>
-<p:sld xmlns:a="http://schemas.openxmlformats.org/drawingml/2006/main" xmlns:r="http://schemas.openxmlformats.org/officeDocument/2006/relationships" xmlns:p="http://schemas.openxmlformats.org/presentationml/2006/main">
-  <p:cSld>
-    <p:spTree>
-      <p:nvGrpSpPr>
-        <p:cNvPr id="1" name=""/>
-        <p:cNvGrpSpPr/>
-        <p:nvPr/>
-      </p:nvGrpSpPr>
-      <p:grpSpPr>
-        <a:xfrm>
-          <a:off x="0" y="0"/>
-          <a:ext cx="0" cy="0"/>
-          <a:chOff x="0" y="0"/>
-          <a:chExt cx="0" cy="0"/>
-        </a:xfrm>
-      </p:grpSpPr>
-      <p:sp>
-        <p:nvSpPr>
-          <p:cNvPr id="2" name="Title 1"/>
-          <p:cNvSpPr>
-            <a:spLocks noGrp="1"/>
-          </p:cNvSpPr>
-          <p:nvPr>
-            <p:ph type="title"/>
-          </p:nvPr>
-        </p:nvSpPr>
-        <p:spPr/>
-        <p:txBody>
-          <a:bodyPr>
-            <a:normAutofit fontScale="90000"/>
-          </a:bodyPr>
-          <a:lstStyle/>
-          <a:p>
-            <a:pPr marL="0" lvl="0" indent="0">
-              <a:buNone/>
-            </a:pPr>
-            <a:r>
-              <a:t>Representation as a Directed Acyclic Graphical Model</a:t>
-            </a:r>
-          </a:p>
-        </p:txBody>
-      </p:sp>
-      <p:sp>
-        <p:nvSpPr>
-          <p:cNvPr id="3" name="Content Placeholder 2"/>
-          <p:cNvSpPr>
-            <a:spLocks noGrp="1"/>
-          </p:cNvSpPr>
-          <p:nvPr>
-            <p:ph idx="1"/>
-          </p:nvPr>
-        </p:nvSpPr>
-        <p:spPr>
-          <a:xfrm>
-            <a:off x="457200" y="1200150"/>
-            <a:ext cx="8229600" cy="3672791"/>
-          </a:xfrm>
-        </p:spPr>
-        <p:txBody>
-          <a:bodyPr>
-            <a:normAutofit fontScale="92500"/>
-          </a:bodyPr>
-          <a:lstStyle/>
-          <a:p>
-            <a:pPr marL="0" lvl="0" indent="0">
-              <a:buNone/>
-            </a:pPr>
-            <a:r>
-              <a:rPr lang="en-US" dirty="0"/>
-              <a:t>A </a:t>
-            </a:r>
-            <a:r>
-              <a:rPr b="1" dirty="0"/>
-              <a:t>directed acyclic graphical model or DAG</a:t>
-            </a:r>
-            <a:r>
-              <a:rPr lang="en-US" dirty="0"/>
-              <a:t> is an intuitive representation of a Monte Carlo simulation model</a:t>
-            </a:r>
-            <a:endParaRPr b="1" dirty="0"/>
-          </a:p>
-          <a:p>
-            <a:pPr lvl="0"/>
-            <a:r>
-              <a:rPr b="1" dirty="0"/>
-              <a:t>Probability distributions</a:t>
-            </a:r>
-            <a:r>
-              <a:rPr dirty="0"/>
-              <a:t> are shown as </a:t>
-            </a:r>
-            <a:r>
-              <a:rPr b="1" dirty="0"/>
-              <a:t>ellipses</a:t>
-            </a:r>
-          </a:p>
-          <a:p>
-            <a:pPr lvl="1"/>
-            <a:r>
-              <a:rPr dirty="0"/>
-              <a:t>Distributions have </a:t>
-            </a:r>
-            <a:r>
-              <a:rPr b="1" dirty="0"/>
-              <a:t>parameters</a:t>
-            </a:r>
-            <a:r>
-              <a:rPr dirty="0"/>
-              <a:t> which must be estimated</a:t>
-            </a:r>
-          </a:p>
-          <a:p>
-            <a:pPr lvl="0"/>
-            <a:r>
-              <a:rPr b="1" dirty="0"/>
-              <a:t>Decision variables</a:t>
-            </a:r>
-            <a:r>
-              <a:rPr dirty="0"/>
-              <a:t> are </a:t>
-            </a:r>
-            <a:r>
-              <a:rPr b="1" dirty="0"/>
-              <a:t>deterministic </a:t>
-            </a:r>
-            <a:r>
-              <a:rPr dirty="0"/>
-              <a:t>and</a:t>
-            </a:r>
-            <a:r>
-              <a:rPr lang="en-US" dirty="0"/>
-              <a:t> </a:t>
-            </a:r>
-            <a:r>
-              <a:rPr dirty="0"/>
-              <a:t>shown as </a:t>
-            </a:r>
-            <a:r>
-              <a:rPr b="1" dirty="0"/>
-              <a:t>rectangles</a:t>
-            </a:r>
-          </a:p>
-          <a:p>
-            <a:pPr lvl="1"/>
-            <a:r>
-              <a:rPr dirty="0"/>
-              <a:t>Setting decision variables can be performed either manually or automatically</a:t>
-            </a:r>
-          </a:p>
-          <a:p>
-            <a:pPr lvl="0"/>
-            <a:r>
-              <a:rPr b="1" dirty="0"/>
-              <a:t>Utility nodes</a:t>
-            </a:r>
-            <a:r>
-              <a:rPr dirty="0"/>
-              <a:t>, </a:t>
-            </a:r>
-            <a:r>
-              <a:rPr lang="en-US" dirty="0"/>
-              <a:t>e.g. </a:t>
-            </a:r>
-            <a:r>
-              <a:rPr dirty="0"/>
-              <a:t>profit in this case, are shown as </a:t>
-            </a:r>
-            <a:r>
-              <a:rPr b="1" dirty="0"/>
-              <a:t>diamonds</a:t>
-            </a:r>
-          </a:p>
-          <a:p>
-            <a:pPr lvl="1"/>
-            <a:r>
-              <a:rPr dirty="0"/>
-              <a:t>Nodes represent a </a:t>
-            </a:r>
-            <a:r>
-              <a:rPr b="1" dirty="0"/>
-              <a:t>utility function</a:t>
-            </a:r>
-            <a:r>
-              <a:rPr dirty="0"/>
-              <a:t> given the dependencies in the graph</a:t>
-            </a:r>
-          </a:p>
-          <a:p>
-            <a:pPr lvl="1"/>
-            <a:r>
-              <a:rPr dirty="0"/>
-              <a:t>Utility calculations are </a:t>
-            </a:r>
-            <a:r>
-              <a:rPr b="1" dirty="0"/>
-              <a:t>deterministic</a:t>
-            </a:r>
-          </a:p>
-        </p:txBody>
-      </p:sp>
-    </p:spTree>
-  </p:cSld>
-  <p:clrMapOvr>
-    <a:masterClrMapping/>
-  </p:clrMapOvr>
-</p:sld>
-</file>
-
-<file path=ppt/slides/slide47.xml><?xml version="1.0" encoding="utf-8"?>
-<p:sld xmlns:a="http://schemas.openxmlformats.org/drawingml/2006/main" xmlns:r="http://schemas.openxmlformats.org/officeDocument/2006/relationships" xmlns:p="http://schemas.openxmlformats.org/presentationml/2006/main">
-  <p:cSld>
-    <p:spTree>
-      <p:nvGrpSpPr>
-        <p:cNvPr id="1" name=""/>
-        <p:cNvGrpSpPr/>
-        <p:nvPr/>
-      </p:nvGrpSpPr>
-      <p:grpSpPr>
-        <a:xfrm>
-          <a:off x="0" y="0"/>
-          <a:ext cx="0" cy="0"/>
-          <a:chOff x="0" y="0"/>
-          <a:chExt cx="0" cy="0"/>
-        </a:xfrm>
-      </p:grpSpPr>
-      <p:sp>
-        <p:nvSpPr>
-          <p:cNvPr id="2" name="Title 1"/>
-          <p:cNvSpPr>
-            <a:spLocks noGrp="1"/>
-          </p:cNvSpPr>
-          <p:nvPr>
-            <p:ph type="title"/>
-          </p:nvPr>
-        </p:nvSpPr>
-        <p:spPr/>
-        <p:txBody>
-          <a:bodyPr/>
-          <a:lstStyle/>
-          <a:p>
-            <a:pPr marL="0" lvl="0" indent="0">
-              <a:buNone/>
-            </a:pPr>
-            <a:r>
-              <a:t>Sandwich Shop Simulation</a:t>
-            </a:r>
-          </a:p>
-        </p:txBody>
-      </p:sp>
-      <p:sp>
-        <p:nvSpPr>
-          <p:cNvPr id="3" name="Content Placeholder 2"/>
-          <p:cNvSpPr>
-            <a:spLocks noGrp="1"/>
-          </p:cNvSpPr>
-          <p:nvPr>
-            <p:ph idx="1"/>
-          </p:nvPr>
-        </p:nvSpPr>
-        <p:spPr>
-          <a:xfrm>
-            <a:off x="457200" y="1063229"/>
-            <a:ext cx="8229600" cy="397155"/>
-          </a:xfrm>
-        </p:spPr>
-        <p:txBody>
-          <a:bodyPr>
-            <a:normAutofit fontScale="92500" lnSpcReduction="10000"/>
-          </a:bodyPr>
-          <a:lstStyle/>
-          <a:p>
-            <a:pPr marL="0" lvl="0" indent="0">
-              <a:buNone/>
-            </a:pPr>
-            <a:r>
-              <a:rPr dirty="0"/>
-              <a:t>The sandwich shop simulation can be represented by a DAG</a:t>
-            </a:r>
-          </a:p>
-        </p:txBody>
-      </p:sp>
-      <p:pic>
-        <p:nvPicPr>
-          <p:cNvPr id="4" name="Picture 1" descr="../images/Simulation_Directed_Graph.JPG"/>
-          <p:cNvPicPr>
-            <a:picLocks noGrp="1" noChangeAspect="1"/>
-          </p:cNvPicPr>
-          <p:nvPr/>
-        </p:nvPicPr>
-        <p:blipFill>
-          <a:blip r:embed="rId2"/>
-          <a:stretch>
-            <a:fillRect/>
-          </a:stretch>
-        </p:blipFill>
-        <p:spPr bwMode="auto">
-          <a:xfrm>
-            <a:off x="1666754" y="1460384"/>
-            <a:ext cx="5231604" cy="3084608"/>
-          </a:xfrm>
-          <a:prstGeom prst="rect">
-            <a:avLst/>
-          </a:prstGeom>
-          <a:noFill/>
-          <a:ln w="9525">
-            <a:noFill/>
-            <a:headEnd/>
-            <a:tailEnd/>
-          </a:ln>
-        </p:spPr>
-      </p:pic>
-      <p:sp>
-        <p:nvSpPr>
-          <p:cNvPr id="5" name="TextBox 3"/>
-          <p:cNvSpPr txBox="1"/>
-          <p:nvPr/>
-        </p:nvSpPr>
-        <p:spPr>
-          <a:xfrm>
-            <a:off x="1519100" y="4525333"/>
-            <a:ext cx="5526911" cy="508000"/>
-          </a:xfrm>
-          <a:prstGeom prst="rect">
-            <a:avLst/>
-          </a:prstGeom>
-          <a:noFill/>
-        </p:spPr>
-        <p:txBody>
-          <a:bodyPr/>
-          <a:lstStyle/>
-          <a:p>
-            <a:pPr marL="0" lvl="0" indent="0" algn="ctr">
-              <a:buNone/>
-            </a:pPr>
-            <a:r>
-              <a:rPr dirty="0"/>
-              <a:t>Directed graph of the distributions for profit simulation</a:t>
-            </a:r>
-          </a:p>
-        </p:txBody>
-      </p:sp>
-    </p:spTree>
-  </p:cSld>
-  <p:clrMapOvr>
-    <a:masterClrMapping/>
-  </p:clrMapOvr>
-</p:sld>
-</file>
-
-<file path=ppt/slides/slide48.xml><?xml version="1.0" encoding="utf-8"?>
-<p:sld xmlns:a="http://schemas.openxmlformats.org/drawingml/2006/main" xmlns:r="http://schemas.openxmlformats.org/officeDocument/2006/relationships" xmlns:p="http://schemas.openxmlformats.org/presentationml/2006/main">
-  <p:cSld>
-    <p:spTree>
-      <p:nvGrpSpPr>
-        <p:cNvPr id="1" name=""/>
-        <p:cNvGrpSpPr/>
-        <p:nvPr/>
-      </p:nvGrpSpPr>
-      <p:grpSpPr>
-        <a:xfrm>
-          <a:off x="0" y="0"/>
-          <a:ext cx="0" cy="0"/>
-          <a:chOff x="0" y="0"/>
-          <a:chExt cx="0" cy="0"/>
-        </a:xfrm>
-      </p:grpSpPr>
-      <p:sp>
-        <p:nvSpPr>
-          <p:cNvPr id="2" name="Title 1"/>
-          <p:cNvSpPr>
-            <a:spLocks noGrp="1"/>
-          </p:cNvSpPr>
-          <p:nvPr>
-            <p:ph type="title"/>
-          </p:nvPr>
-        </p:nvSpPr>
-        <p:spPr/>
-        <p:txBody>
-          <a:bodyPr/>
-          <a:lstStyle/>
-          <a:p>
-            <a:pPr marL="0" lvl="0" indent="0">
-              <a:buNone/>
-            </a:pPr>
-            <a:r>
-              <a:t>Sandwich Shop Simulation</a:t>
-            </a:r>
-          </a:p>
-        </p:txBody>
-      </p:sp>
-      <p:sp>
-        <p:nvSpPr>
-          <p:cNvPr id="3" name="Content Placeholder 2"/>
-          <p:cNvSpPr>
-            <a:spLocks noGrp="1"/>
-          </p:cNvSpPr>
-          <p:nvPr>
-            <p:ph idx="1"/>
-          </p:nvPr>
-        </p:nvSpPr>
-        <p:spPr>
-          <a:xfrm>
-            <a:off x="457200" y="1103453"/>
-            <a:ext cx="8229600" cy="3696182"/>
-          </a:xfrm>
-        </p:spPr>
-        <p:txBody>
-          <a:bodyPr>
-            <a:normAutofit fontScale="92500" lnSpcReduction="20000"/>
-          </a:bodyPr>
-          <a:lstStyle/>
-          <a:p>
-            <a:pPr marL="0" lvl="0" indent="0">
-              <a:buNone/>
-            </a:pPr>
-            <a:r>
-              <a:rPr dirty="0"/>
-              <a:t>Interpreting the DAG</a:t>
-            </a:r>
-          </a:p>
-          <a:p>
-            <a:pPr lvl="0"/>
-            <a:r>
-              <a:rPr dirty="0"/>
-              <a:t>The DAG is a shorthand description of the simulation model</a:t>
-            </a:r>
-          </a:p>
-          <a:p>
-            <a:pPr lvl="0"/>
-            <a:r>
-              <a:rPr dirty="0"/>
-              <a:t>Nodes with no dependency are </a:t>
-            </a:r>
-            <a:r>
-              <a:rPr b="1" dirty="0"/>
-              <a:t>independent distributions</a:t>
-            </a:r>
-          </a:p>
-          <a:p>
-            <a:pPr lvl="1"/>
-            <a:r>
-              <a:rPr dirty="0"/>
-              <a:t>Parameters must be known or estimated</a:t>
-            </a:r>
-          </a:p>
-          <a:p>
-            <a:pPr lvl="1"/>
-            <a:r>
-              <a:rPr dirty="0"/>
-              <a:t>Can be useful to vary the parameters</a:t>
-            </a:r>
-          </a:p>
-          <a:p>
-            <a:pPr lvl="0"/>
-            <a:r>
-              <a:rPr b="1" dirty="0"/>
-              <a:t>Child</a:t>
-            </a:r>
-            <a:r>
-              <a:rPr dirty="0"/>
-              <a:t> distributions are </a:t>
-            </a:r>
-            <a:r>
-              <a:rPr b="1" dirty="0"/>
-              <a:t>conditional</a:t>
-            </a:r>
-            <a:r>
-              <a:rPr dirty="0"/>
-              <a:t> on their </a:t>
-            </a:r>
-            <a:r>
-              <a:rPr b="1" dirty="0"/>
-              <a:t>parents</a:t>
-            </a:r>
-          </a:p>
-          <a:p>
-            <a:pPr lvl="1"/>
-            <a:r>
-              <a:rPr dirty="0"/>
-              <a:t>Parameters must be known or estimated</a:t>
-            </a:r>
-          </a:p>
-          <a:p>
-            <a:pPr lvl="1"/>
-            <a:r>
-              <a:rPr dirty="0"/>
-              <a:t>Resulting distribution can be quite complex</a:t>
-            </a:r>
-          </a:p>
-          <a:p>
-            <a:pPr lvl="0"/>
-            <a:r>
-              <a:rPr b="1" dirty="0"/>
-              <a:t>Decision variables</a:t>
-            </a:r>
-            <a:r>
-              <a:rPr dirty="0"/>
-              <a:t> </a:t>
-            </a:r>
-            <a:r>
-              <a:rPr b="1" dirty="0"/>
-              <a:t>deterministically</a:t>
-            </a:r>
-            <a:r>
-              <a:rPr dirty="0"/>
-              <a:t> change the model parameters</a:t>
-            </a:r>
-          </a:p>
-          <a:p>
-            <a:pPr lvl="0"/>
-            <a:r>
-              <a:rPr b="1" dirty="0"/>
-              <a:t>Utility node</a:t>
-            </a:r>
-            <a:r>
-              <a:rPr lang="en-US" b="1" dirty="0"/>
-              <a:t>s</a:t>
-            </a:r>
-            <a:r>
-              <a:rPr dirty="0"/>
-              <a:t> use a fixed </a:t>
-            </a:r>
-            <a:r>
-              <a:rPr b="1" dirty="0"/>
-              <a:t>deterministic</a:t>
-            </a:r>
-            <a:r>
-              <a:rPr dirty="0"/>
-              <a:t> </a:t>
-            </a:r>
-            <a:r>
-              <a:rPr b="1" dirty="0"/>
-              <a:t>formula</a:t>
-            </a:r>
-            <a:r>
-              <a:rPr dirty="0"/>
-              <a:t> to compute the value for each realization of the simulation</a:t>
-            </a:r>
-          </a:p>
-        </p:txBody>
-      </p:sp>
-    </p:spTree>
-  </p:cSld>
-  <p:clrMapOvr>
-    <a:masterClrMapping/>
-  </p:clrMapOvr>
-</p:sld>
-</file>
-
-<file path=ppt/slides/slide49.xml><?xml version="1.0" encoding="utf-8"?>
-<p:sld xmlns:a="http://schemas.openxmlformats.org/drawingml/2006/main" xmlns:r="http://schemas.openxmlformats.org/officeDocument/2006/relationships" xmlns:p="http://schemas.openxmlformats.org/presentationml/2006/main">
-  <p:cSld>
-    <p:spTree>
-      <p:nvGrpSpPr>
-        <p:cNvPr id="1" name=""/>
-        <p:cNvGrpSpPr/>
-        <p:nvPr/>
-      </p:nvGrpSpPr>
-      <p:grpSpPr>
-        <a:xfrm>
-          <a:off x="0" y="0"/>
-          <a:ext cx="0" cy="0"/>
-          <a:chOff x="0" y="0"/>
-          <a:chExt cx="0" cy="0"/>
-        </a:xfrm>
-      </p:grpSpPr>
-      <p:sp>
-        <p:nvSpPr>
-          <p:cNvPr id="2" name="Title 1"/>
-          <p:cNvSpPr>
-            <a:spLocks noGrp="1"/>
-          </p:cNvSpPr>
-          <p:nvPr>
-            <p:ph type="title"/>
-          </p:nvPr>
-        </p:nvSpPr>
-        <p:spPr/>
-        <p:txBody>
-          <a:bodyPr/>
-          <a:lstStyle/>
-          <a:p>
-            <a:pPr marL="0" lvl="0" indent="0">
-              <a:buNone/>
-            </a:pPr>
-            <a:r>
-              <a:t>Tips on Building Simulations</a:t>
-            </a:r>
-          </a:p>
-        </p:txBody>
-      </p:sp>
-      <p:sp>
-        <p:nvSpPr>
-          <p:cNvPr id="3" name="Content Placeholder 2"/>
-          <p:cNvSpPr>
-            <a:spLocks noGrp="1"/>
-          </p:cNvSpPr>
-          <p:nvPr>
-            <p:ph idx="1"/>
-          </p:nvPr>
-        </p:nvSpPr>
-        <p:spPr/>
-        <p:txBody>
-          <a:bodyPr>
-            <a:normAutofit fontScale="92500"/>
-          </a:bodyPr>
-          <a:lstStyle/>
-          <a:p>
-            <a:pPr marL="0" lvl="0" indent="0">
-              <a:buNone/>
-            </a:pPr>
-            <a:r>
-              <a:rPr dirty="0"/>
-              <a:t>Creating, testing and debugging simulation software can be tricky given the stochastic nature of simulation</a:t>
-            </a:r>
-          </a:p>
-          <a:p>
-            <a:pPr lvl="0"/>
-            <a:r>
-              <a:rPr dirty="0"/>
-              <a:t>Build your simulation as a series of small, easily tested, chunks</a:t>
-            </a:r>
-          </a:p>
-          <a:p>
-            <a:pPr lvl="0"/>
-            <a:r>
-              <a:rPr dirty="0"/>
-              <a:t>Test each small functional unit individually, including at least testing some typical cases, as well as boundary or extreme cases</a:t>
-            </a:r>
-          </a:p>
-          <a:p>
-            <a:pPr lvl="0"/>
-            <a:r>
-              <a:rPr dirty="0"/>
-              <a:t>Test your overall simulation each time you add a new functional component </a:t>
-            </a:r>
-            <a:r>
-              <a:rPr dirty="0">
-                <a:solidFill>
-                  <a:srgbClr val="C00000"/>
-                </a:solidFill>
-              </a:rPr>
-              <a:t>- </a:t>
-            </a:r>
-            <a:r>
-              <a:rPr b="1" dirty="0">
-                <a:solidFill>
-                  <a:srgbClr val="C00000"/>
-                </a:solidFill>
-              </a:rPr>
-              <a:t>avoid big bang integration!</a:t>
-            </a:r>
-            <a:endParaRPr dirty="0">
-              <a:solidFill>
-                <a:srgbClr val="C00000"/>
-              </a:solidFill>
-            </a:endParaRPr>
-          </a:p>
-          <a:p>
-            <a:pPr lvl="0"/>
-            <a:r>
-              <a:rPr lang="en-US" dirty="0"/>
-              <a:t>Monte Carlo s</a:t>
-            </a:r>
-            <a:r>
-              <a:rPr dirty="0"/>
-              <a:t>imulations are inherently stochastic, set a seed </a:t>
-            </a:r>
-            <a:r>
-              <a:rPr lang="en-US" dirty="0"/>
-              <a:t>so tests are </a:t>
-            </a:r>
-            <a:r>
-              <a:rPr dirty="0"/>
-              <a:t>repeatable</a:t>
-            </a:r>
-          </a:p>
-        </p:txBody>
-      </p:sp>
-    </p:spTree>
-  </p:cSld>
-  <p:clrMapOvr>
-    <a:masterClrMapping/>
-  </p:clrMapOvr>
-</p:sld>
-</file>
-
-<file path=ppt/slides/slide5.xml><?xml version="1.0" encoding="utf-8"?>
-<p:sld xmlns:a="http://schemas.openxmlformats.org/drawingml/2006/main" xmlns:r="http://schemas.openxmlformats.org/officeDocument/2006/relationships" xmlns:p="http://schemas.openxmlformats.org/presentationml/2006/main">
-  <p:cSld>
-    <p:spTree>
-      <p:nvGrpSpPr>
-        <p:cNvPr id="1" name=""/>
-        <p:cNvGrpSpPr/>
-        <p:nvPr/>
-      </p:nvGrpSpPr>
-      <p:grpSpPr>
-        <a:xfrm>
-          <a:off x="0" y="0"/>
-          <a:ext cx="0" cy="0"/>
-          <a:chOff x="0" y="0"/>
-          <a:chExt cx="0" cy="0"/>
-        </a:xfrm>
-      </p:grpSpPr>
-      <p:sp>
-        <p:nvSpPr>
-          <p:cNvPr id="2" name="Title 1"/>
-          <p:cNvSpPr>
-            <a:spLocks noGrp="1"/>
-          </p:cNvSpPr>
-          <p:nvPr>
-            <p:ph type="title"/>
-          </p:nvPr>
-        </p:nvSpPr>
-        <p:spPr/>
-        <p:txBody>
-          <a:bodyPr/>
-          <a:lstStyle/>
-          <a:p>
-            <a:pPr marL="0" lvl="0" indent="0">
-              <a:buNone/>
-            </a:pPr>
-            <a:r>
-              <a:rPr lang="en-US" dirty="0"/>
-              <a:t>Review</a:t>
-            </a:r>
-            <a:endParaRPr dirty="0"/>
-          </a:p>
-        </p:txBody>
-      </p:sp>
-      <p:sp>
-        <p:nvSpPr>
-          <p:cNvPr id="3" name="Content Placeholder 2"/>
-          <p:cNvSpPr>
-            <a:spLocks noGrp="1"/>
-          </p:cNvSpPr>
-          <p:nvPr>
-            <p:ph idx="1"/>
-          </p:nvPr>
-        </p:nvSpPr>
-        <p:spPr/>
-        <p:txBody>
-          <a:bodyPr>
-            <a:normAutofit fontScale="92500" lnSpcReduction="10000"/>
-          </a:bodyPr>
-          <a:lstStyle/>
-          <a:p>
-            <a:pPr marL="0" lvl="0" indent="0">
-              <a:buNone/>
-            </a:pPr>
-            <a:r>
-              <a:rPr dirty="0"/>
-              <a:t>Generally </a:t>
-            </a:r>
-            <a:r>
-              <a:rPr b="1" dirty="0"/>
-              <a:t>combine multiple methods</a:t>
-            </a:r>
-            <a:r>
-              <a:rPr dirty="0"/>
-              <a:t> to effectively display </a:t>
-            </a:r>
-            <a:r>
-              <a:rPr lang="en-US" dirty="0"/>
-              <a:t>large </a:t>
-            </a:r>
-            <a:r>
-              <a:rPr dirty="0"/>
-              <a:t>complex data</a:t>
-            </a:r>
-          </a:p>
-          <a:p>
-            <a:pPr lvl="0"/>
-            <a:r>
-              <a:rPr dirty="0"/>
-              <a:t>Use </a:t>
-            </a:r>
-            <a:r>
-              <a:rPr b="1" dirty="0"/>
-              <a:t>plots that inherently scale</a:t>
-            </a:r>
-          </a:p>
-          <a:p>
-            <a:pPr lvl="0"/>
-            <a:r>
-              <a:rPr b="1" dirty="0"/>
-              <a:t>Avoid over-plotting</a:t>
-            </a:r>
-            <a:r>
-              <a:rPr dirty="0"/>
-              <a:t> to ensure plot is understandable</a:t>
-            </a:r>
-          </a:p>
-          <a:p>
-            <a:pPr lvl="0"/>
-            <a:r>
-              <a:rPr dirty="0"/>
-              <a:t>Often a </a:t>
-            </a:r>
-            <a:r>
-              <a:rPr b="1" dirty="0"/>
-              <a:t>creative case specific plot type</a:t>
-            </a:r>
-            <a:r>
-              <a:rPr dirty="0"/>
-              <a:t> is best</a:t>
-            </a:r>
-          </a:p>
-          <a:p>
-            <a:pPr lvl="0"/>
-            <a:r>
-              <a:rPr dirty="0"/>
-              <a:t>Use </a:t>
-            </a:r>
-            <a:r>
-              <a:rPr b="1" dirty="0"/>
-              <a:t>multi-axis plots</a:t>
-            </a:r>
-          </a:p>
-          <a:p>
-            <a:pPr lvl="1"/>
-            <a:r>
-              <a:rPr dirty="0"/>
-              <a:t>Scatter plot matrices</a:t>
-            </a:r>
-          </a:p>
-          <a:p>
-            <a:pPr lvl="1"/>
-            <a:r>
-              <a:rPr dirty="0"/>
-              <a:t>Facet plots</a:t>
-            </a:r>
-          </a:p>
-          <a:p>
-            <a:pPr lvl="0"/>
-            <a:r>
-              <a:rPr dirty="0"/>
-              <a:t>Filter cases using </a:t>
-            </a:r>
-            <a:r>
-              <a:rPr b="1" dirty="0" err="1"/>
-              <a:t>cognositics</a:t>
-            </a:r>
-            <a:endParaRPr b="1" dirty="0"/>
-          </a:p>
-        </p:txBody>
-      </p:sp>
-    </p:spTree>
-  </p:cSld>
-  <p:clrMapOvr>
-    <a:masterClrMapping/>
-  </p:clrMapOvr>
-</p:sld>
-</file>
-
-<file path=ppt/slides/slide50.xml><?xml version="1.0" encoding="utf-8"?>
-<p:sld xmlns:a="http://schemas.openxmlformats.org/drawingml/2006/main" xmlns:r="http://schemas.openxmlformats.org/officeDocument/2006/relationships" xmlns:p="http://schemas.openxmlformats.org/presentationml/2006/main">
-  <p:cSld>
-    <p:spTree>
-      <p:nvGrpSpPr>
-        <p:cNvPr id="1" name=""/>
-        <p:cNvGrpSpPr/>
-        <p:nvPr/>
-      </p:nvGrpSpPr>
-      <p:grpSpPr>
-        <a:xfrm>
-          <a:off x="0" y="0"/>
-          <a:ext cx="0" cy="0"/>
-          <a:chOff x="0" y="0"/>
-          <a:chExt cx="0" cy="0"/>
-        </a:xfrm>
-      </p:grpSpPr>
-      <p:sp>
-        <p:nvSpPr>
-          <p:cNvPr id="2" name="Title 1"/>
-          <p:cNvSpPr>
-            <a:spLocks noGrp="1"/>
-          </p:cNvSpPr>
-          <p:nvPr>
-            <p:ph type="title"/>
-          </p:nvPr>
-        </p:nvSpPr>
-        <p:spPr/>
-        <p:txBody>
-          <a:bodyPr/>
-          <a:lstStyle/>
-          <a:p>
-            <a:pPr marL="0" lvl="0" indent="0">
-              <a:buNone/>
-            </a:pPr>
-            <a:r>
-              <a:t>Summary</a:t>
-            </a:r>
-          </a:p>
-        </p:txBody>
-      </p:sp>
-      <p:sp>
-        <p:nvSpPr>
-          <p:cNvPr id="3" name="Content Placeholder 2"/>
-          <p:cNvSpPr>
-            <a:spLocks noGrp="1"/>
-          </p:cNvSpPr>
-          <p:nvPr>
-            <p:ph idx="1"/>
-          </p:nvPr>
-        </p:nvSpPr>
-        <p:spPr>
-          <a:xfrm>
-            <a:off x="457200" y="1200150"/>
-            <a:ext cx="8229600" cy="3668933"/>
-          </a:xfrm>
-        </p:spPr>
-        <p:txBody>
-          <a:bodyPr>
-            <a:normAutofit fontScale="85000" lnSpcReduction="20000"/>
-          </a:bodyPr>
-          <a:lstStyle/>
-          <a:p>
-            <a:pPr marL="0" lvl="0" indent="0">
-              <a:buNone/>
-            </a:pPr>
-            <a:r>
-              <a:rPr dirty="0"/>
-              <a:t>Sampling is a fundamental process in the collection and analysis of data</a:t>
-            </a:r>
-          </a:p>
-          <a:p>
-            <a:pPr lvl="0"/>
-            <a:r>
-              <a:rPr dirty="0"/>
-              <a:t>Sampling is important because we almost never have data on a whole population</a:t>
-            </a:r>
-          </a:p>
-          <a:p>
-            <a:pPr lvl="0"/>
-            <a:r>
-              <a:rPr dirty="0"/>
-              <a:t>Sampling must be randomized to preclude biases</a:t>
-            </a:r>
-          </a:p>
-          <a:p>
-            <a:pPr lvl="0"/>
-            <a:r>
-              <a:rPr dirty="0"/>
-              <a:t>As sample size increases the standard error of a statistic computed from the sample decreases by the law of large numbers</a:t>
-            </a:r>
-          </a:p>
-          <a:p>
-            <a:pPr lvl="0"/>
-            <a:r>
-              <a:rPr dirty="0"/>
-              <a:t>Key points to keep in mind:</a:t>
-            </a:r>
-          </a:p>
-          <a:p>
-            <a:pPr lvl="1"/>
-            <a:r>
-              <a:rPr dirty="0"/>
-              <a:t>Understanding sampling is essential to ensure data is representative of the entire population</a:t>
-            </a:r>
-          </a:p>
-          <a:p>
-            <a:pPr lvl="1"/>
-            <a:r>
-              <a:rPr dirty="0"/>
-              <a:t>Use inferences on the sample to say something about the population</a:t>
-            </a:r>
-          </a:p>
-          <a:p>
-            <a:pPr lvl="1"/>
-            <a:r>
-              <a:rPr dirty="0"/>
-              <a:t>The sample must be randomly drawn from the population</a:t>
-            </a:r>
-          </a:p>
-          <a:p>
-            <a:pPr lvl="0"/>
-            <a:r>
-              <a:rPr dirty="0"/>
-              <a:t>Sampling from distribution</a:t>
-            </a:r>
-            <a:r>
-              <a:rPr lang="en-US" dirty="0"/>
-              <a:t>s</a:t>
-            </a:r>
-            <a:r>
-              <a:rPr dirty="0"/>
-              <a:t> is the building block of </a:t>
-            </a:r>
-            <a:r>
-              <a:rPr lang="en-US" dirty="0"/>
-              <a:t>Monte Carlo </a:t>
-            </a:r>
-            <a:r>
-              <a:rPr dirty="0"/>
-              <a:t>simulation</a:t>
-            </a:r>
-          </a:p>
-        </p:txBody>
-      </p:sp>
-    </p:spTree>
-  </p:cSld>
-  <p:clrMapOvr>
-    <a:masterClrMapping/>
-  </p:clrMapOvr>
-</p:sld>
-</file>
-
-<file path=ppt/slides/slide6.xml><?xml version="1.0" encoding="utf-8"?>
-<p:sld xmlns:a="http://schemas.openxmlformats.org/drawingml/2006/main" xmlns:r="http://schemas.openxmlformats.org/officeDocument/2006/relationships" xmlns:p="http://schemas.openxmlformats.org/presentationml/2006/main">
-  <p:cSld>
-    <p:spTree>
-      <p:nvGrpSpPr>
-        <p:cNvPr id="1" name=""/>
-        <p:cNvGrpSpPr/>
-        <p:nvPr/>
-      </p:nvGrpSpPr>
-      <p:grpSpPr>
-        <a:xfrm>
-          <a:off x="0" y="0"/>
-          <a:ext cx="0" cy="0"/>
-          <a:chOff x="0" y="0"/>
-          <a:chExt cx="0" cy="0"/>
-        </a:xfrm>
-      </p:grpSpPr>
-      <p:sp>
-        <p:nvSpPr>
-          <p:cNvPr id="2" name="Title 1"/>
-          <p:cNvSpPr>
-            <a:spLocks noGrp="1"/>
-          </p:cNvSpPr>
-          <p:nvPr>
-            <p:ph type="title"/>
-          </p:nvPr>
-        </p:nvSpPr>
-        <p:spPr/>
-        <p:txBody>
-          <a:bodyPr/>
-          <a:lstStyle/>
-          <a:p>
-            <a:pPr marL="0" lvl="0" indent="0">
-              <a:buNone/>
-            </a:pPr>
-            <a:r>
-              <a:rPr lang="en-US" dirty="0"/>
-              <a:t>Review</a:t>
-            </a:r>
-            <a:endParaRPr dirty="0"/>
-          </a:p>
-        </p:txBody>
-      </p:sp>
-      <p:sp>
-        <p:nvSpPr>
-          <p:cNvPr id="3" name="Content Placeholder 2"/>
-          <p:cNvSpPr>
-            <a:spLocks noGrp="1"/>
-          </p:cNvSpPr>
-          <p:nvPr>
-            <p:ph idx="1"/>
-          </p:nvPr>
-        </p:nvSpPr>
-        <p:spPr>
-          <a:xfrm>
-            <a:off x="457200" y="913494"/>
-            <a:ext cx="8229600" cy="784678"/>
-          </a:xfrm>
-        </p:spPr>
-        <p:txBody>
-          <a:bodyPr>
-            <a:normAutofit lnSpcReduction="10000"/>
-          </a:bodyPr>
-          <a:lstStyle/>
-          <a:p>
-            <a:pPr marL="0" lvl="0" indent="0">
-              <a:buNone/>
-            </a:pPr>
-            <a:r>
-              <a:rPr lang="en-US" dirty="0"/>
-              <a:t>Example, use </a:t>
-            </a:r>
-            <a:r>
-              <a:rPr lang="en-US" b="1" dirty="0" err="1"/>
-              <a:t>cognositc</a:t>
-            </a:r>
-            <a:r>
-              <a:rPr lang="en-US" dirty="0"/>
-              <a:t> to display </a:t>
-            </a:r>
-            <a:r>
-              <a:rPr lang="en-US" b="1" dirty="0"/>
-              <a:t>facet plot </a:t>
-            </a:r>
-            <a:r>
-              <a:rPr lang="en-US" dirty="0"/>
-              <a:t>for counties with highest median prices per square foot</a:t>
-            </a:r>
-            <a:endParaRPr dirty="0"/>
-          </a:p>
-        </p:txBody>
-      </p:sp>
-      <p:pic>
-        <p:nvPicPr>
-          <p:cNvPr id="5" name="Picture 4">
-            <a:extLst>
-              <a:ext uri="{FF2B5EF4-FFF2-40B4-BE49-F238E27FC236}">
-                <a16:creationId xmlns:a16="http://schemas.microsoft.com/office/drawing/2014/main" id="{588684AA-3B2D-E4BC-EB00-AB3489433571}"/>
-              </a:ext>
-            </a:extLst>
-          </p:cNvPr>
-          <p:cNvPicPr>
-            <a:picLocks noChangeAspect="1"/>
-          </p:cNvPicPr>
-          <p:nvPr/>
-        </p:nvPicPr>
-        <p:blipFill>
-          <a:blip r:embed="rId2"/>
-          <a:stretch>
-            <a:fillRect/>
-          </a:stretch>
-        </p:blipFill>
-        <p:spPr>
-          <a:xfrm>
-            <a:off x="2891971" y="1639826"/>
-            <a:ext cx="6030687" cy="2964831"/>
-          </a:xfrm>
-          <a:prstGeom prst="rect">
-            <a:avLst/>
-          </a:prstGeom>
-        </p:spPr>
-      </p:pic>
-      <p:sp>
-        <p:nvSpPr>
-          <p:cNvPr id="6" name="Content Placeholder 2">
-            <a:extLst>
-              <a:ext uri="{FF2B5EF4-FFF2-40B4-BE49-F238E27FC236}">
-                <a16:creationId xmlns:a16="http://schemas.microsoft.com/office/drawing/2014/main" id="{05AE338B-8499-A6AC-772C-B1E51934E221}"/>
-              </a:ext>
-            </a:extLst>
-          </p:cNvPr>
-          <p:cNvSpPr txBox="1">
-            <a:spLocks/>
-          </p:cNvSpPr>
-          <p:nvPr/>
-        </p:nvSpPr>
-        <p:spPr>
-          <a:xfrm>
-            <a:off x="373742" y="1741714"/>
-            <a:ext cx="2467429" cy="3392426"/>
-          </a:xfrm>
-          <a:prstGeom prst="rect">
-            <a:avLst/>
-          </a:prstGeom>
-        </p:spPr>
-        <p:txBody>
-          <a:bodyPr vert="horz" lIns="91440" tIns="45720" rIns="91440" bIns="45720" rtlCol="0">
-            <a:normAutofit/>
-          </a:bodyPr>
-          <a:lstStyle>
-            <a:lvl1pPr marL="342900" indent="-342900" algn="l" defTabSz="342900" rtl="0" eaLnBrk="1" latinLnBrk="0" hangingPunct="1">
-              <a:spcBef>
-                <a:spcPct val="20000"/>
-              </a:spcBef>
-              <a:buFont typeface="Arial"/>
-              <a:buChar char="•"/>
-              <a:defRPr sz="2400" kern="1200">
-                <a:solidFill>
-                  <a:schemeClr val="tx1"/>
-                </a:solidFill>
-                <a:latin typeface="+mn-lt"/>
-                <a:ea typeface="+mn-ea"/>
-                <a:cs typeface="+mn-cs"/>
-              </a:defRPr>
-            </a:lvl1pPr>
-            <a:lvl2pPr marL="685800" indent="-342900" algn="l" defTabSz="342900" rtl="0" eaLnBrk="1" latinLnBrk="0" hangingPunct="1">
-              <a:spcBef>
-                <a:spcPct val="20000"/>
-              </a:spcBef>
-              <a:buFont typeface="Arial"/>
-              <a:buChar char="–"/>
-              <a:defRPr sz="2100" kern="1200">
-                <a:solidFill>
-                  <a:schemeClr val="tx1"/>
-                </a:solidFill>
-                <a:latin typeface="+mn-lt"/>
-                <a:ea typeface="+mn-ea"/>
-                <a:cs typeface="+mn-cs"/>
-              </a:defRPr>
-            </a:lvl2pPr>
-            <a:lvl3pPr marL="1028700" indent="-342900" algn="l" defTabSz="342900" rtl="0" eaLnBrk="1" latinLnBrk="0" hangingPunct="1">
-              <a:spcBef>
-                <a:spcPct val="20000"/>
-              </a:spcBef>
-              <a:buFont typeface="Arial"/>
-              <a:buChar char="•"/>
-              <a:defRPr sz="1800" kern="1200">
-                <a:solidFill>
-                  <a:schemeClr val="tx1"/>
-                </a:solidFill>
-                <a:latin typeface="+mn-lt"/>
-                <a:ea typeface="+mn-ea"/>
-                <a:cs typeface="+mn-cs"/>
-              </a:defRPr>
-            </a:lvl3pPr>
-            <a:lvl4pPr marL="1371600" indent="-342900" algn="l" defTabSz="342900" rtl="0" eaLnBrk="1" latinLnBrk="0" hangingPunct="1">
-              <a:spcBef>
-                <a:spcPct val="20000"/>
-              </a:spcBef>
-              <a:buFont typeface="Arial"/>
-              <a:buChar char="–"/>
-              <a:defRPr sz="1500" kern="1200">
-                <a:solidFill>
-                  <a:schemeClr val="tx1"/>
-                </a:solidFill>
-                <a:latin typeface="+mn-lt"/>
-                <a:ea typeface="+mn-ea"/>
-                <a:cs typeface="+mn-cs"/>
-              </a:defRPr>
-            </a:lvl4pPr>
-            <a:lvl5pPr marL="1714500" indent="-342900" algn="l" defTabSz="342900" rtl="0" eaLnBrk="1" latinLnBrk="0" hangingPunct="1">
-              <a:spcBef>
-                <a:spcPct val="20000"/>
-              </a:spcBef>
-              <a:buFont typeface="Arial"/>
-              <a:buChar char="»"/>
-              <a:defRPr sz="1500" kern="1200">
-                <a:solidFill>
-                  <a:schemeClr val="tx1"/>
-                </a:solidFill>
-                <a:latin typeface="+mn-lt"/>
-                <a:ea typeface="+mn-ea"/>
-                <a:cs typeface="+mn-cs"/>
-              </a:defRPr>
-            </a:lvl5pPr>
-            <a:lvl6pPr marL="2057400" indent="-342900" algn="l" defTabSz="342900" rtl="0" eaLnBrk="1" latinLnBrk="0" hangingPunct="1">
-              <a:spcBef>
-                <a:spcPct val="20000"/>
-              </a:spcBef>
-              <a:buFont typeface="Arial"/>
-              <a:buChar char="•"/>
-              <a:defRPr sz="1500" kern="1200">
-                <a:solidFill>
-                  <a:schemeClr val="tx1"/>
-                </a:solidFill>
-                <a:latin typeface="+mn-lt"/>
-                <a:ea typeface="+mn-ea"/>
-                <a:cs typeface="+mn-cs"/>
-              </a:defRPr>
-            </a:lvl6pPr>
-            <a:lvl7pPr marL="2400300" indent="-342900" algn="l" defTabSz="342900" rtl="0" eaLnBrk="1" latinLnBrk="0" hangingPunct="1">
-              <a:spcBef>
-                <a:spcPct val="20000"/>
-              </a:spcBef>
-              <a:buFont typeface="Arial"/>
-              <a:buChar char="•"/>
-              <a:defRPr sz="1500" kern="1200">
-                <a:solidFill>
-                  <a:schemeClr val="tx1"/>
-                </a:solidFill>
-                <a:latin typeface="+mn-lt"/>
-                <a:ea typeface="+mn-ea"/>
-                <a:cs typeface="+mn-cs"/>
-              </a:defRPr>
-            </a:lvl7pPr>
-            <a:lvl8pPr marL="2743200" indent="-342900" algn="l" defTabSz="342900" rtl="0" eaLnBrk="1" latinLnBrk="0" hangingPunct="1">
-              <a:spcBef>
-                <a:spcPct val="20000"/>
-              </a:spcBef>
-              <a:buFont typeface="Arial"/>
-              <a:buChar char="•"/>
-              <a:defRPr sz="1500" kern="1200">
-                <a:solidFill>
-                  <a:schemeClr val="tx1"/>
-                </a:solidFill>
-                <a:latin typeface="+mn-lt"/>
-                <a:ea typeface="+mn-ea"/>
-                <a:cs typeface="+mn-cs"/>
-              </a:defRPr>
-            </a:lvl8pPr>
-            <a:lvl9pPr marL="3086100" indent="-342900" algn="l" defTabSz="342900" rtl="0" eaLnBrk="1" latinLnBrk="0" hangingPunct="1">
-              <a:spcBef>
-                <a:spcPct val="20000"/>
-              </a:spcBef>
-              <a:buFont typeface="Arial"/>
-              <a:buChar char="•"/>
-              <a:defRPr sz="1500" kern="1200">
-                <a:solidFill>
-                  <a:schemeClr val="tx1"/>
-                </a:solidFill>
-                <a:latin typeface="+mn-lt"/>
-                <a:ea typeface="+mn-ea"/>
-                <a:cs typeface="+mn-cs"/>
-              </a:defRPr>
-            </a:lvl9pPr>
-          </a:lstStyle>
-          <a:p>
-            <a:r>
-              <a:rPr lang="en-US" sz="2200" dirty="0"/>
               <a:t>The 1</a:t>
             </a:r>
             <a:r>
@@ -13235,7 +13553,15 @@
             </a:r>
             <a:r>
               <a:rPr lang="en-US" dirty="0"/>
-              <a:t>for counties with highest median prices per square foot, with </a:t>
+              <a:t>for counties with </a:t>
+            </a:r>
+            <a:r>
+              <a:rPr lang="en-US" b="1" dirty="0"/>
+              <a:t>highest median prices</a:t>
+            </a:r>
+            <a:r>
+              <a:rPr lang="en-US" dirty="0"/>
+              <a:t> per square foot, with </a:t>
             </a:r>
             <a:r>
               <a:rPr lang="en-US" b="1" dirty="0"/>
@@ -13535,7 +13861,7 @@
         </p:spPr>
         <p:txBody>
           <a:bodyPr>
-            <a:normAutofit lnSpcReduction="10000"/>
+            <a:normAutofit fontScale="92500"/>
           </a:bodyPr>
           <a:lstStyle/>
           <a:p>
@@ -13568,7 +13894,15 @@
             </a:r>
             <a:r>
               <a:rPr lang="en-US" dirty="0"/>
-              <a:t> median prices per square foot, with </a:t>
+              <a:t> </a:t>
+            </a:r>
+            <a:r>
+              <a:rPr lang="en-US" b="1" dirty="0"/>
+              <a:t>median prices </a:t>
+            </a:r>
+            <a:r>
+              <a:rPr lang="en-US" dirty="0"/>
+              <a:t>per square foot, with </a:t>
             </a:r>
             <a:r>
               <a:rPr lang="en-US" b="1" dirty="0"/>
@@ -13594,8 +13928,8 @@
         </p:nvSpPr>
         <p:spPr>
           <a:xfrm>
-            <a:off x="457200" y="1850571"/>
-            <a:ext cx="2471057" cy="3236686"/>
+            <a:off x="457200" y="1770744"/>
+            <a:ext cx="2471057" cy="3316513"/>
           </a:xfrm>
           <a:prstGeom prst="rect">
             <a:avLst/>
@@ -13603,7 +13937,7 @@
         </p:spPr>
         <p:txBody>
           <a:bodyPr vert="horz" lIns="91440" tIns="45720" rIns="91440" bIns="45720" rtlCol="0">
-            <a:normAutofit lnSpcReduction="10000"/>
+            <a:noAutofit/>
           </a:bodyPr>
           <a:lstStyle>
             <a:lvl1pPr marL="342900" indent="-342900" algn="l" defTabSz="342900" rtl="0" eaLnBrk="1" latinLnBrk="0" hangingPunct="1">
@@ -13744,20 +14078,34 @@
           </a:lstStyle>
           <a:p>
             <a:r>
-              <a:rPr lang="en-US" sz="2200" dirty="0"/>
+              <a:rPr lang="en-US" sz="1800" dirty="0"/>
               <a:t>Interesting! </a:t>
             </a:r>
           </a:p>
           <a:p>
             <a:r>
-              <a:rPr lang="en-US" sz="2200" dirty="0"/>
+              <a:rPr lang="en-US" sz="1800" dirty="0"/>
               <a:t>The curvature is generally less in lower cost counties</a:t>
             </a:r>
           </a:p>
           <a:p>
             <a:r>
-              <a:rPr lang="en-US" sz="2200" dirty="0"/>
+              <a:rPr lang="en-US" sz="1800" dirty="0"/>
               <a:t>One county actually has an inverted relationship</a:t>
+            </a:r>
+          </a:p>
+          <a:p>
+            <a:r>
+              <a:rPr lang="en-US" sz="1800" dirty="0"/>
+              <a:t>Perhaps a </a:t>
+            </a:r>
+            <a:r>
+              <a:rPr lang="en-US" sz="1800" dirty="0" err="1"/>
+              <a:t>congnostic</a:t>
+            </a:r>
+            <a:r>
+              <a:rPr lang="en-US" sz="1800" dirty="0"/>
+              <a:t> using population density will be enlightening?</a:t>
             </a:r>
           </a:p>
         </p:txBody>
@@ -13844,6 +14192,11 @@
               <a:rPr dirty="0"/>
               <a:t>Introduction</a:t>
             </a:r>
+            <a:r>
+              <a:rPr lang="en-US" dirty="0"/>
+              <a:t> to Sampling</a:t>
+            </a:r>
+            <a:endParaRPr dirty="0"/>
           </a:p>
         </p:txBody>
       </p:sp>
@@ -13873,15 +14226,23 @@
               <a:buNone/>
             </a:pPr>
             <a:r>
-              <a:rPr dirty="0"/>
-              <a:t>Sampling is a fundamental process in the collection and analysis of data</a:t>
+              <a:rPr b="1" dirty="0"/>
+              <a:t>Sampling </a:t>
+            </a:r>
+            <a:r>
+              <a:rPr dirty="0"/>
+              <a:t>is a fundamental process in the collection and analysis of data</a:t>
             </a:r>
           </a:p>
           <a:p>
             <a:pPr lvl="0"/>
             <a:r>
               <a:rPr dirty="0"/>
-              <a:t>Sampling is important because we almost never have data on an entire population</a:t>
+              <a:t>Sampling is important because we almost never have data on an entire </a:t>
+            </a:r>
+            <a:r>
+              <a:rPr b="1" dirty="0"/>
+              <a:t>population</a:t>
             </a:r>
           </a:p>
           <a:p>
@@ -13899,7 +14260,15 @@
             <a:pPr lvl="0"/>
             <a:r>
               <a:rPr dirty="0"/>
-              <a:t>As sample size increases, the standard error decreases by the </a:t>
+              <a:t>As sample size increases, the </a:t>
+            </a:r>
+            <a:r>
+              <a:rPr b="1" dirty="0"/>
+              <a:t>standard error decreases </a:t>
+            </a:r>
+            <a:r>
+              <a:rPr dirty="0"/>
+              <a:t>by the </a:t>
             </a:r>
             <a:r>
               <a:rPr b="1" dirty="0"/>

--- a/LectureSlides/04_SamplingAndSimulation.pptx
+++ b/LectureSlides/04_SamplingAndSimulation.pptx
@@ -9711,17 +9711,16 @@
                   <a:buNone/>
                 </a:pPr>
                 <a:r>
-                  <a:rPr sz="1800" dirty="0"/>
+                  <a:rPr lang="en-US" sz="1800" dirty="0"/>
                   <a:t>The population of 10000 samples from the standard Normal distribution</a:t>
                 </a:r>
               </a:p>
               <a:p>
                 <a:pPr lvl="0"/>
                 <a:r>
-                  <a:rPr sz="1800" dirty="0"/>
+                  <a:rPr lang="en-US" sz="1800" dirty="0"/>
                   <a:t>The mean of each group should be close to 0.0:</a:t>
                 </a:r>
-                <a:endParaRPr lang="en-US" sz="1800" dirty="0"/>
               </a:p>
               <a:p>
                 <a:pPr marL="457200" lvl="0" indent="-457200">
@@ -9729,10 +9728,9 @@
                   <a:buAutoNum type="arabicPeriod"/>
                 </a:pPr>
                 <a:r>
-                  <a:rPr sz="1800" dirty="0"/>
+                  <a:rPr lang="en-US" sz="1800" dirty="0"/>
                   <a:t>The sample is divided between 4 groups</a:t>
                 </a:r>
-                <a:endParaRPr lang="en-US" sz="1800" dirty="0"/>
               </a:p>
               <a:p>
                 <a:pPr marL="457200" lvl="0" indent="-457200">
@@ -9740,48 +9738,40 @@
                   <a:buAutoNum type="arabicPeriod"/>
                 </a:pPr>
                 <a:r>
-                  <a:rPr sz="1800" dirty="0"/>
-                  <a:t>Probability of sampl</a:t>
-                </a:r>
-                <a:r>
                   <a:rPr lang="en-US" sz="1800" dirty="0"/>
-                  <a:t>ing</a:t>
-                </a:r>
-                <a:r>
-                  <a:rPr sz="1800" dirty="0"/>
-                  <a:t>, </a:t>
+                  <a:t>Probability of sampling, </a:t>
                 </a:r>
                 <a14:m>
                   <m:oMath xmlns:m="http://schemas.openxmlformats.org/officeDocument/2006/math">
                     <m:r>
-                      <a:rPr sz="1800">
+                      <a:rPr lang="en-US" sz="1800">
                         <a:latin typeface="Cambria Math" panose="02040503050406030204" pitchFamily="18" charset="0"/>
                       </a:rPr>
                       <m:t>𝑝</m:t>
                     </m:r>
                     <m:r>
-                      <a:rPr sz="1800">
+                      <a:rPr lang="en-US" sz="1800">
                         <a:latin typeface="Cambria Math" panose="02040503050406030204" pitchFamily="18" charset="0"/>
                       </a:rPr>
                       <m:t>=</m:t>
                     </m:r>
                     <m:r>
-                      <a:rPr sz="1800">
+                      <a:rPr lang="en-US" sz="1800">
                         <a:latin typeface="Cambria Math" panose="02040503050406030204" pitchFamily="18" charset="0"/>
                       </a:rPr>
                       <m:t>0</m:t>
                     </m:r>
                     <m:r>
-                      <a:rPr sz="1800">
+                      <a:rPr lang="en-US" sz="1800">
                         <a:latin typeface="Cambria Math" panose="02040503050406030204" pitchFamily="18" charset="0"/>
                       </a:rPr>
                       <m:t>.</m:t>
                     </m:r>
                     <m:r>
-                      <a:rPr sz="1800">
+                      <a:rPr lang="en-US" sz="1800" b="0" i="0" smtClean="0">
                         <a:latin typeface="Cambria Math" panose="02040503050406030204" pitchFamily="18" charset="0"/>
                       </a:rPr>
-                      <m:t>1</m:t>
+                      <m:t>04</m:t>
                     </m:r>
                   </m:oMath>
                 </a14:m>
@@ -9793,10 +9783,9 @@
                   <a:buAutoNum type="arabicPeriod"/>
                 </a:pPr>
                 <a:r>
-                  <a:rPr sz="1800" dirty="0"/>
+                  <a:rPr lang="en-US" sz="1800" dirty="0"/>
                   <a:t>Summary statistics are computed for each group</a:t>
                 </a:r>
-                <a:endParaRPr lang="en-US" sz="1800" dirty="0"/>
               </a:p>
               <a:p>
                 <a:pPr lvl="0"/>

--- a/LectureSlides/04_SamplingAndSimulation.pptx
+++ b/LectureSlides/04_SamplingAndSimulation.pptx
@@ -257,7 +257,7 @@
           <a:p>
             <a:fld id="{5558A1AA-8502-4342-9C4F-4F7467E21DCA}" type="datetimeFigureOut">
               <a:rPr lang="en-US" smtClean="0"/>
-              <a:t>9/18/2024</a:t>
+              <a:t>9/30/2025</a:t>
             </a:fld>
             <a:endParaRPr lang="en-US"/>
           </a:p>
@@ -787,7 +787,7 @@
           <a:p>
             <a:fld id="{241EB5C9-1307-BA42-ABA2-0BC069CD8E7F}" type="datetimeFigureOut">
               <a:rPr lang="en-US" smtClean="0"/>
-              <a:t>9/18/2024</a:t>
+              <a:t>9/30/2025</a:t>
             </a:fld>
             <a:endParaRPr lang="en-US"/>
           </a:p>
@@ -955,7 +955,7 @@
           <a:p>
             <a:fld id="{241EB5C9-1307-BA42-ABA2-0BC069CD8E7F}" type="datetimeFigureOut">
               <a:rPr lang="en-US" smtClean="0"/>
-              <a:t>9/18/2024</a:t>
+              <a:t>9/30/2025</a:t>
             </a:fld>
             <a:endParaRPr lang="en-US"/>
           </a:p>
@@ -1133,7 +1133,7 @@
           <a:p>
             <a:fld id="{241EB5C9-1307-BA42-ABA2-0BC069CD8E7F}" type="datetimeFigureOut">
               <a:rPr lang="en-US" smtClean="0"/>
-              <a:t>9/18/2024</a:t>
+              <a:t>9/30/2025</a:t>
             </a:fld>
             <a:endParaRPr lang="en-US"/>
           </a:p>
@@ -1301,7 +1301,7 @@
           <a:p>
             <a:fld id="{241EB5C9-1307-BA42-ABA2-0BC069CD8E7F}" type="datetimeFigureOut">
               <a:rPr lang="en-US" smtClean="0"/>
-              <a:t>9/18/2024</a:t>
+              <a:t>9/30/2025</a:t>
             </a:fld>
             <a:endParaRPr lang="en-US"/>
           </a:p>
@@ -1546,7 +1546,7 @@
           <a:p>
             <a:fld id="{241EB5C9-1307-BA42-ABA2-0BC069CD8E7F}" type="datetimeFigureOut">
               <a:rPr lang="en-US" smtClean="0"/>
-              <a:t>9/18/2024</a:t>
+              <a:t>9/30/2025</a:t>
             </a:fld>
             <a:endParaRPr lang="en-US"/>
           </a:p>
@@ -1831,7 +1831,7 @@
           <a:p>
             <a:fld id="{241EB5C9-1307-BA42-ABA2-0BC069CD8E7F}" type="datetimeFigureOut">
               <a:rPr lang="en-US" smtClean="0"/>
-              <a:t>9/18/2024</a:t>
+              <a:t>9/30/2025</a:t>
             </a:fld>
             <a:endParaRPr lang="en-US"/>
           </a:p>
@@ -2250,7 +2250,7 @@
           <a:p>
             <a:fld id="{241EB5C9-1307-BA42-ABA2-0BC069CD8E7F}" type="datetimeFigureOut">
               <a:rPr lang="en-US" smtClean="0"/>
-              <a:t>9/18/2024</a:t>
+              <a:t>9/30/2025</a:t>
             </a:fld>
             <a:endParaRPr lang="en-US"/>
           </a:p>
@@ -2367,7 +2367,7 @@
           <a:p>
             <a:fld id="{241EB5C9-1307-BA42-ABA2-0BC069CD8E7F}" type="datetimeFigureOut">
               <a:rPr lang="en-US" smtClean="0"/>
-              <a:t>9/18/2024</a:t>
+              <a:t>9/30/2025</a:t>
             </a:fld>
             <a:endParaRPr lang="en-US"/>
           </a:p>
@@ -2462,7 +2462,7 @@
           <a:p>
             <a:fld id="{241EB5C9-1307-BA42-ABA2-0BC069CD8E7F}" type="datetimeFigureOut">
               <a:rPr lang="en-US" smtClean="0"/>
-              <a:t>9/18/2024</a:t>
+              <a:t>9/30/2025</a:t>
             </a:fld>
             <a:endParaRPr lang="en-US"/>
           </a:p>
@@ -2737,7 +2737,7 @@
           <a:p>
             <a:fld id="{241EB5C9-1307-BA42-ABA2-0BC069CD8E7F}" type="datetimeFigureOut">
               <a:rPr lang="en-US" smtClean="0"/>
-              <a:t>9/18/2024</a:t>
+              <a:t>9/30/2025</a:t>
             </a:fld>
             <a:endParaRPr lang="en-US"/>
           </a:p>
@@ -2989,7 +2989,7 @@
           <a:p>
             <a:fld id="{241EB5C9-1307-BA42-ABA2-0BC069CD8E7F}" type="datetimeFigureOut">
               <a:rPr lang="en-US" smtClean="0"/>
-              <a:t>9/18/2024</a:t>
+              <a:t>9/30/2025</a:t>
             </a:fld>
             <a:endParaRPr lang="en-US"/>
           </a:p>
@@ -3200,7 +3200,7 @@
           <a:p>
             <a:fld id="{241EB5C9-1307-BA42-ABA2-0BC069CD8E7F}" type="datetimeFigureOut">
               <a:rPr lang="en-US" smtClean="0"/>
-              <a:t>9/18/2024</a:t>
+              <a:t>9/30/2025</a:t>
             </a:fld>
             <a:endParaRPr lang="en-US"/>
           </a:p>
@@ -4589,8 +4589,8 @@
           </a:p>
         </p:txBody>
       </p:sp>
-      <mc:AlternateContent xmlns:mc="http://schemas.openxmlformats.org/markup-compatibility/2006">
-        <mc:Choice xmlns:a14="http://schemas.microsoft.com/office/drawing/2010/main" Requires="a14">
+      <mc:AlternateContent xmlns:mc="http://schemas.openxmlformats.org/markup-compatibility/2006" xmlns:a14="http://schemas.microsoft.com/office/drawing/2010/main">
+        <mc:Choice Requires="a14">
           <p:sp>
             <p:nvSpPr>
               <p:cNvPr id="3" name="Content Placeholder 2"/>
@@ -4791,7 +4791,7 @@
             </p:txBody>
           </p:sp>
         </mc:Choice>
-        <mc:Fallback>
+        <mc:Fallback xmlns="">
           <p:sp>
             <p:nvSpPr>
               <p:cNvPr id="3" name="Content Placeholder 2"/>
@@ -4878,8 +4878,8 @@
           </a:p>
         </p:txBody>
       </p:sp>
-      <mc:AlternateContent xmlns:mc="http://schemas.openxmlformats.org/markup-compatibility/2006">
-        <mc:Choice xmlns:a14="http://schemas.microsoft.com/office/drawing/2010/main" Requires="a14">
+      <mc:AlternateContent xmlns:mc="http://schemas.openxmlformats.org/markup-compatibility/2006" xmlns:a14="http://schemas.microsoft.com/office/drawing/2010/main">
+        <mc:Choice Requires="a14">
           <p:sp>
             <p:nvSpPr>
               <p:cNvPr id="3" name="Content Placeholder 2"/>
@@ -5146,7 +5146,7 @@
             </p:txBody>
           </p:sp>
         </mc:Choice>
-        <mc:Fallback>
+        <mc:Fallback xmlns="">
           <p:sp>
             <p:nvSpPr>
               <p:cNvPr id="3" name="Content Placeholder 2"/>
@@ -5238,8 +5238,8 @@
           </a:p>
         </p:txBody>
       </p:sp>
-      <mc:AlternateContent xmlns:mc="http://schemas.openxmlformats.org/markup-compatibility/2006">
-        <mc:Choice xmlns:a14="http://schemas.microsoft.com/office/drawing/2010/main" Requires="a14">
+      <mc:AlternateContent xmlns:mc="http://schemas.openxmlformats.org/markup-compatibility/2006" xmlns:a14="http://schemas.microsoft.com/office/drawing/2010/main">
+        <mc:Choice Requires="a14">
           <p:sp>
             <p:nvSpPr>
               <p:cNvPr id="3" name="Content Placeholder 2"/>
@@ -5372,7 +5372,7 @@
             </p:txBody>
           </p:sp>
         </mc:Choice>
-        <mc:Fallback>
+        <mc:Fallback xmlns="">
           <p:sp>
             <p:nvSpPr>
               <p:cNvPr id="3" name="Content Placeholder 2"/>
@@ -5946,15 +5946,7 @@
                 <a:pPr lvl="0"/>
                 <a:r>
                   <a:rPr lang="en-US" dirty="0"/>
-                  <a:t>Weak law of large numbers applies to </a:t>
-                </a:r>
-                <a:r>
-                  <a:rPr lang="en-US" dirty="0" err="1"/>
-                  <a:t>estiamtes</a:t>
-                </a:r>
-                <a:r>
-                  <a:rPr lang="en-US" dirty="0"/>
-                  <a:t> of parameters of a machine learning model</a:t>
+                  <a:t>Weak law of large numbers applies to estimates of parameters of a machine learning model</a:t>
                 </a:r>
                 <a:endParaRPr dirty="0"/>
               </a:p>
@@ -6248,8 +6240,8 @@
           </a:p>
         </p:txBody>
       </p:sp>
-      <mc:AlternateContent xmlns:mc="http://schemas.openxmlformats.org/markup-compatibility/2006">
-        <mc:Choice xmlns:a14="http://schemas.microsoft.com/office/drawing/2010/main" Requires="a14">
+      <mc:AlternateContent xmlns:mc="http://schemas.openxmlformats.org/markup-compatibility/2006" xmlns:a14="http://schemas.microsoft.com/office/drawing/2010/main">
+        <mc:Choice Requires="a14">
           <p:sp>
             <p:nvSpPr>
               <p:cNvPr id="4" name="Text Placeholder 3"/>
@@ -6318,7 +6310,7 @@
             </p:txBody>
           </p:sp>
         </mc:Choice>
-        <mc:Fallback>
+        <mc:Fallback xmlns="">
           <p:sp>
             <p:nvSpPr>
               <p:cNvPr id="4" name="Text Placeholder 3"/>
@@ -7157,8 +7149,8 @@
           </a:p>
         </p:txBody>
       </p:sp>
-      <mc:AlternateContent xmlns:mc="http://schemas.openxmlformats.org/markup-compatibility/2006">
-        <mc:Choice xmlns:a14="http://schemas.microsoft.com/office/drawing/2010/main" Requires="a14">
+      <mc:AlternateContent xmlns:mc="http://schemas.openxmlformats.org/markup-compatibility/2006" xmlns:a14="http://schemas.microsoft.com/office/drawing/2010/main">
+        <mc:Choice Requires="a14">
           <p:sp>
             <p:nvSpPr>
               <p:cNvPr id="3" name="Content Placeholder 2"/>
@@ -7321,7 +7313,7 @@
             </p:txBody>
           </p:sp>
         </mc:Choice>
-        <mc:Fallback>
+        <mc:Fallback xmlns="">
           <p:sp>
             <p:nvSpPr>
               <p:cNvPr id="3" name="Content Placeholder 2"/>
@@ -7682,13 +7674,7 @@
                       <a:rPr>
                         <a:latin typeface="Cambria Math" panose="02040503050406030204" pitchFamily="18" charset="0"/>
                       </a:rPr>
-                      <m:t>=</m:t>
-                    </m:r>
-                    <m:r>
-                      <a:rPr>
-                        <a:latin typeface="Cambria Math" panose="02040503050406030204" pitchFamily="18" charset="0"/>
-                      </a:rPr>
-                      <m:t>50</m:t>
+                      <m:t>=50</m:t>
                     </m:r>
                   </m:oMath>
                 </a14:m>
@@ -7834,8 +7820,8 @@
           </a:p>
         </p:txBody>
       </p:sp>
-      <mc:AlternateContent xmlns:mc="http://schemas.openxmlformats.org/markup-compatibility/2006">
-        <mc:Choice xmlns:a14="http://schemas.microsoft.com/office/drawing/2010/main" Requires="a14">
+      <mc:AlternateContent xmlns:mc="http://schemas.openxmlformats.org/markup-compatibility/2006" xmlns:a14="http://schemas.microsoft.com/office/drawing/2010/main">
+        <mc:Choice Requires="a14">
           <p:sp>
             <p:nvSpPr>
               <p:cNvPr id="3" name="Content Placeholder 2"/>
@@ -8031,7 +8017,7 @@
             </p:txBody>
           </p:sp>
         </mc:Choice>
-        <mc:Fallback>
+        <mc:Fallback xmlns="">
           <p:sp>
             <p:nvSpPr>
               <p:cNvPr id="3" name="Content Placeholder 2"/>
@@ -8121,8 +8107,8 @@
           </a:p>
         </p:txBody>
       </p:sp>
-      <mc:AlternateContent xmlns:mc="http://schemas.openxmlformats.org/markup-compatibility/2006">
-        <mc:Choice xmlns:a14="http://schemas.microsoft.com/office/drawing/2010/main" Requires="a14">
+      <mc:AlternateContent xmlns:mc="http://schemas.openxmlformats.org/markup-compatibility/2006" xmlns:a14="http://schemas.microsoft.com/office/drawing/2010/main">
+        <mc:Choice Requires="a14">
           <p:sp>
             <p:nvSpPr>
               <p:cNvPr id="3" name="Content Placeholder 2"/>
@@ -8322,7 +8308,7 @@
             </p:txBody>
           </p:sp>
         </mc:Choice>
-        <mc:Fallback>
+        <mc:Fallback xmlns="">
           <p:sp>
             <p:nvSpPr>
               <p:cNvPr id="3" name="Content Placeholder 2"/>
@@ -8690,8 +8676,8 @@
           </a:p>
         </p:txBody>
       </p:sp>
-      <mc:AlternateContent xmlns:mc="http://schemas.openxmlformats.org/markup-compatibility/2006">
-        <mc:Choice xmlns:a14="http://schemas.microsoft.com/office/drawing/2010/main" Requires="a14">
+      <mc:AlternateContent xmlns:mc="http://schemas.openxmlformats.org/markup-compatibility/2006" xmlns:a14="http://schemas.microsoft.com/office/drawing/2010/main">
+        <mc:Choice Requires="a14">
           <p:sp>
             <p:nvSpPr>
               <p:cNvPr id="3" name="Content Placeholder 2"/>
@@ -8778,7 +8764,7 @@
             </p:txBody>
           </p:sp>
         </mc:Choice>
-        <mc:Fallback>
+        <mc:Fallback xmlns="">
           <p:sp>
             <p:nvSpPr>
               <p:cNvPr id="3" name="Content Placeholder 2"/>
@@ -9683,8 +9669,8 @@
           </a:p>
         </p:txBody>
       </p:sp>
-      <mc:AlternateContent xmlns:mc="http://schemas.openxmlformats.org/markup-compatibility/2006">
-        <mc:Choice xmlns:a14="http://schemas.microsoft.com/office/drawing/2010/main" Requires="a14">
+      <mc:AlternateContent xmlns:mc="http://schemas.openxmlformats.org/markup-compatibility/2006" xmlns:a14="http://schemas.microsoft.com/office/drawing/2010/main">
+        <mc:Choice Requires="a14">
           <p:sp>
             <p:nvSpPr>
               <p:cNvPr id="4" name="Text Placeholder 3"/>
@@ -9798,7 +9784,7 @@
             </p:txBody>
           </p:sp>
         </mc:Choice>
-        <mc:Fallback>
+        <mc:Fallback xmlns="">
           <p:sp>
             <p:nvSpPr>
               <p:cNvPr id="4" name="Text Placeholder 3"/>
